--- a/presentations/6.GANs.pptx
+++ b/presentations/6.GANs.pptx
@@ -3,36 +3,36 @@
 <p:presentation xmlns:a="http://schemas.openxmlformats.org/drawingml/2006/main" xmlns:r="http://schemas.openxmlformats.org/officeDocument/2006/relationships" xmlns:p="http://schemas.openxmlformats.org/presentationml/2006/main" removePersonalInfoOnSave="1" saveSubsetFonts="1">
   <p:sldMasterIdLst>
     <p:sldMasterId id="2147483660" r:id="rId2"/>
+    <p:sldMasterId id="2147483672" r:id="rId3"/>
   </p:sldMasterIdLst>
   <p:notesMasterIdLst>
-    <p:notesMasterId r:id="rId33"/>
+    <p:notesMasterId r:id="rId34"/>
   </p:notesMasterIdLst>
   <p:handoutMasterIdLst>
-    <p:handoutMasterId r:id="rId34"/>
+    <p:handoutMasterId r:id="rId35"/>
   </p:handoutMasterIdLst>
   <p:sldIdLst>
-    <p:sldId id="258" r:id="rId3"/>
-    <p:sldId id="260" r:id="rId4"/>
-    <p:sldId id="294" r:id="rId5"/>
-    <p:sldId id="267" r:id="rId6"/>
-    <p:sldId id="301" r:id="rId7"/>
-    <p:sldId id="276" r:id="rId8"/>
-    <p:sldId id="269" r:id="rId9"/>
-    <p:sldId id="275" r:id="rId10"/>
-    <p:sldId id="277" r:id="rId11"/>
-    <p:sldId id="283" r:id="rId12"/>
-    <p:sldId id="303" r:id="rId13"/>
-    <p:sldId id="278" r:id="rId14"/>
-    <p:sldId id="280" r:id="rId15"/>
-    <p:sldId id="281" r:id="rId16"/>
-    <p:sldId id="284" r:id="rId17"/>
-    <p:sldId id="285" r:id="rId18"/>
-    <p:sldId id="295" r:id="rId19"/>
-    <p:sldId id="271" r:id="rId20"/>
-    <p:sldId id="287" r:id="rId21"/>
-    <p:sldId id="296" r:id="rId22"/>
-    <p:sldId id="282" r:id="rId23"/>
-    <p:sldId id="300" r:id="rId24"/>
+    <p:sldId id="258" r:id="rId4"/>
+    <p:sldId id="260" r:id="rId5"/>
+    <p:sldId id="294" r:id="rId6"/>
+    <p:sldId id="267" r:id="rId7"/>
+    <p:sldId id="301" r:id="rId8"/>
+    <p:sldId id="276" r:id="rId9"/>
+    <p:sldId id="269" r:id="rId10"/>
+    <p:sldId id="275" r:id="rId11"/>
+    <p:sldId id="277" r:id="rId12"/>
+    <p:sldId id="283" r:id="rId13"/>
+    <p:sldId id="303" r:id="rId14"/>
+    <p:sldId id="278" r:id="rId15"/>
+    <p:sldId id="280" r:id="rId16"/>
+    <p:sldId id="281" r:id="rId17"/>
+    <p:sldId id="284" r:id="rId18"/>
+    <p:sldId id="285" r:id="rId19"/>
+    <p:sldId id="295" r:id="rId20"/>
+    <p:sldId id="271" r:id="rId21"/>
+    <p:sldId id="287" r:id="rId22"/>
+    <p:sldId id="296" r:id="rId23"/>
+    <p:sldId id="282" r:id="rId24"/>
     <p:sldId id="288" r:id="rId25"/>
     <p:sldId id="289" r:id="rId26"/>
     <p:sldId id="291" r:id="rId27"/>
@@ -41,6 +41,7 @@
     <p:sldId id="298" r:id="rId30"/>
     <p:sldId id="302" r:id="rId31"/>
     <p:sldId id="297" r:id="rId32"/>
+    <p:sldId id="1746" r:id="rId33"/>
   </p:sldIdLst>
   <p:sldSz cx="12192000" cy="6858000"/>
   <p:notesSz cx="6858000" cy="9144000"/>
@@ -159,6 +160,2314 @@
     </p:ext>
   </p:extLst>
 </p:presentation>
+</file>
+
+<file path=ppt/diagrams/colors1.xml><?xml version="1.0" encoding="utf-8"?>
+<dgm:colorsDef xmlns:dgm="http://schemas.openxmlformats.org/drawingml/2006/diagram" xmlns:a="http://schemas.openxmlformats.org/drawingml/2006/main" uniqueId="urn:microsoft.com/office/officeart/2018/5/colors/Iconchunking_neutralicon_accent6_2">
+  <dgm:title val=""/>
+  <dgm:desc val=""/>
+  <dgm:catLst>
+    <dgm:cat type="accent6" pri="16200"/>
+  </dgm:catLst>
+  <dgm:styleLbl name="node0">
+    <dgm:fillClrLst meth="repeat">
+      <a:schemeClr val="accent6"/>
+    </dgm:fillClrLst>
+    <dgm:linClrLst meth="repeat">
+      <a:schemeClr val="lt1"/>
+    </dgm:linClrLst>
+    <dgm:effectClrLst/>
+    <dgm:txLinClrLst/>
+    <dgm:txFillClrLst/>
+    <dgm:txEffectClrLst/>
+  </dgm:styleLbl>
+  <dgm:styleLbl name="node1">
+    <dgm:fillClrLst meth="repeat">
+      <a:schemeClr val="bg1"/>
+    </dgm:fillClrLst>
+    <dgm:linClrLst meth="repeat">
+      <a:schemeClr val="lt1">
+        <a:alpha val="0"/>
+      </a:schemeClr>
+    </dgm:linClrLst>
+    <dgm:effectClrLst/>
+    <dgm:txLinClrLst/>
+    <dgm:txFillClrLst meth="repeat">
+      <a:schemeClr val="dk1"/>
+    </dgm:txFillClrLst>
+    <dgm:txEffectClrLst/>
+  </dgm:styleLbl>
+  <dgm:styleLbl name="alignNode1">
+    <dgm:fillClrLst meth="repeat">
+      <a:schemeClr val="accent6"/>
+    </dgm:fillClrLst>
+    <dgm:linClrLst meth="repeat">
+      <a:schemeClr val="accent6"/>
+    </dgm:linClrLst>
+    <dgm:effectClrLst/>
+    <dgm:txLinClrLst/>
+    <dgm:txFillClrLst/>
+    <dgm:txEffectClrLst/>
+  </dgm:styleLbl>
+  <dgm:styleLbl name="lnNode1">
+    <dgm:fillClrLst meth="repeat">
+      <a:schemeClr val="accent6"/>
+    </dgm:fillClrLst>
+    <dgm:linClrLst meth="repeat">
+      <a:schemeClr val="lt1"/>
+    </dgm:linClrLst>
+    <dgm:effectClrLst/>
+    <dgm:txLinClrLst/>
+    <dgm:txFillClrLst/>
+    <dgm:txEffectClrLst/>
+  </dgm:styleLbl>
+  <dgm:styleLbl name="vennNode1">
+    <dgm:fillClrLst meth="repeat">
+      <a:schemeClr val="accent6">
+        <a:alpha val="50000"/>
+      </a:schemeClr>
+    </dgm:fillClrLst>
+    <dgm:linClrLst meth="repeat">
+      <a:schemeClr val="lt1"/>
+    </dgm:linClrLst>
+    <dgm:effectClrLst/>
+    <dgm:txLinClrLst/>
+    <dgm:txFillClrLst/>
+    <dgm:txEffectClrLst/>
+  </dgm:styleLbl>
+  <dgm:styleLbl name="node2">
+    <dgm:fillClrLst meth="repeat">
+      <a:schemeClr val="accent6"/>
+    </dgm:fillClrLst>
+    <dgm:linClrLst meth="repeat">
+      <a:schemeClr val="lt1"/>
+    </dgm:linClrLst>
+    <dgm:effectClrLst/>
+    <dgm:txLinClrLst/>
+    <dgm:txFillClrLst/>
+    <dgm:txEffectClrLst/>
+  </dgm:styleLbl>
+  <dgm:styleLbl name="node3">
+    <dgm:fillClrLst meth="repeat">
+      <a:schemeClr val="accent6"/>
+    </dgm:fillClrLst>
+    <dgm:linClrLst meth="repeat">
+      <a:schemeClr val="lt1"/>
+    </dgm:linClrLst>
+    <dgm:effectClrLst/>
+    <dgm:txLinClrLst/>
+    <dgm:txFillClrLst/>
+    <dgm:txEffectClrLst/>
+  </dgm:styleLbl>
+  <dgm:styleLbl name="node4">
+    <dgm:fillClrLst meth="repeat">
+      <a:schemeClr val="accent6"/>
+    </dgm:fillClrLst>
+    <dgm:linClrLst meth="repeat">
+      <a:schemeClr val="lt1"/>
+    </dgm:linClrLst>
+    <dgm:effectClrLst/>
+    <dgm:txLinClrLst/>
+    <dgm:txFillClrLst/>
+    <dgm:txEffectClrLst/>
+  </dgm:styleLbl>
+  <dgm:styleLbl name="fgImgPlace1">
+    <dgm:fillClrLst meth="repeat">
+      <a:schemeClr val="accent6">
+        <a:tint val="50000"/>
+      </a:schemeClr>
+    </dgm:fillClrLst>
+    <dgm:linClrLst meth="repeat">
+      <a:schemeClr val="lt1"/>
+    </dgm:linClrLst>
+    <dgm:effectClrLst/>
+    <dgm:txLinClrLst/>
+    <dgm:txFillClrLst meth="repeat">
+      <a:schemeClr val="lt1"/>
+    </dgm:txFillClrLst>
+    <dgm:txEffectClrLst/>
+  </dgm:styleLbl>
+  <dgm:styleLbl name="alignImgPlace1">
+    <dgm:fillClrLst meth="repeat">
+      <a:schemeClr val="accent6">
+        <a:tint val="50000"/>
+      </a:schemeClr>
+    </dgm:fillClrLst>
+    <dgm:linClrLst meth="repeat">
+      <a:schemeClr val="lt1"/>
+    </dgm:linClrLst>
+    <dgm:effectClrLst/>
+    <dgm:txLinClrLst/>
+    <dgm:txFillClrLst meth="repeat">
+      <a:schemeClr val="lt1"/>
+    </dgm:txFillClrLst>
+    <dgm:txEffectClrLst/>
+  </dgm:styleLbl>
+  <dgm:styleLbl name="bgImgPlace1">
+    <dgm:fillClrLst meth="repeat">
+      <a:schemeClr val="accent6">
+        <a:tint val="50000"/>
+      </a:schemeClr>
+    </dgm:fillClrLst>
+    <dgm:linClrLst meth="repeat">
+      <a:schemeClr val="lt1"/>
+    </dgm:linClrLst>
+    <dgm:effectClrLst/>
+    <dgm:txLinClrLst/>
+    <dgm:txFillClrLst meth="repeat">
+      <a:schemeClr val="lt1"/>
+    </dgm:txFillClrLst>
+    <dgm:txEffectClrLst/>
+  </dgm:styleLbl>
+  <dgm:styleLbl name="sibTrans2D1">
+    <dgm:fillClrLst meth="repeat">
+      <a:schemeClr val="accent6">
+        <a:tint val="60000"/>
+      </a:schemeClr>
+    </dgm:fillClrLst>
+    <dgm:linClrLst meth="repeat">
+      <a:schemeClr val="accent6">
+        <a:tint val="60000"/>
+      </a:schemeClr>
+    </dgm:linClrLst>
+    <dgm:effectClrLst/>
+    <dgm:txLinClrLst/>
+    <dgm:txFillClrLst/>
+    <dgm:txEffectClrLst/>
+  </dgm:styleLbl>
+  <dgm:styleLbl name="fgSibTrans2D1">
+    <dgm:fillClrLst meth="repeat">
+      <a:schemeClr val="accent6">
+        <a:tint val="60000"/>
+      </a:schemeClr>
+    </dgm:fillClrLst>
+    <dgm:linClrLst meth="repeat">
+      <a:schemeClr val="accent6">
+        <a:tint val="60000"/>
+      </a:schemeClr>
+    </dgm:linClrLst>
+    <dgm:effectClrLst/>
+    <dgm:txLinClrLst/>
+    <dgm:txFillClrLst/>
+    <dgm:txEffectClrLst/>
+  </dgm:styleLbl>
+  <dgm:styleLbl name="bgSibTrans2D1">
+    <dgm:fillClrLst meth="repeat">
+      <a:schemeClr val="accent6">
+        <a:tint val="60000"/>
+      </a:schemeClr>
+    </dgm:fillClrLst>
+    <dgm:linClrLst meth="repeat">
+      <a:schemeClr val="accent6">
+        <a:tint val="60000"/>
+      </a:schemeClr>
+    </dgm:linClrLst>
+    <dgm:effectClrLst/>
+    <dgm:txLinClrLst/>
+    <dgm:txFillClrLst/>
+    <dgm:txEffectClrLst/>
+  </dgm:styleLbl>
+  <dgm:styleLbl name="sibTrans1D1">
+    <dgm:fillClrLst meth="repeat">
+      <a:schemeClr val="accent6"/>
+    </dgm:fillClrLst>
+    <dgm:linClrLst meth="repeat">
+      <a:schemeClr val="accent6"/>
+    </dgm:linClrLst>
+    <dgm:effectClrLst/>
+    <dgm:txLinClrLst/>
+    <dgm:txFillClrLst meth="repeat">
+      <a:schemeClr val="tx1"/>
+    </dgm:txFillClrLst>
+    <dgm:txEffectClrLst/>
+  </dgm:styleLbl>
+  <dgm:styleLbl name="callout">
+    <dgm:fillClrLst meth="repeat">
+      <a:schemeClr val="accent6"/>
+    </dgm:fillClrLst>
+    <dgm:linClrLst meth="repeat">
+      <a:schemeClr val="accent6">
+        <a:tint val="50000"/>
+      </a:schemeClr>
+    </dgm:linClrLst>
+    <dgm:effectClrLst/>
+    <dgm:txLinClrLst/>
+    <dgm:txFillClrLst meth="repeat">
+      <a:schemeClr val="tx1"/>
+    </dgm:txFillClrLst>
+    <dgm:txEffectClrLst/>
+  </dgm:styleLbl>
+  <dgm:styleLbl name="asst0">
+    <dgm:fillClrLst meth="repeat">
+      <a:schemeClr val="accent6"/>
+    </dgm:fillClrLst>
+    <dgm:linClrLst meth="repeat">
+      <a:schemeClr val="lt1"/>
+    </dgm:linClrLst>
+    <dgm:effectClrLst/>
+    <dgm:txLinClrLst/>
+    <dgm:txFillClrLst/>
+    <dgm:txEffectClrLst/>
+  </dgm:styleLbl>
+  <dgm:styleLbl name="asst1">
+    <dgm:fillClrLst meth="repeat">
+      <a:schemeClr val="accent6"/>
+    </dgm:fillClrLst>
+    <dgm:linClrLst meth="repeat">
+      <a:schemeClr val="lt1"/>
+    </dgm:linClrLst>
+    <dgm:effectClrLst/>
+    <dgm:txLinClrLst/>
+    <dgm:txFillClrLst/>
+    <dgm:txEffectClrLst/>
+  </dgm:styleLbl>
+  <dgm:styleLbl name="asst2">
+    <dgm:fillClrLst meth="repeat">
+      <a:schemeClr val="accent6"/>
+    </dgm:fillClrLst>
+    <dgm:linClrLst meth="repeat">
+      <a:schemeClr val="lt1"/>
+    </dgm:linClrLst>
+    <dgm:effectClrLst/>
+    <dgm:txLinClrLst/>
+    <dgm:txFillClrLst/>
+    <dgm:txEffectClrLst/>
+  </dgm:styleLbl>
+  <dgm:styleLbl name="asst3">
+    <dgm:fillClrLst meth="repeat">
+      <a:schemeClr val="accent6"/>
+    </dgm:fillClrLst>
+    <dgm:linClrLst meth="repeat">
+      <a:schemeClr val="lt1"/>
+    </dgm:linClrLst>
+    <dgm:effectClrLst/>
+    <dgm:txLinClrLst/>
+    <dgm:txFillClrLst/>
+    <dgm:txEffectClrLst/>
+  </dgm:styleLbl>
+  <dgm:styleLbl name="asst4">
+    <dgm:fillClrLst meth="repeat">
+      <a:schemeClr val="accent6"/>
+    </dgm:fillClrLst>
+    <dgm:linClrLst meth="repeat">
+      <a:schemeClr val="lt1"/>
+    </dgm:linClrLst>
+    <dgm:effectClrLst/>
+    <dgm:txLinClrLst/>
+    <dgm:txFillClrLst/>
+    <dgm:txEffectClrLst/>
+  </dgm:styleLbl>
+  <dgm:styleLbl name="parChTrans2D1">
+    <dgm:fillClrLst meth="repeat">
+      <a:schemeClr val="accent6">
+        <a:tint val="60000"/>
+      </a:schemeClr>
+    </dgm:fillClrLst>
+    <dgm:linClrLst meth="repeat">
+      <a:schemeClr val="accent6">
+        <a:tint val="60000"/>
+      </a:schemeClr>
+    </dgm:linClrLst>
+    <dgm:effectClrLst/>
+    <dgm:txLinClrLst/>
+    <dgm:txFillClrLst meth="repeat">
+      <a:schemeClr val="lt1"/>
+    </dgm:txFillClrLst>
+    <dgm:txEffectClrLst/>
+  </dgm:styleLbl>
+  <dgm:styleLbl name="parChTrans2D2">
+    <dgm:fillClrLst meth="repeat">
+      <a:schemeClr val="accent6"/>
+    </dgm:fillClrLst>
+    <dgm:linClrLst meth="repeat">
+      <a:schemeClr val="accent6"/>
+    </dgm:linClrLst>
+    <dgm:effectClrLst/>
+    <dgm:txLinClrLst/>
+    <dgm:txFillClrLst meth="repeat">
+      <a:schemeClr val="lt1"/>
+    </dgm:txFillClrLst>
+    <dgm:txEffectClrLst/>
+  </dgm:styleLbl>
+  <dgm:styleLbl name="parChTrans2D3">
+    <dgm:fillClrLst meth="repeat">
+      <a:schemeClr val="accent6"/>
+    </dgm:fillClrLst>
+    <dgm:linClrLst meth="repeat">
+      <a:schemeClr val="accent6"/>
+    </dgm:linClrLst>
+    <dgm:effectClrLst/>
+    <dgm:txLinClrLst/>
+    <dgm:txFillClrLst meth="repeat">
+      <a:schemeClr val="lt1"/>
+    </dgm:txFillClrLst>
+    <dgm:txEffectClrLst/>
+  </dgm:styleLbl>
+  <dgm:styleLbl name="parChTrans2D4">
+    <dgm:fillClrLst meth="repeat">
+      <a:schemeClr val="accent6"/>
+    </dgm:fillClrLst>
+    <dgm:linClrLst meth="repeat">
+      <a:schemeClr val="accent6"/>
+    </dgm:linClrLst>
+    <dgm:effectClrLst/>
+    <dgm:txLinClrLst/>
+    <dgm:txFillClrLst meth="repeat">
+      <a:schemeClr val="lt1"/>
+    </dgm:txFillClrLst>
+    <dgm:txEffectClrLst/>
+  </dgm:styleLbl>
+  <dgm:styleLbl name="parChTrans1D1">
+    <dgm:fillClrLst meth="repeat">
+      <a:schemeClr val="accent6"/>
+    </dgm:fillClrLst>
+    <dgm:linClrLst meth="repeat">
+      <a:schemeClr val="accent6">
+        <a:shade val="60000"/>
+      </a:schemeClr>
+    </dgm:linClrLst>
+    <dgm:effectClrLst/>
+    <dgm:txLinClrLst/>
+    <dgm:txFillClrLst meth="repeat">
+      <a:schemeClr val="tx1"/>
+    </dgm:txFillClrLst>
+    <dgm:txEffectClrLst/>
+  </dgm:styleLbl>
+  <dgm:styleLbl name="parChTrans1D2">
+    <dgm:fillClrLst meth="repeat">
+      <a:schemeClr val="accent6"/>
+    </dgm:fillClrLst>
+    <dgm:linClrLst meth="repeat">
+      <a:schemeClr val="accent6">
+        <a:shade val="60000"/>
+      </a:schemeClr>
+    </dgm:linClrLst>
+    <dgm:effectClrLst/>
+    <dgm:txLinClrLst/>
+    <dgm:txFillClrLst meth="repeat">
+      <a:schemeClr val="tx1"/>
+    </dgm:txFillClrLst>
+    <dgm:txEffectClrLst/>
+  </dgm:styleLbl>
+  <dgm:styleLbl name="parChTrans1D3">
+    <dgm:fillClrLst meth="repeat">
+      <a:schemeClr val="accent6"/>
+    </dgm:fillClrLst>
+    <dgm:linClrLst meth="repeat">
+      <a:schemeClr val="accent6">
+        <a:shade val="80000"/>
+      </a:schemeClr>
+    </dgm:linClrLst>
+    <dgm:effectClrLst/>
+    <dgm:txLinClrLst/>
+    <dgm:txFillClrLst meth="repeat">
+      <a:schemeClr val="tx1"/>
+    </dgm:txFillClrLst>
+    <dgm:txEffectClrLst/>
+  </dgm:styleLbl>
+  <dgm:styleLbl name="parChTrans1D4">
+    <dgm:fillClrLst meth="repeat">
+      <a:schemeClr val="accent6"/>
+    </dgm:fillClrLst>
+    <dgm:linClrLst meth="repeat">
+      <a:schemeClr val="accent6">
+        <a:shade val="80000"/>
+      </a:schemeClr>
+    </dgm:linClrLst>
+    <dgm:effectClrLst/>
+    <dgm:txLinClrLst/>
+    <dgm:txFillClrLst meth="repeat">
+      <a:schemeClr val="tx1"/>
+    </dgm:txFillClrLst>
+    <dgm:txEffectClrLst/>
+  </dgm:styleLbl>
+  <dgm:styleLbl name="fgAcc1">
+    <dgm:fillClrLst meth="repeat">
+      <a:schemeClr val="lt1">
+        <a:alpha val="90000"/>
+      </a:schemeClr>
+    </dgm:fillClrLst>
+    <dgm:linClrLst meth="repeat">
+      <a:schemeClr val="accent6"/>
+    </dgm:linClrLst>
+    <dgm:effectClrLst/>
+    <dgm:txLinClrLst/>
+    <dgm:txFillClrLst meth="repeat">
+      <a:schemeClr val="dk1"/>
+    </dgm:txFillClrLst>
+    <dgm:txEffectClrLst/>
+  </dgm:styleLbl>
+  <dgm:styleLbl name="conFgAcc1">
+    <dgm:fillClrLst meth="repeat">
+      <a:schemeClr val="lt1">
+        <a:alpha val="90000"/>
+      </a:schemeClr>
+    </dgm:fillClrLst>
+    <dgm:linClrLst meth="repeat">
+      <a:schemeClr val="accent6"/>
+    </dgm:linClrLst>
+    <dgm:effectClrLst/>
+    <dgm:txLinClrLst/>
+    <dgm:txFillClrLst meth="repeat">
+      <a:schemeClr val="dk1"/>
+    </dgm:txFillClrLst>
+    <dgm:txEffectClrLst/>
+  </dgm:styleLbl>
+  <dgm:styleLbl name="alignAcc1">
+    <dgm:fillClrLst meth="repeat">
+      <a:schemeClr val="lt1">
+        <a:alpha val="90000"/>
+      </a:schemeClr>
+    </dgm:fillClrLst>
+    <dgm:linClrLst meth="repeat">
+      <a:schemeClr val="accent6"/>
+    </dgm:linClrLst>
+    <dgm:effectClrLst/>
+    <dgm:txLinClrLst/>
+    <dgm:txFillClrLst meth="repeat">
+      <a:schemeClr val="dk1"/>
+    </dgm:txFillClrLst>
+    <dgm:txEffectClrLst/>
+  </dgm:styleLbl>
+  <dgm:styleLbl name="trAlignAcc1">
+    <dgm:fillClrLst meth="repeat">
+      <a:schemeClr val="lt1">
+        <a:alpha val="40000"/>
+      </a:schemeClr>
+    </dgm:fillClrLst>
+    <dgm:linClrLst meth="repeat">
+      <a:schemeClr val="accent6"/>
+    </dgm:linClrLst>
+    <dgm:effectClrLst/>
+    <dgm:txLinClrLst/>
+    <dgm:txFillClrLst meth="repeat">
+      <a:schemeClr val="dk1"/>
+    </dgm:txFillClrLst>
+    <dgm:txEffectClrLst/>
+  </dgm:styleLbl>
+  <dgm:styleLbl name="bgAcc1">
+    <dgm:fillClrLst meth="repeat">
+      <a:schemeClr val="lt1">
+        <a:alpha val="90000"/>
+      </a:schemeClr>
+    </dgm:fillClrLst>
+    <dgm:linClrLst meth="repeat">
+      <a:schemeClr val="accent6"/>
+    </dgm:linClrLst>
+    <dgm:effectClrLst/>
+    <dgm:txLinClrLst/>
+    <dgm:txFillClrLst meth="repeat">
+      <a:schemeClr val="dk1"/>
+    </dgm:txFillClrLst>
+    <dgm:txEffectClrLst/>
+  </dgm:styleLbl>
+  <dgm:styleLbl name="solidFgAcc1">
+    <dgm:fillClrLst meth="repeat">
+      <a:schemeClr val="lt1"/>
+    </dgm:fillClrLst>
+    <dgm:linClrLst meth="repeat">
+      <a:schemeClr val="accent6"/>
+    </dgm:linClrLst>
+    <dgm:effectClrLst/>
+    <dgm:txLinClrLst/>
+    <dgm:txFillClrLst meth="repeat">
+      <a:schemeClr val="dk1"/>
+    </dgm:txFillClrLst>
+    <dgm:txEffectClrLst/>
+  </dgm:styleLbl>
+  <dgm:styleLbl name="solidAlignAcc1">
+    <dgm:fillClrLst meth="repeat">
+      <a:schemeClr val="lt1"/>
+    </dgm:fillClrLst>
+    <dgm:linClrLst meth="repeat">
+      <a:schemeClr val="accent6"/>
+    </dgm:linClrLst>
+    <dgm:effectClrLst/>
+    <dgm:txLinClrLst/>
+    <dgm:txFillClrLst meth="repeat">
+      <a:schemeClr val="dk1"/>
+    </dgm:txFillClrLst>
+    <dgm:txEffectClrLst/>
+  </dgm:styleLbl>
+  <dgm:styleLbl name="solidBgAcc1">
+    <dgm:fillClrLst meth="repeat">
+      <a:schemeClr val="lt1"/>
+    </dgm:fillClrLst>
+    <dgm:linClrLst meth="repeat">
+      <a:schemeClr val="accent6"/>
+    </dgm:linClrLst>
+    <dgm:effectClrLst/>
+    <dgm:txLinClrLst/>
+    <dgm:txFillClrLst meth="repeat">
+      <a:schemeClr val="dk1"/>
+    </dgm:txFillClrLst>
+    <dgm:txEffectClrLst/>
+  </dgm:styleLbl>
+  <dgm:styleLbl name="fgAccFollowNode1">
+    <dgm:fillClrLst meth="repeat">
+      <a:schemeClr val="accent6">
+        <a:alpha val="90000"/>
+        <a:tint val="40000"/>
+      </a:schemeClr>
+    </dgm:fillClrLst>
+    <dgm:linClrLst meth="repeat">
+      <a:schemeClr val="accent6">
+        <a:alpha val="90000"/>
+        <a:tint val="40000"/>
+      </a:schemeClr>
+    </dgm:linClrLst>
+    <dgm:effectClrLst/>
+    <dgm:txLinClrLst/>
+    <dgm:txFillClrLst meth="repeat">
+      <a:schemeClr val="dk1"/>
+    </dgm:txFillClrLst>
+    <dgm:txEffectClrLst/>
+  </dgm:styleLbl>
+  <dgm:styleLbl name="alignAccFollowNode1">
+    <dgm:fillClrLst meth="repeat">
+      <a:schemeClr val="accent6">
+        <a:alpha val="90000"/>
+        <a:tint val="40000"/>
+      </a:schemeClr>
+    </dgm:fillClrLst>
+    <dgm:linClrLst meth="repeat">
+      <a:schemeClr val="accent6">
+        <a:alpha val="90000"/>
+        <a:tint val="40000"/>
+      </a:schemeClr>
+    </dgm:linClrLst>
+    <dgm:effectClrLst/>
+    <dgm:txLinClrLst/>
+    <dgm:txFillClrLst meth="repeat">
+      <a:schemeClr val="dk1"/>
+    </dgm:txFillClrLst>
+    <dgm:txEffectClrLst/>
+  </dgm:styleLbl>
+  <dgm:styleLbl name="bgAccFollowNode1">
+    <dgm:fillClrLst meth="repeat">
+      <a:schemeClr val="accent6">
+        <a:alpha val="90000"/>
+        <a:tint val="40000"/>
+      </a:schemeClr>
+    </dgm:fillClrLst>
+    <dgm:linClrLst meth="repeat">
+      <a:schemeClr val="accent6">
+        <a:alpha val="90000"/>
+        <a:tint val="40000"/>
+      </a:schemeClr>
+    </dgm:linClrLst>
+    <dgm:effectClrLst/>
+    <dgm:txLinClrLst/>
+    <dgm:txFillClrLst meth="repeat">
+      <a:schemeClr val="dk1"/>
+    </dgm:txFillClrLst>
+    <dgm:txEffectClrLst/>
+  </dgm:styleLbl>
+  <dgm:styleLbl name="fgAcc0">
+    <dgm:fillClrLst meth="repeat">
+      <a:schemeClr val="lt1">
+        <a:alpha val="90000"/>
+      </a:schemeClr>
+    </dgm:fillClrLst>
+    <dgm:linClrLst meth="repeat">
+      <a:schemeClr val="accent6"/>
+    </dgm:linClrLst>
+    <dgm:effectClrLst/>
+    <dgm:txLinClrLst/>
+    <dgm:txFillClrLst meth="repeat">
+      <a:schemeClr val="dk1"/>
+    </dgm:txFillClrLst>
+    <dgm:txEffectClrLst/>
+  </dgm:styleLbl>
+  <dgm:styleLbl name="fgAcc2">
+    <dgm:fillClrLst meth="repeat">
+      <a:schemeClr val="lt1">
+        <a:alpha val="90000"/>
+      </a:schemeClr>
+    </dgm:fillClrLst>
+    <dgm:linClrLst meth="repeat">
+      <a:schemeClr val="accent6"/>
+    </dgm:linClrLst>
+    <dgm:effectClrLst/>
+    <dgm:txLinClrLst/>
+    <dgm:txFillClrLst meth="repeat">
+      <a:schemeClr val="dk1"/>
+    </dgm:txFillClrLst>
+    <dgm:txEffectClrLst/>
+  </dgm:styleLbl>
+  <dgm:styleLbl name="fgAcc3">
+    <dgm:fillClrLst meth="repeat">
+      <a:schemeClr val="lt1">
+        <a:alpha val="90000"/>
+      </a:schemeClr>
+    </dgm:fillClrLst>
+    <dgm:linClrLst meth="repeat">
+      <a:schemeClr val="accent6"/>
+    </dgm:linClrLst>
+    <dgm:effectClrLst/>
+    <dgm:txLinClrLst/>
+    <dgm:txFillClrLst meth="repeat">
+      <a:schemeClr val="dk1"/>
+    </dgm:txFillClrLst>
+    <dgm:txEffectClrLst/>
+  </dgm:styleLbl>
+  <dgm:styleLbl name="fgAcc4">
+    <dgm:fillClrLst meth="repeat">
+      <a:schemeClr val="lt1">
+        <a:alpha val="90000"/>
+      </a:schemeClr>
+    </dgm:fillClrLst>
+    <dgm:linClrLst meth="repeat">
+      <a:schemeClr val="accent6"/>
+    </dgm:linClrLst>
+    <dgm:effectClrLst/>
+    <dgm:txLinClrLst/>
+    <dgm:txFillClrLst meth="repeat">
+      <a:schemeClr val="dk1"/>
+    </dgm:txFillClrLst>
+    <dgm:txEffectClrLst/>
+  </dgm:styleLbl>
+  <dgm:styleLbl name="bgShp">
+    <dgm:fillClrLst meth="repeat">
+      <a:schemeClr val="accent6"/>
+    </dgm:fillClrLst>
+    <dgm:linClrLst meth="repeat">
+      <a:schemeClr val="lt1">
+        <a:alpha val="0"/>
+      </a:schemeClr>
+    </dgm:linClrLst>
+    <dgm:effectClrLst/>
+    <dgm:txLinClrLst/>
+    <dgm:txFillClrLst/>
+    <dgm:txEffectClrLst/>
+  </dgm:styleLbl>
+  <dgm:styleLbl name="dkBgShp">
+    <dgm:fillClrLst meth="repeat">
+      <a:schemeClr val="accent6">
+        <a:shade val="80000"/>
+      </a:schemeClr>
+    </dgm:fillClrLst>
+    <dgm:linClrLst meth="repeat">
+      <a:schemeClr val="accent6"/>
+    </dgm:linClrLst>
+    <dgm:effectClrLst/>
+    <dgm:txLinClrLst/>
+    <dgm:txFillClrLst meth="repeat">
+      <a:schemeClr val="lt1"/>
+    </dgm:txFillClrLst>
+    <dgm:txEffectClrLst/>
+  </dgm:styleLbl>
+  <dgm:styleLbl name="trBgShp">
+    <dgm:fillClrLst meth="repeat">
+      <a:schemeClr val="accent6">
+        <a:tint val="50000"/>
+        <a:alpha val="40000"/>
+      </a:schemeClr>
+    </dgm:fillClrLst>
+    <dgm:linClrLst meth="repeat">
+      <a:schemeClr val="accent6"/>
+    </dgm:linClrLst>
+    <dgm:effectClrLst/>
+    <dgm:txLinClrLst/>
+    <dgm:txFillClrLst meth="repeat">
+      <a:schemeClr val="lt1"/>
+    </dgm:txFillClrLst>
+    <dgm:txEffectClrLst/>
+  </dgm:styleLbl>
+  <dgm:styleLbl name="fgShp">
+    <dgm:fillClrLst meth="repeat">
+      <a:schemeClr val="accent6">
+        <a:tint val="60000"/>
+      </a:schemeClr>
+    </dgm:fillClrLst>
+    <dgm:linClrLst meth="repeat">
+      <a:schemeClr val="lt1"/>
+    </dgm:linClrLst>
+    <dgm:effectClrLst/>
+    <dgm:txLinClrLst/>
+    <dgm:txFillClrLst meth="repeat">
+      <a:schemeClr val="dk1"/>
+    </dgm:txFillClrLst>
+    <dgm:txEffectClrLst/>
+  </dgm:styleLbl>
+  <dgm:styleLbl name="revTx">
+    <dgm:fillClrLst meth="repeat">
+      <a:schemeClr val="lt1">
+        <a:alpha val="0"/>
+      </a:schemeClr>
+    </dgm:fillClrLst>
+    <dgm:linClrLst meth="repeat">
+      <a:schemeClr val="dk1">
+        <a:alpha val="0"/>
+      </a:schemeClr>
+    </dgm:linClrLst>
+    <dgm:effectClrLst/>
+    <dgm:txLinClrLst/>
+    <dgm:txFillClrLst meth="repeat">
+      <a:schemeClr val="tx1"/>
+    </dgm:txFillClrLst>
+    <dgm:txEffectClrLst/>
+  </dgm:styleLbl>
+</dgm:colorsDef>
+</file>
+
+<file path=ppt/diagrams/data1.xml><?xml version="1.0" encoding="utf-8"?>
+<dgm:dataModel xmlns:dgm="http://schemas.openxmlformats.org/drawingml/2006/diagram" xmlns:a="http://schemas.openxmlformats.org/drawingml/2006/main">
+  <dgm:ptLst>
+    <dgm:pt modelId="{F9C13894-8BC3-4434-A165-82145D200DA3}" type="doc">
+      <dgm:prSet loTypeId="urn:microsoft.com/office/officeart/2018/5/layout/IconLeafLabelList" loCatId="icon" qsTypeId="urn:microsoft.com/office/officeart/2005/8/quickstyle/simple1" qsCatId="simple" csTypeId="urn:microsoft.com/office/officeart/2018/5/colors/Iconchunking_neutralicon_accent6_2" csCatId="accent6" phldr="1"/>
+      <dgm:spPr/>
+      <dgm:t>
+        <a:bodyPr/>
+        <a:lstStyle/>
+        <a:p>
+          <a:endParaRPr lang="en-US"/>
+        </a:p>
+      </dgm:t>
+    </dgm:pt>
+    <dgm:pt modelId="{9FAF50C3-D525-43F3-A334-62E445D4A016}">
+      <dgm:prSet/>
+      <dgm:spPr/>
+      <dgm:t>
+        <a:bodyPr/>
+        <a:lstStyle/>
+        <a:p>
+          <a:pPr>
+            <a:defRPr cap="all"/>
+          </a:pPr>
+          <a:endParaRPr lang="en-US" dirty="0"/>
+        </a:p>
+      </dgm:t>
+    </dgm:pt>
+    <dgm:pt modelId="{BE560A3E-9A84-4E37-A641-6A380B2026E6}" type="parTrans" cxnId="{CD572D75-BB8E-4B9F-87AB-C0C4EEEEA63D}">
+      <dgm:prSet/>
+      <dgm:spPr/>
+      <dgm:t>
+        <a:bodyPr/>
+        <a:lstStyle/>
+        <a:p>
+          <a:endParaRPr lang="en-US"/>
+        </a:p>
+      </dgm:t>
+    </dgm:pt>
+    <dgm:pt modelId="{D30244DE-7547-40AB-A0D9-83BED444748D}" type="sibTrans" cxnId="{CD572D75-BB8E-4B9F-87AB-C0C4EEEEA63D}">
+      <dgm:prSet/>
+      <dgm:spPr/>
+      <dgm:t>
+        <a:bodyPr/>
+        <a:lstStyle/>
+        <a:p>
+          <a:endParaRPr lang="en-US"/>
+        </a:p>
+      </dgm:t>
+    </dgm:pt>
+    <dgm:pt modelId="{40CA7CD9-4539-4F9C-BF93-C5556334C542}" type="pres">
+      <dgm:prSet presAssocID="{F9C13894-8BC3-4434-A165-82145D200DA3}" presName="root" presStyleCnt="0">
+        <dgm:presLayoutVars>
+          <dgm:dir/>
+          <dgm:resizeHandles val="exact"/>
+        </dgm:presLayoutVars>
+      </dgm:prSet>
+      <dgm:spPr/>
+    </dgm:pt>
+    <dgm:pt modelId="{160667E9-A58D-443F-84CF-F1E4DBDF97A8}" type="pres">
+      <dgm:prSet presAssocID="{9FAF50C3-D525-43F3-A334-62E445D4A016}" presName="compNode" presStyleCnt="0"/>
+      <dgm:spPr/>
+    </dgm:pt>
+    <dgm:pt modelId="{6E2DFF5B-817D-4471-BDCC-8B545C93B789}" type="pres">
+      <dgm:prSet presAssocID="{9FAF50C3-D525-43F3-A334-62E445D4A016}" presName="iconBgRect" presStyleLbl="bgShp" presStyleIdx="0" presStyleCnt="1"/>
+      <dgm:spPr>
+        <a:prstGeom prst="round2DiagRect">
+          <a:avLst>
+            <a:gd name="adj1" fmla="val 29727"/>
+            <a:gd name="adj2" fmla="val 0"/>
+          </a:avLst>
+        </a:prstGeom>
+      </dgm:spPr>
+    </dgm:pt>
+    <dgm:pt modelId="{40BA6D1F-D980-4323-B768-AE3CCC44D588}" type="pres">
+      <dgm:prSet presAssocID="{9FAF50C3-D525-43F3-A334-62E445D4A016}" presName="iconRect" presStyleLbl="node1" presStyleIdx="0" presStyleCnt="1"/>
+      <dgm:spPr>
+        <a:blipFill>
+          <a:blip xmlns:r="http://schemas.openxmlformats.org/officeDocument/2006/relationships" r:embed="rId1">
+            <a:extLst>
+              <a:ext uri="{28A0092B-C50C-407E-A947-70E740481C1C}">
+                <a14:useLocalDpi xmlns:a14="http://schemas.microsoft.com/office/drawing/2010/main" val="0"/>
+              </a:ext>
+              <a:ext uri="{96DAC541-7B7A-43D3-8B79-37D633B846F1}">
+                <asvg:svgBlip xmlns:asvg="http://schemas.microsoft.com/office/drawing/2016/SVG/main" r:embed="rId2"/>
+              </a:ext>
+            </a:extLst>
+          </a:blip>
+          <a:stretch>
+            <a:fillRect/>
+          </a:stretch>
+        </a:blipFill>
+        <a:ln>
+          <a:noFill/>
+        </a:ln>
+      </dgm:spPr>
+      <dgm:extLst>
+        <a:ext uri="{E40237B7-FDA0-4F09-8148-C483321AD2D9}">
+          <dgm14:cNvPr xmlns:dgm14="http://schemas.microsoft.com/office/drawing/2010/diagram" id="0" name="" descr="Head with Gears"/>
+        </a:ext>
+      </dgm:extLst>
+    </dgm:pt>
+    <dgm:pt modelId="{2BF958D7-4DFB-455A-9662-9873D46978D0}" type="pres">
+      <dgm:prSet presAssocID="{9FAF50C3-D525-43F3-A334-62E445D4A016}" presName="spaceRect" presStyleCnt="0"/>
+      <dgm:spPr/>
+    </dgm:pt>
+    <dgm:pt modelId="{32D11FB4-DC81-4FC1-B3F3-2F161949100C}" type="pres">
+      <dgm:prSet presAssocID="{9FAF50C3-D525-43F3-A334-62E445D4A016}" presName="textRect" presStyleLbl="revTx" presStyleIdx="0" presStyleCnt="1">
+        <dgm:presLayoutVars>
+          <dgm:chMax val="1"/>
+          <dgm:chPref val="1"/>
+        </dgm:presLayoutVars>
+      </dgm:prSet>
+      <dgm:spPr/>
+    </dgm:pt>
+  </dgm:ptLst>
+  <dgm:cxnLst>
+    <dgm:cxn modelId="{33632B22-16E8-438C-BE73-4E783DE18289}" type="presOf" srcId="{F9C13894-8BC3-4434-A165-82145D200DA3}" destId="{40CA7CD9-4539-4F9C-BF93-C5556334C542}" srcOrd="0" destOrd="0" presId="urn:microsoft.com/office/officeart/2018/5/layout/IconLeafLabelList"/>
+    <dgm:cxn modelId="{FCFEE624-1466-4818-9095-B70E8A2E3C38}" type="presOf" srcId="{9FAF50C3-D525-43F3-A334-62E445D4A016}" destId="{32D11FB4-DC81-4FC1-B3F3-2F161949100C}" srcOrd="0" destOrd="0" presId="urn:microsoft.com/office/officeart/2018/5/layout/IconLeafLabelList"/>
+    <dgm:cxn modelId="{CD572D75-BB8E-4B9F-87AB-C0C4EEEEA63D}" srcId="{F9C13894-8BC3-4434-A165-82145D200DA3}" destId="{9FAF50C3-D525-43F3-A334-62E445D4A016}" srcOrd="0" destOrd="0" parTransId="{BE560A3E-9A84-4E37-A641-6A380B2026E6}" sibTransId="{D30244DE-7547-40AB-A0D9-83BED444748D}"/>
+    <dgm:cxn modelId="{ABEA9F8F-7B25-42EE-95EA-BF3CB9EBDE72}" type="presParOf" srcId="{40CA7CD9-4539-4F9C-BF93-C5556334C542}" destId="{160667E9-A58D-443F-84CF-F1E4DBDF97A8}" srcOrd="0" destOrd="0" presId="urn:microsoft.com/office/officeart/2018/5/layout/IconLeafLabelList"/>
+    <dgm:cxn modelId="{CE79943B-EFEA-4EF9-8BEB-3B0FF538BEF9}" type="presParOf" srcId="{160667E9-A58D-443F-84CF-F1E4DBDF97A8}" destId="{6E2DFF5B-817D-4471-BDCC-8B545C93B789}" srcOrd="0" destOrd="0" presId="urn:microsoft.com/office/officeart/2018/5/layout/IconLeafLabelList"/>
+    <dgm:cxn modelId="{9A4B8F5F-81DE-4CE5-A31F-1BD42D2E66E4}" type="presParOf" srcId="{160667E9-A58D-443F-84CF-F1E4DBDF97A8}" destId="{40BA6D1F-D980-4323-B768-AE3CCC44D588}" srcOrd="1" destOrd="0" presId="urn:microsoft.com/office/officeart/2018/5/layout/IconLeafLabelList"/>
+    <dgm:cxn modelId="{21939C27-D37C-449A-A1C4-AE1FCC2C20A6}" type="presParOf" srcId="{160667E9-A58D-443F-84CF-F1E4DBDF97A8}" destId="{2BF958D7-4DFB-455A-9662-9873D46978D0}" srcOrd="2" destOrd="0" presId="urn:microsoft.com/office/officeart/2018/5/layout/IconLeafLabelList"/>
+    <dgm:cxn modelId="{9E6AFD0B-697B-467F-82F3-D8ECB28BD852}" type="presParOf" srcId="{160667E9-A58D-443F-84CF-F1E4DBDF97A8}" destId="{32D11FB4-DC81-4FC1-B3F3-2F161949100C}" srcOrd="3" destOrd="0" presId="urn:microsoft.com/office/officeart/2018/5/layout/IconLeafLabelList"/>
+  </dgm:cxnLst>
+  <dgm:bg/>
+  <dgm:whole/>
+  <dgm:extLst>
+    <a:ext uri="http://schemas.microsoft.com/office/drawing/2008/diagram">
+      <dsp:dataModelExt xmlns:dsp="http://schemas.microsoft.com/office/drawing/2008/diagram" relId="rId7" minVer="http://schemas.openxmlformats.org/drawingml/2006/diagram"/>
+    </a:ext>
+  </dgm:extLst>
+</dgm:dataModel>
+</file>
+
+<file path=ppt/diagrams/drawing1.xml><?xml version="1.0" encoding="utf-8"?>
+<dsp:drawing xmlns:dgm="http://schemas.openxmlformats.org/drawingml/2006/diagram" xmlns:dsp="http://schemas.microsoft.com/office/drawing/2008/diagram" xmlns:a="http://schemas.openxmlformats.org/drawingml/2006/main">
+  <dsp:spTree>
+    <dsp:nvGrpSpPr>
+      <dsp:cNvPr id="0" name=""/>
+      <dsp:cNvGrpSpPr/>
+    </dsp:nvGrpSpPr>
+    <dsp:grpSpPr/>
+    <dsp:sp modelId="{6E2DFF5B-817D-4471-BDCC-8B545C93B789}">
+      <dsp:nvSpPr>
+        <dsp:cNvPr id="0" name=""/>
+        <dsp:cNvSpPr/>
+      </dsp:nvSpPr>
+      <dsp:spPr>
+        <a:xfrm>
+          <a:off x="2482508" y="277180"/>
+          <a:ext cx="2196000" cy="2196000"/>
+        </a:xfrm>
+        <a:prstGeom prst="round2DiagRect">
+          <a:avLst>
+            <a:gd name="adj1" fmla="val 29727"/>
+            <a:gd name="adj2" fmla="val 0"/>
+          </a:avLst>
+        </a:prstGeom>
+        <a:solidFill>
+          <a:schemeClr val="accent6">
+            <a:hueOff val="0"/>
+            <a:satOff val="0"/>
+            <a:lumOff val="0"/>
+            <a:alphaOff val="0"/>
+          </a:schemeClr>
+        </a:solidFill>
+        <a:ln>
+          <a:noFill/>
+        </a:ln>
+        <a:effectLst/>
+      </dsp:spPr>
+      <dsp:style>
+        <a:lnRef idx="0">
+          <a:scrgbClr r="0" g="0" b="0"/>
+        </a:lnRef>
+        <a:fillRef idx="1">
+          <a:scrgbClr r="0" g="0" b="0"/>
+        </a:fillRef>
+        <a:effectRef idx="0">
+          <a:scrgbClr r="0" g="0" b="0"/>
+        </a:effectRef>
+        <a:fontRef idx="minor"/>
+      </dsp:style>
+    </dsp:sp>
+    <dsp:sp modelId="{40BA6D1F-D980-4323-B768-AE3CCC44D588}">
+      <dsp:nvSpPr>
+        <dsp:cNvPr id="0" name=""/>
+        <dsp:cNvSpPr/>
+      </dsp:nvSpPr>
+      <dsp:spPr>
+        <a:xfrm>
+          <a:off x="2950508" y="745180"/>
+          <a:ext cx="1260000" cy="1260000"/>
+        </a:xfrm>
+        <a:prstGeom prst="rect">
+          <a:avLst/>
+        </a:prstGeom>
+        <a:blipFill>
+          <a:blip xmlns:r="http://schemas.openxmlformats.org/officeDocument/2006/relationships" r:embed="rId1">
+            <a:extLst>
+              <a:ext uri="{28A0092B-C50C-407E-A947-70E740481C1C}">
+                <a14:useLocalDpi xmlns:a14="http://schemas.microsoft.com/office/drawing/2010/main" val="0"/>
+              </a:ext>
+              <a:ext uri="{96DAC541-7B7A-43D3-8B79-37D633B846F1}">
+                <asvg:svgBlip xmlns:asvg="http://schemas.microsoft.com/office/drawing/2016/SVG/main" r:embed="rId2"/>
+              </a:ext>
+            </a:extLst>
+          </a:blip>
+          <a:stretch>
+            <a:fillRect/>
+          </a:stretch>
+        </a:blipFill>
+        <a:ln w="12700" cap="flat" cmpd="sng" algn="ctr">
+          <a:noFill/>
+          <a:prstDash val="solid"/>
+          <a:miter lim="800000"/>
+        </a:ln>
+        <a:effectLst/>
+      </dsp:spPr>
+      <dsp:style>
+        <a:lnRef idx="2">
+          <a:scrgbClr r="0" g="0" b="0"/>
+        </a:lnRef>
+        <a:fillRef idx="1">
+          <a:scrgbClr r="0" g="0" b="0"/>
+        </a:fillRef>
+        <a:effectRef idx="0">
+          <a:scrgbClr r="0" g="0" b="0"/>
+        </a:effectRef>
+        <a:fontRef idx="minor">
+          <a:schemeClr val="lt1"/>
+        </a:fontRef>
+      </dsp:style>
+    </dsp:sp>
+    <dsp:sp modelId="{32D11FB4-DC81-4FC1-B3F3-2F161949100C}">
+      <dsp:nvSpPr>
+        <dsp:cNvPr id="0" name=""/>
+        <dsp:cNvSpPr/>
+      </dsp:nvSpPr>
+      <dsp:spPr>
+        <a:xfrm>
+          <a:off x="1780508" y="3157180"/>
+          <a:ext cx="3600000" cy="720000"/>
+        </a:xfrm>
+        <a:prstGeom prst="rect">
+          <a:avLst/>
+        </a:prstGeom>
+        <a:noFill/>
+        <a:ln>
+          <a:noFill/>
+        </a:ln>
+        <a:effectLst/>
+      </dsp:spPr>
+      <dsp:style>
+        <a:lnRef idx="0">
+          <a:scrgbClr r="0" g="0" b="0"/>
+        </a:lnRef>
+        <a:fillRef idx="0">
+          <a:scrgbClr r="0" g="0" b="0"/>
+        </a:fillRef>
+        <a:effectRef idx="0">
+          <a:scrgbClr r="0" g="0" b="0"/>
+        </a:effectRef>
+        <a:fontRef idx="minor"/>
+      </dsp:style>
+      <dsp:txBody>
+        <a:bodyPr spcFirstLastPara="0" vert="horz" wrap="square" lIns="0" tIns="0" rIns="0" bIns="0" numCol="1" spcCol="1270" anchor="t" anchorCtr="0">
+          <a:noAutofit/>
+        </a:bodyPr>
+        <a:lstStyle/>
+        <a:p>
+          <a:pPr marL="0" lvl="0" indent="0" algn="ctr" defTabSz="1955800">
+            <a:lnSpc>
+              <a:spcPct val="90000"/>
+            </a:lnSpc>
+            <a:spcBef>
+              <a:spcPct val="0"/>
+            </a:spcBef>
+            <a:spcAft>
+              <a:spcPct val="35000"/>
+            </a:spcAft>
+            <a:buNone/>
+            <a:defRPr cap="all"/>
+          </a:pPr>
+          <a:endParaRPr lang="en-US" sz="4400" kern="1200" dirty="0"/>
+        </a:p>
+      </dsp:txBody>
+      <dsp:txXfrm>
+        <a:off x="1780508" y="3157180"/>
+        <a:ext cx="3600000" cy="720000"/>
+      </dsp:txXfrm>
+    </dsp:sp>
+  </dsp:spTree>
+</dsp:drawing>
+</file>
+
+<file path=ppt/diagrams/layout1.xml><?xml version="1.0" encoding="utf-8"?>
+<dgm:layoutDef xmlns:dgm="http://schemas.openxmlformats.org/drawingml/2006/diagram" xmlns:a="http://schemas.openxmlformats.org/drawingml/2006/main" uniqueId="urn:microsoft.com/office/officeart/2018/5/layout/IconLeafLabelList">
+  <dgm:title val="Icon Leaf Label List"/>
+  <dgm:desc val="Use to show non-sequential or grouped chunks of information accompanied by a related visuals. Works best with icons or small pictures with short text captions."/>
+  <dgm:catLst>
+    <dgm:cat type="icon" pri="500"/>
+  </dgm:catLst>
+  <dgm:sampData useDef="1">
+    <dgm:dataModel>
+      <dgm:ptLst/>
+      <dgm:bg/>
+      <dgm:whole/>
+    </dgm:dataModel>
+  </dgm:sampData>
+  <dgm:styleData useDef="1">
+    <dgm:dataModel>
+      <dgm:ptLst/>
+      <dgm:bg/>
+      <dgm:whole/>
+    </dgm:dataModel>
+  </dgm:styleData>
+  <dgm:clrData useDef="1">
+    <dgm:dataModel>
+      <dgm:ptLst/>
+      <dgm:bg/>
+      <dgm:whole/>
+    </dgm:dataModel>
+  </dgm:clrData>
+  <dgm:layoutNode name="root">
+    <dgm:varLst>
+      <dgm:dir/>
+      <dgm:resizeHandles val="exact"/>
+    </dgm:varLst>
+    <dgm:choose name="Name0">
+      <dgm:if name="Name1" axis="self" func="var" arg="dir" op="equ" val="norm">
+        <dgm:alg type="snake">
+          <dgm:param type="grDir" val="tL"/>
+          <dgm:param type="flowDir" val="row"/>
+          <dgm:param type="contDir" val="sameDir"/>
+          <dgm:param type="off" val="ctr"/>
+          <dgm:param type="vertAlign" val="mid"/>
+          <dgm:param type="horzAlign" val="ctr"/>
+        </dgm:alg>
+      </dgm:if>
+      <dgm:else name="Name2">
+        <dgm:alg type="snake">
+          <dgm:param type="grDir" val="tR"/>
+          <dgm:param type="flowDir" val="row"/>
+          <dgm:param type="contDir" val="sameDir"/>
+          <dgm:param type="off" val="ctr"/>
+          <dgm:param type="vertAlign" val="mid"/>
+          <dgm:param type="horzAlign" val="ctr"/>
+        </dgm:alg>
+      </dgm:else>
+    </dgm:choose>
+    <dgm:shape xmlns:r="http://schemas.openxmlformats.org/officeDocument/2006/relationships" r:blip="">
+      <dgm:adjLst/>
+    </dgm:shape>
+    <dgm:presOf/>
+    <dgm:choose name="Name3">
+      <dgm:if name="Name4" axis="ch" ptType="node" func="cnt" op="lte" val="2">
+        <dgm:constrLst>
+          <dgm:constr type="h" for="ch" forName="compNode" refType="h" fact="0.4"/>
+          <dgm:constr type="w" for="ch" forName="compNode" val="100"/>
+          <dgm:constr type="w" for="ch" forName="sibTrans" refType="w" refFor="ch" refForName="compNode" fact="0.175"/>
+          <dgm:constr type="sp" refType="w" refFor="ch" refForName="compNode" op="equ" fact="0.25"/>
+          <dgm:constr type="primFontSz" for="des" ptType="node" op="equ" val="44"/>
+          <dgm:constr type="h" for="des" forName="compNode" op="equ"/>
+          <dgm:constr type="h" for="des" forName="textRect" op="equ"/>
+        </dgm:constrLst>
+      </dgm:if>
+      <dgm:if name="Name5" axis="ch" ptType="node" func="cnt" op="lte" val="3">
+        <dgm:constrLst>
+          <dgm:constr type="h" for="ch" forName="compNode" refType="h" fact="0.4"/>
+          <dgm:constr type="w" for="ch" forName="compNode" val="100"/>
+          <dgm:constr type="w" for="ch" forName="sibTrans" refType="w" refFor="ch" refForName="compNode" fact="0.175"/>
+          <dgm:constr type="sp" refType="w" refFor="ch" refForName="compNode" op="equ" fact="0.25"/>
+          <dgm:constr type="primFontSz" for="des" ptType="node" op="equ" val="40"/>
+          <dgm:constr type="h" for="des" forName="compNode" op="equ"/>
+          <dgm:constr type="h" for="des" forName="textRect" op="equ"/>
+        </dgm:constrLst>
+      </dgm:if>
+      <dgm:if name="Name6" axis="ch" ptType="node" func="cnt" op="lte" val="4">
+        <dgm:constrLst>
+          <dgm:constr type="h" for="ch" forName="compNode" refType="h" fact="0.4"/>
+          <dgm:constr type="w" for="ch" forName="compNode" refType="w"/>
+          <dgm:constr type="w" for="ch" forName="sibTrans" refType="w" refFor="ch" refForName="compNode" fact="0.175"/>
+          <dgm:constr type="sp" refType="w" refFor="ch" refForName="compNode" op="equ" fact="0.25"/>
+          <dgm:constr type="primFontSz" for="des" ptType="node" op="equ" val="32"/>
+          <dgm:constr type="h" for="des" forName="compNode" op="equ"/>
+          <dgm:constr type="h" for="des" forName="textRect" op="equ"/>
+        </dgm:constrLst>
+      </dgm:if>
+      <dgm:else name="Name7">
+        <dgm:constrLst>
+          <dgm:constr type="h" for="ch" forName="compNode" refType="h" fact="0.4"/>
+          <dgm:constr type="w" for="ch" forName="compNode" refType="w"/>
+          <dgm:constr type="w" for="ch" forName="sibTrans" refType="w" refFor="ch" refForName="compNode" fact="0.175"/>
+          <dgm:constr type="sp" refType="w" refFor="ch" refForName="compNode" op="equ" fact="0.25"/>
+          <dgm:constr type="primFontSz" for="des" ptType="node" op="equ" val="24"/>
+          <dgm:constr type="h" for="des" forName="compNode" op="equ"/>
+          <dgm:constr type="h" for="des" forName="textRect" op="equ"/>
+        </dgm:constrLst>
+      </dgm:else>
+    </dgm:choose>
+    <dgm:ruleLst>
+      <dgm:rule type="w" for="ch" forName="compNode" val="50" fact="NaN" max="NaN"/>
+    </dgm:ruleLst>
+    <dgm:forEach name="Name8" axis="ch" ptType="node">
+      <dgm:layoutNode name="compNode">
+        <dgm:alg type="composite"/>
+        <dgm:shape xmlns:r="http://schemas.openxmlformats.org/officeDocument/2006/relationships" r:blip="">
+          <dgm:adjLst/>
+        </dgm:shape>
+        <dgm:presOf axis="self"/>
+        <dgm:constrLst>
+          <dgm:constr type="w" for="ch" forName="iconBgRect" refType="w" fact="0.61"/>
+          <dgm:constr type="h" for="ch" forName="iconBgRect" refType="w" refFor="ch" refForName="iconBgRect"/>
+          <dgm:constr type="t" for="ch" forName="iconBgRect"/>
+          <dgm:constr type="ctrX" for="ch" forName="iconBgRect" refType="w" fact="0.5"/>
+          <dgm:constr type="w" for="ch" forName="iconRect" refType="w" fact="0.35"/>
+          <dgm:constr type="h" for="ch" forName="iconRect" refType="w" refFor="ch" refForName="iconRect"/>
+          <dgm:constr type="ctrX" for="ch" forName="iconRect" refType="ctrX" refFor="ch" refForName="iconBgRect"/>
+          <dgm:constr type="ctrY" for="ch" forName="iconRect" refType="ctrY" refFor="ch" refForName="iconBgRect"/>
+          <dgm:constr type="h" for="ch" forName="spaceRect" refType="w" fact="0.19"/>
+          <dgm:constr type="w" for="ch" forName="spaceRect" refType="w"/>
+          <dgm:constr type="l" for="ch" forName="spaceRect"/>
+          <dgm:constr type="t" for="ch" forName="spaceRect" refType="b" refFor="ch" refForName="iconBgRect"/>
+          <dgm:constr type="h" for="ch" forName="textRect" val="20"/>
+          <dgm:constr type="w" for="ch" forName="textRect" refType="w"/>
+          <dgm:constr type="l" for="ch" forName="textRect"/>
+          <dgm:constr type="t" for="ch" forName="textRect" refType="b" refFor="ch" refForName="spaceRect"/>
+        </dgm:constrLst>
+        <dgm:ruleLst>
+          <dgm:rule type="h" val="INF" fact="NaN" max="NaN"/>
+        </dgm:ruleLst>
+        <dgm:layoutNode name="iconBgRect" styleLbl="bgShp">
+          <dgm:alg type="sp"/>
+          <dgm:shape xmlns:r="http://schemas.openxmlformats.org/officeDocument/2006/relationships" type="round2DiagRect" r:blip="">
+            <dgm:adjLst/>
+            <dgm:extLst>
+              <a:ext uri="{B698B0E9-8C71-41B9-8309-B3DCBF30829C}">
+                <dgm1612:spPr xmlns:dgm1612="http://schemas.microsoft.com/office/drawing/2016/12/diagram">
+                  <a:prstGeom prst="round2DiagRect">
+                    <a:avLst>
+                      <a:gd name="adj1" fmla="val 29727"/>
+                      <a:gd name="adj2" fmla="val 0"/>
+                    </a:avLst>
+                  </a:prstGeom>
+                </dgm1612:spPr>
+              </a:ext>
+            </dgm:extLst>
+          </dgm:shape>
+          <dgm:presOf/>
+          <dgm:constrLst/>
+          <dgm:ruleLst/>
+        </dgm:layoutNode>
+        <dgm:layoutNode name="iconRect" styleLbl="node1">
+          <dgm:alg type="sp"/>
+          <dgm:shape xmlns:r="http://schemas.openxmlformats.org/officeDocument/2006/relationships" type="rect" r:blip="" blipPhldr="1">
+            <dgm:adjLst/>
+          </dgm:shape>
+          <dgm:presOf/>
+          <dgm:constrLst/>
+          <dgm:ruleLst/>
+        </dgm:layoutNode>
+        <dgm:layoutNode name="spaceRect">
+          <dgm:alg type="sp"/>
+          <dgm:shape xmlns:r="http://schemas.openxmlformats.org/officeDocument/2006/relationships" r:blip="">
+            <dgm:adjLst/>
+          </dgm:shape>
+          <dgm:presOf/>
+          <dgm:constrLst/>
+          <dgm:ruleLst/>
+        </dgm:layoutNode>
+        <dgm:layoutNode name="textRect" styleLbl="revTx">
+          <dgm:varLst>
+            <dgm:chMax val="1"/>
+            <dgm:chPref val="1"/>
+          </dgm:varLst>
+          <dgm:alg type="tx">
+            <dgm:param type="txAnchorVert" val="t"/>
+          </dgm:alg>
+          <dgm:shape xmlns:r="http://schemas.openxmlformats.org/officeDocument/2006/relationships" type="rect" r:blip="">
+            <dgm:adjLst/>
+          </dgm:shape>
+          <dgm:presOf axis="self" ptType="node"/>
+          <dgm:constrLst>
+            <dgm:constr type="lMarg"/>
+            <dgm:constr type="rMarg"/>
+            <dgm:constr type="tMarg"/>
+            <dgm:constr type="bMarg"/>
+          </dgm:constrLst>
+          <dgm:ruleLst>
+            <dgm:rule type="primFontSz" val="11" fact="NaN" max="NaN"/>
+            <dgm:rule type="h" val="INF" fact="NaN" max="NaN"/>
+          </dgm:ruleLst>
+        </dgm:layoutNode>
+      </dgm:layoutNode>
+      <dgm:forEach name="Name9" axis="followSib" ptType="sibTrans" cnt="1">
+        <dgm:layoutNode name="sibTrans">
+          <dgm:alg type="sp"/>
+          <dgm:shape xmlns:r="http://schemas.openxmlformats.org/officeDocument/2006/relationships" r:blip="">
+            <dgm:adjLst/>
+          </dgm:shape>
+          <dgm:presOf axis="self"/>
+          <dgm:constrLst/>
+          <dgm:ruleLst/>
+        </dgm:layoutNode>
+      </dgm:forEach>
+    </dgm:forEach>
+  </dgm:layoutNode>
+  <dgm:extLst>
+    <a:ext uri="{68A01E43-0DF5-4B5B-8FA6-DAF915123BFB}">
+      <dgm1612:lstStyle xmlns:dgm1612="http://schemas.microsoft.com/office/drawing/2016/12/diagram">
+        <a:lvl1pPr>
+          <a:lnSpc>
+            <a:spcPct val="100000"/>
+          </a:lnSpc>
+          <a:defRPr cap="all"/>
+        </a:lvl1pPr>
+      </dgm1612:lstStyle>
+    </a:ext>
+  </dgm:extLst>
+</dgm:layoutDef>
+</file>
+
+<file path=ppt/diagrams/quickStyle1.xml><?xml version="1.0" encoding="utf-8"?>
+<dgm:styleDef xmlns:dgm="http://schemas.openxmlformats.org/drawingml/2006/diagram" xmlns:a="http://schemas.openxmlformats.org/drawingml/2006/main" uniqueId="urn:microsoft.com/office/officeart/2005/8/quickstyle/simple1">
+  <dgm:title val=""/>
+  <dgm:desc val=""/>
+  <dgm:catLst>
+    <dgm:cat type="simple" pri="10100"/>
+  </dgm:catLst>
+  <dgm:scene3d>
+    <a:camera prst="orthographicFront"/>
+    <a:lightRig rig="threePt" dir="t"/>
+  </dgm:scene3d>
+  <dgm:styleLbl name="node0">
+    <dgm:scene3d>
+      <a:camera prst="orthographicFront"/>
+      <a:lightRig rig="threePt" dir="t"/>
+    </dgm:scene3d>
+    <dgm:sp3d/>
+    <dgm:txPr/>
+    <dgm:style>
+      <a:lnRef idx="2">
+        <a:scrgbClr r="0" g="0" b="0"/>
+      </a:lnRef>
+      <a:fillRef idx="1">
+        <a:scrgbClr r="0" g="0" b="0"/>
+      </a:fillRef>
+      <a:effectRef idx="0">
+        <a:scrgbClr r="0" g="0" b="0"/>
+      </a:effectRef>
+      <a:fontRef idx="minor">
+        <a:schemeClr val="lt1"/>
+      </a:fontRef>
+    </dgm:style>
+  </dgm:styleLbl>
+  <dgm:styleLbl name="lnNode1">
+    <dgm:scene3d>
+      <a:camera prst="orthographicFront"/>
+      <a:lightRig rig="threePt" dir="t"/>
+    </dgm:scene3d>
+    <dgm:sp3d/>
+    <dgm:txPr/>
+    <dgm:style>
+      <a:lnRef idx="2">
+        <a:scrgbClr r="0" g="0" b="0"/>
+      </a:lnRef>
+      <a:fillRef idx="1">
+        <a:scrgbClr r="0" g="0" b="0"/>
+      </a:fillRef>
+      <a:effectRef idx="0">
+        <a:scrgbClr r="0" g="0" b="0"/>
+      </a:effectRef>
+      <a:fontRef idx="minor">
+        <a:schemeClr val="lt1"/>
+      </a:fontRef>
+    </dgm:style>
+  </dgm:styleLbl>
+  <dgm:styleLbl name="vennNode1">
+    <dgm:scene3d>
+      <a:camera prst="orthographicFront"/>
+      <a:lightRig rig="threePt" dir="t"/>
+    </dgm:scene3d>
+    <dgm:sp3d/>
+    <dgm:txPr/>
+    <dgm:style>
+      <a:lnRef idx="2">
+        <a:scrgbClr r="0" g="0" b="0"/>
+      </a:lnRef>
+      <a:fillRef idx="1">
+        <a:scrgbClr r="0" g="0" b="0"/>
+      </a:fillRef>
+      <a:effectRef idx="0">
+        <a:scrgbClr r="0" g="0" b="0"/>
+      </a:effectRef>
+      <a:fontRef idx="minor">
+        <a:schemeClr val="tx1"/>
+      </a:fontRef>
+    </dgm:style>
+  </dgm:styleLbl>
+  <dgm:styleLbl name="alignNode1">
+    <dgm:scene3d>
+      <a:camera prst="orthographicFront"/>
+      <a:lightRig rig="threePt" dir="t"/>
+    </dgm:scene3d>
+    <dgm:sp3d/>
+    <dgm:txPr/>
+    <dgm:style>
+      <a:lnRef idx="2">
+        <a:scrgbClr r="0" g="0" b="0"/>
+      </a:lnRef>
+      <a:fillRef idx="1">
+        <a:scrgbClr r="0" g="0" b="0"/>
+      </a:fillRef>
+      <a:effectRef idx="0">
+        <a:scrgbClr r="0" g="0" b="0"/>
+      </a:effectRef>
+      <a:fontRef idx="minor">
+        <a:schemeClr val="lt1"/>
+      </a:fontRef>
+    </dgm:style>
+  </dgm:styleLbl>
+  <dgm:styleLbl name="node1">
+    <dgm:scene3d>
+      <a:camera prst="orthographicFront"/>
+      <a:lightRig rig="threePt" dir="t"/>
+    </dgm:scene3d>
+    <dgm:sp3d/>
+    <dgm:txPr/>
+    <dgm:style>
+      <a:lnRef idx="2">
+        <a:scrgbClr r="0" g="0" b="0"/>
+      </a:lnRef>
+      <a:fillRef idx="1">
+        <a:scrgbClr r="0" g="0" b="0"/>
+      </a:fillRef>
+      <a:effectRef idx="0">
+        <a:scrgbClr r="0" g="0" b="0"/>
+      </a:effectRef>
+      <a:fontRef idx="minor">
+        <a:schemeClr val="lt1"/>
+      </a:fontRef>
+    </dgm:style>
+  </dgm:styleLbl>
+  <dgm:styleLbl name="node2">
+    <dgm:scene3d>
+      <a:camera prst="orthographicFront"/>
+      <a:lightRig rig="threePt" dir="t"/>
+    </dgm:scene3d>
+    <dgm:sp3d/>
+    <dgm:txPr/>
+    <dgm:style>
+      <a:lnRef idx="2">
+        <a:scrgbClr r="0" g="0" b="0"/>
+      </a:lnRef>
+      <a:fillRef idx="1">
+        <a:scrgbClr r="0" g="0" b="0"/>
+      </a:fillRef>
+      <a:effectRef idx="0">
+        <a:scrgbClr r="0" g="0" b="0"/>
+      </a:effectRef>
+      <a:fontRef idx="minor">
+        <a:schemeClr val="lt1"/>
+      </a:fontRef>
+    </dgm:style>
+  </dgm:styleLbl>
+  <dgm:styleLbl name="node3">
+    <dgm:scene3d>
+      <a:camera prst="orthographicFront"/>
+      <a:lightRig rig="threePt" dir="t"/>
+    </dgm:scene3d>
+    <dgm:sp3d/>
+    <dgm:txPr/>
+    <dgm:style>
+      <a:lnRef idx="2">
+        <a:scrgbClr r="0" g="0" b="0"/>
+      </a:lnRef>
+      <a:fillRef idx="1">
+        <a:scrgbClr r="0" g="0" b="0"/>
+      </a:fillRef>
+      <a:effectRef idx="0">
+        <a:scrgbClr r="0" g="0" b="0"/>
+      </a:effectRef>
+      <a:fontRef idx="minor">
+        <a:schemeClr val="lt1"/>
+      </a:fontRef>
+    </dgm:style>
+  </dgm:styleLbl>
+  <dgm:styleLbl name="node4">
+    <dgm:scene3d>
+      <a:camera prst="orthographicFront"/>
+      <a:lightRig rig="threePt" dir="t"/>
+    </dgm:scene3d>
+    <dgm:sp3d/>
+    <dgm:txPr/>
+    <dgm:style>
+      <a:lnRef idx="2">
+        <a:scrgbClr r="0" g="0" b="0"/>
+      </a:lnRef>
+      <a:fillRef idx="1">
+        <a:scrgbClr r="0" g="0" b="0"/>
+      </a:fillRef>
+      <a:effectRef idx="0">
+        <a:scrgbClr r="0" g="0" b="0"/>
+      </a:effectRef>
+      <a:fontRef idx="minor">
+        <a:schemeClr val="lt1"/>
+      </a:fontRef>
+    </dgm:style>
+  </dgm:styleLbl>
+  <dgm:styleLbl name="fgImgPlace1">
+    <dgm:scene3d>
+      <a:camera prst="orthographicFront"/>
+      <a:lightRig rig="threePt" dir="t"/>
+    </dgm:scene3d>
+    <dgm:sp3d/>
+    <dgm:txPr/>
+    <dgm:style>
+      <a:lnRef idx="2">
+        <a:scrgbClr r="0" g="0" b="0"/>
+      </a:lnRef>
+      <a:fillRef idx="1">
+        <a:scrgbClr r="0" g="0" b="0"/>
+      </a:fillRef>
+      <a:effectRef idx="0">
+        <a:scrgbClr r="0" g="0" b="0"/>
+      </a:effectRef>
+      <a:fontRef idx="minor"/>
+    </dgm:style>
+  </dgm:styleLbl>
+  <dgm:styleLbl name="alignImgPlace1">
+    <dgm:scene3d>
+      <a:camera prst="orthographicFront"/>
+      <a:lightRig rig="threePt" dir="t"/>
+    </dgm:scene3d>
+    <dgm:sp3d/>
+    <dgm:txPr/>
+    <dgm:style>
+      <a:lnRef idx="2">
+        <a:scrgbClr r="0" g="0" b="0"/>
+      </a:lnRef>
+      <a:fillRef idx="1">
+        <a:scrgbClr r="0" g="0" b="0"/>
+      </a:fillRef>
+      <a:effectRef idx="0">
+        <a:scrgbClr r="0" g="0" b="0"/>
+      </a:effectRef>
+      <a:fontRef idx="minor"/>
+    </dgm:style>
+  </dgm:styleLbl>
+  <dgm:styleLbl name="bgImgPlace1">
+    <dgm:scene3d>
+      <a:camera prst="orthographicFront"/>
+      <a:lightRig rig="threePt" dir="t"/>
+    </dgm:scene3d>
+    <dgm:sp3d/>
+    <dgm:txPr/>
+    <dgm:style>
+      <a:lnRef idx="2">
+        <a:scrgbClr r="0" g="0" b="0"/>
+      </a:lnRef>
+      <a:fillRef idx="1">
+        <a:scrgbClr r="0" g="0" b="0"/>
+      </a:fillRef>
+      <a:effectRef idx="0">
+        <a:scrgbClr r="0" g="0" b="0"/>
+      </a:effectRef>
+      <a:fontRef idx="minor"/>
+    </dgm:style>
+  </dgm:styleLbl>
+  <dgm:styleLbl name="sibTrans2D1">
+    <dgm:scene3d>
+      <a:camera prst="orthographicFront"/>
+      <a:lightRig rig="threePt" dir="t"/>
+    </dgm:scene3d>
+    <dgm:sp3d/>
+    <dgm:txPr/>
+    <dgm:style>
+      <a:lnRef idx="0">
+        <a:scrgbClr r="0" g="0" b="0"/>
+      </a:lnRef>
+      <a:fillRef idx="1">
+        <a:scrgbClr r="0" g="0" b="0"/>
+      </a:fillRef>
+      <a:effectRef idx="0">
+        <a:scrgbClr r="0" g="0" b="0"/>
+      </a:effectRef>
+      <a:fontRef idx="minor">
+        <a:schemeClr val="lt1"/>
+      </a:fontRef>
+    </dgm:style>
+  </dgm:styleLbl>
+  <dgm:styleLbl name="fgSibTrans2D1">
+    <dgm:scene3d>
+      <a:camera prst="orthographicFront"/>
+      <a:lightRig rig="threePt" dir="t"/>
+    </dgm:scene3d>
+    <dgm:sp3d/>
+    <dgm:txPr/>
+    <dgm:style>
+      <a:lnRef idx="0">
+        <a:scrgbClr r="0" g="0" b="0"/>
+      </a:lnRef>
+      <a:fillRef idx="1">
+        <a:scrgbClr r="0" g="0" b="0"/>
+      </a:fillRef>
+      <a:effectRef idx="0">
+        <a:scrgbClr r="0" g="0" b="0"/>
+      </a:effectRef>
+      <a:fontRef idx="minor">
+        <a:schemeClr val="lt1"/>
+      </a:fontRef>
+    </dgm:style>
+  </dgm:styleLbl>
+  <dgm:styleLbl name="bgSibTrans2D1">
+    <dgm:scene3d>
+      <a:camera prst="orthographicFront"/>
+      <a:lightRig rig="threePt" dir="t"/>
+    </dgm:scene3d>
+    <dgm:sp3d/>
+    <dgm:txPr/>
+    <dgm:style>
+      <a:lnRef idx="0">
+        <a:scrgbClr r="0" g="0" b="0"/>
+      </a:lnRef>
+      <a:fillRef idx="1">
+        <a:scrgbClr r="0" g="0" b="0"/>
+      </a:fillRef>
+      <a:effectRef idx="0">
+        <a:scrgbClr r="0" g="0" b="0"/>
+      </a:effectRef>
+      <a:fontRef idx="minor">
+        <a:schemeClr val="lt1"/>
+      </a:fontRef>
+    </dgm:style>
+  </dgm:styleLbl>
+  <dgm:styleLbl name="sibTrans1D1">
+    <dgm:scene3d>
+      <a:camera prst="orthographicFront"/>
+      <a:lightRig rig="threePt" dir="t"/>
+    </dgm:scene3d>
+    <dgm:sp3d/>
+    <dgm:txPr/>
+    <dgm:style>
+      <a:lnRef idx="1">
+        <a:scrgbClr r="0" g="0" b="0"/>
+      </a:lnRef>
+      <a:fillRef idx="0">
+        <a:scrgbClr r="0" g="0" b="0"/>
+      </a:fillRef>
+      <a:effectRef idx="0">
+        <a:scrgbClr r="0" g="0" b="0"/>
+      </a:effectRef>
+      <a:fontRef idx="minor"/>
+    </dgm:style>
+  </dgm:styleLbl>
+  <dgm:styleLbl name="callout">
+    <dgm:scene3d>
+      <a:camera prst="orthographicFront"/>
+      <a:lightRig rig="threePt" dir="t"/>
+    </dgm:scene3d>
+    <dgm:sp3d/>
+    <dgm:txPr/>
+    <dgm:style>
+      <a:lnRef idx="2">
+        <a:scrgbClr r="0" g="0" b="0"/>
+      </a:lnRef>
+      <a:fillRef idx="1">
+        <a:scrgbClr r="0" g="0" b="0"/>
+      </a:fillRef>
+      <a:effectRef idx="0">
+        <a:scrgbClr r="0" g="0" b="0"/>
+      </a:effectRef>
+      <a:fontRef idx="minor"/>
+    </dgm:style>
+  </dgm:styleLbl>
+  <dgm:styleLbl name="asst0">
+    <dgm:scene3d>
+      <a:camera prst="orthographicFront"/>
+      <a:lightRig rig="threePt" dir="t"/>
+    </dgm:scene3d>
+    <dgm:sp3d/>
+    <dgm:txPr/>
+    <dgm:style>
+      <a:lnRef idx="2">
+        <a:scrgbClr r="0" g="0" b="0"/>
+      </a:lnRef>
+      <a:fillRef idx="1">
+        <a:scrgbClr r="0" g="0" b="0"/>
+      </a:fillRef>
+      <a:effectRef idx="0">
+        <a:scrgbClr r="0" g="0" b="0"/>
+      </a:effectRef>
+      <a:fontRef idx="minor">
+        <a:schemeClr val="lt1"/>
+      </a:fontRef>
+    </dgm:style>
+  </dgm:styleLbl>
+  <dgm:styleLbl name="asst1">
+    <dgm:scene3d>
+      <a:camera prst="orthographicFront"/>
+      <a:lightRig rig="threePt" dir="t"/>
+    </dgm:scene3d>
+    <dgm:sp3d/>
+    <dgm:txPr/>
+    <dgm:style>
+      <a:lnRef idx="2">
+        <a:scrgbClr r="0" g="0" b="0"/>
+      </a:lnRef>
+      <a:fillRef idx="1">
+        <a:scrgbClr r="0" g="0" b="0"/>
+      </a:fillRef>
+      <a:effectRef idx="0">
+        <a:scrgbClr r="0" g="0" b="0"/>
+      </a:effectRef>
+      <a:fontRef idx="minor">
+        <a:schemeClr val="lt1"/>
+      </a:fontRef>
+    </dgm:style>
+  </dgm:styleLbl>
+  <dgm:styleLbl name="asst2">
+    <dgm:scene3d>
+      <a:camera prst="orthographicFront"/>
+      <a:lightRig rig="threePt" dir="t"/>
+    </dgm:scene3d>
+    <dgm:sp3d/>
+    <dgm:txPr/>
+    <dgm:style>
+      <a:lnRef idx="2">
+        <a:scrgbClr r="0" g="0" b="0"/>
+      </a:lnRef>
+      <a:fillRef idx="1">
+        <a:scrgbClr r="0" g="0" b="0"/>
+      </a:fillRef>
+      <a:effectRef idx="0">
+        <a:scrgbClr r="0" g="0" b="0"/>
+      </a:effectRef>
+      <a:fontRef idx="minor">
+        <a:schemeClr val="lt1"/>
+      </a:fontRef>
+    </dgm:style>
+  </dgm:styleLbl>
+  <dgm:styleLbl name="asst3">
+    <dgm:scene3d>
+      <a:camera prst="orthographicFront"/>
+      <a:lightRig rig="threePt" dir="t"/>
+    </dgm:scene3d>
+    <dgm:sp3d/>
+    <dgm:txPr/>
+    <dgm:style>
+      <a:lnRef idx="2">
+        <a:scrgbClr r="0" g="0" b="0"/>
+      </a:lnRef>
+      <a:fillRef idx="1">
+        <a:scrgbClr r="0" g="0" b="0"/>
+      </a:fillRef>
+      <a:effectRef idx="0">
+        <a:scrgbClr r="0" g="0" b="0"/>
+      </a:effectRef>
+      <a:fontRef idx="minor">
+        <a:schemeClr val="lt1"/>
+      </a:fontRef>
+    </dgm:style>
+  </dgm:styleLbl>
+  <dgm:styleLbl name="asst4">
+    <dgm:scene3d>
+      <a:camera prst="orthographicFront"/>
+      <a:lightRig rig="threePt" dir="t"/>
+    </dgm:scene3d>
+    <dgm:sp3d/>
+    <dgm:txPr/>
+    <dgm:style>
+      <a:lnRef idx="2">
+        <a:scrgbClr r="0" g="0" b="0"/>
+      </a:lnRef>
+      <a:fillRef idx="1">
+        <a:scrgbClr r="0" g="0" b="0"/>
+      </a:fillRef>
+      <a:effectRef idx="0">
+        <a:scrgbClr r="0" g="0" b="0"/>
+      </a:effectRef>
+      <a:fontRef idx="minor">
+        <a:schemeClr val="lt1"/>
+      </a:fontRef>
+    </dgm:style>
+  </dgm:styleLbl>
+  <dgm:styleLbl name="parChTrans2D1">
+    <dgm:scene3d>
+      <a:camera prst="orthographicFront"/>
+      <a:lightRig rig="threePt" dir="t"/>
+    </dgm:scene3d>
+    <dgm:sp3d/>
+    <dgm:txPr/>
+    <dgm:style>
+      <a:lnRef idx="2">
+        <a:scrgbClr r="0" g="0" b="0"/>
+      </a:lnRef>
+      <a:fillRef idx="1">
+        <a:scrgbClr r="0" g="0" b="0"/>
+      </a:fillRef>
+      <a:effectRef idx="0">
+        <a:scrgbClr r="0" g="0" b="0"/>
+      </a:effectRef>
+      <a:fontRef idx="minor">
+        <a:schemeClr val="lt1"/>
+      </a:fontRef>
+    </dgm:style>
+  </dgm:styleLbl>
+  <dgm:styleLbl name="parChTrans2D2">
+    <dgm:scene3d>
+      <a:camera prst="orthographicFront"/>
+      <a:lightRig rig="threePt" dir="t"/>
+    </dgm:scene3d>
+    <dgm:sp3d/>
+    <dgm:txPr/>
+    <dgm:style>
+      <a:lnRef idx="2">
+        <a:scrgbClr r="0" g="0" b="0"/>
+      </a:lnRef>
+      <a:fillRef idx="1">
+        <a:scrgbClr r="0" g="0" b="0"/>
+      </a:fillRef>
+      <a:effectRef idx="0">
+        <a:scrgbClr r="0" g="0" b="0"/>
+      </a:effectRef>
+      <a:fontRef idx="minor">
+        <a:schemeClr val="lt1"/>
+      </a:fontRef>
+    </dgm:style>
+  </dgm:styleLbl>
+  <dgm:styleLbl name="parChTrans2D3">
+    <dgm:scene3d>
+      <a:camera prst="orthographicFront"/>
+      <a:lightRig rig="threePt" dir="t"/>
+    </dgm:scene3d>
+    <dgm:sp3d/>
+    <dgm:txPr/>
+    <dgm:style>
+      <a:lnRef idx="2">
+        <a:scrgbClr r="0" g="0" b="0"/>
+      </a:lnRef>
+      <a:fillRef idx="1">
+        <a:scrgbClr r="0" g="0" b="0"/>
+      </a:fillRef>
+      <a:effectRef idx="0">
+        <a:scrgbClr r="0" g="0" b="0"/>
+      </a:effectRef>
+      <a:fontRef idx="minor">
+        <a:schemeClr val="lt1"/>
+      </a:fontRef>
+    </dgm:style>
+  </dgm:styleLbl>
+  <dgm:styleLbl name="parChTrans2D4">
+    <dgm:scene3d>
+      <a:camera prst="orthographicFront"/>
+      <a:lightRig rig="threePt" dir="t"/>
+    </dgm:scene3d>
+    <dgm:sp3d/>
+    <dgm:txPr/>
+    <dgm:style>
+      <a:lnRef idx="2">
+        <a:scrgbClr r="0" g="0" b="0"/>
+      </a:lnRef>
+      <a:fillRef idx="1">
+        <a:scrgbClr r="0" g="0" b="0"/>
+      </a:fillRef>
+      <a:effectRef idx="0">
+        <a:scrgbClr r="0" g="0" b="0"/>
+      </a:effectRef>
+      <a:fontRef idx="minor">
+        <a:schemeClr val="lt1"/>
+      </a:fontRef>
+    </dgm:style>
+  </dgm:styleLbl>
+  <dgm:styleLbl name="parChTrans1D1">
+    <dgm:scene3d>
+      <a:camera prst="orthographicFront"/>
+      <a:lightRig rig="threePt" dir="t"/>
+    </dgm:scene3d>
+    <dgm:sp3d/>
+    <dgm:txPr/>
+    <dgm:style>
+      <a:lnRef idx="2">
+        <a:scrgbClr r="0" g="0" b="0"/>
+      </a:lnRef>
+      <a:fillRef idx="0">
+        <a:scrgbClr r="0" g="0" b="0"/>
+      </a:fillRef>
+      <a:effectRef idx="0">
+        <a:scrgbClr r="0" g="0" b="0"/>
+      </a:effectRef>
+      <a:fontRef idx="minor"/>
+    </dgm:style>
+  </dgm:styleLbl>
+  <dgm:styleLbl name="parChTrans1D2">
+    <dgm:scene3d>
+      <a:camera prst="orthographicFront"/>
+      <a:lightRig rig="threePt" dir="t"/>
+    </dgm:scene3d>
+    <dgm:sp3d/>
+    <dgm:txPr/>
+    <dgm:style>
+      <a:lnRef idx="2">
+        <a:scrgbClr r="0" g="0" b="0"/>
+      </a:lnRef>
+      <a:fillRef idx="0">
+        <a:scrgbClr r="0" g="0" b="0"/>
+      </a:fillRef>
+      <a:effectRef idx="0">
+        <a:scrgbClr r="0" g="0" b="0"/>
+      </a:effectRef>
+      <a:fontRef idx="minor"/>
+    </dgm:style>
+  </dgm:styleLbl>
+  <dgm:styleLbl name="parChTrans1D3">
+    <dgm:scene3d>
+      <a:camera prst="orthographicFront"/>
+      <a:lightRig rig="threePt" dir="t"/>
+    </dgm:scene3d>
+    <dgm:sp3d/>
+    <dgm:txPr/>
+    <dgm:style>
+      <a:lnRef idx="2">
+        <a:scrgbClr r="0" g="0" b="0"/>
+      </a:lnRef>
+      <a:fillRef idx="0">
+        <a:scrgbClr r="0" g="0" b="0"/>
+      </a:fillRef>
+      <a:effectRef idx="0">
+        <a:scrgbClr r="0" g="0" b="0"/>
+      </a:effectRef>
+      <a:fontRef idx="minor"/>
+    </dgm:style>
+  </dgm:styleLbl>
+  <dgm:styleLbl name="parChTrans1D4">
+    <dgm:scene3d>
+      <a:camera prst="orthographicFront"/>
+      <a:lightRig rig="threePt" dir="t"/>
+    </dgm:scene3d>
+    <dgm:sp3d/>
+    <dgm:txPr/>
+    <dgm:style>
+      <a:lnRef idx="2">
+        <a:scrgbClr r="0" g="0" b="0"/>
+      </a:lnRef>
+      <a:fillRef idx="0">
+        <a:scrgbClr r="0" g="0" b="0"/>
+      </a:fillRef>
+      <a:effectRef idx="0">
+        <a:scrgbClr r="0" g="0" b="0"/>
+      </a:effectRef>
+      <a:fontRef idx="minor"/>
+    </dgm:style>
+  </dgm:styleLbl>
+  <dgm:styleLbl name="fgAcc1">
+    <dgm:scene3d>
+      <a:camera prst="orthographicFront"/>
+      <a:lightRig rig="threePt" dir="t"/>
+    </dgm:scene3d>
+    <dgm:sp3d/>
+    <dgm:txPr/>
+    <dgm:style>
+      <a:lnRef idx="2">
+        <a:scrgbClr r="0" g="0" b="0"/>
+      </a:lnRef>
+      <a:fillRef idx="1">
+        <a:scrgbClr r="0" g="0" b="0"/>
+      </a:fillRef>
+      <a:effectRef idx="0">
+        <a:scrgbClr r="0" g="0" b="0"/>
+      </a:effectRef>
+      <a:fontRef idx="minor"/>
+    </dgm:style>
+  </dgm:styleLbl>
+  <dgm:styleLbl name="conFgAcc1">
+    <dgm:scene3d>
+      <a:camera prst="orthographicFront"/>
+      <a:lightRig rig="threePt" dir="t"/>
+    </dgm:scene3d>
+    <dgm:sp3d/>
+    <dgm:txPr/>
+    <dgm:style>
+      <a:lnRef idx="2">
+        <a:scrgbClr r="0" g="0" b="0"/>
+      </a:lnRef>
+      <a:fillRef idx="1">
+        <a:scrgbClr r="0" g="0" b="0"/>
+      </a:fillRef>
+      <a:effectRef idx="0">
+        <a:scrgbClr r="0" g="0" b="0"/>
+      </a:effectRef>
+      <a:fontRef idx="minor"/>
+    </dgm:style>
+  </dgm:styleLbl>
+  <dgm:styleLbl name="alignAcc1">
+    <dgm:scene3d>
+      <a:camera prst="orthographicFront"/>
+      <a:lightRig rig="threePt" dir="t"/>
+    </dgm:scene3d>
+    <dgm:sp3d/>
+    <dgm:txPr/>
+    <dgm:style>
+      <a:lnRef idx="2">
+        <a:scrgbClr r="0" g="0" b="0"/>
+      </a:lnRef>
+      <a:fillRef idx="1">
+        <a:scrgbClr r="0" g="0" b="0"/>
+      </a:fillRef>
+      <a:effectRef idx="0">
+        <a:scrgbClr r="0" g="0" b="0"/>
+      </a:effectRef>
+      <a:fontRef idx="minor"/>
+    </dgm:style>
+  </dgm:styleLbl>
+  <dgm:styleLbl name="trAlignAcc1">
+    <dgm:scene3d>
+      <a:camera prst="orthographicFront"/>
+      <a:lightRig rig="threePt" dir="t"/>
+    </dgm:scene3d>
+    <dgm:sp3d/>
+    <dgm:txPr/>
+    <dgm:style>
+      <a:lnRef idx="1">
+        <a:scrgbClr r="0" g="0" b="0"/>
+      </a:lnRef>
+      <a:fillRef idx="1">
+        <a:scrgbClr r="0" g="0" b="0"/>
+      </a:fillRef>
+      <a:effectRef idx="0">
+        <a:scrgbClr r="0" g="0" b="0"/>
+      </a:effectRef>
+      <a:fontRef idx="minor"/>
+    </dgm:style>
+  </dgm:styleLbl>
+  <dgm:styleLbl name="bgAcc1">
+    <dgm:scene3d>
+      <a:camera prst="orthographicFront"/>
+      <a:lightRig rig="threePt" dir="t"/>
+    </dgm:scene3d>
+    <dgm:sp3d/>
+    <dgm:txPr/>
+    <dgm:style>
+      <a:lnRef idx="2">
+        <a:scrgbClr r="0" g="0" b="0"/>
+      </a:lnRef>
+      <a:fillRef idx="1">
+        <a:scrgbClr r="0" g="0" b="0"/>
+      </a:fillRef>
+      <a:effectRef idx="0">
+        <a:scrgbClr r="0" g="0" b="0"/>
+      </a:effectRef>
+      <a:fontRef idx="minor"/>
+    </dgm:style>
+  </dgm:styleLbl>
+  <dgm:styleLbl name="solidFgAcc1">
+    <dgm:scene3d>
+      <a:camera prst="orthographicFront"/>
+      <a:lightRig rig="threePt" dir="t"/>
+    </dgm:scene3d>
+    <dgm:sp3d/>
+    <dgm:txPr/>
+    <dgm:style>
+      <a:lnRef idx="2">
+        <a:scrgbClr r="0" g="0" b="0"/>
+      </a:lnRef>
+      <a:fillRef idx="1">
+        <a:scrgbClr r="0" g="0" b="0"/>
+      </a:fillRef>
+      <a:effectRef idx="0">
+        <a:scrgbClr r="0" g="0" b="0"/>
+      </a:effectRef>
+      <a:fontRef idx="minor"/>
+    </dgm:style>
+  </dgm:styleLbl>
+  <dgm:styleLbl name="solidAlignAcc1">
+    <dgm:scene3d>
+      <a:camera prst="orthographicFront"/>
+      <a:lightRig rig="threePt" dir="t"/>
+    </dgm:scene3d>
+    <dgm:sp3d/>
+    <dgm:txPr/>
+    <dgm:style>
+      <a:lnRef idx="2">
+        <a:scrgbClr r="0" g="0" b="0"/>
+      </a:lnRef>
+      <a:fillRef idx="1">
+        <a:scrgbClr r="0" g="0" b="0"/>
+      </a:fillRef>
+      <a:effectRef idx="0">
+        <a:scrgbClr r="0" g="0" b="0"/>
+      </a:effectRef>
+      <a:fontRef idx="minor"/>
+    </dgm:style>
+  </dgm:styleLbl>
+  <dgm:styleLbl name="solidBgAcc1">
+    <dgm:scene3d>
+      <a:camera prst="orthographicFront"/>
+      <a:lightRig rig="threePt" dir="t"/>
+    </dgm:scene3d>
+    <dgm:sp3d/>
+    <dgm:txPr/>
+    <dgm:style>
+      <a:lnRef idx="2">
+        <a:scrgbClr r="0" g="0" b="0"/>
+      </a:lnRef>
+      <a:fillRef idx="1">
+        <a:scrgbClr r="0" g="0" b="0"/>
+      </a:fillRef>
+      <a:effectRef idx="0">
+        <a:scrgbClr r="0" g="0" b="0"/>
+      </a:effectRef>
+      <a:fontRef idx="minor"/>
+    </dgm:style>
+  </dgm:styleLbl>
+  <dgm:styleLbl name="fgAccFollowNode1">
+    <dgm:scene3d>
+      <a:camera prst="orthographicFront"/>
+      <a:lightRig rig="threePt" dir="t"/>
+    </dgm:scene3d>
+    <dgm:sp3d/>
+    <dgm:txPr/>
+    <dgm:style>
+      <a:lnRef idx="2">
+        <a:scrgbClr r="0" g="0" b="0"/>
+      </a:lnRef>
+      <a:fillRef idx="1">
+        <a:scrgbClr r="0" g="0" b="0"/>
+      </a:fillRef>
+      <a:effectRef idx="0">
+        <a:scrgbClr r="0" g="0" b="0"/>
+      </a:effectRef>
+      <a:fontRef idx="minor"/>
+    </dgm:style>
+  </dgm:styleLbl>
+  <dgm:styleLbl name="alignAccFollowNode1">
+    <dgm:scene3d>
+      <a:camera prst="orthographicFront"/>
+      <a:lightRig rig="threePt" dir="t"/>
+    </dgm:scene3d>
+    <dgm:sp3d/>
+    <dgm:txPr/>
+    <dgm:style>
+      <a:lnRef idx="2">
+        <a:scrgbClr r="0" g="0" b="0"/>
+      </a:lnRef>
+      <a:fillRef idx="1">
+        <a:scrgbClr r="0" g="0" b="0"/>
+      </a:fillRef>
+      <a:effectRef idx="0">
+        <a:scrgbClr r="0" g="0" b="0"/>
+      </a:effectRef>
+      <a:fontRef idx="minor"/>
+    </dgm:style>
+  </dgm:styleLbl>
+  <dgm:styleLbl name="bgAccFollowNode1">
+    <dgm:scene3d>
+      <a:camera prst="orthographicFront"/>
+      <a:lightRig rig="threePt" dir="t"/>
+    </dgm:scene3d>
+    <dgm:sp3d/>
+    <dgm:txPr/>
+    <dgm:style>
+      <a:lnRef idx="2">
+        <a:scrgbClr r="0" g="0" b="0"/>
+      </a:lnRef>
+      <a:fillRef idx="1">
+        <a:scrgbClr r="0" g="0" b="0"/>
+      </a:fillRef>
+      <a:effectRef idx="0">
+        <a:scrgbClr r="0" g="0" b="0"/>
+      </a:effectRef>
+      <a:fontRef idx="minor"/>
+    </dgm:style>
+  </dgm:styleLbl>
+  <dgm:styleLbl name="fgAcc0">
+    <dgm:scene3d>
+      <a:camera prst="orthographicFront"/>
+      <a:lightRig rig="threePt" dir="t"/>
+    </dgm:scene3d>
+    <dgm:sp3d/>
+    <dgm:txPr/>
+    <dgm:style>
+      <a:lnRef idx="2">
+        <a:scrgbClr r="0" g="0" b="0"/>
+      </a:lnRef>
+      <a:fillRef idx="1">
+        <a:scrgbClr r="0" g="0" b="0"/>
+      </a:fillRef>
+      <a:effectRef idx="0">
+        <a:scrgbClr r="0" g="0" b="0"/>
+      </a:effectRef>
+      <a:fontRef idx="minor"/>
+    </dgm:style>
+  </dgm:styleLbl>
+  <dgm:styleLbl name="fgAcc2">
+    <dgm:scene3d>
+      <a:camera prst="orthographicFront"/>
+      <a:lightRig rig="threePt" dir="t"/>
+    </dgm:scene3d>
+    <dgm:sp3d/>
+    <dgm:txPr/>
+    <dgm:style>
+      <a:lnRef idx="2">
+        <a:scrgbClr r="0" g="0" b="0"/>
+      </a:lnRef>
+      <a:fillRef idx="1">
+        <a:scrgbClr r="0" g="0" b="0"/>
+      </a:fillRef>
+      <a:effectRef idx="0">
+        <a:scrgbClr r="0" g="0" b="0"/>
+      </a:effectRef>
+      <a:fontRef idx="minor"/>
+    </dgm:style>
+  </dgm:styleLbl>
+  <dgm:styleLbl name="fgAcc3">
+    <dgm:scene3d>
+      <a:camera prst="orthographicFront"/>
+      <a:lightRig rig="threePt" dir="t"/>
+    </dgm:scene3d>
+    <dgm:sp3d/>
+    <dgm:txPr/>
+    <dgm:style>
+      <a:lnRef idx="2">
+        <a:scrgbClr r="0" g="0" b="0"/>
+      </a:lnRef>
+      <a:fillRef idx="1">
+        <a:scrgbClr r="0" g="0" b="0"/>
+      </a:fillRef>
+      <a:effectRef idx="0">
+        <a:scrgbClr r="0" g="0" b="0"/>
+      </a:effectRef>
+      <a:fontRef idx="minor"/>
+    </dgm:style>
+  </dgm:styleLbl>
+  <dgm:styleLbl name="fgAcc4">
+    <dgm:scene3d>
+      <a:camera prst="orthographicFront"/>
+      <a:lightRig rig="threePt" dir="t"/>
+    </dgm:scene3d>
+    <dgm:sp3d/>
+    <dgm:txPr/>
+    <dgm:style>
+      <a:lnRef idx="2">
+        <a:scrgbClr r="0" g="0" b="0"/>
+      </a:lnRef>
+      <a:fillRef idx="1">
+        <a:scrgbClr r="0" g="0" b="0"/>
+      </a:fillRef>
+      <a:effectRef idx="0">
+        <a:scrgbClr r="0" g="0" b="0"/>
+      </a:effectRef>
+      <a:fontRef idx="minor"/>
+    </dgm:style>
+  </dgm:styleLbl>
+  <dgm:styleLbl name="bgShp">
+    <dgm:scene3d>
+      <a:camera prst="orthographicFront"/>
+      <a:lightRig rig="threePt" dir="t"/>
+    </dgm:scene3d>
+    <dgm:sp3d/>
+    <dgm:txPr/>
+    <dgm:style>
+      <a:lnRef idx="0">
+        <a:scrgbClr r="0" g="0" b="0"/>
+      </a:lnRef>
+      <a:fillRef idx="1">
+        <a:scrgbClr r="0" g="0" b="0"/>
+      </a:fillRef>
+      <a:effectRef idx="0">
+        <a:scrgbClr r="0" g="0" b="0"/>
+      </a:effectRef>
+      <a:fontRef idx="minor"/>
+    </dgm:style>
+  </dgm:styleLbl>
+  <dgm:styleLbl name="dkBgShp">
+    <dgm:scene3d>
+      <a:camera prst="orthographicFront"/>
+      <a:lightRig rig="threePt" dir="t"/>
+    </dgm:scene3d>
+    <dgm:sp3d/>
+    <dgm:txPr/>
+    <dgm:style>
+      <a:lnRef idx="0">
+        <a:scrgbClr r="0" g="0" b="0"/>
+      </a:lnRef>
+      <a:fillRef idx="1">
+        <a:scrgbClr r="0" g="0" b="0"/>
+      </a:fillRef>
+      <a:effectRef idx="0">
+        <a:scrgbClr r="0" g="0" b="0"/>
+      </a:effectRef>
+      <a:fontRef idx="minor"/>
+    </dgm:style>
+  </dgm:styleLbl>
+  <dgm:styleLbl name="trBgShp">
+    <dgm:scene3d>
+      <a:camera prst="orthographicFront"/>
+      <a:lightRig rig="threePt" dir="t"/>
+    </dgm:scene3d>
+    <dgm:sp3d/>
+    <dgm:txPr/>
+    <dgm:style>
+      <a:lnRef idx="0">
+        <a:scrgbClr r="0" g="0" b="0"/>
+      </a:lnRef>
+      <a:fillRef idx="1">
+        <a:scrgbClr r="0" g="0" b="0"/>
+      </a:fillRef>
+      <a:effectRef idx="0">
+        <a:scrgbClr r="0" g="0" b="0"/>
+      </a:effectRef>
+      <a:fontRef idx="minor"/>
+    </dgm:style>
+  </dgm:styleLbl>
+  <dgm:styleLbl name="fgShp">
+    <dgm:scene3d>
+      <a:camera prst="orthographicFront"/>
+      <a:lightRig rig="threePt" dir="t"/>
+    </dgm:scene3d>
+    <dgm:sp3d/>
+    <dgm:txPr/>
+    <dgm:style>
+      <a:lnRef idx="2">
+        <a:scrgbClr r="0" g="0" b="0"/>
+      </a:lnRef>
+      <a:fillRef idx="1">
+        <a:scrgbClr r="0" g="0" b="0"/>
+      </a:fillRef>
+      <a:effectRef idx="0">
+        <a:scrgbClr r="0" g="0" b="0"/>
+      </a:effectRef>
+      <a:fontRef idx="minor"/>
+    </dgm:style>
+  </dgm:styleLbl>
+  <dgm:styleLbl name="revTx">
+    <dgm:scene3d>
+      <a:camera prst="orthographicFront"/>
+      <a:lightRig rig="threePt" dir="t"/>
+    </dgm:scene3d>
+    <dgm:sp3d/>
+    <dgm:txPr/>
+    <dgm:style>
+      <a:lnRef idx="0">
+        <a:scrgbClr r="0" g="0" b="0"/>
+      </a:lnRef>
+      <a:fillRef idx="0">
+        <a:scrgbClr r="0" g="0" b="0"/>
+      </a:fillRef>
+      <a:effectRef idx="0">
+        <a:scrgbClr r="0" g="0" b="0"/>
+      </a:effectRef>
+      <a:fontRef idx="minor"/>
+    </dgm:style>
+  </dgm:styleLbl>
+</dgm:styleDef>
 </file>
 
 <file path=ppt/handoutMasters/handoutMaster1.xml><?xml version="1.0" encoding="utf-8"?>
@@ -1813,16 +4122,12 @@
               <a:buChar char="•"/>
             </a:pPr>
             <a:r>
-              <a:rPr lang="en-US" sz="1000" b="0" i="0" kern="1200" dirty="0">
-                <a:solidFill>
-                  <a:schemeClr val="tx1"/>
-                </a:solidFill>
-                <a:effectLst/>
-                <a:latin typeface="+mn-lt"/>
-                <a:ea typeface="+mn-ea"/>
-                <a:cs typeface="+mn-cs"/>
-              </a:rPr>
-              <a:t>\</a:t>
+              <a:rPr lang="en-US" sz="1000" dirty="0"/>
+              <a:t>Training GANs consists</a:t>
+            </a:r>
+            <a:r>
+              <a:rPr lang="en-US" sz="1000" baseline="0" dirty="0"/>
+              <a:t> in finding the NASH Equilibrium to a two player non-cooperative game</a:t>
             </a:r>
             <a:endParaRPr lang="en-US" sz="1000" dirty="0"/>
           </a:p>
@@ -1854,7 +4159,7 @@
     </p:spTree>
     <p:extLst>
       <p:ext uri="{BB962C8B-B14F-4D97-AF65-F5344CB8AC3E}">
-        <p14:creationId xmlns:p14="http://schemas.microsoft.com/office/powerpoint/2010/main" val="3418094671"/>
+        <p14:creationId xmlns:p14="http://schemas.microsoft.com/office/powerpoint/2010/main" val="1619273077"/>
       </p:ext>
     </p:extLst>
   </p:cSld>
@@ -1950,7 +4255,7 @@
     </p:spTree>
     <p:extLst>
       <p:ext uri="{BB962C8B-B14F-4D97-AF65-F5344CB8AC3E}">
-        <p14:creationId xmlns:p14="http://schemas.microsoft.com/office/powerpoint/2010/main" val="1619273077"/>
+        <p14:creationId xmlns:p14="http://schemas.microsoft.com/office/powerpoint/2010/main" val="3300616596"/>
       </p:ext>
     </p:extLst>
   </p:cSld>
@@ -2130,7 +4435,7 @@
     </p:spTree>
     <p:extLst>
       <p:ext uri="{BB962C8B-B14F-4D97-AF65-F5344CB8AC3E}">
-        <p14:creationId xmlns:p14="http://schemas.microsoft.com/office/powerpoint/2010/main" val="3300616596"/>
+        <p14:creationId xmlns:p14="http://schemas.microsoft.com/office/powerpoint/2010/main" val="3249085996"/>
       </p:ext>
     </p:extLst>
   </p:cSld>
@@ -2188,14 +4493,6 @@
               <a:buFont typeface="Arial" panose="020B0604020202020204" pitchFamily="34" charset="0"/>
               <a:buChar char="•"/>
             </a:pPr>
-            <a:r>
-              <a:rPr lang="en-US" sz="1000" dirty="0"/>
-              <a:t>Training GANs consists</a:t>
-            </a:r>
-            <a:r>
-              <a:rPr lang="en-US" sz="1000" baseline="0" dirty="0"/>
-              <a:t> in finding the NASH Equilibrium to a two player non-cooperative game</a:t>
-            </a:r>
             <a:endParaRPr lang="en-US" sz="1000" dirty="0"/>
           </a:p>
         </p:txBody>
@@ -2226,7 +4523,7 @@
     </p:spTree>
     <p:extLst>
       <p:ext uri="{BB962C8B-B14F-4D97-AF65-F5344CB8AC3E}">
-        <p14:creationId xmlns:p14="http://schemas.microsoft.com/office/powerpoint/2010/main" val="3249085996"/>
+        <p14:creationId xmlns:p14="http://schemas.microsoft.com/office/powerpoint/2010/main" val="3385450673"/>
       </p:ext>
     </p:extLst>
   </p:cSld>
@@ -2284,6 +4581,14 @@
               <a:buFont typeface="Arial" panose="020B0604020202020204" pitchFamily="34" charset="0"/>
               <a:buChar char="•"/>
             </a:pPr>
+            <a:r>
+              <a:rPr lang="en-US" sz="1000" dirty="0"/>
+              <a:t>Training GANs consists</a:t>
+            </a:r>
+            <a:r>
+              <a:rPr lang="en-US" sz="1000" baseline="0" dirty="0"/>
+              <a:t> in finding the NASH Equilibrium to a two player non-cooperative game</a:t>
+            </a:r>
             <a:endParaRPr lang="en-US" sz="1000" dirty="0"/>
           </a:p>
         </p:txBody>
@@ -2314,7 +4619,7 @@
     </p:spTree>
     <p:extLst>
       <p:ext uri="{BB962C8B-B14F-4D97-AF65-F5344CB8AC3E}">
-        <p14:creationId xmlns:p14="http://schemas.microsoft.com/office/powerpoint/2010/main" val="3385450673"/>
+        <p14:creationId xmlns:p14="http://schemas.microsoft.com/office/powerpoint/2010/main" val="3493756776"/>
       </p:ext>
     </p:extLst>
   </p:cSld>
@@ -2368,19 +4673,154 @@
           <a:bodyPr/>
           <a:lstStyle/>
           <a:p>
-            <a:pPr marL="171450" indent="-171450">
-              <a:buFont typeface="Arial" panose="020B0604020202020204" pitchFamily="34" charset="0"/>
-              <a:buChar char="•"/>
+            <a:r>
+              <a:rPr lang="en-US" sz="1200" b="0" i="0" kern="1200" dirty="0">
+                <a:solidFill>
+                  <a:schemeClr val="tx1"/>
+                </a:solidFill>
+                <a:effectLst/>
+                <a:latin typeface="+mn-lt"/>
+                <a:ea typeface="+mn-ea"/>
+                <a:cs typeface="+mn-cs"/>
+              </a:rPr>
+              <a:t>The </a:t>
+            </a:r>
+            <a:r>
+              <a:rPr lang="en-US" sz="1200" b="1" i="0" u="none" strike="noStrike" kern="1200" dirty="0" err="1">
+                <a:solidFill>
+                  <a:schemeClr val="tx1"/>
+                </a:solidFill>
+                <a:effectLst/>
+                <a:latin typeface="+mn-lt"/>
+                <a:ea typeface="+mn-ea"/>
+                <a:cs typeface="+mn-cs"/>
+                <a:hlinkClick r:id="rId3"/>
+              </a:rPr>
+              <a:t>InfoGAN</a:t>
+            </a:r>
+            <a:r>
+              <a:rPr lang="en-US" sz="1200" b="0" i="0" kern="1200" dirty="0">
+                <a:solidFill>
+                  <a:schemeClr val="tx1"/>
+                </a:solidFill>
+                <a:effectLst/>
+                <a:latin typeface="+mn-lt"/>
+                <a:ea typeface="+mn-ea"/>
+                <a:cs typeface="+mn-cs"/>
+              </a:rPr>
+              <a:t> model proposed by </a:t>
+            </a:r>
+            <a:r>
+              <a:rPr lang="en-US" sz="1200" b="1" i="0" u="none" strike="noStrike" kern="1200" dirty="0" err="1">
+                <a:solidFill>
+                  <a:schemeClr val="tx1"/>
+                </a:solidFill>
+                <a:effectLst/>
+                <a:latin typeface="+mn-lt"/>
+                <a:ea typeface="+mn-ea"/>
+                <a:cs typeface="+mn-cs"/>
+                <a:hlinkClick r:id="rId4"/>
+              </a:rPr>
+              <a:t>OpenAI</a:t>
+            </a:r>
+            <a:r>
+              <a:rPr lang="en-US" sz="1200" b="0" i="0" kern="1200" dirty="0">
+                <a:solidFill>
+                  <a:schemeClr val="tx1"/>
+                </a:solidFill>
+                <a:effectLst/>
+                <a:latin typeface="+mn-lt"/>
+                <a:ea typeface="+mn-ea"/>
+                <a:cs typeface="+mn-cs"/>
+              </a:rPr>
+              <a:t> researchers in August can generate representations that contain information about the dataset in an unsupervised way. For instance, it discovers visual concepts that include hair styles, presence/absence of eyeglasses, and emotions on the </a:t>
+            </a:r>
+            <a:r>
+              <a:rPr lang="en-US" sz="1200" b="0" i="0" kern="1200" dirty="0" err="1">
+                <a:solidFill>
+                  <a:schemeClr val="tx1"/>
+                </a:solidFill>
+                <a:effectLst/>
+                <a:latin typeface="+mn-lt"/>
+                <a:ea typeface="+mn-ea"/>
+                <a:cs typeface="+mn-cs"/>
+              </a:rPr>
+              <a:t>CelebA</a:t>
+            </a:r>
+            <a:r>
+              <a:rPr lang="en-US" sz="1200" b="0" i="0" kern="1200" dirty="0">
+                <a:solidFill>
+                  <a:schemeClr val="tx1"/>
+                </a:solidFill>
+                <a:effectLst/>
+                <a:latin typeface="+mn-lt"/>
+                <a:ea typeface="+mn-ea"/>
+                <a:cs typeface="+mn-cs"/>
+              </a:rPr>
+              <a:t> face dataset. when applied to the </a:t>
+            </a:r>
+            <a:r>
+              <a:rPr lang="en-US" sz="1200" b="1" i="0" u="none" strike="noStrike" kern="1200" dirty="0">
+                <a:solidFill>
+                  <a:schemeClr val="tx1"/>
+                </a:solidFill>
+                <a:effectLst/>
+                <a:latin typeface="+mn-lt"/>
+                <a:ea typeface="+mn-ea"/>
+                <a:cs typeface="+mn-cs"/>
+                <a:hlinkClick r:id="rId5"/>
+              </a:rPr>
+              <a:t>MNIST dataset</a:t>
+            </a:r>
+            <a:r>
+              <a:rPr lang="en-US" sz="1200" b="0" i="0" kern="1200" dirty="0">
+                <a:solidFill>
+                  <a:schemeClr val="tx1"/>
+                </a:solidFill>
+                <a:effectLst/>
+                <a:latin typeface="+mn-lt"/>
+                <a:ea typeface="+mn-ea"/>
+                <a:cs typeface="+mn-cs"/>
+              </a:rPr>
+              <a:t> it is able to infer the type of number (1, 2, 3, …), the rotation and the width of the generated samples without the need for manually tagged data.</a:t>
+            </a:r>
+          </a:p>
+          <a:p>
+            <a:endParaRPr lang="en-US" sz="1200" b="0" i="0" kern="1200" dirty="0">
+              <a:solidFill>
+                <a:schemeClr val="tx1"/>
+              </a:solidFill>
+              <a:effectLst/>
+              <a:latin typeface="+mn-lt"/>
+              <a:ea typeface="+mn-ea"/>
+              <a:cs typeface="+mn-cs"/>
+            </a:endParaRPr>
+          </a:p>
+          <a:p>
+            <a:pPr marL="0" marR="0" lvl="0" indent="0" algn="l" defTabSz="914400" rtl="0" eaLnBrk="1" fontAlgn="auto" latinLnBrk="0" hangingPunct="1">
+              <a:lnSpc>
+                <a:spcPct val="100000"/>
+              </a:lnSpc>
+              <a:spcBef>
+                <a:spcPts val="0"/>
+              </a:spcBef>
+              <a:spcAft>
+                <a:spcPts val="0"/>
+              </a:spcAft>
+              <a:buClrTx/>
+              <a:buSzTx/>
+              <a:buFontTx/>
+              <a:buNone/>
+              <a:tabLst/>
+              <a:defRPr/>
             </a:pPr>
             <a:r>
-              <a:rPr lang="en-US" sz="1000" dirty="0"/>
-              <a:t>Training GANs consists</a:t>
-            </a:r>
-            <a:r>
-              <a:rPr lang="en-US" sz="1000" baseline="0" dirty="0"/>
-              <a:t> in finding the NASH Equilibrium to a two player non-cooperative game</a:t>
-            </a:r>
-            <a:endParaRPr lang="en-US" sz="1000" dirty="0"/>
+              <a:rPr lang="en-US" dirty="0"/>
+              <a:t>Takes a textual description (encoded as a vector by a character level CNN or LSTM) as external information and it generates image based on it.</a:t>
+            </a:r>
+          </a:p>
+          <a:p>
+            <a:endParaRPr lang="en-US" dirty="0"/>
           </a:p>
         </p:txBody>
       </p:sp>
@@ -2410,7 +4850,7 @@
     </p:spTree>
     <p:extLst>
       <p:ext uri="{BB962C8B-B14F-4D97-AF65-F5344CB8AC3E}">
-        <p14:creationId xmlns:p14="http://schemas.microsoft.com/office/powerpoint/2010/main" val="3493756776"/>
+        <p14:creationId xmlns:p14="http://schemas.microsoft.com/office/powerpoint/2010/main" val="1824273055"/>
       </p:ext>
     </p:extLst>
   </p:cSld>
@@ -2474,143 +4914,8 @@
                 <a:ea typeface="+mn-ea"/>
                 <a:cs typeface="+mn-cs"/>
               </a:rPr>
-              <a:t>The </a:t>
-            </a:r>
-            <a:r>
-              <a:rPr lang="en-US" sz="1200" b="1" i="0" u="none" strike="noStrike" kern="1200" dirty="0" err="1">
-                <a:solidFill>
-                  <a:schemeClr val="tx1"/>
-                </a:solidFill>
-                <a:effectLst/>
-                <a:latin typeface="+mn-lt"/>
-                <a:ea typeface="+mn-ea"/>
-                <a:cs typeface="+mn-cs"/>
-                <a:hlinkClick r:id="rId3"/>
-              </a:rPr>
-              <a:t>InfoGAN</a:t>
-            </a:r>
-            <a:r>
-              <a:rPr lang="en-US" sz="1200" b="0" i="0" kern="1200" dirty="0">
-                <a:solidFill>
-                  <a:schemeClr val="tx1"/>
-                </a:solidFill>
-                <a:effectLst/>
-                <a:latin typeface="+mn-lt"/>
-                <a:ea typeface="+mn-ea"/>
-                <a:cs typeface="+mn-cs"/>
-              </a:rPr>
-              <a:t> model proposed by </a:t>
-            </a:r>
-            <a:r>
-              <a:rPr lang="en-US" sz="1200" b="1" i="0" u="none" strike="noStrike" kern="1200" dirty="0" err="1">
-                <a:solidFill>
-                  <a:schemeClr val="tx1"/>
-                </a:solidFill>
-                <a:effectLst/>
-                <a:latin typeface="+mn-lt"/>
-                <a:ea typeface="+mn-ea"/>
-                <a:cs typeface="+mn-cs"/>
-                <a:hlinkClick r:id="rId4"/>
-              </a:rPr>
-              <a:t>OpenAI</a:t>
-            </a:r>
-            <a:r>
-              <a:rPr lang="en-US" sz="1200" b="0" i="0" kern="1200" dirty="0">
-                <a:solidFill>
-                  <a:schemeClr val="tx1"/>
-                </a:solidFill>
-                <a:effectLst/>
-                <a:latin typeface="+mn-lt"/>
-                <a:ea typeface="+mn-ea"/>
-                <a:cs typeface="+mn-cs"/>
-              </a:rPr>
-              <a:t> researchers in August can generate representations that contain information about the dataset in an unsupervised way. For instance, it discovers visual concepts that include hair styles, presence/absence of eyeglasses, and emotions on the </a:t>
-            </a:r>
-            <a:r>
-              <a:rPr lang="en-US" sz="1200" b="0" i="0" kern="1200" dirty="0" err="1">
-                <a:solidFill>
-                  <a:schemeClr val="tx1"/>
-                </a:solidFill>
-                <a:effectLst/>
-                <a:latin typeface="+mn-lt"/>
-                <a:ea typeface="+mn-ea"/>
-                <a:cs typeface="+mn-cs"/>
-              </a:rPr>
-              <a:t>CelebA</a:t>
-            </a:r>
-            <a:r>
-              <a:rPr lang="en-US" sz="1200" b="0" i="0" kern="1200" dirty="0">
-                <a:solidFill>
-                  <a:schemeClr val="tx1"/>
-                </a:solidFill>
-                <a:effectLst/>
-                <a:latin typeface="+mn-lt"/>
-                <a:ea typeface="+mn-ea"/>
-                <a:cs typeface="+mn-cs"/>
-              </a:rPr>
-              <a:t> face dataset. when applied to the </a:t>
-            </a:r>
-            <a:r>
-              <a:rPr lang="en-US" sz="1200" b="1" i="0" u="none" strike="noStrike" kern="1200" dirty="0">
-                <a:solidFill>
-                  <a:schemeClr val="tx1"/>
-                </a:solidFill>
-                <a:effectLst/>
-                <a:latin typeface="+mn-lt"/>
-                <a:ea typeface="+mn-ea"/>
-                <a:cs typeface="+mn-cs"/>
-                <a:hlinkClick r:id="rId5"/>
-              </a:rPr>
-              <a:t>MNIST dataset</a:t>
-            </a:r>
-            <a:r>
-              <a:rPr lang="en-US" sz="1200" b="0" i="0" kern="1200" dirty="0">
-                <a:solidFill>
-                  <a:schemeClr val="tx1"/>
-                </a:solidFill>
-                <a:effectLst/>
-                <a:latin typeface="+mn-lt"/>
-                <a:ea typeface="+mn-ea"/>
-                <a:cs typeface="+mn-cs"/>
-              </a:rPr>
-              <a:t> it is able to infer the type of number (1, 2, 3, …), the rotation and the width of the generated samples without the need for manually tagged data.</a:t>
-            </a:r>
-          </a:p>
-          <a:p>
-            <a:endParaRPr lang="en-US" sz="1200" b="0" i="0" kern="1200" dirty="0">
-              <a:solidFill>
-                <a:schemeClr val="tx1"/>
-              </a:solidFill>
-              <a:effectLst/>
-              <a:latin typeface="+mn-lt"/>
-              <a:ea typeface="+mn-ea"/>
-              <a:cs typeface="+mn-cs"/>
-            </a:endParaRPr>
-          </a:p>
-          <a:p>
-            <a:pPr marL="0" marR="0" lvl="0" indent="0" algn="l" defTabSz="914400" rtl="0" eaLnBrk="1" fontAlgn="auto" latinLnBrk="0" hangingPunct="1">
-              <a:lnSpc>
-                <a:spcPct val="100000"/>
-              </a:lnSpc>
-              <a:spcBef>
-                <a:spcPts val="0"/>
-              </a:spcBef>
-              <a:spcAft>
-                <a:spcPts val="0"/>
-              </a:spcAft>
-              <a:buClrTx/>
-              <a:buSzTx/>
-              <a:buFontTx/>
-              <a:buNone/>
-              <a:tabLst/>
-              <a:defRPr/>
-            </a:pPr>
-            <a:r>
-              <a:rPr lang="en-US" dirty="0"/>
-              <a:t>Takes a textual description (encoded as a vector by a character level CNN or LSTM) as external information and it generates image based on it.</a:t>
-            </a:r>
-          </a:p>
-          <a:p>
+              <a:t>Maps input image to output image</a:t>
+            </a:r>
             <a:endParaRPr lang="en-US" dirty="0"/>
           </a:p>
         </p:txBody>
@@ -2641,7 +4946,7 @@
     </p:spTree>
     <p:extLst>
       <p:ext uri="{BB962C8B-B14F-4D97-AF65-F5344CB8AC3E}">
-        <p14:creationId xmlns:p14="http://schemas.microsoft.com/office/powerpoint/2010/main" val="1824273055"/>
+        <p14:creationId xmlns:p14="http://schemas.microsoft.com/office/powerpoint/2010/main" val="2362536274"/>
       </p:ext>
     </p:extLst>
   </p:cSld>
@@ -2695,18 +5000,6 @@
           <a:bodyPr/>
           <a:lstStyle/>
           <a:p>
-            <a:r>
-              <a:rPr lang="en-US" sz="1200" b="0" i="0" kern="1200" dirty="0">
-                <a:solidFill>
-                  <a:schemeClr val="tx1"/>
-                </a:solidFill>
-                <a:effectLst/>
-                <a:latin typeface="+mn-lt"/>
-                <a:ea typeface="+mn-ea"/>
-                <a:cs typeface="+mn-cs"/>
-              </a:rPr>
-              <a:t>Maps input image to output image</a:t>
-            </a:r>
             <a:endParaRPr lang="en-US" dirty="0"/>
           </a:p>
         </p:txBody>
@@ -2718,7 +5011,7 @@
             <a:spLocks noGrp="1"/>
           </p:cNvSpPr>
           <p:nvPr>
-            <p:ph type="sldNum" sz="quarter" idx="10"/>
+            <p:ph type="sldNum" sz="quarter" idx="5"/>
           </p:nvPr>
         </p:nvSpPr>
         <p:spPr/>
@@ -2726,18 +5019,78 @@
           <a:bodyPr/>
           <a:lstStyle/>
           <a:p>
-            <a:fld id="{77542409-6A04-4DC6-AC3A-D3758287A8F2}" type="slidenum">
-              <a:rPr lang="en-US" smtClean="0"/>
-              <a:t>29</a:t>
+            <a:pPr marL="0" marR="0" lvl="0" indent="0" algn="r" defTabSz="914400" rtl="0" eaLnBrk="1" fontAlgn="auto" latinLnBrk="0" hangingPunct="1">
+              <a:lnSpc>
+                <a:spcPct val="100000"/>
+              </a:lnSpc>
+              <a:spcBef>
+                <a:spcPts val="0"/>
+              </a:spcBef>
+              <a:spcAft>
+                <a:spcPts val="0"/>
+              </a:spcAft>
+              <a:buClrTx/>
+              <a:buSzTx/>
+              <a:buFontTx/>
+              <a:buNone/>
+              <a:tabLst/>
+              <a:defRPr/>
+            </a:pPr>
+            <a:fld id="{10C9D1B6-60AE-CF4F-863D-4DE16456BB9A}" type="slidenum">
+              <a:rPr kumimoji="0" lang="en-US" sz="1200" b="0" i="0" u="none" strike="noStrike" kern="1200" cap="none" spc="0" normalizeH="0" baseline="0" noProof="0" smtClean="0">
+                <a:ln>
+                  <a:noFill/>
+                </a:ln>
+                <a:solidFill>
+                  <a:prstClr val="black"/>
+                </a:solidFill>
+                <a:effectLst/>
+                <a:uLnTx/>
+                <a:uFillTx/>
+                <a:latin typeface="Calibri" panose="020F0502020204030204"/>
+                <a:ea typeface="+mn-ea"/>
+                <a:cs typeface="+mn-cs"/>
+              </a:rPr>
+              <a:pPr marL="0" marR="0" lvl="0" indent="0" algn="r" defTabSz="914400" rtl="0" eaLnBrk="1" fontAlgn="auto" latinLnBrk="0" hangingPunct="1">
+                <a:lnSpc>
+                  <a:spcPct val="100000"/>
+                </a:lnSpc>
+                <a:spcBef>
+                  <a:spcPts val="0"/>
+                </a:spcBef>
+                <a:spcAft>
+                  <a:spcPts val="0"/>
+                </a:spcAft>
+                <a:buClrTx/>
+                <a:buSzTx/>
+                <a:buFontTx/>
+                <a:buNone/>
+                <a:tabLst/>
+                <a:defRPr/>
+              </a:pPr>
+              <a:t>30</a:t>
             </a:fld>
-            <a:endParaRPr lang="en-US"/>
+            <a:endParaRPr kumimoji="0" lang="en-US" sz="1200" b="0" i="0" u="none" strike="noStrike" kern="1200" cap="none" spc="0" normalizeH="0" baseline="0" noProof="0">
+              <a:ln>
+                <a:noFill/>
+              </a:ln>
+              <a:solidFill>
+                <a:prstClr val="black"/>
+              </a:solidFill>
+              <a:effectLst/>
+              <a:uLnTx/>
+              <a:uFillTx/>
+              <a:latin typeface="Calibri" panose="020F0502020204030204"/>
+              <a:ea typeface="+mn-ea"/>
+              <a:cs typeface="+mn-cs"/>
+            </a:endParaRPr>
           </a:p>
         </p:txBody>
       </p:sp>
     </p:spTree>
     <p:extLst>
       <p:ext uri="{BB962C8B-B14F-4D97-AF65-F5344CB8AC3E}">
-        <p14:creationId xmlns:p14="http://schemas.microsoft.com/office/powerpoint/2010/main" val="2362536274"/>
+        <p14:creationId xmlns:p14="http://schemas.microsoft.com/office/powerpoint/2010/main" val="2229662252"/>
       </p:ext>
     </p:extLst>
   </p:cSld>
@@ -4218,6 +6571,1941 @@
 </p:sldLayout>
 </file>
 
+<file path=ppt/slideLayouts/slideLayout12.xml><?xml version="1.0" encoding="utf-8"?>
+<p:sldLayout xmlns:a="http://schemas.openxmlformats.org/drawingml/2006/main" xmlns:r="http://schemas.openxmlformats.org/officeDocument/2006/relationships" xmlns:p="http://schemas.openxmlformats.org/presentationml/2006/main" type="title" preserve="1">
+  <p:cSld name="Title Slide">
+    <p:spTree>
+      <p:nvGrpSpPr>
+        <p:cNvPr id="1" name=""/>
+        <p:cNvGrpSpPr/>
+        <p:nvPr/>
+      </p:nvGrpSpPr>
+      <p:grpSpPr>
+        <a:xfrm>
+          <a:off x="0" y="0"/>
+          <a:ext cx="0" cy="0"/>
+          <a:chOff x="0" y="0"/>
+          <a:chExt cx="0" cy="0"/>
+        </a:xfrm>
+      </p:grpSpPr>
+      <p:sp>
+        <p:nvSpPr>
+          <p:cNvPr id="2" name="Title 1">
+            <a:extLst>
+              <a:ext uri="{FF2B5EF4-FFF2-40B4-BE49-F238E27FC236}">
+                <a16:creationId xmlns:a16="http://schemas.microsoft.com/office/drawing/2014/main" id="{04C2202F-3CF5-2942-AEA6-0328F84C7E3A}"/>
+              </a:ext>
+            </a:extLst>
+          </p:cNvPr>
+          <p:cNvSpPr>
+            <a:spLocks noGrp="1"/>
+          </p:cNvSpPr>
+          <p:nvPr>
+            <p:ph type="ctrTitle"/>
+          </p:nvPr>
+        </p:nvSpPr>
+        <p:spPr>
+          <a:xfrm>
+            <a:off x="1524000" y="1122363"/>
+            <a:ext cx="9144000" cy="2387600"/>
+          </a:xfrm>
+        </p:spPr>
+        <p:txBody>
+          <a:bodyPr anchor="b"/>
+          <a:lstStyle>
+            <a:lvl1pPr algn="ctr">
+              <a:defRPr sz="6000"/>
+            </a:lvl1pPr>
+          </a:lstStyle>
+          <a:p>
+            <a:r>
+              <a:rPr lang="en-US"/>
+              <a:t>Click to edit Master title style</a:t>
+            </a:r>
+          </a:p>
+        </p:txBody>
+      </p:sp>
+      <p:sp>
+        <p:nvSpPr>
+          <p:cNvPr id="3" name="Subtitle 2">
+            <a:extLst>
+              <a:ext uri="{FF2B5EF4-FFF2-40B4-BE49-F238E27FC236}">
+                <a16:creationId xmlns:a16="http://schemas.microsoft.com/office/drawing/2014/main" id="{35C8F358-AB01-9B41-8E1E-1AD2DA0DEC7D}"/>
+              </a:ext>
+            </a:extLst>
+          </p:cNvPr>
+          <p:cNvSpPr>
+            <a:spLocks noGrp="1"/>
+          </p:cNvSpPr>
+          <p:nvPr>
+            <p:ph type="subTitle" idx="1"/>
+          </p:nvPr>
+        </p:nvSpPr>
+        <p:spPr>
+          <a:xfrm>
+            <a:off x="1524000" y="3602038"/>
+            <a:ext cx="9144000" cy="1655762"/>
+          </a:xfrm>
+        </p:spPr>
+        <p:txBody>
+          <a:bodyPr/>
+          <a:lstStyle>
+            <a:lvl1pPr marL="0" indent="0" algn="ctr">
+              <a:buNone/>
+              <a:defRPr sz="2400"/>
+            </a:lvl1pPr>
+            <a:lvl2pPr marL="457200" indent="0" algn="ctr">
+              <a:buNone/>
+              <a:defRPr sz="2000"/>
+            </a:lvl2pPr>
+            <a:lvl3pPr marL="914400" indent="0" algn="ctr">
+              <a:buNone/>
+              <a:defRPr sz="1800"/>
+            </a:lvl3pPr>
+            <a:lvl4pPr marL="1371600" indent="0" algn="ctr">
+              <a:buNone/>
+              <a:defRPr sz="1600"/>
+            </a:lvl4pPr>
+            <a:lvl5pPr marL="1828800" indent="0" algn="ctr">
+              <a:buNone/>
+              <a:defRPr sz="1600"/>
+            </a:lvl5pPr>
+            <a:lvl6pPr marL="2286000" indent="0" algn="ctr">
+              <a:buNone/>
+              <a:defRPr sz="1600"/>
+            </a:lvl6pPr>
+            <a:lvl7pPr marL="2743200" indent="0" algn="ctr">
+              <a:buNone/>
+              <a:defRPr sz="1600"/>
+            </a:lvl7pPr>
+            <a:lvl8pPr marL="3200400" indent="0" algn="ctr">
+              <a:buNone/>
+              <a:defRPr sz="1600"/>
+            </a:lvl8pPr>
+            <a:lvl9pPr marL="3657600" indent="0" algn="ctr">
+              <a:buNone/>
+              <a:defRPr sz="1600"/>
+            </a:lvl9pPr>
+          </a:lstStyle>
+          <a:p>
+            <a:r>
+              <a:rPr lang="en-US"/>
+              <a:t>Click to edit Master subtitle style</a:t>
+            </a:r>
+          </a:p>
+        </p:txBody>
+      </p:sp>
+      <p:sp>
+        <p:nvSpPr>
+          <p:cNvPr id="4" name="Date Placeholder 3">
+            <a:extLst>
+              <a:ext uri="{FF2B5EF4-FFF2-40B4-BE49-F238E27FC236}">
+                <a16:creationId xmlns:a16="http://schemas.microsoft.com/office/drawing/2014/main" id="{77882F06-3EE1-5D48-8E1F-DAE0CF1DA50C}"/>
+              </a:ext>
+            </a:extLst>
+          </p:cNvPr>
+          <p:cNvSpPr>
+            <a:spLocks noGrp="1"/>
+          </p:cNvSpPr>
+          <p:nvPr>
+            <p:ph type="dt" sz="half" idx="10"/>
+          </p:nvPr>
+        </p:nvSpPr>
+        <p:spPr/>
+        <p:txBody>
+          <a:bodyPr/>
+          <a:lstStyle/>
+          <a:p>
+            <a:fld id="{DCF04831-FE79-4C48-8B5F-6128F6AE010B}" type="datetimeFigureOut">
+              <a:rPr lang="en-US" smtClean="0"/>
+              <a:t>10/4/19</a:t>
+            </a:fld>
+            <a:endParaRPr lang="en-US"/>
+          </a:p>
+        </p:txBody>
+      </p:sp>
+      <p:sp>
+        <p:nvSpPr>
+          <p:cNvPr id="5" name="Footer Placeholder 4">
+            <a:extLst>
+              <a:ext uri="{FF2B5EF4-FFF2-40B4-BE49-F238E27FC236}">
+                <a16:creationId xmlns:a16="http://schemas.microsoft.com/office/drawing/2014/main" id="{7BD6DE03-8BEF-0C49-9DC9-23DC8E3006AA}"/>
+              </a:ext>
+            </a:extLst>
+          </p:cNvPr>
+          <p:cNvSpPr>
+            <a:spLocks noGrp="1"/>
+          </p:cNvSpPr>
+          <p:nvPr>
+            <p:ph type="ftr" sz="quarter" idx="11"/>
+          </p:nvPr>
+        </p:nvSpPr>
+        <p:spPr/>
+        <p:txBody>
+          <a:bodyPr/>
+          <a:lstStyle/>
+          <a:p>
+            <a:endParaRPr lang="en-US"/>
+          </a:p>
+        </p:txBody>
+      </p:sp>
+      <p:sp>
+        <p:nvSpPr>
+          <p:cNvPr id="6" name="Slide Number Placeholder 5">
+            <a:extLst>
+              <a:ext uri="{FF2B5EF4-FFF2-40B4-BE49-F238E27FC236}">
+                <a16:creationId xmlns:a16="http://schemas.microsoft.com/office/drawing/2014/main" id="{4D9E0CBC-D893-3B47-A264-8849993C69AC}"/>
+              </a:ext>
+            </a:extLst>
+          </p:cNvPr>
+          <p:cNvSpPr>
+            <a:spLocks noGrp="1"/>
+          </p:cNvSpPr>
+          <p:nvPr>
+            <p:ph type="sldNum" sz="quarter" idx="12"/>
+          </p:nvPr>
+        </p:nvSpPr>
+        <p:spPr/>
+        <p:txBody>
+          <a:bodyPr/>
+          <a:lstStyle/>
+          <a:p>
+            <a:fld id="{C31BBD4C-C861-D646-B95A-46A5F141E02A}" type="slidenum">
+              <a:rPr lang="en-US" smtClean="0"/>
+              <a:t>‹#›</a:t>
+            </a:fld>
+            <a:endParaRPr lang="en-US"/>
+          </a:p>
+        </p:txBody>
+      </p:sp>
+    </p:spTree>
+    <p:extLst>
+      <p:ext uri="{BB962C8B-B14F-4D97-AF65-F5344CB8AC3E}">
+        <p14:creationId xmlns:p14="http://schemas.microsoft.com/office/powerpoint/2010/main" val="2748370454"/>
+      </p:ext>
+    </p:extLst>
+  </p:cSld>
+  <p:clrMapOvr>
+    <a:masterClrMapping/>
+  </p:clrMapOvr>
+</p:sldLayout>
+</file>
+
+<file path=ppt/slideLayouts/slideLayout13.xml><?xml version="1.0" encoding="utf-8"?>
+<p:sldLayout xmlns:a="http://schemas.openxmlformats.org/drawingml/2006/main" xmlns:r="http://schemas.openxmlformats.org/officeDocument/2006/relationships" xmlns:p="http://schemas.openxmlformats.org/presentationml/2006/main" type="obj" preserve="1">
+  <p:cSld name="Title and Content">
+    <p:spTree>
+      <p:nvGrpSpPr>
+        <p:cNvPr id="1" name=""/>
+        <p:cNvGrpSpPr/>
+        <p:nvPr/>
+      </p:nvGrpSpPr>
+      <p:grpSpPr>
+        <a:xfrm>
+          <a:off x="0" y="0"/>
+          <a:ext cx="0" cy="0"/>
+          <a:chOff x="0" y="0"/>
+          <a:chExt cx="0" cy="0"/>
+        </a:xfrm>
+      </p:grpSpPr>
+      <p:sp>
+        <p:nvSpPr>
+          <p:cNvPr id="2" name="Title 1">
+            <a:extLst>
+              <a:ext uri="{FF2B5EF4-FFF2-40B4-BE49-F238E27FC236}">
+                <a16:creationId xmlns:a16="http://schemas.microsoft.com/office/drawing/2014/main" id="{3112D5BC-DC2F-064C-9800-2CDE3214AE35}"/>
+              </a:ext>
+            </a:extLst>
+          </p:cNvPr>
+          <p:cNvSpPr>
+            <a:spLocks noGrp="1"/>
+          </p:cNvSpPr>
+          <p:nvPr>
+            <p:ph type="title"/>
+          </p:nvPr>
+        </p:nvSpPr>
+        <p:spPr/>
+        <p:txBody>
+          <a:bodyPr/>
+          <a:lstStyle/>
+          <a:p>
+            <a:r>
+              <a:rPr lang="en-US"/>
+              <a:t>Click to edit Master title style</a:t>
+            </a:r>
+          </a:p>
+        </p:txBody>
+      </p:sp>
+      <p:sp>
+        <p:nvSpPr>
+          <p:cNvPr id="3" name="Content Placeholder 2">
+            <a:extLst>
+              <a:ext uri="{FF2B5EF4-FFF2-40B4-BE49-F238E27FC236}">
+                <a16:creationId xmlns:a16="http://schemas.microsoft.com/office/drawing/2014/main" id="{0142F152-263A-3A46-852E-4E5B8BA2D875}"/>
+              </a:ext>
+            </a:extLst>
+          </p:cNvPr>
+          <p:cNvSpPr>
+            <a:spLocks noGrp="1"/>
+          </p:cNvSpPr>
+          <p:nvPr>
+            <p:ph idx="1"/>
+          </p:nvPr>
+        </p:nvSpPr>
+        <p:spPr/>
+        <p:txBody>
+          <a:bodyPr/>
+          <a:lstStyle/>
+          <a:p>
+            <a:pPr lvl="0"/>
+            <a:r>
+              <a:rPr lang="en-US"/>
+              <a:t>Edit Master text styles</a:t>
+            </a:r>
+          </a:p>
+          <a:p>
+            <a:pPr lvl="1"/>
+            <a:r>
+              <a:rPr lang="en-US"/>
+              <a:t>Second level</a:t>
+            </a:r>
+          </a:p>
+          <a:p>
+            <a:pPr lvl="2"/>
+            <a:r>
+              <a:rPr lang="en-US"/>
+              <a:t>Third level</a:t>
+            </a:r>
+          </a:p>
+          <a:p>
+            <a:pPr lvl="3"/>
+            <a:r>
+              <a:rPr lang="en-US"/>
+              <a:t>Fourth level</a:t>
+            </a:r>
+          </a:p>
+          <a:p>
+            <a:pPr lvl="4"/>
+            <a:r>
+              <a:rPr lang="en-US"/>
+              <a:t>Fifth level</a:t>
+            </a:r>
+          </a:p>
+        </p:txBody>
+      </p:sp>
+      <p:sp>
+        <p:nvSpPr>
+          <p:cNvPr id="4" name="Date Placeholder 3">
+            <a:extLst>
+              <a:ext uri="{FF2B5EF4-FFF2-40B4-BE49-F238E27FC236}">
+                <a16:creationId xmlns:a16="http://schemas.microsoft.com/office/drawing/2014/main" id="{F1FCA1B8-DC41-794D-96EA-8B1C96D7021A}"/>
+              </a:ext>
+            </a:extLst>
+          </p:cNvPr>
+          <p:cNvSpPr>
+            <a:spLocks noGrp="1"/>
+          </p:cNvSpPr>
+          <p:nvPr>
+            <p:ph type="dt" sz="half" idx="10"/>
+          </p:nvPr>
+        </p:nvSpPr>
+        <p:spPr/>
+        <p:txBody>
+          <a:bodyPr/>
+          <a:lstStyle/>
+          <a:p>
+            <a:fld id="{DCF04831-FE79-4C48-8B5F-6128F6AE010B}" type="datetimeFigureOut">
+              <a:rPr lang="en-US" smtClean="0"/>
+              <a:t>10/4/19</a:t>
+            </a:fld>
+            <a:endParaRPr lang="en-US"/>
+          </a:p>
+        </p:txBody>
+      </p:sp>
+      <p:sp>
+        <p:nvSpPr>
+          <p:cNvPr id="5" name="Footer Placeholder 4">
+            <a:extLst>
+              <a:ext uri="{FF2B5EF4-FFF2-40B4-BE49-F238E27FC236}">
+                <a16:creationId xmlns:a16="http://schemas.microsoft.com/office/drawing/2014/main" id="{0BB238CA-9302-0B4E-9B9D-25D920621124}"/>
+              </a:ext>
+            </a:extLst>
+          </p:cNvPr>
+          <p:cNvSpPr>
+            <a:spLocks noGrp="1"/>
+          </p:cNvSpPr>
+          <p:nvPr>
+            <p:ph type="ftr" sz="quarter" idx="11"/>
+          </p:nvPr>
+        </p:nvSpPr>
+        <p:spPr/>
+        <p:txBody>
+          <a:bodyPr/>
+          <a:lstStyle/>
+          <a:p>
+            <a:endParaRPr lang="en-US"/>
+          </a:p>
+        </p:txBody>
+      </p:sp>
+      <p:sp>
+        <p:nvSpPr>
+          <p:cNvPr id="6" name="Slide Number Placeholder 5">
+            <a:extLst>
+              <a:ext uri="{FF2B5EF4-FFF2-40B4-BE49-F238E27FC236}">
+                <a16:creationId xmlns:a16="http://schemas.microsoft.com/office/drawing/2014/main" id="{9C9E0CEA-08FD-BB40-B9A8-274C7A385C4C}"/>
+              </a:ext>
+            </a:extLst>
+          </p:cNvPr>
+          <p:cNvSpPr>
+            <a:spLocks noGrp="1"/>
+          </p:cNvSpPr>
+          <p:nvPr>
+            <p:ph type="sldNum" sz="quarter" idx="12"/>
+          </p:nvPr>
+        </p:nvSpPr>
+        <p:spPr/>
+        <p:txBody>
+          <a:bodyPr/>
+          <a:lstStyle/>
+          <a:p>
+            <a:fld id="{C31BBD4C-C861-D646-B95A-46A5F141E02A}" type="slidenum">
+              <a:rPr lang="en-US" smtClean="0"/>
+              <a:t>‹#›</a:t>
+            </a:fld>
+            <a:endParaRPr lang="en-US"/>
+          </a:p>
+        </p:txBody>
+      </p:sp>
+    </p:spTree>
+    <p:extLst>
+      <p:ext uri="{BB962C8B-B14F-4D97-AF65-F5344CB8AC3E}">
+        <p14:creationId xmlns:p14="http://schemas.microsoft.com/office/powerpoint/2010/main" val="3490147072"/>
+      </p:ext>
+    </p:extLst>
+  </p:cSld>
+  <p:clrMapOvr>
+    <a:masterClrMapping/>
+  </p:clrMapOvr>
+</p:sldLayout>
+</file>
+
+<file path=ppt/slideLayouts/slideLayout14.xml><?xml version="1.0" encoding="utf-8"?>
+<p:sldLayout xmlns:a="http://schemas.openxmlformats.org/drawingml/2006/main" xmlns:r="http://schemas.openxmlformats.org/officeDocument/2006/relationships" xmlns:p="http://schemas.openxmlformats.org/presentationml/2006/main" type="secHead" preserve="1">
+  <p:cSld name="Section Header">
+    <p:spTree>
+      <p:nvGrpSpPr>
+        <p:cNvPr id="1" name=""/>
+        <p:cNvGrpSpPr/>
+        <p:nvPr/>
+      </p:nvGrpSpPr>
+      <p:grpSpPr>
+        <a:xfrm>
+          <a:off x="0" y="0"/>
+          <a:ext cx="0" cy="0"/>
+          <a:chOff x="0" y="0"/>
+          <a:chExt cx="0" cy="0"/>
+        </a:xfrm>
+      </p:grpSpPr>
+      <p:sp>
+        <p:nvSpPr>
+          <p:cNvPr id="2" name="Title 1">
+            <a:extLst>
+              <a:ext uri="{FF2B5EF4-FFF2-40B4-BE49-F238E27FC236}">
+                <a16:creationId xmlns:a16="http://schemas.microsoft.com/office/drawing/2014/main" id="{9ABA885A-35D8-174F-B6C4-8046BA665142}"/>
+              </a:ext>
+            </a:extLst>
+          </p:cNvPr>
+          <p:cNvSpPr>
+            <a:spLocks noGrp="1"/>
+          </p:cNvSpPr>
+          <p:nvPr>
+            <p:ph type="title"/>
+          </p:nvPr>
+        </p:nvSpPr>
+        <p:spPr>
+          <a:xfrm>
+            <a:off x="831850" y="1709738"/>
+            <a:ext cx="10515600" cy="2852737"/>
+          </a:xfrm>
+        </p:spPr>
+        <p:txBody>
+          <a:bodyPr anchor="b"/>
+          <a:lstStyle>
+            <a:lvl1pPr>
+              <a:defRPr sz="6000"/>
+            </a:lvl1pPr>
+          </a:lstStyle>
+          <a:p>
+            <a:r>
+              <a:rPr lang="en-US"/>
+              <a:t>Click to edit Master title style</a:t>
+            </a:r>
+          </a:p>
+        </p:txBody>
+      </p:sp>
+      <p:sp>
+        <p:nvSpPr>
+          <p:cNvPr id="3" name="Text Placeholder 2">
+            <a:extLst>
+              <a:ext uri="{FF2B5EF4-FFF2-40B4-BE49-F238E27FC236}">
+                <a16:creationId xmlns:a16="http://schemas.microsoft.com/office/drawing/2014/main" id="{EC6D68C2-0DBD-F848-AEE9-48BA10A7F280}"/>
+              </a:ext>
+            </a:extLst>
+          </p:cNvPr>
+          <p:cNvSpPr>
+            <a:spLocks noGrp="1"/>
+          </p:cNvSpPr>
+          <p:nvPr>
+            <p:ph type="body" idx="1"/>
+          </p:nvPr>
+        </p:nvSpPr>
+        <p:spPr>
+          <a:xfrm>
+            <a:off x="831850" y="4589463"/>
+            <a:ext cx="10515600" cy="1500187"/>
+          </a:xfrm>
+        </p:spPr>
+        <p:txBody>
+          <a:bodyPr/>
+          <a:lstStyle>
+            <a:lvl1pPr marL="0" indent="0">
+              <a:buNone/>
+              <a:defRPr sz="2400">
+                <a:solidFill>
+                  <a:schemeClr val="tx1">
+                    <a:tint val="75000"/>
+                  </a:schemeClr>
+                </a:solidFill>
+              </a:defRPr>
+            </a:lvl1pPr>
+            <a:lvl2pPr marL="457200" indent="0">
+              <a:buNone/>
+              <a:defRPr sz="2000">
+                <a:solidFill>
+                  <a:schemeClr val="tx1">
+                    <a:tint val="75000"/>
+                  </a:schemeClr>
+                </a:solidFill>
+              </a:defRPr>
+            </a:lvl2pPr>
+            <a:lvl3pPr marL="914400" indent="0">
+              <a:buNone/>
+              <a:defRPr sz="1800">
+                <a:solidFill>
+                  <a:schemeClr val="tx1">
+                    <a:tint val="75000"/>
+                  </a:schemeClr>
+                </a:solidFill>
+              </a:defRPr>
+            </a:lvl3pPr>
+            <a:lvl4pPr marL="1371600" indent="0">
+              <a:buNone/>
+              <a:defRPr sz="1600">
+                <a:solidFill>
+                  <a:schemeClr val="tx1">
+                    <a:tint val="75000"/>
+                  </a:schemeClr>
+                </a:solidFill>
+              </a:defRPr>
+            </a:lvl4pPr>
+            <a:lvl5pPr marL="1828800" indent="0">
+              <a:buNone/>
+              <a:defRPr sz="1600">
+                <a:solidFill>
+                  <a:schemeClr val="tx1">
+                    <a:tint val="75000"/>
+                  </a:schemeClr>
+                </a:solidFill>
+              </a:defRPr>
+            </a:lvl5pPr>
+            <a:lvl6pPr marL="2286000" indent="0">
+              <a:buNone/>
+              <a:defRPr sz="1600">
+                <a:solidFill>
+                  <a:schemeClr val="tx1">
+                    <a:tint val="75000"/>
+                  </a:schemeClr>
+                </a:solidFill>
+              </a:defRPr>
+            </a:lvl6pPr>
+            <a:lvl7pPr marL="2743200" indent="0">
+              <a:buNone/>
+              <a:defRPr sz="1600">
+                <a:solidFill>
+                  <a:schemeClr val="tx1">
+                    <a:tint val="75000"/>
+                  </a:schemeClr>
+                </a:solidFill>
+              </a:defRPr>
+            </a:lvl7pPr>
+            <a:lvl8pPr marL="3200400" indent="0">
+              <a:buNone/>
+              <a:defRPr sz="1600">
+                <a:solidFill>
+                  <a:schemeClr val="tx1">
+                    <a:tint val="75000"/>
+                  </a:schemeClr>
+                </a:solidFill>
+              </a:defRPr>
+            </a:lvl8pPr>
+            <a:lvl9pPr marL="3657600" indent="0">
+              <a:buNone/>
+              <a:defRPr sz="1600">
+                <a:solidFill>
+                  <a:schemeClr val="tx1">
+                    <a:tint val="75000"/>
+                  </a:schemeClr>
+                </a:solidFill>
+              </a:defRPr>
+            </a:lvl9pPr>
+          </a:lstStyle>
+          <a:p>
+            <a:pPr lvl="0"/>
+            <a:r>
+              <a:rPr lang="en-US"/>
+              <a:t>Edit Master text styles</a:t>
+            </a:r>
+          </a:p>
+        </p:txBody>
+      </p:sp>
+      <p:sp>
+        <p:nvSpPr>
+          <p:cNvPr id="4" name="Date Placeholder 3">
+            <a:extLst>
+              <a:ext uri="{FF2B5EF4-FFF2-40B4-BE49-F238E27FC236}">
+                <a16:creationId xmlns:a16="http://schemas.microsoft.com/office/drawing/2014/main" id="{C0706D31-C01C-E445-82B6-201EE8AF8831}"/>
+              </a:ext>
+            </a:extLst>
+          </p:cNvPr>
+          <p:cNvSpPr>
+            <a:spLocks noGrp="1"/>
+          </p:cNvSpPr>
+          <p:nvPr>
+            <p:ph type="dt" sz="half" idx="10"/>
+          </p:nvPr>
+        </p:nvSpPr>
+        <p:spPr/>
+        <p:txBody>
+          <a:bodyPr/>
+          <a:lstStyle/>
+          <a:p>
+            <a:fld id="{DCF04831-FE79-4C48-8B5F-6128F6AE010B}" type="datetimeFigureOut">
+              <a:rPr lang="en-US" smtClean="0"/>
+              <a:t>10/4/19</a:t>
+            </a:fld>
+            <a:endParaRPr lang="en-US"/>
+          </a:p>
+        </p:txBody>
+      </p:sp>
+      <p:sp>
+        <p:nvSpPr>
+          <p:cNvPr id="5" name="Footer Placeholder 4">
+            <a:extLst>
+              <a:ext uri="{FF2B5EF4-FFF2-40B4-BE49-F238E27FC236}">
+                <a16:creationId xmlns:a16="http://schemas.microsoft.com/office/drawing/2014/main" id="{74A4627A-BC05-374E-BB9B-09F5455EE957}"/>
+              </a:ext>
+            </a:extLst>
+          </p:cNvPr>
+          <p:cNvSpPr>
+            <a:spLocks noGrp="1"/>
+          </p:cNvSpPr>
+          <p:nvPr>
+            <p:ph type="ftr" sz="quarter" idx="11"/>
+          </p:nvPr>
+        </p:nvSpPr>
+        <p:spPr/>
+        <p:txBody>
+          <a:bodyPr/>
+          <a:lstStyle/>
+          <a:p>
+            <a:endParaRPr lang="en-US"/>
+          </a:p>
+        </p:txBody>
+      </p:sp>
+      <p:sp>
+        <p:nvSpPr>
+          <p:cNvPr id="6" name="Slide Number Placeholder 5">
+            <a:extLst>
+              <a:ext uri="{FF2B5EF4-FFF2-40B4-BE49-F238E27FC236}">
+                <a16:creationId xmlns:a16="http://schemas.microsoft.com/office/drawing/2014/main" id="{F70B6674-79D4-D14B-8F30-A99D65D8B829}"/>
+              </a:ext>
+            </a:extLst>
+          </p:cNvPr>
+          <p:cNvSpPr>
+            <a:spLocks noGrp="1"/>
+          </p:cNvSpPr>
+          <p:nvPr>
+            <p:ph type="sldNum" sz="quarter" idx="12"/>
+          </p:nvPr>
+        </p:nvSpPr>
+        <p:spPr/>
+        <p:txBody>
+          <a:bodyPr/>
+          <a:lstStyle/>
+          <a:p>
+            <a:fld id="{C31BBD4C-C861-D646-B95A-46A5F141E02A}" type="slidenum">
+              <a:rPr lang="en-US" smtClean="0"/>
+              <a:t>‹#›</a:t>
+            </a:fld>
+            <a:endParaRPr lang="en-US"/>
+          </a:p>
+        </p:txBody>
+      </p:sp>
+    </p:spTree>
+    <p:extLst>
+      <p:ext uri="{BB962C8B-B14F-4D97-AF65-F5344CB8AC3E}">
+        <p14:creationId xmlns:p14="http://schemas.microsoft.com/office/powerpoint/2010/main" val="3699295065"/>
+      </p:ext>
+    </p:extLst>
+  </p:cSld>
+  <p:clrMapOvr>
+    <a:masterClrMapping/>
+  </p:clrMapOvr>
+</p:sldLayout>
+</file>
+
+<file path=ppt/slideLayouts/slideLayout15.xml><?xml version="1.0" encoding="utf-8"?>
+<p:sldLayout xmlns:a="http://schemas.openxmlformats.org/drawingml/2006/main" xmlns:r="http://schemas.openxmlformats.org/officeDocument/2006/relationships" xmlns:p="http://schemas.openxmlformats.org/presentationml/2006/main" type="twoObj" preserve="1">
+  <p:cSld name="Two Content">
+    <p:spTree>
+      <p:nvGrpSpPr>
+        <p:cNvPr id="1" name=""/>
+        <p:cNvGrpSpPr/>
+        <p:nvPr/>
+      </p:nvGrpSpPr>
+      <p:grpSpPr>
+        <a:xfrm>
+          <a:off x="0" y="0"/>
+          <a:ext cx="0" cy="0"/>
+          <a:chOff x="0" y="0"/>
+          <a:chExt cx="0" cy="0"/>
+        </a:xfrm>
+      </p:grpSpPr>
+      <p:sp>
+        <p:nvSpPr>
+          <p:cNvPr id="2" name="Title 1">
+            <a:extLst>
+              <a:ext uri="{FF2B5EF4-FFF2-40B4-BE49-F238E27FC236}">
+                <a16:creationId xmlns:a16="http://schemas.microsoft.com/office/drawing/2014/main" id="{33F350DA-91CD-5D4C-808F-5C17D1110B94}"/>
+              </a:ext>
+            </a:extLst>
+          </p:cNvPr>
+          <p:cNvSpPr>
+            <a:spLocks noGrp="1"/>
+          </p:cNvSpPr>
+          <p:nvPr>
+            <p:ph type="title"/>
+          </p:nvPr>
+        </p:nvSpPr>
+        <p:spPr/>
+        <p:txBody>
+          <a:bodyPr/>
+          <a:lstStyle/>
+          <a:p>
+            <a:r>
+              <a:rPr lang="en-US"/>
+              <a:t>Click to edit Master title style</a:t>
+            </a:r>
+          </a:p>
+        </p:txBody>
+      </p:sp>
+      <p:sp>
+        <p:nvSpPr>
+          <p:cNvPr id="3" name="Content Placeholder 2">
+            <a:extLst>
+              <a:ext uri="{FF2B5EF4-FFF2-40B4-BE49-F238E27FC236}">
+                <a16:creationId xmlns:a16="http://schemas.microsoft.com/office/drawing/2014/main" id="{F69AEFE7-1618-B942-9F75-519E5D7CE489}"/>
+              </a:ext>
+            </a:extLst>
+          </p:cNvPr>
+          <p:cNvSpPr>
+            <a:spLocks noGrp="1"/>
+          </p:cNvSpPr>
+          <p:nvPr>
+            <p:ph sz="half" idx="1"/>
+          </p:nvPr>
+        </p:nvSpPr>
+        <p:spPr>
+          <a:xfrm>
+            <a:off x="838200" y="1825625"/>
+            <a:ext cx="5181600" cy="4351338"/>
+          </a:xfrm>
+        </p:spPr>
+        <p:txBody>
+          <a:bodyPr/>
+          <a:lstStyle/>
+          <a:p>
+            <a:pPr lvl="0"/>
+            <a:r>
+              <a:rPr lang="en-US"/>
+              <a:t>Edit Master text styles</a:t>
+            </a:r>
+          </a:p>
+          <a:p>
+            <a:pPr lvl="1"/>
+            <a:r>
+              <a:rPr lang="en-US"/>
+              <a:t>Second level</a:t>
+            </a:r>
+          </a:p>
+          <a:p>
+            <a:pPr lvl="2"/>
+            <a:r>
+              <a:rPr lang="en-US"/>
+              <a:t>Third level</a:t>
+            </a:r>
+          </a:p>
+          <a:p>
+            <a:pPr lvl="3"/>
+            <a:r>
+              <a:rPr lang="en-US"/>
+              <a:t>Fourth level</a:t>
+            </a:r>
+          </a:p>
+          <a:p>
+            <a:pPr lvl="4"/>
+            <a:r>
+              <a:rPr lang="en-US"/>
+              <a:t>Fifth level</a:t>
+            </a:r>
+          </a:p>
+        </p:txBody>
+      </p:sp>
+      <p:sp>
+        <p:nvSpPr>
+          <p:cNvPr id="4" name="Content Placeholder 3">
+            <a:extLst>
+              <a:ext uri="{FF2B5EF4-FFF2-40B4-BE49-F238E27FC236}">
+                <a16:creationId xmlns:a16="http://schemas.microsoft.com/office/drawing/2014/main" id="{6AE1289D-9D13-F144-B072-ABE467FB364C}"/>
+              </a:ext>
+            </a:extLst>
+          </p:cNvPr>
+          <p:cNvSpPr>
+            <a:spLocks noGrp="1"/>
+          </p:cNvSpPr>
+          <p:nvPr>
+            <p:ph sz="half" idx="2"/>
+          </p:nvPr>
+        </p:nvSpPr>
+        <p:spPr>
+          <a:xfrm>
+            <a:off x="6172200" y="1825625"/>
+            <a:ext cx="5181600" cy="4351338"/>
+          </a:xfrm>
+        </p:spPr>
+        <p:txBody>
+          <a:bodyPr/>
+          <a:lstStyle/>
+          <a:p>
+            <a:pPr lvl="0"/>
+            <a:r>
+              <a:rPr lang="en-US"/>
+              <a:t>Edit Master text styles</a:t>
+            </a:r>
+          </a:p>
+          <a:p>
+            <a:pPr lvl="1"/>
+            <a:r>
+              <a:rPr lang="en-US"/>
+              <a:t>Second level</a:t>
+            </a:r>
+          </a:p>
+          <a:p>
+            <a:pPr lvl="2"/>
+            <a:r>
+              <a:rPr lang="en-US"/>
+              <a:t>Third level</a:t>
+            </a:r>
+          </a:p>
+          <a:p>
+            <a:pPr lvl="3"/>
+            <a:r>
+              <a:rPr lang="en-US"/>
+              <a:t>Fourth level</a:t>
+            </a:r>
+          </a:p>
+          <a:p>
+            <a:pPr lvl="4"/>
+            <a:r>
+              <a:rPr lang="en-US"/>
+              <a:t>Fifth level</a:t>
+            </a:r>
+          </a:p>
+        </p:txBody>
+      </p:sp>
+      <p:sp>
+        <p:nvSpPr>
+          <p:cNvPr id="5" name="Date Placeholder 4">
+            <a:extLst>
+              <a:ext uri="{FF2B5EF4-FFF2-40B4-BE49-F238E27FC236}">
+                <a16:creationId xmlns:a16="http://schemas.microsoft.com/office/drawing/2014/main" id="{BB304373-E969-B541-A704-C9400C191DD5}"/>
+              </a:ext>
+            </a:extLst>
+          </p:cNvPr>
+          <p:cNvSpPr>
+            <a:spLocks noGrp="1"/>
+          </p:cNvSpPr>
+          <p:nvPr>
+            <p:ph type="dt" sz="half" idx="10"/>
+          </p:nvPr>
+        </p:nvSpPr>
+        <p:spPr/>
+        <p:txBody>
+          <a:bodyPr/>
+          <a:lstStyle/>
+          <a:p>
+            <a:fld id="{DCF04831-FE79-4C48-8B5F-6128F6AE010B}" type="datetimeFigureOut">
+              <a:rPr lang="en-US" smtClean="0"/>
+              <a:t>10/4/19</a:t>
+            </a:fld>
+            <a:endParaRPr lang="en-US"/>
+          </a:p>
+        </p:txBody>
+      </p:sp>
+      <p:sp>
+        <p:nvSpPr>
+          <p:cNvPr id="6" name="Footer Placeholder 5">
+            <a:extLst>
+              <a:ext uri="{FF2B5EF4-FFF2-40B4-BE49-F238E27FC236}">
+                <a16:creationId xmlns:a16="http://schemas.microsoft.com/office/drawing/2014/main" id="{BB78424E-15BD-E042-9C9C-242680C4184B}"/>
+              </a:ext>
+            </a:extLst>
+          </p:cNvPr>
+          <p:cNvSpPr>
+            <a:spLocks noGrp="1"/>
+          </p:cNvSpPr>
+          <p:nvPr>
+            <p:ph type="ftr" sz="quarter" idx="11"/>
+          </p:nvPr>
+        </p:nvSpPr>
+        <p:spPr/>
+        <p:txBody>
+          <a:bodyPr/>
+          <a:lstStyle/>
+          <a:p>
+            <a:endParaRPr lang="en-US"/>
+          </a:p>
+        </p:txBody>
+      </p:sp>
+      <p:sp>
+        <p:nvSpPr>
+          <p:cNvPr id="7" name="Slide Number Placeholder 6">
+            <a:extLst>
+              <a:ext uri="{FF2B5EF4-FFF2-40B4-BE49-F238E27FC236}">
+                <a16:creationId xmlns:a16="http://schemas.microsoft.com/office/drawing/2014/main" id="{FDA5F297-2230-464D-8E29-C297690338F3}"/>
+              </a:ext>
+            </a:extLst>
+          </p:cNvPr>
+          <p:cNvSpPr>
+            <a:spLocks noGrp="1"/>
+          </p:cNvSpPr>
+          <p:nvPr>
+            <p:ph type="sldNum" sz="quarter" idx="12"/>
+          </p:nvPr>
+        </p:nvSpPr>
+        <p:spPr/>
+        <p:txBody>
+          <a:bodyPr/>
+          <a:lstStyle/>
+          <a:p>
+            <a:fld id="{C31BBD4C-C861-D646-B95A-46A5F141E02A}" type="slidenum">
+              <a:rPr lang="en-US" smtClean="0"/>
+              <a:t>‹#›</a:t>
+            </a:fld>
+            <a:endParaRPr lang="en-US"/>
+          </a:p>
+        </p:txBody>
+      </p:sp>
+    </p:spTree>
+    <p:extLst>
+      <p:ext uri="{BB962C8B-B14F-4D97-AF65-F5344CB8AC3E}">
+        <p14:creationId xmlns:p14="http://schemas.microsoft.com/office/powerpoint/2010/main" val="1466677123"/>
+      </p:ext>
+    </p:extLst>
+  </p:cSld>
+  <p:clrMapOvr>
+    <a:masterClrMapping/>
+  </p:clrMapOvr>
+</p:sldLayout>
+</file>
+
+<file path=ppt/slideLayouts/slideLayout16.xml><?xml version="1.0" encoding="utf-8"?>
+<p:sldLayout xmlns:a="http://schemas.openxmlformats.org/drawingml/2006/main" xmlns:r="http://schemas.openxmlformats.org/officeDocument/2006/relationships" xmlns:p="http://schemas.openxmlformats.org/presentationml/2006/main" type="twoTxTwoObj" preserve="1">
+  <p:cSld name="Comparison">
+    <p:spTree>
+      <p:nvGrpSpPr>
+        <p:cNvPr id="1" name=""/>
+        <p:cNvGrpSpPr/>
+        <p:nvPr/>
+      </p:nvGrpSpPr>
+      <p:grpSpPr>
+        <a:xfrm>
+          <a:off x="0" y="0"/>
+          <a:ext cx="0" cy="0"/>
+          <a:chOff x="0" y="0"/>
+          <a:chExt cx="0" cy="0"/>
+        </a:xfrm>
+      </p:grpSpPr>
+      <p:sp>
+        <p:nvSpPr>
+          <p:cNvPr id="2" name="Title 1">
+            <a:extLst>
+              <a:ext uri="{FF2B5EF4-FFF2-40B4-BE49-F238E27FC236}">
+                <a16:creationId xmlns:a16="http://schemas.microsoft.com/office/drawing/2014/main" id="{8ACA76ED-41DC-9449-A0E1-A40052082F67}"/>
+              </a:ext>
+            </a:extLst>
+          </p:cNvPr>
+          <p:cNvSpPr>
+            <a:spLocks noGrp="1"/>
+          </p:cNvSpPr>
+          <p:nvPr>
+            <p:ph type="title"/>
+          </p:nvPr>
+        </p:nvSpPr>
+        <p:spPr>
+          <a:xfrm>
+            <a:off x="839788" y="365125"/>
+            <a:ext cx="10515600" cy="1325563"/>
+          </a:xfrm>
+        </p:spPr>
+        <p:txBody>
+          <a:bodyPr/>
+          <a:lstStyle/>
+          <a:p>
+            <a:r>
+              <a:rPr lang="en-US"/>
+              <a:t>Click to edit Master title style</a:t>
+            </a:r>
+          </a:p>
+        </p:txBody>
+      </p:sp>
+      <p:sp>
+        <p:nvSpPr>
+          <p:cNvPr id="3" name="Text Placeholder 2">
+            <a:extLst>
+              <a:ext uri="{FF2B5EF4-FFF2-40B4-BE49-F238E27FC236}">
+                <a16:creationId xmlns:a16="http://schemas.microsoft.com/office/drawing/2014/main" id="{4780F8B5-3CED-404E-BCA2-71BDFCAEEFA3}"/>
+              </a:ext>
+            </a:extLst>
+          </p:cNvPr>
+          <p:cNvSpPr>
+            <a:spLocks noGrp="1"/>
+          </p:cNvSpPr>
+          <p:nvPr>
+            <p:ph type="body" idx="1"/>
+          </p:nvPr>
+        </p:nvSpPr>
+        <p:spPr>
+          <a:xfrm>
+            <a:off x="839788" y="1681163"/>
+            <a:ext cx="5157787" cy="823912"/>
+          </a:xfrm>
+        </p:spPr>
+        <p:txBody>
+          <a:bodyPr anchor="b"/>
+          <a:lstStyle>
+            <a:lvl1pPr marL="0" indent="0">
+              <a:buNone/>
+              <a:defRPr sz="2400" b="1"/>
+            </a:lvl1pPr>
+            <a:lvl2pPr marL="457200" indent="0">
+              <a:buNone/>
+              <a:defRPr sz="2000" b="1"/>
+            </a:lvl2pPr>
+            <a:lvl3pPr marL="914400" indent="0">
+              <a:buNone/>
+              <a:defRPr sz="1800" b="1"/>
+            </a:lvl3pPr>
+            <a:lvl4pPr marL="1371600" indent="0">
+              <a:buNone/>
+              <a:defRPr sz="1600" b="1"/>
+            </a:lvl4pPr>
+            <a:lvl5pPr marL="1828800" indent="0">
+              <a:buNone/>
+              <a:defRPr sz="1600" b="1"/>
+            </a:lvl5pPr>
+            <a:lvl6pPr marL="2286000" indent="0">
+              <a:buNone/>
+              <a:defRPr sz="1600" b="1"/>
+            </a:lvl6pPr>
+            <a:lvl7pPr marL="2743200" indent="0">
+              <a:buNone/>
+              <a:defRPr sz="1600" b="1"/>
+            </a:lvl7pPr>
+            <a:lvl8pPr marL="3200400" indent="0">
+              <a:buNone/>
+              <a:defRPr sz="1600" b="1"/>
+            </a:lvl8pPr>
+            <a:lvl9pPr marL="3657600" indent="0">
+              <a:buNone/>
+              <a:defRPr sz="1600" b="1"/>
+            </a:lvl9pPr>
+          </a:lstStyle>
+          <a:p>
+            <a:pPr lvl="0"/>
+            <a:r>
+              <a:rPr lang="en-US"/>
+              <a:t>Edit Master text styles</a:t>
+            </a:r>
+          </a:p>
+        </p:txBody>
+      </p:sp>
+      <p:sp>
+        <p:nvSpPr>
+          <p:cNvPr id="4" name="Content Placeholder 3">
+            <a:extLst>
+              <a:ext uri="{FF2B5EF4-FFF2-40B4-BE49-F238E27FC236}">
+                <a16:creationId xmlns:a16="http://schemas.microsoft.com/office/drawing/2014/main" id="{56BB10C8-02D3-E04B-A28E-88AF67C1A94B}"/>
+              </a:ext>
+            </a:extLst>
+          </p:cNvPr>
+          <p:cNvSpPr>
+            <a:spLocks noGrp="1"/>
+          </p:cNvSpPr>
+          <p:nvPr>
+            <p:ph sz="half" idx="2"/>
+          </p:nvPr>
+        </p:nvSpPr>
+        <p:spPr>
+          <a:xfrm>
+            <a:off x="839788" y="2505075"/>
+            <a:ext cx="5157787" cy="3684588"/>
+          </a:xfrm>
+        </p:spPr>
+        <p:txBody>
+          <a:bodyPr/>
+          <a:lstStyle/>
+          <a:p>
+            <a:pPr lvl="0"/>
+            <a:r>
+              <a:rPr lang="en-US"/>
+              <a:t>Edit Master text styles</a:t>
+            </a:r>
+          </a:p>
+          <a:p>
+            <a:pPr lvl="1"/>
+            <a:r>
+              <a:rPr lang="en-US"/>
+              <a:t>Second level</a:t>
+            </a:r>
+          </a:p>
+          <a:p>
+            <a:pPr lvl="2"/>
+            <a:r>
+              <a:rPr lang="en-US"/>
+              <a:t>Third level</a:t>
+            </a:r>
+          </a:p>
+          <a:p>
+            <a:pPr lvl="3"/>
+            <a:r>
+              <a:rPr lang="en-US"/>
+              <a:t>Fourth level</a:t>
+            </a:r>
+          </a:p>
+          <a:p>
+            <a:pPr lvl="4"/>
+            <a:r>
+              <a:rPr lang="en-US"/>
+              <a:t>Fifth level</a:t>
+            </a:r>
+          </a:p>
+        </p:txBody>
+      </p:sp>
+      <p:sp>
+        <p:nvSpPr>
+          <p:cNvPr id="5" name="Text Placeholder 4">
+            <a:extLst>
+              <a:ext uri="{FF2B5EF4-FFF2-40B4-BE49-F238E27FC236}">
+                <a16:creationId xmlns:a16="http://schemas.microsoft.com/office/drawing/2014/main" id="{A677D2CD-9E35-0149-9113-D1E85A132759}"/>
+              </a:ext>
+            </a:extLst>
+          </p:cNvPr>
+          <p:cNvSpPr>
+            <a:spLocks noGrp="1"/>
+          </p:cNvSpPr>
+          <p:nvPr>
+            <p:ph type="body" sz="quarter" idx="3"/>
+          </p:nvPr>
+        </p:nvSpPr>
+        <p:spPr>
+          <a:xfrm>
+            <a:off x="6172200" y="1681163"/>
+            <a:ext cx="5183188" cy="823912"/>
+          </a:xfrm>
+        </p:spPr>
+        <p:txBody>
+          <a:bodyPr anchor="b"/>
+          <a:lstStyle>
+            <a:lvl1pPr marL="0" indent="0">
+              <a:buNone/>
+              <a:defRPr sz="2400" b="1"/>
+            </a:lvl1pPr>
+            <a:lvl2pPr marL="457200" indent="0">
+              <a:buNone/>
+              <a:defRPr sz="2000" b="1"/>
+            </a:lvl2pPr>
+            <a:lvl3pPr marL="914400" indent="0">
+              <a:buNone/>
+              <a:defRPr sz="1800" b="1"/>
+            </a:lvl3pPr>
+            <a:lvl4pPr marL="1371600" indent="0">
+              <a:buNone/>
+              <a:defRPr sz="1600" b="1"/>
+            </a:lvl4pPr>
+            <a:lvl5pPr marL="1828800" indent="0">
+              <a:buNone/>
+              <a:defRPr sz="1600" b="1"/>
+            </a:lvl5pPr>
+            <a:lvl6pPr marL="2286000" indent="0">
+              <a:buNone/>
+              <a:defRPr sz="1600" b="1"/>
+            </a:lvl6pPr>
+            <a:lvl7pPr marL="2743200" indent="0">
+              <a:buNone/>
+              <a:defRPr sz="1600" b="1"/>
+            </a:lvl7pPr>
+            <a:lvl8pPr marL="3200400" indent="0">
+              <a:buNone/>
+              <a:defRPr sz="1600" b="1"/>
+            </a:lvl8pPr>
+            <a:lvl9pPr marL="3657600" indent="0">
+              <a:buNone/>
+              <a:defRPr sz="1600" b="1"/>
+            </a:lvl9pPr>
+          </a:lstStyle>
+          <a:p>
+            <a:pPr lvl="0"/>
+            <a:r>
+              <a:rPr lang="en-US"/>
+              <a:t>Edit Master text styles</a:t>
+            </a:r>
+          </a:p>
+        </p:txBody>
+      </p:sp>
+      <p:sp>
+        <p:nvSpPr>
+          <p:cNvPr id="6" name="Content Placeholder 5">
+            <a:extLst>
+              <a:ext uri="{FF2B5EF4-FFF2-40B4-BE49-F238E27FC236}">
+                <a16:creationId xmlns:a16="http://schemas.microsoft.com/office/drawing/2014/main" id="{FC3937DC-FD26-934F-8BC6-B133FDE68FFD}"/>
+              </a:ext>
+            </a:extLst>
+          </p:cNvPr>
+          <p:cNvSpPr>
+            <a:spLocks noGrp="1"/>
+          </p:cNvSpPr>
+          <p:nvPr>
+            <p:ph sz="quarter" idx="4"/>
+          </p:nvPr>
+        </p:nvSpPr>
+        <p:spPr>
+          <a:xfrm>
+            <a:off x="6172200" y="2505075"/>
+            <a:ext cx="5183188" cy="3684588"/>
+          </a:xfrm>
+        </p:spPr>
+        <p:txBody>
+          <a:bodyPr/>
+          <a:lstStyle/>
+          <a:p>
+            <a:pPr lvl="0"/>
+            <a:r>
+              <a:rPr lang="en-US"/>
+              <a:t>Edit Master text styles</a:t>
+            </a:r>
+          </a:p>
+          <a:p>
+            <a:pPr lvl="1"/>
+            <a:r>
+              <a:rPr lang="en-US"/>
+              <a:t>Second level</a:t>
+            </a:r>
+          </a:p>
+          <a:p>
+            <a:pPr lvl="2"/>
+            <a:r>
+              <a:rPr lang="en-US"/>
+              <a:t>Third level</a:t>
+            </a:r>
+          </a:p>
+          <a:p>
+            <a:pPr lvl="3"/>
+            <a:r>
+              <a:rPr lang="en-US"/>
+              <a:t>Fourth level</a:t>
+            </a:r>
+          </a:p>
+          <a:p>
+            <a:pPr lvl="4"/>
+            <a:r>
+              <a:rPr lang="en-US"/>
+              <a:t>Fifth level</a:t>
+            </a:r>
+          </a:p>
+        </p:txBody>
+      </p:sp>
+      <p:sp>
+        <p:nvSpPr>
+          <p:cNvPr id="7" name="Date Placeholder 6">
+            <a:extLst>
+              <a:ext uri="{FF2B5EF4-FFF2-40B4-BE49-F238E27FC236}">
+                <a16:creationId xmlns:a16="http://schemas.microsoft.com/office/drawing/2014/main" id="{9D9AA12D-A0BC-B740-913F-AF3B84021B2E}"/>
+              </a:ext>
+            </a:extLst>
+          </p:cNvPr>
+          <p:cNvSpPr>
+            <a:spLocks noGrp="1"/>
+          </p:cNvSpPr>
+          <p:nvPr>
+            <p:ph type="dt" sz="half" idx="10"/>
+          </p:nvPr>
+        </p:nvSpPr>
+        <p:spPr/>
+        <p:txBody>
+          <a:bodyPr/>
+          <a:lstStyle/>
+          <a:p>
+            <a:fld id="{DCF04831-FE79-4C48-8B5F-6128F6AE010B}" type="datetimeFigureOut">
+              <a:rPr lang="en-US" smtClean="0"/>
+              <a:t>10/4/19</a:t>
+            </a:fld>
+            <a:endParaRPr lang="en-US"/>
+          </a:p>
+        </p:txBody>
+      </p:sp>
+      <p:sp>
+        <p:nvSpPr>
+          <p:cNvPr id="8" name="Footer Placeholder 7">
+            <a:extLst>
+              <a:ext uri="{FF2B5EF4-FFF2-40B4-BE49-F238E27FC236}">
+                <a16:creationId xmlns:a16="http://schemas.microsoft.com/office/drawing/2014/main" id="{246432B3-9901-0B4A-A33A-1DB02DE10416}"/>
+              </a:ext>
+            </a:extLst>
+          </p:cNvPr>
+          <p:cNvSpPr>
+            <a:spLocks noGrp="1"/>
+          </p:cNvSpPr>
+          <p:nvPr>
+            <p:ph type="ftr" sz="quarter" idx="11"/>
+          </p:nvPr>
+        </p:nvSpPr>
+        <p:spPr/>
+        <p:txBody>
+          <a:bodyPr/>
+          <a:lstStyle/>
+          <a:p>
+            <a:endParaRPr lang="en-US"/>
+          </a:p>
+        </p:txBody>
+      </p:sp>
+      <p:sp>
+        <p:nvSpPr>
+          <p:cNvPr id="9" name="Slide Number Placeholder 8">
+            <a:extLst>
+              <a:ext uri="{FF2B5EF4-FFF2-40B4-BE49-F238E27FC236}">
+                <a16:creationId xmlns:a16="http://schemas.microsoft.com/office/drawing/2014/main" id="{D340C05B-6BF9-0444-B9EC-2D917BFCA2B8}"/>
+              </a:ext>
+            </a:extLst>
+          </p:cNvPr>
+          <p:cNvSpPr>
+            <a:spLocks noGrp="1"/>
+          </p:cNvSpPr>
+          <p:nvPr>
+            <p:ph type="sldNum" sz="quarter" idx="12"/>
+          </p:nvPr>
+        </p:nvSpPr>
+        <p:spPr/>
+        <p:txBody>
+          <a:bodyPr/>
+          <a:lstStyle/>
+          <a:p>
+            <a:fld id="{C31BBD4C-C861-D646-B95A-46A5F141E02A}" type="slidenum">
+              <a:rPr lang="en-US" smtClean="0"/>
+              <a:t>‹#›</a:t>
+            </a:fld>
+            <a:endParaRPr lang="en-US"/>
+          </a:p>
+        </p:txBody>
+      </p:sp>
+    </p:spTree>
+    <p:extLst>
+      <p:ext uri="{BB962C8B-B14F-4D97-AF65-F5344CB8AC3E}">
+        <p14:creationId xmlns:p14="http://schemas.microsoft.com/office/powerpoint/2010/main" val="962758470"/>
+      </p:ext>
+    </p:extLst>
+  </p:cSld>
+  <p:clrMapOvr>
+    <a:masterClrMapping/>
+  </p:clrMapOvr>
+</p:sldLayout>
+</file>
+
+<file path=ppt/slideLayouts/slideLayout17.xml><?xml version="1.0" encoding="utf-8"?>
+<p:sldLayout xmlns:a="http://schemas.openxmlformats.org/drawingml/2006/main" xmlns:r="http://schemas.openxmlformats.org/officeDocument/2006/relationships" xmlns:p="http://schemas.openxmlformats.org/presentationml/2006/main" type="titleOnly" preserve="1">
+  <p:cSld name="Title Only">
+    <p:spTree>
+      <p:nvGrpSpPr>
+        <p:cNvPr id="1" name=""/>
+        <p:cNvGrpSpPr/>
+        <p:nvPr/>
+      </p:nvGrpSpPr>
+      <p:grpSpPr>
+        <a:xfrm>
+          <a:off x="0" y="0"/>
+          <a:ext cx="0" cy="0"/>
+          <a:chOff x="0" y="0"/>
+          <a:chExt cx="0" cy="0"/>
+        </a:xfrm>
+      </p:grpSpPr>
+      <p:sp>
+        <p:nvSpPr>
+          <p:cNvPr id="2" name="Title 1">
+            <a:extLst>
+              <a:ext uri="{FF2B5EF4-FFF2-40B4-BE49-F238E27FC236}">
+                <a16:creationId xmlns:a16="http://schemas.microsoft.com/office/drawing/2014/main" id="{07F9C635-F355-5A47-9236-BD7289164473}"/>
+              </a:ext>
+            </a:extLst>
+          </p:cNvPr>
+          <p:cNvSpPr>
+            <a:spLocks noGrp="1"/>
+          </p:cNvSpPr>
+          <p:nvPr>
+            <p:ph type="title"/>
+          </p:nvPr>
+        </p:nvSpPr>
+        <p:spPr/>
+        <p:txBody>
+          <a:bodyPr/>
+          <a:lstStyle/>
+          <a:p>
+            <a:r>
+              <a:rPr lang="en-US"/>
+              <a:t>Click to edit Master title style</a:t>
+            </a:r>
+          </a:p>
+        </p:txBody>
+      </p:sp>
+      <p:sp>
+        <p:nvSpPr>
+          <p:cNvPr id="3" name="Date Placeholder 2">
+            <a:extLst>
+              <a:ext uri="{FF2B5EF4-FFF2-40B4-BE49-F238E27FC236}">
+                <a16:creationId xmlns:a16="http://schemas.microsoft.com/office/drawing/2014/main" id="{1433F1BA-B488-1E48-ADF3-0A25AEEC9885}"/>
+              </a:ext>
+            </a:extLst>
+          </p:cNvPr>
+          <p:cNvSpPr>
+            <a:spLocks noGrp="1"/>
+          </p:cNvSpPr>
+          <p:nvPr>
+            <p:ph type="dt" sz="half" idx="10"/>
+          </p:nvPr>
+        </p:nvSpPr>
+        <p:spPr/>
+        <p:txBody>
+          <a:bodyPr/>
+          <a:lstStyle/>
+          <a:p>
+            <a:fld id="{DCF04831-FE79-4C48-8B5F-6128F6AE010B}" type="datetimeFigureOut">
+              <a:rPr lang="en-US" smtClean="0"/>
+              <a:t>10/4/19</a:t>
+            </a:fld>
+            <a:endParaRPr lang="en-US"/>
+          </a:p>
+        </p:txBody>
+      </p:sp>
+      <p:sp>
+        <p:nvSpPr>
+          <p:cNvPr id="4" name="Footer Placeholder 3">
+            <a:extLst>
+              <a:ext uri="{FF2B5EF4-FFF2-40B4-BE49-F238E27FC236}">
+                <a16:creationId xmlns:a16="http://schemas.microsoft.com/office/drawing/2014/main" id="{09C0274D-70BC-5A42-9165-53C1C7DA090B}"/>
+              </a:ext>
+            </a:extLst>
+          </p:cNvPr>
+          <p:cNvSpPr>
+            <a:spLocks noGrp="1"/>
+          </p:cNvSpPr>
+          <p:nvPr>
+            <p:ph type="ftr" sz="quarter" idx="11"/>
+          </p:nvPr>
+        </p:nvSpPr>
+        <p:spPr/>
+        <p:txBody>
+          <a:bodyPr/>
+          <a:lstStyle/>
+          <a:p>
+            <a:endParaRPr lang="en-US"/>
+          </a:p>
+        </p:txBody>
+      </p:sp>
+      <p:sp>
+        <p:nvSpPr>
+          <p:cNvPr id="5" name="Slide Number Placeholder 4">
+            <a:extLst>
+              <a:ext uri="{FF2B5EF4-FFF2-40B4-BE49-F238E27FC236}">
+                <a16:creationId xmlns:a16="http://schemas.microsoft.com/office/drawing/2014/main" id="{726F29E0-8D88-E54F-BD8D-6D0B06BAB848}"/>
+              </a:ext>
+            </a:extLst>
+          </p:cNvPr>
+          <p:cNvSpPr>
+            <a:spLocks noGrp="1"/>
+          </p:cNvSpPr>
+          <p:nvPr>
+            <p:ph type="sldNum" sz="quarter" idx="12"/>
+          </p:nvPr>
+        </p:nvSpPr>
+        <p:spPr/>
+        <p:txBody>
+          <a:bodyPr/>
+          <a:lstStyle/>
+          <a:p>
+            <a:fld id="{C31BBD4C-C861-D646-B95A-46A5F141E02A}" type="slidenum">
+              <a:rPr lang="en-US" smtClean="0"/>
+              <a:t>‹#›</a:t>
+            </a:fld>
+            <a:endParaRPr lang="en-US"/>
+          </a:p>
+        </p:txBody>
+      </p:sp>
+    </p:spTree>
+    <p:extLst>
+      <p:ext uri="{BB962C8B-B14F-4D97-AF65-F5344CB8AC3E}">
+        <p14:creationId xmlns:p14="http://schemas.microsoft.com/office/powerpoint/2010/main" val="3135975641"/>
+      </p:ext>
+    </p:extLst>
+  </p:cSld>
+  <p:clrMapOvr>
+    <a:masterClrMapping/>
+  </p:clrMapOvr>
+</p:sldLayout>
+</file>
+
+<file path=ppt/slideLayouts/slideLayout18.xml><?xml version="1.0" encoding="utf-8"?>
+<p:sldLayout xmlns:a="http://schemas.openxmlformats.org/drawingml/2006/main" xmlns:r="http://schemas.openxmlformats.org/officeDocument/2006/relationships" xmlns:p="http://schemas.openxmlformats.org/presentationml/2006/main" type="blank" preserve="1">
+  <p:cSld name="Blank">
+    <p:spTree>
+      <p:nvGrpSpPr>
+        <p:cNvPr id="1" name=""/>
+        <p:cNvGrpSpPr/>
+        <p:nvPr/>
+      </p:nvGrpSpPr>
+      <p:grpSpPr>
+        <a:xfrm>
+          <a:off x="0" y="0"/>
+          <a:ext cx="0" cy="0"/>
+          <a:chOff x="0" y="0"/>
+          <a:chExt cx="0" cy="0"/>
+        </a:xfrm>
+      </p:grpSpPr>
+      <p:sp>
+        <p:nvSpPr>
+          <p:cNvPr id="2" name="Date Placeholder 1">
+            <a:extLst>
+              <a:ext uri="{FF2B5EF4-FFF2-40B4-BE49-F238E27FC236}">
+                <a16:creationId xmlns:a16="http://schemas.microsoft.com/office/drawing/2014/main" id="{B46CC1FC-92EB-354A-8B2E-3AF1781DF2AC}"/>
+              </a:ext>
+            </a:extLst>
+          </p:cNvPr>
+          <p:cNvSpPr>
+            <a:spLocks noGrp="1"/>
+          </p:cNvSpPr>
+          <p:nvPr>
+            <p:ph type="dt" sz="half" idx="10"/>
+          </p:nvPr>
+        </p:nvSpPr>
+        <p:spPr/>
+        <p:txBody>
+          <a:bodyPr/>
+          <a:lstStyle/>
+          <a:p>
+            <a:fld id="{DCF04831-FE79-4C48-8B5F-6128F6AE010B}" type="datetimeFigureOut">
+              <a:rPr lang="en-US" smtClean="0"/>
+              <a:t>10/4/19</a:t>
+            </a:fld>
+            <a:endParaRPr lang="en-US"/>
+          </a:p>
+        </p:txBody>
+      </p:sp>
+      <p:sp>
+        <p:nvSpPr>
+          <p:cNvPr id="3" name="Footer Placeholder 2">
+            <a:extLst>
+              <a:ext uri="{FF2B5EF4-FFF2-40B4-BE49-F238E27FC236}">
+                <a16:creationId xmlns:a16="http://schemas.microsoft.com/office/drawing/2014/main" id="{7F5CB598-CB8E-A841-8B12-70E432FB26A8}"/>
+              </a:ext>
+            </a:extLst>
+          </p:cNvPr>
+          <p:cNvSpPr>
+            <a:spLocks noGrp="1"/>
+          </p:cNvSpPr>
+          <p:nvPr>
+            <p:ph type="ftr" sz="quarter" idx="11"/>
+          </p:nvPr>
+        </p:nvSpPr>
+        <p:spPr/>
+        <p:txBody>
+          <a:bodyPr/>
+          <a:lstStyle/>
+          <a:p>
+            <a:endParaRPr lang="en-US"/>
+          </a:p>
+        </p:txBody>
+      </p:sp>
+      <p:sp>
+        <p:nvSpPr>
+          <p:cNvPr id="4" name="Slide Number Placeholder 3">
+            <a:extLst>
+              <a:ext uri="{FF2B5EF4-FFF2-40B4-BE49-F238E27FC236}">
+                <a16:creationId xmlns:a16="http://schemas.microsoft.com/office/drawing/2014/main" id="{012F501B-35ED-5D46-8384-F8EFBC804CDB}"/>
+              </a:ext>
+            </a:extLst>
+          </p:cNvPr>
+          <p:cNvSpPr>
+            <a:spLocks noGrp="1"/>
+          </p:cNvSpPr>
+          <p:nvPr>
+            <p:ph type="sldNum" sz="quarter" idx="12"/>
+          </p:nvPr>
+        </p:nvSpPr>
+        <p:spPr/>
+        <p:txBody>
+          <a:bodyPr/>
+          <a:lstStyle/>
+          <a:p>
+            <a:fld id="{C31BBD4C-C861-D646-B95A-46A5F141E02A}" type="slidenum">
+              <a:rPr lang="en-US" smtClean="0"/>
+              <a:t>‹#›</a:t>
+            </a:fld>
+            <a:endParaRPr lang="en-US"/>
+          </a:p>
+        </p:txBody>
+      </p:sp>
+    </p:spTree>
+    <p:extLst>
+      <p:ext uri="{BB962C8B-B14F-4D97-AF65-F5344CB8AC3E}">
+        <p14:creationId xmlns:p14="http://schemas.microsoft.com/office/powerpoint/2010/main" val="1126144982"/>
+      </p:ext>
+    </p:extLst>
+  </p:cSld>
+  <p:clrMapOvr>
+    <a:masterClrMapping/>
+  </p:clrMapOvr>
+</p:sldLayout>
+</file>
+
+<file path=ppt/slideLayouts/slideLayout19.xml><?xml version="1.0" encoding="utf-8"?>
+<p:sldLayout xmlns:a="http://schemas.openxmlformats.org/drawingml/2006/main" xmlns:r="http://schemas.openxmlformats.org/officeDocument/2006/relationships" xmlns:p="http://schemas.openxmlformats.org/presentationml/2006/main" type="objTx" preserve="1">
+  <p:cSld name="Content with Caption">
+    <p:spTree>
+      <p:nvGrpSpPr>
+        <p:cNvPr id="1" name=""/>
+        <p:cNvGrpSpPr/>
+        <p:nvPr/>
+      </p:nvGrpSpPr>
+      <p:grpSpPr>
+        <a:xfrm>
+          <a:off x="0" y="0"/>
+          <a:ext cx="0" cy="0"/>
+          <a:chOff x="0" y="0"/>
+          <a:chExt cx="0" cy="0"/>
+        </a:xfrm>
+      </p:grpSpPr>
+      <p:sp>
+        <p:nvSpPr>
+          <p:cNvPr id="2" name="Title 1">
+            <a:extLst>
+              <a:ext uri="{FF2B5EF4-FFF2-40B4-BE49-F238E27FC236}">
+                <a16:creationId xmlns:a16="http://schemas.microsoft.com/office/drawing/2014/main" id="{B21DB82D-C75B-0143-AB74-28F3106C0EAB}"/>
+              </a:ext>
+            </a:extLst>
+          </p:cNvPr>
+          <p:cNvSpPr>
+            <a:spLocks noGrp="1"/>
+          </p:cNvSpPr>
+          <p:nvPr>
+            <p:ph type="title"/>
+          </p:nvPr>
+        </p:nvSpPr>
+        <p:spPr>
+          <a:xfrm>
+            <a:off x="839788" y="457200"/>
+            <a:ext cx="3932237" cy="1600200"/>
+          </a:xfrm>
+        </p:spPr>
+        <p:txBody>
+          <a:bodyPr anchor="b"/>
+          <a:lstStyle>
+            <a:lvl1pPr>
+              <a:defRPr sz="3200"/>
+            </a:lvl1pPr>
+          </a:lstStyle>
+          <a:p>
+            <a:r>
+              <a:rPr lang="en-US"/>
+              <a:t>Click to edit Master title style</a:t>
+            </a:r>
+          </a:p>
+        </p:txBody>
+      </p:sp>
+      <p:sp>
+        <p:nvSpPr>
+          <p:cNvPr id="3" name="Content Placeholder 2">
+            <a:extLst>
+              <a:ext uri="{FF2B5EF4-FFF2-40B4-BE49-F238E27FC236}">
+                <a16:creationId xmlns:a16="http://schemas.microsoft.com/office/drawing/2014/main" id="{C6FE8BBF-E8E9-6A4F-9872-171CC9204327}"/>
+              </a:ext>
+            </a:extLst>
+          </p:cNvPr>
+          <p:cNvSpPr>
+            <a:spLocks noGrp="1"/>
+          </p:cNvSpPr>
+          <p:nvPr>
+            <p:ph idx="1"/>
+          </p:nvPr>
+        </p:nvSpPr>
+        <p:spPr>
+          <a:xfrm>
+            <a:off x="5183188" y="987425"/>
+            <a:ext cx="6172200" cy="4873625"/>
+          </a:xfrm>
+        </p:spPr>
+        <p:txBody>
+          <a:bodyPr/>
+          <a:lstStyle>
+            <a:lvl1pPr>
+              <a:defRPr sz="3200"/>
+            </a:lvl1pPr>
+            <a:lvl2pPr>
+              <a:defRPr sz="2800"/>
+            </a:lvl2pPr>
+            <a:lvl3pPr>
+              <a:defRPr sz="2400"/>
+            </a:lvl3pPr>
+            <a:lvl4pPr>
+              <a:defRPr sz="2000"/>
+            </a:lvl4pPr>
+            <a:lvl5pPr>
+              <a:defRPr sz="2000"/>
+            </a:lvl5pPr>
+            <a:lvl6pPr>
+              <a:defRPr sz="2000"/>
+            </a:lvl6pPr>
+            <a:lvl7pPr>
+              <a:defRPr sz="2000"/>
+            </a:lvl7pPr>
+            <a:lvl8pPr>
+              <a:defRPr sz="2000"/>
+            </a:lvl8pPr>
+            <a:lvl9pPr>
+              <a:defRPr sz="2000"/>
+            </a:lvl9pPr>
+          </a:lstStyle>
+          <a:p>
+            <a:pPr lvl="0"/>
+            <a:r>
+              <a:rPr lang="en-US"/>
+              <a:t>Edit Master text styles</a:t>
+            </a:r>
+          </a:p>
+          <a:p>
+            <a:pPr lvl="1"/>
+            <a:r>
+              <a:rPr lang="en-US"/>
+              <a:t>Second level</a:t>
+            </a:r>
+          </a:p>
+          <a:p>
+            <a:pPr lvl="2"/>
+            <a:r>
+              <a:rPr lang="en-US"/>
+              <a:t>Third level</a:t>
+            </a:r>
+          </a:p>
+          <a:p>
+            <a:pPr lvl="3"/>
+            <a:r>
+              <a:rPr lang="en-US"/>
+              <a:t>Fourth level</a:t>
+            </a:r>
+          </a:p>
+          <a:p>
+            <a:pPr lvl="4"/>
+            <a:r>
+              <a:rPr lang="en-US"/>
+              <a:t>Fifth level</a:t>
+            </a:r>
+          </a:p>
+        </p:txBody>
+      </p:sp>
+      <p:sp>
+        <p:nvSpPr>
+          <p:cNvPr id="4" name="Text Placeholder 3">
+            <a:extLst>
+              <a:ext uri="{FF2B5EF4-FFF2-40B4-BE49-F238E27FC236}">
+                <a16:creationId xmlns:a16="http://schemas.microsoft.com/office/drawing/2014/main" id="{F7EDB078-F22D-6342-9CA5-70D7E4BD10EE}"/>
+              </a:ext>
+            </a:extLst>
+          </p:cNvPr>
+          <p:cNvSpPr>
+            <a:spLocks noGrp="1"/>
+          </p:cNvSpPr>
+          <p:nvPr>
+            <p:ph type="body" sz="half" idx="2"/>
+          </p:nvPr>
+        </p:nvSpPr>
+        <p:spPr>
+          <a:xfrm>
+            <a:off x="839788" y="2057400"/>
+            <a:ext cx="3932237" cy="3811588"/>
+          </a:xfrm>
+        </p:spPr>
+        <p:txBody>
+          <a:bodyPr/>
+          <a:lstStyle>
+            <a:lvl1pPr marL="0" indent="0">
+              <a:buNone/>
+              <a:defRPr sz="1600"/>
+            </a:lvl1pPr>
+            <a:lvl2pPr marL="457200" indent="0">
+              <a:buNone/>
+              <a:defRPr sz="1400"/>
+            </a:lvl2pPr>
+            <a:lvl3pPr marL="914400" indent="0">
+              <a:buNone/>
+              <a:defRPr sz="1200"/>
+            </a:lvl3pPr>
+            <a:lvl4pPr marL="1371600" indent="0">
+              <a:buNone/>
+              <a:defRPr sz="1000"/>
+            </a:lvl4pPr>
+            <a:lvl5pPr marL="1828800" indent="0">
+              <a:buNone/>
+              <a:defRPr sz="1000"/>
+            </a:lvl5pPr>
+            <a:lvl6pPr marL="2286000" indent="0">
+              <a:buNone/>
+              <a:defRPr sz="1000"/>
+            </a:lvl6pPr>
+            <a:lvl7pPr marL="2743200" indent="0">
+              <a:buNone/>
+              <a:defRPr sz="1000"/>
+            </a:lvl7pPr>
+            <a:lvl8pPr marL="3200400" indent="0">
+              <a:buNone/>
+              <a:defRPr sz="1000"/>
+            </a:lvl8pPr>
+            <a:lvl9pPr marL="3657600" indent="0">
+              <a:buNone/>
+              <a:defRPr sz="1000"/>
+            </a:lvl9pPr>
+          </a:lstStyle>
+          <a:p>
+            <a:pPr lvl="0"/>
+            <a:r>
+              <a:rPr lang="en-US"/>
+              <a:t>Edit Master text styles</a:t>
+            </a:r>
+          </a:p>
+        </p:txBody>
+      </p:sp>
+      <p:sp>
+        <p:nvSpPr>
+          <p:cNvPr id="5" name="Date Placeholder 4">
+            <a:extLst>
+              <a:ext uri="{FF2B5EF4-FFF2-40B4-BE49-F238E27FC236}">
+                <a16:creationId xmlns:a16="http://schemas.microsoft.com/office/drawing/2014/main" id="{24537A49-AACA-4148-9C21-EDBE9DFE340E}"/>
+              </a:ext>
+            </a:extLst>
+          </p:cNvPr>
+          <p:cNvSpPr>
+            <a:spLocks noGrp="1"/>
+          </p:cNvSpPr>
+          <p:nvPr>
+            <p:ph type="dt" sz="half" idx="10"/>
+          </p:nvPr>
+        </p:nvSpPr>
+        <p:spPr/>
+        <p:txBody>
+          <a:bodyPr/>
+          <a:lstStyle/>
+          <a:p>
+            <a:fld id="{DCF04831-FE79-4C48-8B5F-6128F6AE010B}" type="datetimeFigureOut">
+              <a:rPr lang="en-US" smtClean="0"/>
+              <a:t>10/4/19</a:t>
+            </a:fld>
+            <a:endParaRPr lang="en-US"/>
+          </a:p>
+        </p:txBody>
+      </p:sp>
+      <p:sp>
+        <p:nvSpPr>
+          <p:cNvPr id="6" name="Footer Placeholder 5">
+            <a:extLst>
+              <a:ext uri="{FF2B5EF4-FFF2-40B4-BE49-F238E27FC236}">
+                <a16:creationId xmlns:a16="http://schemas.microsoft.com/office/drawing/2014/main" id="{BF66E600-1118-404E-A5F8-CD3DBAD9881C}"/>
+              </a:ext>
+            </a:extLst>
+          </p:cNvPr>
+          <p:cNvSpPr>
+            <a:spLocks noGrp="1"/>
+          </p:cNvSpPr>
+          <p:nvPr>
+            <p:ph type="ftr" sz="quarter" idx="11"/>
+          </p:nvPr>
+        </p:nvSpPr>
+        <p:spPr/>
+        <p:txBody>
+          <a:bodyPr/>
+          <a:lstStyle/>
+          <a:p>
+            <a:endParaRPr lang="en-US"/>
+          </a:p>
+        </p:txBody>
+      </p:sp>
+      <p:sp>
+        <p:nvSpPr>
+          <p:cNvPr id="7" name="Slide Number Placeholder 6">
+            <a:extLst>
+              <a:ext uri="{FF2B5EF4-FFF2-40B4-BE49-F238E27FC236}">
+                <a16:creationId xmlns:a16="http://schemas.microsoft.com/office/drawing/2014/main" id="{21BE150E-3798-7E4A-A473-394A73801BE5}"/>
+              </a:ext>
+            </a:extLst>
+          </p:cNvPr>
+          <p:cNvSpPr>
+            <a:spLocks noGrp="1"/>
+          </p:cNvSpPr>
+          <p:nvPr>
+            <p:ph type="sldNum" sz="quarter" idx="12"/>
+          </p:nvPr>
+        </p:nvSpPr>
+        <p:spPr/>
+        <p:txBody>
+          <a:bodyPr/>
+          <a:lstStyle/>
+          <a:p>
+            <a:fld id="{C31BBD4C-C861-D646-B95A-46A5F141E02A}" type="slidenum">
+              <a:rPr lang="en-US" smtClean="0"/>
+              <a:t>‹#›</a:t>
+            </a:fld>
+            <a:endParaRPr lang="en-US"/>
+          </a:p>
+        </p:txBody>
+      </p:sp>
+    </p:spTree>
+    <p:extLst>
+      <p:ext uri="{BB962C8B-B14F-4D97-AF65-F5344CB8AC3E}">
+        <p14:creationId xmlns:p14="http://schemas.microsoft.com/office/powerpoint/2010/main" val="3107582702"/>
+      </p:ext>
+    </p:extLst>
+  </p:cSld>
+  <p:clrMapOvr>
+    <a:masterClrMapping/>
+  </p:clrMapOvr>
+</p:sldLayout>
+</file>
+
 <file path=ppt/slideLayouts/slideLayout2.xml><?xml version="1.0" encoding="utf-8"?>
 <p:sldLayout xmlns:a="http://schemas.openxmlformats.org/drawingml/2006/main" xmlns:r="http://schemas.openxmlformats.org/officeDocument/2006/relationships" xmlns:p="http://schemas.openxmlformats.org/presentationml/2006/main" type="obj" preserve="1">
   <p:cSld name="Title and Content">
@@ -4342,6 +8630,1059 @@
       </p:transition>
     </mc:Fallback>
   </mc:AlternateContent>
+</p:sldLayout>
+</file>
+
+<file path=ppt/slideLayouts/slideLayout20.xml><?xml version="1.0" encoding="utf-8"?>
+<p:sldLayout xmlns:a="http://schemas.openxmlformats.org/drawingml/2006/main" xmlns:r="http://schemas.openxmlformats.org/officeDocument/2006/relationships" xmlns:p="http://schemas.openxmlformats.org/presentationml/2006/main" type="picTx" preserve="1">
+  <p:cSld name="Picture with Caption">
+    <p:spTree>
+      <p:nvGrpSpPr>
+        <p:cNvPr id="1" name=""/>
+        <p:cNvGrpSpPr/>
+        <p:nvPr/>
+      </p:nvGrpSpPr>
+      <p:grpSpPr>
+        <a:xfrm>
+          <a:off x="0" y="0"/>
+          <a:ext cx="0" cy="0"/>
+          <a:chOff x="0" y="0"/>
+          <a:chExt cx="0" cy="0"/>
+        </a:xfrm>
+      </p:grpSpPr>
+      <p:sp>
+        <p:nvSpPr>
+          <p:cNvPr id="2" name="Title 1">
+            <a:extLst>
+              <a:ext uri="{FF2B5EF4-FFF2-40B4-BE49-F238E27FC236}">
+                <a16:creationId xmlns:a16="http://schemas.microsoft.com/office/drawing/2014/main" id="{5372B05C-61ED-9F46-A78F-711C80007CFA}"/>
+              </a:ext>
+            </a:extLst>
+          </p:cNvPr>
+          <p:cNvSpPr>
+            <a:spLocks noGrp="1"/>
+          </p:cNvSpPr>
+          <p:nvPr>
+            <p:ph type="title"/>
+          </p:nvPr>
+        </p:nvSpPr>
+        <p:spPr>
+          <a:xfrm>
+            <a:off x="839788" y="457200"/>
+            <a:ext cx="3932237" cy="1600200"/>
+          </a:xfrm>
+        </p:spPr>
+        <p:txBody>
+          <a:bodyPr anchor="b"/>
+          <a:lstStyle>
+            <a:lvl1pPr>
+              <a:defRPr sz="3200"/>
+            </a:lvl1pPr>
+          </a:lstStyle>
+          <a:p>
+            <a:r>
+              <a:rPr lang="en-US"/>
+              <a:t>Click to edit Master title style</a:t>
+            </a:r>
+          </a:p>
+        </p:txBody>
+      </p:sp>
+      <p:sp>
+        <p:nvSpPr>
+          <p:cNvPr id="3" name="Picture Placeholder 2">
+            <a:extLst>
+              <a:ext uri="{FF2B5EF4-FFF2-40B4-BE49-F238E27FC236}">
+                <a16:creationId xmlns:a16="http://schemas.microsoft.com/office/drawing/2014/main" id="{6BC345EA-F3F3-8740-842B-0040F194109C}"/>
+              </a:ext>
+            </a:extLst>
+          </p:cNvPr>
+          <p:cNvSpPr>
+            <a:spLocks noGrp="1"/>
+          </p:cNvSpPr>
+          <p:nvPr>
+            <p:ph type="pic" idx="1"/>
+          </p:nvPr>
+        </p:nvSpPr>
+        <p:spPr>
+          <a:xfrm>
+            <a:off x="5183188" y="987425"/>
+            <a:ext cx="6172200" cy="4873625"/>
+          </a:xfrm>
+        </p:spPr>
+        <p:txBody>
+          <a:bodyPr/>
+          <a:lstStyle>
+            <a:lvl1pPr marL="0" indent="0">
+              <a:buNone/>
+              <a:defRPr sz="3200"/>
+            </a:lvl1pPr>
+            <a:lvl2pPr marL="457200" indent="0">
+              <a:buNone/>
+              <a:defRPr sz="2800"/>
+            </a:lvl2pPr>
+            <a:lvl3pPr marL="914400" indent="0">
+              <a:buNone/>
+              <a:defRPr sz="2400"/>
+            </a:lvl3pPr>
+            <a:lvl4pPr marL="1371600" indent="0">
+              <a:buNone/>
+              <a:defRPr sz="2000"/>
+            </a:lvl4pPr>
+            <a:lvl5pPr marL="1828800" indent="0">
+              <a:buNone/>
+              <a:defRPr sz="2000"/>
+            </a:lvl5pPr>
+            <a:lvl6pPr marL="2286000" indent="0">
+              <a:buNone/>
+              <a:defRPr sz="2000"/>
+            </a:lvl6pPr>
+            <a:lvl7pPr marL="2743200" indent="0">
+              <a:buNone/>
+              <a:defRPr sz="2000"/>
+            </a:lvl7pPr>
+            <a:lvl8pPr marL="3200400" indent="0">
+              <a:buNone/>
+              <a:defRPr sz="2000"/>
+            </a:lvl8pPr>
+            <a:lvl9pPr marL="3657600" indent="0">
+              <a:buNone/>
+              <a:defRPr sz="2000"/>
+            </a:lvl9pPr>
+          </a:lstStyle>
+          <a:p>
+            <a:endParaRPr lang="en-US"/>
+          </a:p>
+        </p:txBody>
+      </p:sp>
+      <p:sp>
+        <p:nvSpPr>
+          <p:cNvPr id="4" name="Text Placeholder 3">
+            <a:extLst>
+              <a:ext uri="{FF2B5EF4-FFF2-40B4-BE49-F238E27FC236}">
+                <a16:creationId xmlns:a16="http://schemas.microsoft.com/office/drawing/2014/main" id="{94A6A2C2-F483-1747-B2F1-5F7BAC8ED3FE}"/>
+              </a:ext>
+            </a:extLst>
+          </p:cNvPr>
+          <p:cNvSpPr>
+            <a:spLocks noGrp="1"/>
+          </p:cNvSpPr>
+          <p:nvPr>
+            <p:ph type="body" sz="half" idx="2"/>
+          </p:nvPr>
+        </p:nvSpPr>
+        <p:spPr>
+          <a:xfrm>
+            <a:off x="839788" y="2057400"/>
+            <a:ext cx="3932237" cy="3811588"/>
+          </a:xfrm>
+        </p:spPr>
+        <p:txBody>
+          <a:bodyPr/>
+          <a:lstStyle>
+            <a:lvl1pPr marL="0" indent="0">
+              <a:buNone/>
+              <a:defRPr sz="1600"/>
+            </a:lvl1pPr>
+            <a:lvl2pPr marL="457200" indent="0">
+              <a:buNone/>
+              <a:defRPr sz="1400"/>
+            </a:lvl2pPr>
+            <a:lvl3pPr marL="914400" indent="0">
+              <a:buNone/>
+              <a:defRPr sz="1200"/>
+            </a:lvl3pPr>
+            <a:lvl4pPr marL="1371600" indent="0">
+              <a:buNone/>
+              <a:defRPr sz="1000"/>
+            </a:lvl4pPr>
+            <a:lvl5pPr marL="1828800" indent="0">
+              <a:buNone/>
+              <a:defRPr sz="1000"/>
+            </a:lvl5pPr>
+            <a:lvl6pPr marL="2286000" indent="0">
+              <a:buNone/>
+              <a:defRPr sz="1000"/>
+            </a:lvl6pPr>
+            <a:lvl7pPr marL="2743200" indent="0">
+              <a:buNone/>
+              <a:defRPr sz="1000"/>
+            </a:lvl7pPr>
+            <a:lvl8pPr marL="3200400" indent="0">
+              <a:buNone/>
+              <a:defRPr sz="1000"/>
+            </a:lvl8pPr>
+            <a:lvl9pPr marL="3657600" indent="0">
+              <a:buNone/>
+              <a:defRPr sz="1000"/>
+            </a:lvl9pPr>
+          </a:lstStyle>
+          <a:p>
+            <a:pPr lvl="0"/>
+            <a:r>
+              <a:rPr lang="en-US"/>
+              <a:t>Edit Master text styles</a:t>
+            </a:r>
+          </a:p>
+        </p:txBody>
+      </p:sp>
+      <p:sp>
+        <p:nvSpPr>
+          <p:cNvPr id="5" name="Date Placeholder 4">
+            <a:extLst>
+              <a:ext uri="{FF2B5EF4-FFF2-40B4-BE49-F238E27FC236}">
+                <a16:creationId xmlns:a16="http://schemas.microsoft.com/office/drawing/2014/main" id="{28002B6A-B79C-A840-A3E7-0E57866F6338}"/>
+              </a:ext>
+            </a:extLst>
+          </p:cNvPr>
+          <p:cNvSpPr>
+            <a:spLocks noGrp="1"/>
+          </p:cNvSpPr>
+          <p:nvPr>
+            <p:ph type="dt" sz="half" idx="10"/>
+          </p:nvPr>
+        </p:nvSpPr>
+        <p:spPr/>
+        <p:txBody>
+          <a:bodyPr/>
+          <a:lstStyle/>
+          <a:p>
+            <a:fld id="{DCF04831-FE79-4C48-8B5F-6128F6AE010B}" type="datetimeFigureOut">
+              <a:rPr lang="en-US" smtClean="0"/>
+              <a:t>10/4/19</a:t>
+            </a:fld>
+            <a:endParaRPr lang="en-US"/>
+          </a:p>
+        </p:txBody>
+      </p:sp>
+      <p:sp>
+        <p:nvSpPr>
+          <p:cNvPr id="6" name="Footer Placeholder 5">
+            <a:extLst>
+              <a:ext uri="{FF2B5EF4-FFF2-40B4-BE49-F238E27FC236}">
+                <a16:creationId xmlns:a16="http://schemas.microsoft.com/office/drawing/2014/main" id="{471E5D45-BA75-4244-8C36-27FD87A67C88}"/>
+              </a:ext>
+            </a:extLst>
+          </p:cNvPr>
+          <p:cNvSpPr>
+            <a:spLocks noGrp="1"/>
+          </p:cNvSpPr>
+          <p:nvPr>
+            <p:ph type="ftr" sz="quarter" idx="11"/>
+          </p:nvPr>
+        </p:nvSpPr>
+        <p:spPr/>
+        <p:txBody>
+          <a:bodyPr/>
+          <a:lstStyle/>
+          <a:p>
+            <a:endParaRPr lang="en-US"/>
+          </a:p>
+        </p:txBody>
+      </p:sp>
+      <p:sp>
+        <p:nvSpPr>
+          <p:cNvPr id="7" name="Slide Number Placeholder 6">
+            <a:extLst>
+              <a:ext uri="{FF2B5EF4-FFF2-40B4-BE49-F238E27FC236}">
+                <a16:creationId xmlns:a16="http://schemas.microsoft.com/office/drawing/2014/main" id="{587F063E-5E8D-4548-BB0D-0C8021C6E23B}"/>
+              </a:ext>
+            </a:extLst>
+          </p:cNvPr>
+          <p:cNvSpPr>
+            <a:spLocks noGrp="1"/>
+          </p:cNvSpPr>
+          <p:nvPr>
+            <p:ph type="sldNum" sz="quarter" idx="12"/>
+          </p:nvPr>
+        </p:nvSpPr>
+        <p:spPr/>
+        <p:txBody>
+          <a:bodyPr/>
+          <a:lstStyle/>
+          <a:p>
+            <a:fld id="{C31BBD4C-C861-D646-B95A-46A5F141E02A}" type="slidenum">
+              <a:rPr lang="en-US" smtClean="0"/>
+              <a:t>‹#›</a:t>
+            </a:fld>
+            <a:endParaRPr lang="en-US"/>
+          </a:p>
+        </p:txBody>
+      </p:sp>
+    </p:spTree>
+    <p:extLst>
+      <p:ext uri="{BB962C8B-B14F-4D97-AF65-F5344CB8AC3E}">
+        <p14:creationId xmlns:p14="http://schemas.microsoft.com/office/powerpoint/2010/main" val="2591012350"/>
+      </p:ext>
+    </p:extLst>
+  </p:cSld>
+  <p:clrMapOvr>
+    <a:masterClrMapping/>
+  </p:clrMapOvr>
+</p:sldLayout>
+</file>
+
+<file path=ppt/slideLayouts/slideLayout21.xml><?xml version="1.0" encoding="utf-8"?>
+<p:sldLayout xmlns:a="http://schemas.openxmlformats.org/drawingml/2006/main" xmlns:r="http://schemas.openxmlformats.org/officeDocument/2006/relationships" xmlns:p="http://schemas.openxmlformats.org/presentationml/2006/main" type="vertTx" preserve="1">
+  <p:cSld name="Title and Vertical Text">
+    <p:spTree>
+      <p:nvGrpSpPr>
+        <p:cNvPr id="1" name=""/>
+        <p:cNvGrpSpPr/>
+        <p:nvPr/>
+      </p:nvGrpSpPr>
+      <p:grpSpPr>
+        <a:xfrm>
+          <a:off x="0" y="0"/>
+          <a:ext cx="0" cy="0"/>
+          <a:chOff x="0" y="0"/>
+          <a:chExt cx="0" cy="0"/>
+        </a:xfrm>
+      </p:grpSpPr>
+      <p:sp>
+        <p:nvSpPr>
+          <p:cNvPr id="2" name="Title 1">
+            <a:extLst>
+              <a:ext uri="{FF2B5EF4-FFF2-40B4-BE49-F238E27FC236}">
+                <a16:creationId xmlns:a16="http://schemas.microsoft.com/office/drawing/2014/main" id="{48B14511-6827-B848-B0D1-023111B7CE98}"/>
+              </a:ext>
+            </a:extLst>
+          </p:cNvPr>
+          <p:cNvSpPr>
+            <a:spLocks noGrp="1"/>
+          </p:cNvSpPr>
+          <p:nvPr>
+            <p:ph type="title"/>
+          </p:nvPr>
+        </p:nvSpPr>
+        <p:spPr/>
+        <p:txBody>
+          <a:bodyPr/>
+          <a:lstStyle/>
+          <a:p>
+            <a:r>
+              <a:rPr lang="en-US"/>
+              <a:t>Click to edit Master title style</a:t>
+            </a:r>
+          </a:p>
+        </p:txBody>
+      </p:sp>
+      <p:sp>
+        <p:nvSpPr>
+          <p:cNvPr id="3" name="Vertical Text Placeholder 2">
+            <a:extLst>
+              <a:ext uri="{FF2B5EF4-FFF2-40B4-BE49-F238E27FC236}">
+                <a16:creationId xmlns:a16="http://schemas.microsoft.com/office/drawing/2014/main" id="{B8E35F14-0483-D94C-8390-9B91217B7611}"/>
+              </a:ext>
+            </a:extLst>
+          </p:cNvPr>
+          <p:cNvSpPr>
+            <a:spLocks noGrp="1"/>
+          </p:cNvSpPr>
+          <p:nvPr>
+            <p:ph type="body" orient="vert" idx="1"/>
+          </p:nvPr>
+        </p:nvSpPr>
+        <p:spPr/>
+        <p:txBody>
+          <a:bodyPr vert="eaVert"/>
+          <a:lstStyle/>
+          <a:p>
+            <a:pPr lvl="0"/>
+            <a:r>
+              <a:rPr lang="en-US"/>
+              <a:t>Edit Master text styles</a:t>
+            </a:r>
+          </a:p>
+          <a:p>
+            <a:pPr lvl="1"/>
+            <a:r>
+              <a:rPr lang="en-US"/>
+              <a:t>Second level</a:t>
+            </a:r>
+          </a:p>
+          <a:p>
+            <a:pPr lvl="2"/>
+            <a:r>
+              <a:rPr lang="en-US"/>
+              <a:t>Third level</a:t>
+            </a:r>
+          </a:p>
+          <a:p>
+            <a:pPr lvl="3"/>
+            <a:r>
+              <a:rPr lang="en-US"/>
+              <a:t>Fourth level</a:t>
+            </a:r>
+          </a:p>
+          <a:p>
+            <a:pPr lvl="4"/>
+            <a:r>
+              <a:rPr lang="en-US"/>
+              <a:t>Fifth level</a:t>
+            </a:r>
+          </a:p>
+        </p:txBody>
+      </p:sp>
+      <p:sp>
+        <p:nvSpPr>
+          <p:cNvPr id="4" name="Date Placeholder 3">
+            <a:extLst>
+              <a:ext uri="{FF2B5EF4-FFF2-40B4-BE49-F238E27FC236}">
+                <a16:creationId xmlns:a16="http://schemas.microsoft.com/office/drawing/2014/main" id="{204EBCA3-CB6F-F24B-B159-E4292513CECE}"/>
+              </a:ext>
+            </a:extLst>
+          </p:cNvPr>
+          <p:cNvSpPr>
+            <a:spLocks noGrp="1"/>
+          </p:cNvSpPr>
+          <p:nvPr>
+            <p:ph type="dt" sz="half" idx="10"/>
+          </p:nvPr>
+        </p:nvSpPr>
+        <p:spPr/>
+        <p:txBody>
+          <a:bodyPr/>
+          <a:lstStyle/>
+          <a:p>
+            <a:fld id="{DCF04831-FE79-4C48-8B5F-6128F6AE010B}" type="datetimeFigureOut">
+              <a:rPr lang="en-US" smtClean="0"/>
+              <a:t>10/4/19</a:t>
+            </a:fld>
+            <a:endParaRPr lang="en-US"/>
+          </a:p>
+        </p:txBody>
+      </p:sp>
+      <p:sp>
+        <p:nvSpPr>
+          <p:cNvPr id="5" name="Footer Placeholder 4">
+            <a:extLst>
+              <a:ext uri="{FF2B5EF4-FFF2-40B4-BE49-F238E27FC236}">
+                <a16:creationId xmlns:a16="http://schemas.microsoft.com/office/drawing/2014/main" id="{4879561A-612D-5641-9244-7C0820E3A31C}"/>
+              </a:ext>
+            </a:extLst>
+          </p:cNvPr>
+          <p:cNvSpPr>
+            <a:spLocks noGrp="1"/>
+          </p:cNvSpPr>
+          <p:nvPr>
+            <p:ph type="ftr" sz="quarter" idx="11"/>
+          </p:nvPr>
+        </p:nvSpPr>
+        <p:spPr/>
+        <p:txBody>
+          <a:bodyPr/>
+          <a:lstStyle/>
+          <a:p>
+            <a:endParaRPr lang="en-US"/>
+          </a:p>
+        </p:txBody>
+      </p:sp>
+      <p:sp>
+        <p:nvSpPr>
+          <p:cNvPr id="6" name="Slide Number Placeholder 5">
+            <a:extLst>
+              <a:ext uri="{FF2B5EF4-FFF2-40B4-BE49-F238E27FC236}">
+                <a16:creationId xmlns:a16="http://schemas.microsoft.com/office/drawing/2014/main" id="{7956E2C2-7A60-A349-88D1-D075CC1589CE}"/>
+              </a:ext>
+            </a:extLst>
+          </p:cNvPr>
+          <p:cNvSpPr>
+            <a:spLocks noGrp="1"/>
+          </p:cNvSpPr>
+          <p:nvPr>
+            <p:ph type="sldNum" sz="quarter" idx="12"/>
+          </p:nvPr>
+        </p:nvSpPr>
+        <p:spPr/>
+        <p:txBody>
+          <a:bodyPr/>
+          <a:lstStyle/>
+          <a:p>
+            <a:fld id="{C31BBD4C-C861-D646-B95A-46A5F141E02A}" type="slidenum">
+              <a:rPr lang="en-US" smtClean="0"/>
+              <a:t>‹#›</a:t>
+            </a:fld>
+            <a:endParaRPr lang="en-US"/>
+          </a:p>
+        </p:txBody>
+      </p:sp>
+    </p:spTree>
+    <p:extLst>
+      <p:ext uri="{BB962C8B-B14F-4D97-AF65-F5344CB8AC3E}">
+        <p14:creationId xmlns:p14="http://schemas.microsoft.com/office/powerpoint/2010/main" val="2452468471"/>
+      </p:ext>
+    </p:extLst>
+  </p:cSld>
+  <p:clrMapOvr>
+    <a:masterClrMapping/>
+  </p:clrMapOvr>
+</p:sldLayout>
+</file>
+
+<file path=ppt/slideLayouts/slideLayout22.xml><?xml version="1.0" encoding="utf-8"?>
+<p:sldLayout xmlns:a="http://schemas.openxmlformats.org/drawingml/2006/main" xmlns:r="http://schemas.openxmlformats.org/officeDocument/2006/relationships" xmlns:p="http://schemas.openxmlformats.org/presentationml/2006/main" type="vertTitleAndTx" preserve="1">
+  <p:cSld name="Vertical Title and Text">
+    <p:spTree>
+      <p:nvGrpSpPr>
+        <p:cNvPr id="1" name=""/>
+        <p:cNvGrpSpPr/>
+        <p:nvPr/>
+      </p:nvGrpSpPr>
+      <p:grpSpPr>
+        <a:xfrm>
+          <a:off x="0" y="0"/>
+          <a:ext cx="0" cy="0"/>
+          <a:chOff x="0" y="0"/>
+          <a:chExt cx="0" cy="0"/>
+        </a:xfrm>
+      </p:grpSpPr>
+      <p:sp>
+        <p:nvSpPr>
+          <p:cNvPr id="2" name="Vertical Title 1">
+            <a:extLst>
+              <a:ext uri="{FF2B5EF4-FFF2-40B4-BE49-F238E27FC236}">
+                <a16:creationId xmlns:a16="http://schemas.microsoft.com/office/drawing/2014/main" id="{756E3966-F054-8A4D-94C5-9281CEC253B8}"/>
+              </a:ext>
+            </a:extLst>
+          </p:cNvPr>
+          <p:cNvSpPr>
+            <a:spLocks noGrp="1"/>
+          </p:cNvSpPr>
+          <p:nvPr>
+            <p:ph type="title" orient="vert"/>
+          </p:nvPr>
+        </p:nvSpPr>
+        <p:spPr>
+          <a:xfrm>
+            <a:off x="8724900" y="365125"/>
+            <a:ext cx="2628900" cy="5811838"/>
+          </a:xfrm>
+        </p:spPr>
+        <p:txBody>
+          <a:bodyPr vert="eaVert"/>
+          <a:lstStyle/>
+          <a:p>
+            <a:r>
+              <a:rPr lang="en-US"/>
+              <a:t>Click to edit Master title style</a:t>
+            </a:r>
+          </a:p>
+        </p:txBody>
+      </p:sp>
+      <p:sp>
+        <p:nvSpPr>
+          <p:cNvPr id="3" name="Vertical Text Placeholder 2">
+            <a:extLst>
+              <a:ext uri="{FF2B5EF4-FFF2-40B4-BE49-F238E27FC236}">
+                <a16:creationId xmlns:a16="http://schemas.microsoft.com/office/drawing/2014/main" id="{27F1B6FD-6E5E-F844-A706-618BAFE45F53}"/>
+              </a:ext>
+            </a:extLst>
+          </p:cNvPr>
+          <p:cNvSpPr>
+            <a:spLocks noGrp="1"/>
+          </p:cNvSpPr>
+          <p:nvPr>
+            <p:ph type="body" orient="vert" idx="1"/>
+          </p:nvPr>
+        </p:nvSpPr>
+        <p:spPr>
+          <a:xfrm>
+            <a:off x="838200" y="365125"/>
+            <a:ext cx="7734300" cy="5811838"/>
+          </a:xfrm>
+        </p:spPr>
+        <p:txBody>
+          <a:bodyPr vert="eaVert"/>
+          <a:lstStyle/>
+          <a:p>
+            <a:pPr lvl="0"/>
+            <a:r>
+              <a:rPr lang="en-US"/>
+              <a:t>Edit Master text styles</a:t>
+            </a:r>
+          </a:p>
+          <a:p>
+            <a:pPr lvl="1"/>
+            <a:r>
+              <a:rPr lang="en-US"/>
+              <a:t>Second level</a:t>
+            </a:r>
+          </a:p>
+          <a:p>
+            <a:pPr lvl="2"/>
+            <a:r>
+              <a:rPr lang="en-US"/>
+              <a:t>Third level</a:t>
+            </a:r>
+          </a:p>
+          <a:p>
+            <a:pPr lvl="3"/>
+            <a:r>
+              <a:rPr lang="en-US"/>
+              <a:t>Fourth level</a:t>
+            </a:r>
+          </a:p>
+          <a:p>
+            <a:pPr lvl="4"/>
+            <a:r>
+              <a:rPr lang="en-US"/>
+              <a:t>Fifth level</a:t>
+            </a:r>
+          </a:p>
+        </p:txBody>
+      </p:sp>
+      <p:sp>
+        <p:nvSpPr>
+          <p:cNvPr id="4" name="Date Placeholder 3">
+            <a:extLst>
+              <a:ext uri="{FF2B5EF4-FFF2-40B4-BE49-F238E27FC236}">
+                <a16:creationId xmlns:a16="http://schemas.microsoft.com/office/drawing/2014/main" id="{A340ABDF-E872-324B-818C-B869890FFBB7}"/>
+              </a:ext>
+            </a:extLst>
+          </p:cNvPr>
+          <p:cNvSpPr>
+            <a:spLocks noGrp="1"/>
+          </p:cNvSpPr>
+          <p:nvPr>
+            <p:ph type="dt" sz="half" idx="10"/>
+          </p:nvPr>
+        </p:nvSpPr>
+        <p:spPr/>
+        <p:txBody>
+          <a:bodyPr/>
+          <a:lstStyle/>
+          <a:p>
+            <a:fld id="{DCF04831-FE79-4C48-8B5F-6128F6AE010B}" type="datetimeFigureOut">
+              <a:rPr lang="en-US" smtClean="0"/>
+              <a:t>10/4/19</a:t>
+            </a:fld>
+            <a:endParaRPr lang="en-US"/>
+          </a:p>
+        </p:txBody>
+      </p:sp>
+      <p:sp>
+        <p:nvSpPr>
+          <p:cNvPr id="5" name="Footer Placeholder 4">
+            <a:extLst>
+              <a:ext uri="{FF2B5EF4-FFF2-40B4-BE49-F238E27FC236}">
+                <a16:creationId xmlns:a16="http://schemas.microsoft.com/office/drawing/2014/main" id="{93E192B4-9494-3A43-B482-3B6A46263A55}"/>
+              </a:ext>
+            </a:extLst>
+          </p:cNvPr>
+          <p:cNvSpPr>
+            <a:spLocks noGrp="1"/>
+          </p:cNvSpPr>
+          <p:nvPr>
+            <p:ph type="ftr" sz="quarter" idx="11"/>
+          </p:nvPr>
+        </p:nvSpPr>
+        <p:spPr/>
+        <p:txBody>
+          <a:bodyPr/>
+          <a:lstStyle/>
+          <a:p>
+            <a:endParaRPr lang="en-US"/>
+          </a:p>
+        </p:txBody>
+      </p:sp>
+      <p:sp>
+        <p:nvSpPr>
+          <p:cNvPr id="6" name="Slide Number Placeholder 5">
+            <a:extLst>
+              <a:ext uri="{FF2B5EF4-FFF2-40B4-BE49-F238E27FC236}">
+                <a16:creationId xmlns:a16="http://schemas.microsoft.com/office/drawing/2014/main" id="{D371E7F5-B9C7-B24D-B595-0FEC2A81B5AD}"/>
+              </a:ext>
+            </a:extLst>
+          </p:cNvPr>
+          <p:cNvSpPr>
+            <a:spLocks noGrp="1"/>
+          </p:cNvSpPr>
+          <p:nvPr>
+            <p:ph type="sldNum" sz="quarter" idx="12"/>
+          </p:nvPr>
+        </p:nvSpPr>
+        <p:spPr/>
+        <p:txBody>
+          <a:bodyPr/>
+          <a:lstStyle/>
+          <a:p>
+            <a:fld id="{C31BBD4C-C861-D646-B95A-46A5F141E02A}" type="slidenum">
+              <a:rPr lang="en-US" smtClean="0"/>
+              <a:t>‹#›</a:t>
+            </a:fld>
+            <a:endParaRPr lang="en-US"/>
+          </a:p>
+        </p:txBody>
+      </p:sp>
+    </p:spTree>
+    <p:extLst>
+      <p:ext uri="{BB962C8B-B14F-4D97-AF65-F5344CB8AC3E}">
+        <p14:creationId xmlns:p14="http://schemas.microsoft.com/office/powerpoint/2010/main" val="789679282"/>
+      </p:ext>
+    </p:extLst>
+  </p:cSld>
+  <p:clrMapOvr>
+    <a:masterClrMapping/>
+  </p:clrMapOvr>
+</p:sldLayout>
+</file>
+
+<file path=ppt/slideLayouts/slideLayout23.xml><?xml version="1.0" encoding="utf-8"?>
+<p:sldLayout xmlns:a="http://schemas.openxmlformats.org/drawingml/2006/main" xmlns:r="http://schemas.openxmlformats.org/officeDocument/2006/relationships" xmlns:p="http://schemas.openxmlformats.org/presentationml/2006/main" matchingName="Title and body" type="tx">
+  <p:cSld name="Title and body">
+    <p:spTree>
+      <p:nvGrpSpPr>
+        <p:cNvPr id="1" name="Shape 16"/>
+        <p:cNvGrpSpPr/>
+        <p:nvPr/>
+      </p:nvGrpSpPr>
+      <p:grpSpPr>
+        <a:xfrm>
+          <a:off x="0" y="0"/>
+          <a:ext cx="0" cy="0"/>
+          <a:chOff x="0" y="0"/>
+          <a:chExt cx="0" cy="0"/>
+        </a:xfrm>
+      </p:grpSpPr>
+      <p:sp>
+        <p:nvSpPr>
+          <p:cNvPr id="17" name="Google Shape;17;p4"/>
+          <p:cNvSpPr txBox="1">
+            <a:spLocks noGrp="1"/>
+          </p:cNvSpPr>
+          <p:nvPr>
+            <p:ph type="title"/>
+          </p:nvPr>
+        </p:nvSpPr>
+        <p:spPr>
+          <a:xfrm>
+            <a:off x="415600" y="593367"/>
+            <a:ext cx="11360800" cy="763600"/>
+          </a:xfrm>
+          <a:prstGeom prst="rect">
+            <a:avLst/>
+          </a:prstGeom>
+        </p:spPr>
+        <p:txBody>
+          <a:bodyPr spcFirstLastPara="1" wrap="square" lIns="91425" tIns="91425" rIns="91425" bIns="91425" anchor="t" anchorCtr="0">
+            <a:noAutofit/>
+          </a:bodyPr>
+          <a:lstStyle>
+            <a:lvl1pPr lvl="0">
+              <a:spcBef>
+                <a:spcPts val="0"/>
+              </a:spcBef>
+              <a:spcAft>
+                <a:spcPts val="0"/>
+              </a:spcAft>
+              <a:buSzPts val="2800"/>
+              <a:buNone/>
+              <a:defRPr/>
+            </a:lvl1pPr>
+            <a:lvl2pPr lvl="1">
+              <a:spcBef>
+                <a:spcPts val="0"/>
+              </a:spcBef>
+              <a:spcAft>
+                <a:spcPts val="0"/>
+              </a:spcAft>
+              <a:buSzPts val="2800"/>
+              <a:buNone/>
+              <a:defRPr/>
+            </a:lvl2pPr>
+            <a:lvl3pPr lvl="2">
+              <a:spcBef>
+                <a:spcPts val="0"/>
+              </a:spcBef>
+              <a:spcAft>
+                <a:spcPts val="0"/>
+              </a:spcAft>
+              <a:buSzPts val="2800"/>
+              <a:buNone/>
+              <a:defRPr/>
+            </a:lvl3pPr>
+            <a:lvl4pPr lvl="3">
+              <a:spcBef>
+                <a:spcPts val="0"/>
+              </a:spcBef>
+              <a:spcAft>
+                <a:spcPts val="0"/>
+              </a:spcAft>
+              <a:buSzPts val="2800"/>
+              <a:buNone/>
+              <a:defRPr/>
+            </a:lvl4pPr>
+            <a:lvl5pPr lvl="4">
+              <a:spcBef>
+                <a:spcPts val="0"/>
+              </a:spcBef>
+              <a:spcAft>
+                <a:spcPts val="0"/>
+              </a:spcAft>
+              <a:buSzPts val="2800"/>
+              <a:buNone/>
+              <a:defRPr/>
+            </a:lvl5pPr>
+            <a:lvl6pPr lvl="5">
+              <a:spcBef>
+                <a:spcPts val="0"/>
+              </a:spcBef>
+              <a:spcAft>
+                <a:spcPts val="0"/>
+              </a:spcAft>
+              <a:buSzPts val="2800"/>
+              <a:buNone/>
+              <a:defRPr/>
+            </a:lvl6pPr>
+            <a:lvl7pPr lvl="6">
+              <a:spcBef>
+                <a:spcPts val="0"/>
+              </a:spcBef>
+              <a:spcAft>
+                <a:spcPts val="0"/>
+              </a:spcAft>
+              <a:buSzPts val="2800"/>
+              <a:buNone/>
+              <a:defRPr/>
+            </a:lvl7pPr>
+            <a:lvl8pPr lvl="7">
+              <a:spcBef>
+                <a:spcPts val="0"/>
+              </a:spcBef>
+              <a:spcAft>
+                <a:spcPts val="0"/>
+              </a:spcAft>
+              <a:buSzPts val="2800"/>
+              <a:buNone/>
+              <a:defRPr/>
+            </a:lvl8pPr>
+            <a:lvl9pPr lvl="8">
+              <a:spcBef>
+                <a:spcPts val="0"/>
+              </a:spcBef>
+              <a:spcAft>
+                <a:spcPts val="0"/>
+              </a:spcAft>
+              <a:buSzPts val="2800"/>
+              <a:buNone/>
+              <a:defRPr/>
+            </a:lvl9pPr>
+          </a:lstStyle>
+          <a:p>
+            <a:endParaRPr/>
+          </a:p>
+        </p:txBody>
+      </p:sp>
+      <p:sp>
+        <p:nvSpPr>
+          <p:cNvPr id="18" name="Google Shape;18;p4"/>
+          <p:cNvSpPr txBox="1">
+            <a:spLocks noGrp="1"/>
+          </p:cNvSpPr>
+          <p:nvPr>
+            <p:ph type="body" idx="1"/>
+          </p:nvPr>
+        </p:nvSpPr>
+        <p:spPr>
+          <a:xfrm>
+            <a:off x="415600" y="1536633"/>
+            <a:ext cx="11360800" cy="4555200"/>
+          </a:xfrm>
+          <a:prstGeom prst="rect">
+            <a:avLst/>
+          </a:prstGeom>
+        </p:spPr>
+        <p:txBody>
+          <a:bodyPr spcFirstLastPara="1" wrap="square" lIns="91425" tIns="91425" rIns="91425" bIns="91425" anchor="t" anchorCtr="0">
+            <a:noAutofit/>
+          </a:bodyPr>
+          <a:lstStyle>
+            <a:lvl1pPr marL="609585" lvl="0" indent="-457189">
+              <a:spcBef>
+                <a:spcPts val="0"/>
+              </a:spcBef>
+              <a:spcAft>
+                <a:spcPts val="0"/>
+              </a:spcAft>
+              <a:buSzPts val="1800"/>
+              <a:buChar char="●"/>
+              <a:defRPr/>
+            </a:lvl1pPr>
+            <a:lvl2pPr marL="1219170" lvl="1" indent="-423323">
+              <a:spcBef>
+                <a:spcPts val="2133"/>
+              </a:spcBef>
+              <a:spcAft>
+                <a:spcPts val="0"/>
+              </a:spcAft>
+              <a:buSzPts val="1400"/>
+              <a:buChar char="○"/>
+              <a:defRPr/>
+            </a:lvl2pPr>
+            <a:lvl3pPr marL="1828754" lvl="2" indent="-423323">
+              <a:spcBef>
+                <a:spcPts val="2133"/>
+              </a:spcBef>
+              <a:spcAft>
+                <a:spcPts val="0"/>
+              </a:spcAft>
+              <a:buSzPts val="1400"/>
+              <a:buChar char="■"/>
+              <a:defRPr/>
+            </a:lvl3pPr>
+            <a:lvl4pPr marL="2438339" lvl="3" indent="-423323">
+              <a:spcBef>
+                <a:spcPts val="2133"/>
+              </a:spcBef>
+              <a:spcAft>
+                <a:spcPts val="0"/>
+              </a:spcAft>
+              <a:buSzPts val="1400"/>
+              <a:buChar char="●"/>
+              <a:defRPr/>
+            </a:lvl4pPr>
+            <a:lvl5pPr marL="3047924" lvl="4" indent="-423323">
+              <a:spcBef>
+                <a:spcPts val="2133"/>
+              </a:spcBef>
+              <a:spcAft>
+                <a:spcPts val="0"/>
+              </a:spcAft>
+              <a:buSzPts val="1400"/>
+              <a:buChar char="○"/>
+              <a:defRPr/>
+            </a:lvl5pPr>
+            <a:lvl6pPr marL="3657509" lvl="5" indent="-423323">
+              <a:spcBef>
+                <a:spcPts val="2133"/>
+              </a:spcBef>
+              <a:spcAft>
+                <a:spcPts val="0"/>
+              </a:spcAft>
+              <a:buSzPts val="1400"/>
+              <a:buChar char="■"/>
+              <a:defRPr/>
+            </a:lvl6pPr>
+            <a:lvl7pPr marL="4267093" lvl="6" indent="-423323">
+              <a:spcBef>
+                <a:spcPts val="2133"/>
+              </a:spcBef>
+              <a:spcAft>
+                <a:spcPts val="0"/>
+              </a:spcAft>
+              <a:buSzPts val="1400"/>
+              <a:buChar char="●"/>
+              <a:defRPr/>
+            </a:lvl7pPr>
+            <a:lvl8pPr marL="4876678" lvl="7" indent="-423323">
+              <a:spcBef>
+                <a:spcPts val="2133"/>
+              </a:spcBef>
+              <a:spcAft>
+                <a:spcPts val="0"/>
+              </a:spcAft>
+              <a:buSzPts val="1400"/>
+              <a:buChar char="○"/>
+              <a:defRPr/>
+            </a:lvl8pPr>
+            <a:lvl9pPr marL="5486263" lvl="8" indent="-423323">
+              <a:spcBef>
+                <a:spcPts val="2133"/>
+              </a:spcBef>
+              <a:spcAft>
+                <a:spcPts val="2133"/>
+              </a:spcAft>
+              <a:buSzPts val="1400"/>
+              <a:buChar char="■"/>
+              <a:defRPr/>
+            </a:lvl9pPr>
+          </a:lstStyle>
+          <a:p>
+            <a:endParaRPr/>
+          </a:p>
+        </p:txBody>
+      </p:sp>
+      <p:sp>
+        <p:nvSpPr>
+          <p:cNvPr id="19" name="Google Shape;19;p4"/>
+          <p:cNvSpPr txBox="1">
+            <a:spLocks noGrp="1"/>
+          </p:cNvSpPr>
+          <p:nvPr>
+            <p:ph type="sldNum" idx="12"/>
+          </p:nvPr>
+        </p:nvSpPr>
+        <p:spPr>
+          <a:xfrm>
+            <a:off x="11296611" y="6217623"/>
+            <a:ext cx="731600" cy="524800"/>
+          </a:xfrm>
+          <a:prstGeom prst="rect">
+            <a:avLst/>
+          </a:prstGeom>
+        </p:spPr>
+        <p:txBody>
+          <a:bodyPr spcFirstLastPara="1" wrap="square" lIns="91425" tIns="91425" rIns="91425" bIns="91425" anchor="ctr" anchorCtr="0">
+            <a:noAutofit/>
+          </a:bodyPr>
+          <a:lstStyle>
+            <a:lvl1pPr lvl="0">
+              <a:buNone/>
+              <a:defRPr/>
+            </a:lvl1pPr>
+            <a:lvl2pPr lvl="1">
+              <a:buNone/>
+              <a:defRPr/>
+            </a:lvl2pPr>
+            <a:lvl3pPr lvl="2">
+              <a:buNone/>
+              <a:defRPr/>
+            </a:lvl3pPr>
+            <a:lvl4pPr lvl="3">
+              <a:buNone/>
+              <a:defRPr/>
+            </a:lvl4pPr>
+            <a:lvl5pPr lvl="4">
+              <a:buNone/>
+              <a:defRPr/>
+            </a:lvl5pPr>
+            <a:lvl6pPr lvl="5">
+              <a:buNone/>
+              <a:defRPr/>
+            </a:lvl6pPr>
+            <a:lvl7pPr lvl="6">
+              <a:buNone/>
+              <a:defRPr/>
+            </a:lvl7pPr>
+            <a:lvl8pPr lvl="7">
+              <a:buNone/>
+              <a:defRPr/>
+            </a:lvl8pPr>
+            <a:lvl9pPr lvl="8">
+              <a:buNone/>
+              <a:defRPr/>
+            </a:lvl9pPr>
+          </a:lstStyle>
+          <a:p>
+            <a:fld id="{00000000-1234-1234-1234-123412341234}" type="slidenum">
+              <a:rPr lang="en" smtClean="0"/>
+              <a:pPr/>
+              <a:t>‹#›</a:t>
+            </a:fld>
+            <a:endParaRPr lang="en"/>
+          </a:p>
+        </p:txBody>
+      </p:sp>
+    </p:spTree>
+    <p:extLst>
+      <p:ext uri="{BB962C8B-B14F-4D97-AF65-F5344CB8AC3E}">
+        <p14:creationId xmlns:p14="http://schemas.microsoft.com/office/powerpoint/2010/main" val="2498570604"/>
+      </p:ext>
+    </p:extLst>
+  </p:cSld>
+  <p:clrMapOvr>
+    <a:masterClrMapping/>
+  </p:clrMapOvr>
 </p:sldLayout>
 </file>
 
@@ -6124,6 +11465,575 @@
       <p15:sldGuideLst xmlns:p15="http://schemas.microsoft.com/office/powerpoint/2012/main"/>
     </p:ext>
   </p:extLst>
+</p:sldMaster>
+</file>
+
+<file path=ppt/slideMasters/slideMaster2.xml><?xml version="1.0" encoding="utf-8"?>
+<p:sldMaster xmlns:a="http://schemas.openxmlformats.org/drawingml/2006/main" xmlns:r="http://schemas.openxmlformats.org/officeDocument/2006/relationships" xmlns:p="http://schemas.openxmlformats.org/presentationml/2006/main">
+  <p:cSld>
+    <p:bg>
+      <p:bgRef idx="1001">
+        <a:schemeClr val="bg1"/>
+      </p:bgRef>
+    </p:bg>
+    <p:spTree>
+      <p:nvGrpSpPr>
+        <p:cNvPr id="1" name=""/>
+        <p:cNvGrpSpPr/>
+        <p:nvPr/>
+      </p:nvGrpSpPr>
+      <p:grpSpPr>
+        <a:xfrm>
+          <a:off x="0" y="0"/>
+          <a:ext cx="0" cy="0"/>
+          <a:chOff x="0" y="0"/>
+          <a:chExt cx="0" cy="0"/>
+        </a:xfrm>
+      </p:grpSpPr>
+      <p:sp>
+        <p:nvSpPr>
+          <p:cNvPr id="2" name="Title Placeholder 1">
+            <a:extLst>
+              <a:ext uri="{FF2B5EF4-FFF2-40B4-BE49-F238E27FC236}">
+                <a16:creationId xmlns:a16="http://schemas.microsoft.com/office/drawing/2014/main" id="{1FC16D75-F370-5143-BFEC-81F35880052E}"/>
+              </a:ext>
+            </a:extLst>
+          </p:cNvPr>
+          <p:cNvSpPr>
+            <a:spLocks noGrp="1"/>
+          </p:cNvSpPr>
+          <p:nvPr>
+            <p:ph type="title"/>
+          </p:nvPr>
+        </p:nvSpPr>
+        <p:spPr>
+          <a:xfrm>
+            <a:off x="838200" y="365125"/>
+            <a:ext cx="10515600" cy="1325563"/>
+          </a:xfrm>
+          <a:prstGeom prst="rect">
+            <a:avLst/>
+          </a:prstGeom>
+        </p:spPr>
+        <p:txBody>
+          <a:bodyPr vert="horz" lIns="91440" tIns="45720" rIns="91440" bIns="45720" rtlCol="0" anchor="ctr">
+            <a:normAutofit/>
+          </a:bodyPr>
+          <a:lstStyle/>
+          <a:p>
+            <a:r>
+              <a:rPr lang="en-US"/>
+              <a:t>Click to edit Master title style</a:t>
+            </a:r>
+          </a:p>
+        </p:txBody>
+      </p:sp>
+      <p:sp>
+        <p:nvSpPr>
+          <p:cNvPr id="3" name="Text Placeholder 2">
+            <a:extLst>
+              <a:ext uri="{FF2B5EF4-FFF2-40B4-BE49-F238E27FC236}">
+                <a16:creationId xmlns:a16="http://schemas.microsoft.com/office/drawing/2014/main" id="{D2138876-0179-6C4F-83B7-94CF6B851F5C}"/>
+              </a:ext>
+            </a:extLst>
+          </p:cNvPr>
+          <p:cNvSpPr>
+            <a:spLocks noGrp="1"/>
+          </p:cNvSpPr>
+          <p:nvPr>
+            <p:ph type="body" idx="1"/>
+          </p:nvPr>
+        </p:nvSpPr>
+        <p:spPr>
+          <a:xfrm>
+            <a:off x="838200" y="1825625"/>
+            <a:ext cx="10515600" cy="4351338"/>
+          </a:xfrm>
+          <a:prstGeom prst="rect">
+            <a:avLst/>
+          </a:prstGeom>
+        </p:spPr>
+        <p:txBody>
+          <a:bodyPr vert="horz" lIns="91440" tIns="45720" rIns="91440" bIns="45720" rtlCol="0">
+            <a:normAutofit/>
+          </a:bodyPr>
+          <a:lstStyle/>
+          <a:p>
+            <a:pPr lvl="0"/>
+            <a:r>
+              <a:rPr lang="en-US"/>
+              <a:t>Edit Master text styles</a:t>
+            </a:r>
+          </a:p>
+          <a:p>
+            <a:pPr lvl="1"/>
+            <a:r>
+              <a:rPr lang="en-US"/>
+              <a:t>Second level</a:t>
+            </a:r>
+          </a:p>
+          <a:p>
+            <a:pPr lvl="2"/>
+            <a:r>
+              <a:rPr lang="en-US"/>
+              <a:t>Third level</a:t>
+            </a:r>
+          </a:p>
+          <a:p>
+            <a:pPr lvl="3"/>
+            <a:r>
+              <a:rPr lang="en-US"/>
+              <a:t>Fourth level</a:t>
+            </a:r>
+          </a:p>
+          <a:p>
+            <a:pPr lvl="4"/>
+            <a:r>
+              <a:rPr lang="en-US"/>
+              <a:t>Fifth level</a:t>
+            </a:r>
+          </a:p>
+        </p:txBody>
+      </p:sp>
+      <p:sp>
+        <p:nvSpPr>
+          <p:cNvPr id="4" name="Date Placeholder 3">
+            <a:extLst>
+              <a:ext uri="{FF2B5EF4-FFF2-40B4-BE49-F238E27FC236}">
+                <a16:creationId xmlns:a16="http://schemas.microsoft.com/office/drawing/2014/main" id="{7E2E6AF1-0558-5644-81AB-1372AA3DA64C}"/>
+              </a:ext>
+            </a:extLst>
+          </p:cNvPr>
+          <p:cNvSpPr>
+            <a:spLocks noGrp="1"/>
+          </p:cNvSpPr>
+          <p:nvPr>
+            <p:ph type="dt" sz="half" idx="2"/>
+          </p:nvPr>
+        </p:nvSpPr>
+        <p:spPr>
+          <a:xfrm>
+            <a:off x="838200" y="6356350"/>
+            <a:ext cx="2743200" cy="365125"/>
+          </a:xfrm>
+          <a:prstGeom prst="rect">
+            <a:avLst/>
+          </a:prstGeom>
+        </p:spPr>
+        <p:txBody>
+          <a:bodyPr vert="horz" lIns="91440" tIns="45720" rIns="91440" bIns="45720" rtlCol="0" anchor="ctr"/>
+          <a:lstStyle>
+            <a:lvl1pPr algn="l">
+              <a:defRPr sz="1200">
+                <a:solidFill>
+                  <a:schemeClr val="tx1">
+                    <a:tint val="75000"/>
+                  </a:schemeClr>
+                </a:solidFill>
+              </a:defRPr>
+            </a:lvl1pPr>
+          </a:lstStyle>
+          <a:p>
+            <a:fld id="{DCF04831-FE79-4C48-8B5F-6128F6AE010B}" type="datetimeFigureOut">
+              <a:rPr lang="en-US" smtClean="0"/>
+              <a:t>10/4/19</a:t>
+            </a:fld>
+            <a:endParaRPr lang="en-US"/>
+          </a:p>
+        </p:txBody>
+      </p:sp>
+      <p:sp>
+        <p:nvSpPr>
+          <p:cNvPr id="5" name="Footer Placeholder 4">
+            <a:extLst>
+              <a:ext uri="{FF2B5EF4-FFF2-40B4-BE49-F238E27FC236}">
+                <a16:creationId xmlns:a16="http://schemas.microsoft.com/office/drawing/2014/main" id="{4162E5C0-191E-D344-BC71-4476370D6CC1}"/>
+              </a:ext>
+            </a:extLst>
+          </p:cNvPr>
+          <p:cNvSpPr>
+            <a:spLocks noGrp="1"/>
+          </p:cNvSpPr>
+          <p:nvPr>
+            <p:ph type="ftr" sz="quarter" idx="3"/>
+          </p:nvPr>
+        </p:nvSpPr>
+        <p:spPr>
+          <a:xfrm>
+            <a:off x="4038600" y="6356350"/>
+            <a:ext cx="4114800" cy="365125"/>
+          </a:xfrm>
+          <a:prstGeom prst="rect">
+            <a:avLst/>
+          </a:prstGeom>
+        </p:spPr>
+        <p:txBody>
+          <a:bodyPr vert="horz" lIns="91440" tIns="45720" rIns="91440" bIns="45720" rtlCol="0" anchor="ctr"/>
+          <a:lstStyle>
+            <a:lvl1pPr algn="ctr">
+              <a:defRPr sz="1200">
+                <a:solidFill>
+                  <a:schemeClr val="tx1">
+                    <a:tint val="75000"/>
+                  </a:schemeClr>
+                </a:solidFill>
+              </a:defRPr>
+            </a:lvl1pPr>
+          </a:lstStyle>
+          <a:p>
+            <a:endParaRPr lang="en-US"/>
+          </a:p>
+        </p:txBody>
+      </p:sp>
+      <p:sp>
+        <p:nvSpPr>
+          <p:cNvPr id="6" name="Slide Number Placeholder 5">
+            <a:extLst>
+              <a:ext uri="{FF2B5EF4-FFF2-40B4-BE49-F238E27FC236}">
+                <a16:creationId xmlns:a16="http://schemas.microsoft.com/office/drawing/2014/main" id="{9C3D6F74-F2FF-7347-AC4D-ED84DEC82A36}"/>
+              </a:ext>
+            </a:extLst>
+          </p:cNvPr>
+          <p:cNvSpPr>
+            <a:spLocks noGrp="1"/>
+          </p:cNvSpPr>
+          <p:nvPr>
+            <p:ph type="sldNum" sz="quarter" idx="4"/>
+          </p:nvPr>
+        </p:nvSpPr>
+        <p:spPr>
+          <a:xfrm>
+            <a:off x="8610600" y="6356350"/>
+            <a:ext cx="2743200" cy="365125"/>
+          </a:xfrm>
+          <a:prstGeom prst="rect">
+            <a:avLst/>
+          </a:prstGeom>
+        </p:spPr>
+        <p:txBody>
+          <a:bodyPr vert="horz" lIns="91440" tIns="45720" rIns="91440" bIns="45720" rtlCol="0" anchor="ctr"/>
+          <a:lstStyle>
+            <a:lvl1pPr algn="r">
+              <a:defRPr sz="1200">
+                <a:solidFill>
+                  <a:schemeClr val="tx1">
+                    <a:tint val="75000"/>
+                  </a:schemeClr>
+                </a:solidFill>
+              </a:defRPr>
+            </a:lvl1pPr>
+          </a:lstStyle>
+          <a:p>
+            <a:fld id="{C31BBD4C-C861-D646-B95A-46A5F141E02A}" type="slidenum">
+              <a:rPr lang="en-US" smtClean="0"/>
+              <a:t>‹#›</a:t>
+            </a:fld>
+            <a:endParaRPr lang="en-US"/>
+          </a:p>
+        </p:txBody>
+      </p:sp>
+    </p:spTree>
+    <p:extLst>
+      <p:ext uri="{BB962C8B-B14F-4D97-AF65-F5344CB8AC3E}">
+        <p14:creationId xmlns:p14="http://schemas.microsoft.com/office/powerpoint/2010/main" val="3293431882"/>
+      </p:ext>
+    </p:extLst>
+  </p:cSld>
+  <p:clrMap bg1="lt1" tx1="dk1" bg2="lt2" tx2="dk2" accent1="accent1" accent2="accent2" accent3="accent3" accent4="accent4" accent5="accent5" accent6="accent6" hlink="hlink" folHlink="folHlink"/>
+  <p:sldLayoutIdLst>
+    <p:sldLayoutId id="2147483673" r:id="rId1"/>
+    <p:sldLayoutId id="2147483674" r:id="rId2"/>
+    <p:sldLayoutId id="2147483675" r:id="rId3"/>
+    <p:sldLayoutId id="2147483676" r:id="rId4"/>
+    <p:sldLayoutId id="2147483677" r:id="rId5"/>
+    <p:sldLayoutId id="2147483678" r:id="rId6"/>
+    <p:sldLayoutId id="2147483679" r:id="rId7"/>
+    <p:sldLayoutId id="2147483680" r:id="rId8"/>
+    <p:sldLayoutId id="2147483681" r:id="rId9"/>
+    <p:sldLayoutId id="2147483682" r:id="rId10"/>
+    <p:sldLayoutId id="2147483683" r:id="rId11"/>
+    <p:sldLayoutId id="2147483684" r:id="rId12"/>
+  </p:sldLayoutIdLst>
+  <p:txStyles>
+    <p:titleStyle>
+      <a:lvl1pPr algn="l" defTabSz="914400" rtl="0" eaLnBrk="1" latinLnBrk="0" hangingPunct="1">
+        <a:lnSpc>
+          <a:spcPct val="90000"/>
+        </a:lnSpc>
+        <a:spcBef>
+          <a:spcPct val="0"/>
+        </a:spcBef>
+        <a:buNone/>
+        <a:defRPr sz="4400" kern="1200">
+          <a:solidFill>
+            <a:schemeClr val="tx1"/>
+          </a:solidFill>
+          <a:latin typeface="+mj-lt"/>
+          <a:ea typeface="+mj-ea"/>
+          <a:cs typeface="+mj-cs"/>
+        </a:defRPr>
+      </a:lvl1pPr>
+    </p:titleStyle>
+    <p:bodyStyle>
+      <a:lvl1pPr marL="228600" indent="-228600" algn="l" defTabSz="914400" rtl="0" eaLnBrk="1" latinLnBrk="0" hangingPunct="1">
+        <a:lnSpc>
+          <a:spcPct val="90000"/>
+        </a:lnSpc>
+        <a:spcBef>
+          <a:spcPts val="1000"/>
+        </a:spcBef>
+        <a:buFont typeface="Arial" panose="020B0604020202020204" pitchFamily="34" charset="0"/>
+        <a:buChar char="•"/>
+        <a:defRPr sz="2800" kern="1200">
+          <a:solidFill>
+            <a:schemeClr val="tx1"/>
+          </a:solidFill>
+          <a:latin typeface="+mn-lt"/>
+          <a:ea typeface="+mn-ea"/>
+          <a:cs typeface="+mn-cs"/>
+        </a:defRPr>
+      </a:lvl1pPr>
+      <a:lvl2pPr marL="685800" indent="-228600" algn="l" defTabSz="914400" rtl="0" eaLnBrk="1" latinLnBrk="0" hangingPunct="1">
+        <a:lnSpc>
+          <a:spcPct val="90000"/>
+        </a:lnSpc>
+        <a:spcBef>
+          <a:spcPts val="500"/>
+        </a:spcBef>
+        <a:buFont typeface="Arial" panose="020B0604020202020204" pitchFamily="34" charset="0"/>
+        <a:buChar char="•"/>
+        <a:defRPr sz="2400" kern="1200">
+          <a:solidFill>
+            <a:schemeClr val="tx1"/>
+          </a:solidFill>
+          <a:latin typeface="+mn-lt"/>
+          <a:ea typeface="+mn-ea"/>
+          <a:cs typeface="+mn-cs"/>
+        </a:defRPr>
+      </a:lvl2pPr>
+      <a:lvl3pPr marL="1143000" indent="-228600" algn="l" defTabSz="914400" rtl="0" eaLnBrk="1" latinLnBrk="0" hangingPunct="1">
+        <a:lnSpc>
+          <a:spcPct val="90000"/>
+        </a:lnSpc>
+        <a:spcBef>
+          <a:spcPts val="500"/>
+        </a:spcBef>
+        <a:buFont typeface="Arial" panose="020B0604020202020204" pitchFamily="34" charset="0"/>
+        <a:buChar char="•"/>
+        <a:defRPr sz="2000" kern="1200">
+          <a:solidFill>
+            <a:schemeClr val="tx1"/>
+          </a:solidFill>
+          <a:latin typeface="+mn-lt"/>
+          <a:ea typeface="+mn-ea"/>
+          <a:cs typeface="+mn-cs"/>
+        </a:defRPr>
+      </a:lvl3pPr>
+      <a:lvl4pPr marL="1600200" indent="-228600" algn="l" defTabSz="914400" rtl="0" eaLnBrk="1" latinLnBrk="0" hangingPunct="1">
+        <a:lnSpc>
+          <a:spcPct val="90000"/>
+        </a:lnSpc>
+        <a:spcBef>
+          <a:spcPts val="500"/>
+        </a:spcBef>
+        <a:buFont typeface="Arial" panose="020B0604020202020204" pitchFamily="34" charset="0"/>
+        <a:buChar char="•"/>
+        <a:defRPr sz="1800" kern="1200">
+          <a:solidFill>
+            <a:schemeClr val="tx1"/>
+          </a:solidFill>
+          <a:latin typeface="+mn-lt"/>
+          <a:ea typeface="+mn-ea"/>
+          <a:cs typeface="+mn-cs"/>
+        </a:defRPr>
+      </a:lvl4pPr>
+      <a:lvl5pPr marL="2057400" indent="-228600" algn="l" defTabSz="914400" rtl="0" eaLnBrk="1" latinLnBrk="0" hangingPunct="1">
+        <a:lnSpc>
+          <a:spcPct val="90000"/>
+        </a:lnSpc>
+        <a:spcBef>
+          <a:spcPts val="500"/>
+        </a:spcBef>
+        <a:buFont typeface="Arial" panose="020B0604020202020204" pitchFamily="34" charset="0"/>
+        <a:buChar char="•"/>
+        <a:defRPr sz="1800" kern="1200">
+          <a:solidFill>
+            <a:schemeClr val="tx1"/>
+          </a:solidFill>
+          <a:latin typeface="+mn-lt"/>
+          <a:ea typeface="+mn-ea"/>
+          <a:cs typeface="+mn-cs"/>
+        </a:defRPr>
+      </a:lvl5pPr>
+      <a:lvl6pPr marL="2514600" indent="-228600" algn="l" defTabSz="914400" rtl="0" eaLnBrk="1" latinLnBrk="0" hangingPunct="1">
+        <a:lnSpc>
+          <a:spcPct val="90000"/>
+        </a:lnSpc>
+        <a:spcBef>
+          <a:spcPts val="500"/>
+        </a:spcBef>
+        <a:buFont typeface="Arial" panose="020B0604020202020204" pitchFamily="34" charset="0"/>
+        <a:buChar char="•"/>
+        <a:defRPr sz="1800" kern="1200">
+          <a:solidFill>
+            <a:schemeClr val="tx1"/>
+          </a:solidFill>
+          <a:latin typeface="+mn-lt"/>
+          <a:ea typeface="+mn-ea"/>
+          <a:cs typeface="+mn-cs"/>
+        </a:defRPr>
+      </a:lvl6pPr>
+      <a:lvl7pPr marL="2971800" indent="-228600" algn="l" defTabSz="914400" rtl="0" eaLnBrk="1" latinLnBrk="0" hangingPunct="1">
+        <a:lnSpc>
+          <a:spcPct val="90000"/>
+        </a:lnSpc>
+        <a:spcBef>
+          <a:spcPts val="500"/>
+        </a:spcBef>
+        <a:buFont typeface="Arial" panose="020B0604020202020204" pitchFamily="34" charset="0"/>
+        <a:buChar char="•"/>
+        <a:defRPr sz="1800" kern="1200">
+          <a:solidFill>
+            <a:schemeClr val="tx1"/>
+          </a:solidFill>
+          <a:latin typeface="+mn-lt"/>
+          <a:ea typeface="+mn-ea"/>
+          <a:cs typeface="+mn-cs"/>
+        </a:defRPr>
+      </a:lvl7pPr>
+      <a:lvl8pPr marL="3429000" indent="-228600" algn="l" defTabSz="914400" rtl="0" eaLnBrk="1" latinLnBrk="0" hangingPunct="1">
+        <a:lnSpc>
+          <a:spcPct val="90000"/>
+        </a:lnSpc>
+        <a:spcBef>
+          <a:spcPts val="500"/>
+        </a:spcBef>
+        <a:buFont typeface="Arial" panose="020B0604020202020204" pitchFamily="34" charset="0"/>
+        <a:buChar char="•"/>
+        <a:defRPr sz="1800" kern="1200">
+          <a:solidFill>
+            <a:schemeClr val="tx1"/>
+          </a:solidFill>
+          <a:latin typeface="+mn-lt"/>
+          <a:ea typeface="+mn-ea"/>
+          <a:cs typeface="+mn-cs"/>
+        </a:defRPr>
+      </a:lvl8pPr>
+      <a:lvl9pPr marL="3886200" indent="-228600" algn="l" defTabSz="914400" rtl="0" eaLnBrk="1" latinLnBrk="0" hangingPunct="1">
+        <a:lnSpc>
+          <a:spcPct val="90000"/>
+        </a:lnSpc>
+        <a:spcBef>
+          <a:spcPts val="500"/>
+        </a:spcBef>
+        <a:buFont typeface="Arial" panose="020B0604020202020204" pitchFamily="34" charset="0"/>
+        <a:buChar char="•"/>
+        <a:defRPr sz="1800" kern="1200">
+          <a:solidFill>
+            <a:schemeClr val="tx1"/>
+          </a:solidFill>
+          <a:latin typeface="+mn-lt"/>
+          <a:ea typeface="+mn-ea"/>
+          <a:cs typeface="+mn-cs"/>
+        </a:defRPr>
+      </a:lvl9pPr>
+    </p:bodyStyle>
+    <p:otherStyle>
+      <a:defPPr>
+        <a:defRPr lang="en-US"/>
+      </a:defPPr>
+      <a:lvl1pPr marL="0" algn="l" defTabSz="914400" rtl="0" eaLnBrk="1" latinLnBrk="0" hangingPunct="1">
+        <a:defRPr sz="1800" kern="1200">
+          <a:solidFill>
+            <a:schemeClr val="tx1"/>
+          </a:solidFill>
+          <a:latin typeface="+mn-lt"/>
+          <a:ea typeface="+mn-ea"/>
+          <a:cs typeface="+mn-cs"/>
+        </a:defRPr>
+      </a:lvl1pPr>
+      <a:lvl2pPr marL="457200" algn="l" defTabSz="914400" rtl="0" eaLnBrk="1" latinLnBrk="0" hangingPunct="1">
+        <a:defRPr sz="1800" kern="1200">
+          <a:solidFill>
+            <a:schemeClr val="tx1"/>
+          </a:solidFill>
+          <a:latin typeface="+mn-lt"/>
+          <a:ea typeface="+mn-ea"/>
+          <a:cs typeface="+mn-cs"/>
+        </a:defRPr>
+      </a:lvl2pPr>
+      <a:lvl3pPr marL="914400" algn="l" defTabSz="914400" rtl="0" eaLnBrk="1" latinLnBrk="0" hangingPunct="1">
+        <a:defRPr sz="1800" kern="1200">
+          <a:solidFill>
+            <a:schemeClr val="tx1"/>
+          </a:solidFill>
+          <a:latin typeface="+mn-lt"/>
+          <a:ea typeface="+mn-ea"/>
+          <a:cs typeface="+mn-cs"/>
+        </a:defRPr>
+      </a:lvl3pPr>
+      <a:lvl4pPr marL="1371600" algn="l" defTabSz="914400" rtl="0" eaLnBrk="1" latinLnBrk="0" hangingPunct="1">
+        <a:defRPr sz="1800" kern="1200">
+          <a:solidFill>
+            <a:schemeClr val="tx1"/>
+          </a:solidFill>
+          <a:latin typeface="+mn-lt"/>
+          <a:ea typeface="+mn-ea"/>
+          <a:cs typeface="+mn-cs"/>
+        </a:defRPr>
+      </a:lvl4pPr>
+      <a:lvl5pPr marL="1828800" algn="l" defTabSz="914400" rtl="0" eaLnBrk="1" latinLnBrk="0" hangingPunct="1">
+        <a:defRPr sz="1800" kern="1200">
+          <a:solidFill>
+            <a:schemeClr val="tx1"/>
+          </a:solidFill>
+          <a:latin typeface="+mn-lt"/>
+          <a:ea typeface="+mn-ea"/>
+          <a:cs typeface="+mn-cs"/>
+        </a:defRPr>
+      </a:lvl5pPr>
+      <a:lvl6pPr marL="2286000" algn="l" defTabSz="914400" rtl="0" eaLnBrk="1" latinLnBrk="0" hangingPunct="1">
+        <a:defRPr sz="1800" kern="1200">
+          <a:solidFill>
+            <a:schemeClr val="tx1"/>
+          </a:solidFill>
+          <a:latin typeface="+mn-lt"/>
+          <a:ea typeface="+mn-ea"/>
+          <a:cs typeface="+mn-cs"/>
+        </a:defRPr>
+      </a:lvl6pPr>
+      <a:lvl7pPr marL="2743200" algn="l" defTabSz="914400" rtl="0" eaLnBrk="1" latinLnBrk="0" hangingPunct="1">
+        <a:defRPr sz="1800" kern="1200">
+          <a:solidFill>
+            <a:schemeClr val="tx1"/>
+          </a:solidFill>
+          <a:latin typeface="+mn-lt"/>
+          <a:ea typeface="+mn-ea"/>
+          <a:cs typeface="+mn-cs"/>
+        </a:defRPr>
+      </a:lvl7pPr>
+      <a:lvl8pPr marL="3200400" algn="l" defTabSz="914400" rtl="0" eaLnBrk="1" latinLnBrk="0" hangingPunct="1">
+        <a:defRPr sz="1800" kern="1200">
+          <a:solidFill>
+            <a:schemeClr val="tx1"/>
+          </a:solidFill>
+          <a:latin typeface="+mn-lt"/>
+          <a:ea typeface="+mn-ea"/>
+          <a:cs typeface="+mn-cs"/>
+        </a:defRPr>
+      </a:lvl8pPr>
+      <a:lvl9pPr marL="3657600" algn="l" defTabSz="914400" rtl="0" eaLnBrk="1" latinLnBrk="0" hangingPunct="1">
+        <a:defRPr sz="1800" kern="1200">
+          <a:solidFill>
+            <a:schemeClr val="tx1"/>
+          </a:solidFill>
+          <a:latin typeface="+mn-lt"/>
+          <a:ea typeface="+mn-ea"/>
+          <a:cs typeface="+mn-cs"/>
+        </a:defRPr>
+      </a:lvl9pPr>
+    </p:otherStyle>
+  </p:txStyles>
 </p:sldMaster>
 </file>
 
@@ -17756,158 +23666,6 @@
           <a:p>
             <a:r>
               <a:rPr lang="en-US" dirty="0"/>
-              <a:t>An Example GAN training using </a:t>
-            </a:r>
-            <a:r>
-              <a:rPr lang="en-US" dirty="0">
-                <a:hlinkClick r:id="rId4"/>
-              </a:rPr>
-              <a:t>CNTK</a:t>
-            </a:r>
-            <a:endParaRPr lang="en-US" dirty="0"/>
-          </a:p>
-        </p:txBody>
-      </p:sp>
-      <p:graphicFrame>
-        <p:nvGraphicFramePr>
-          <p:cNvPr id="3" name="Object 2"/>
-          <p:cNvGraphicFramePr>
-            <a:graphicFrameLocks noChangeAspect="1"/>
-          </p:cNvGraphicFramePr>
-          <p:nvPr>
-            <p:extLst>
-              <p:ext uri="{D42A27DB-BD31-4B8C-83A1-F6EECF244321}">
-                <p14:modId xmlns:p14="http://schemas.microsoft.com/office/powerpoint/2010/main" val="3861929643"/>
-              </p:ext>
-            </p:extLst>
-          </p:nvPr>
-        </p:nvGraphicFramePr>
-        <p:xfrm>
-          <a:off x="6597650" y="1495001"/>
-          <a:ext cx="5594350" cy="5099050"/>
-        </p:xfrm>
-        <a:graphic>
-          <a:graphicData uri="http://schemas.openxmlformats.org/presentationml/2006/ole">
-            <mc:AlternateContent xmlns:mc="http://schemas.openxmlformats.org/markup-compatibility/2006">
-              <mc:Choice xmlns:v="urn:schemas-microsoft-com:vml" Requires="v">
-                <p:oleObj spid="_x0000_s1071" name="Bitmap Image" r:id="rId5" imgW="5594400" imgH="5099040" progId="Paint.Picture">
-                  <p:embed/>
-                </p:oleObj>
-              </mc:Choice>
-              <mc:Fallback>
-                <p:oleObj name="Bitmap Image" r:id="rId5" imgW="5594400" imgH="5099040" progId="Paint.Picture">
-                  <p:embed/>
-                  <p:pic>
-                    <p:nvPicPr>
-                      <p:cNvPr id="0" name=""/>
-                      <p:cNvPicPr/>
-                      <p:nvPr/>
-                    </p:nvPicPr>
-                    <p:blipFill>
-                      <a:blip r:embed="rId6"/>
-                      <a:stretch>
-                        <a:fillRect/>
-                      </a:stretch>
-                    </p:blipFill>
-                    <p:spPr>
-                      <a:xfrm>
-                        <a:off x="6597650" y="1495001"/>
-                        <a:ext cx="5594350" cy="5099050"/>
-                      </a:xfrm>
-                      <a:prstGeom prst="rect">
-                        <a:avLst/>
-                      </a:prstGeom>
-                    </p:spPr>
-                  </p:pic>
-                </p:oleObj>
-              </mc:Fallback>
-            </mc:AlternateContent>
-          </a:graphicData>
-        </a:graphic>
-      </p:graphicFrame>
-      <p:pic>
-        <p:nvPicPr>
-          <p:cNvPr id="4" name="Picture 3"/>
-          <p:cNvPicPr>
-            <a:picLocks noChangeAspect="1"/>
-          </p:cNvPicPr>
-          <p:nvPr/>
-        </p:nvPicPr>
-        <p:blipFill>
-          <a:blip r:embed="rId7"/>
-          <a:stretch>
-            <a:fillRect/>
-          </a:stretch>
-        </p:blipFill>
-        <p:spPr>
-          <a:xfrm>
-            <a:off x="587148" y="1459653"/>
-            <a:ext cx="5508852" cy="5123504"/>
-          </a:xfrm>
-          <a:prstGeom prst="rect">
-            <a:avLst/>
-          </a:prstGeom>
-        </p:spPr>
-      </p:pic>
-    </p:spTree>
-    <p:extLst>
-      <p:ext uri="{BB962C8B-B14F-4D97-AF65-F5344CB8AC3E}">
-        <p14:creationId xmlns:p14="http://schemas.microsoft.com/office/powerpoint/2010/main" val="1686586850"/>
-      </p:ext>
-    </p:extLst>
-  </p:cSld>
-  <p:clrMapOvr>
-    <a:masterClrMapping/>
-  </p:clrMapOvr>
-  <mc:AlternateContent xmlns:mc="http://schemas.openxmlformats.org/markup-compatibility/2006" xmlns:p14="http://schemas.microsoft.com/office/powerpoint/2010/main">
-    <mc:Choice Requires="p14">
-      <p:transition spd="med" p14:dur="700">
-        <p:fade/>
-      </p:transition>
-    </mc:Choice>
-    <mc:Fallback xmlns="">
-      <p:transition spd="med">
-        <p:fade/>
-      </p:transition>
-    </mc:Fallback>
-  </mc:AlternateContent>
-</p:sld>
-</file>
-
-<file path=ppt/slides/slide23.xml><?xml version="1.0" encoding="utf-8"?>
-<p:sld xmlns:a="http://schemas.openxmlformats.org/drawingml/2006/main" xmlns:r="http://schemas.openxmlformats.org/officeDocument/2006/relationships" xmlns:p="http://schemas.openxmlformats.org/presentationml/2006/main">
-  <p:cSld>
-    <p:spTree>
-      <p:nvGrpSpPr>
-        <p:cNvPr id="1" name=""/>
-        <p:cNvGrpSpPr/>
-        <p:nvPr/>
-      </p:nvGrpSpPr>
-      <p:grpSpPr>
-        <a:xfrm>
-          <a:off x="0" y="0"/>
-          <a:ext cx="0" cy="0"/>
-          <a:chOff x="0" y="0"/>
-          <a:chExt cx="0" cy="0"/>
-        </a:xfrm>
-      </p:grpSpPr>
-      <p:sp>
-        <p:nvSpPr>
-          <p:cNvPr id="2" name="Title 1"/>
-          <p:cNvSpPr>
-            <a:spLocks noGrp="1"/>
-          </p:cNvSpPr>
-          <p:nvPr>
-            <p:ph type="title"/>
-          </p:nvPr>
-        </p:nvSpPr>
-        <p:spPr/>
-        <p:txBody>
-          <a:bodyPr/>
-          <a:lstStyle/>
-          <a:p>
-            <a:r>
-              <a:rPr lang="en-US" dirty="0"/>
               <a:t>Real World Use Cases for GANs</a:t>
             </a:r>
           </a:p>
@@ -18008,7 +23766,7 @@
 </p:sld>
 </file>
 
-<file path=ppt/slides/slide24.xml><?xml version="1.0" encoding="utf-8"?>
+<file path=ppt/slides/slide23.xml><?xml version="1.0" encoding="utf-8"?>
 <p:sld xmlns:a="http://schemas.openxmlformats.org/drawingml/2006/main" xmlns:r="http://schemas.openxmlformats.org/officeDocument/2006/relationships" xmlns:p="http://schemas.openxmlformats.org/presentationml/2006/main">
   <p:cSld>
     <p:spTree>
@@ -18379,7 +24137,7 @@
 </p:sld>
 </file>
 
-<file path=ppt/slides/slide25.xml><?xml version="1.0" encoding="utf-8"?>
+<file path=ppt/slides/slide24.xml><?xml version="1.0" encoding="utf-8"?>
 <p:sld xmlns:a="http://schemas.openxmlformats.org/drawingml/2006/main" xmlns:r="http://schemas.openxmlformats.org/officeDocument/2006/relationships" xmlns:p="http://schemas.openxmlformats.org/presentationml/2006/main">
   <p:cSld>
     <p:spTree>
@@ -18490,7 +24248,7 @@
 </p:sld>
 </file>
 
-<file path=ppt/slides/slide26.xml><?xml version="1.0" encoding="utf-8"?>
+<file path=ppt/slides/slide25.xml><?xml version="1.0" encoding="utf-8"?>
 <p:sld xmlns:a="http://schemas.openxmlformats.org/drawingml/2006/main" xmlns:r="http://schemas.openxmlformats.org/officeDocument/2006/relationships" xmlns:p="http://schemas.openxmlformats.org/presentationml/2006/main">
   <p:cSld>
     <p:spTree>
@@ -18664,7 +24422,7 @@
 </p:sld>
 </file>
 
-<file path=ppt/slides/slide27.xml><?xml version="1.0" encoding="utf-8"?>
+<file path=ppt/slides/slide26.xml><?xml version="1.0" encoding="utf-8"?>
 <p:sld xmlns:a="http://schemas.openxmlformats.org/drawingml/2006/main" xmlns:r="http://schemas.openxmlformats.org/officeDocument/2006/relationships" xmlns:p="http://schemas.openxmlformats.org/presentationml/2006/main">
   <p:cSld>
     <p:spTree>
@@ -18813,7 +24571,7 @@
 </p:sld>
 </file>
 
-<file path=ppt/slides/slide28.xml><?xml version="1.0" encoding="utf-8"?>
+<file path=ppt/slides/slide27.xml><?xml version="1.0" encoding="utf-8"?>
 <p:sld xmlns:a="http://schemas.openxmlformats.org/drawingml/2006/main" xmlns:r="http://schemas.openxmlformats.org/officeDocument/2006/relationships" xmlns:p="http://schemas.openxmlformats.org/presentationml/2006/main">
   <p:cSld>
     <p:spTree>
@@ -19322,7 +25080,7 @@
 </p:sld>
 </file>
 
-<file path=ppt/slides/slide29.xml><?xml version="1.0" encoding="utf-8"?>
+<file path=ppt/slides/slide28.xml><?xml version="1.0" encoding="utf-8"?>
 <p:sld xmlns:a="http://schemas.openxmlformats.org/drawingml/2006/main" xmlns:r="http://schemas.openxmlformats.org/officeDocument/2006/relationships" xmlns:p="http://schemas.openxmlformats.org/presentationml/2006/main">
   <p:cSld>
     <p:spTree>
@@ -19858,6 +25616,187 @@
       <p:bldP spid="4" grpId="0" uiExpand="1" build="p"/>
     </p:bldLst>
   </p:timing>
+</p:sld>
+</file>
+
+<file path=ppt/slides/slide29.xml><?xml version="1.0" encoding="utf-8"?>
+<p:sld xmlns:a="http://schemas.openxmlformats.org/drawingml/2006/main" xmlns:r="http://schemas.openxmlformats.org/officeDocument/2006/relationships" xmlns:p="http://schemas.openxmlformats.org/presentationml/2006/main">
+  <p:cSld>
+    <p:spTree>
+      <p:nvGrpSpPr>
+        <p:cNvPr id="1" name=""/>
+        <p:cNvGrpSpPr/>
+        <p:nvPr/>
+      </p:nvGrpSpPr>
+      <p:grpSpPr>
+        <a:xfrm>
+          <a:off x="0" y="0"/>
+          <a:ext cx="0" cy="0"/>
+          <a:chOff x="0" y="0"/>
+          <a:chExt cx="0" cy="0"/>
+        </a:xfrm>
+      </p:grpSpPr>
+      <p:sp>
+        <p:nvSpPr>
+          <p:cNvPr id="2" name="Title 1"/>
+          <p:cNvSpPr>
+            <a:spLocks noGrp="1"/>
+          </p:cNvSpPr>
+          <p:nvPr>
+            <p:ph type="title"/>
+          </p:nvPr>
+        </p:nvSpPr>
+        <p:spPr/>
+        <p:txBody>
+          <a:bodyPr/>
+          <a:lstStyle/>
+          <a:p>
+            <a:r>
+              <a:rPr lang="en-US" dirty="0"/>
+              <a:t>Useful Links on GANs</a:t>
+            </a:r>
+          </a:p>
+        </p:txBody>
+      </p:sp>
+      <p:sp>
+        <p:nvSpPr>
+          <p:cNvPr id="3" name="Content Placeholder 2"/>
+          <p:cNvSpPr>
+            <a:spLocks noGrp="1"/>
+          </p:cNvSpPr>
+          <p:nvPr>
+            <p:ph idx="1"/>
+          </p:nvPr>
+        </p:nvSpPr>
+        <p:spPr>
+          <a:xfrm>
+            <a:off x="931015" y="1690688"/>
+            <a:ext cx="10515600" cy="4351338"/>
+          </a:xfrm>
+        </p:spPr>
+        <p:txBody>
+          <a:bodyPr>
+            <a:normAutofit fontScale="92500" lnSpcReduction="10000"/>
+          </a:bodyPr>
+          <a:lstStyle/>
+          <a:p>
+            <a:pPr marL="0" indent="0">
+              <a:buNone/>
+            </a:pPr>
+            <a:endParaRPr lang="en-US" dirty="0"/>
+          </a:p>
+          <a:p>
+            <a:r>
+              <a:rPr lang="en-US" dirty="0"/>
+              <a:t>Ian Goodfellow’s tutorial:</a:t>
+            </a:r>
+          </a:p>
+          <a:p>
+            <a:pPr lvl="1"/>
+            <a:r>
+              <a:rPr lang="en-US" dirty="0"/>
+              <a:t>Slides: </a:t>
+            </a:r>
+            <a:r>
+              <a:rPr lang="en-US" dirty="0">
+                <a:hlinkClick r:id="rId2"/>
+              </a:rPr>
+              <a:t>http://www.iangoodfellow.com/slides/2016-12-04-NIPS.pdf</a:t>
+            </a:r>
+            <a:endParaRPr lang="en-US" dirty="0"/>
+          </a:p>
+          <a:p>
+            <a:pPr lvl="1"/>
+            <a:r>
+              <a:rPr lang="en-US" dirty="0"/>
+              <a:t>Video: [</a:t>
+            </a:r>
+            <a:r>
+              <a:rPr lang="en-US" dirty="0">
+                <a:hlinkClick r:id="rId3"/>
+              </a:rPr>
+              <a:t>link</a:t>
+            </a:r>
+            <a:r>
+              <a:rPr lang="en-US" dirty="0"/>
+              <a:t>]</a:t>
+            </a:r>
+          </a:p>
+          <a:p>
+            <a:pPr lvl="1"/>
+            <a:r>
+              <a:rPr lang="en-US" dirty="0"/>
+              <a:t>It has 3 exercises with answers to help learn GANs!</a:t>
+            </a:r>
+          </a:p>
+          <a:p>
+            <a:pPr lvl="1"/>
+            <a:endParaRPr lang="en-US" dirty="0"/>
+          </a:p>
+          <a:p>
+            <a:r>
+              <a:rPr lang="en-US" dirty="0" err="1"/>
+              <a:t>OpenAI</a:t>
+            </a:r>
+            <a:r>
+              <a:rPr lang="en-US" dirty="0"/>
+              <a:t> website on Generative Models:</a:t>
+            </a:r>
+          </a:p>
+          <a:p>
+            <a:pPr lvl="1"/>
+            <a:r>
+              <a:rPr lang="en-US" dirty="0">
+                <a:hlinkClick r:id="rId4"/>
+              </a:rPr>
+              <a:t>https://openai.com/blog/generative-models/</a:t>
+            </a:r>
+            <a:endParaRPr lang="en-US" dirty="0"/>
+          </a:p>
+          <a:p>
+            <a:pPr lvl="1"/>
+            <a:endParaRPr lang="en-US" dirty="0"/>
+          </a:p>
+          <a:p>
+            <a:r>
+              <a:rPr lang="en-US" dirty="0"/>
+              <a:t>Several new advancements of GANs are posted on arxiv.org almost everyday: </a:t>
+            </a:r>
+            <a:r>
+              <a:rPr lang="en-US" dirty="0">
+                <a:hlinkClick r:id="rId5"/>
+              </a:rPr>
+              <a:t>www.arxiv.org</a:t>
+            </a:r>
+            <a:endParaRPr lang="en-US" dirty="0"/>
+          </a:p>
+          <a:p>
+            <a:endParaRPr lang="en-US" dirty="0"/>
+          </a:p>
+        </p:txBody>
+      </p:sp>
+    </p:spTree>
+    <p:extLst>
+      <p:ext uri="{BB962C8B-B14F-4D97-AF65-F5344CB8AC3E}">
+        <p14:creationId xmlns:p14="http://schemas.microsoft.com/office/powerpoint/2010/main" val="3233754612"/>
+      </p:ext>
+    </p:extLst>
+  </p:cSld>
+  <p:clrMapOvr>
+    <a:masterClrMapping/>
+  </p:clrMapOvr>
+  <mc:AlternateContent xmlns:mc="http://schemas.openxmlformats.org/markup-compatibility/2006" xmlns:p14="http://schemas.microsoft.com/office/powerpoint/2010/main">
+    <mc:Choice Requires="p14">
+      <p:transition spd="med" p14:dur="700">
+        <p:fade/>
+      </p:transition>
+    </mc:Choice>
+    <mc:Fallback xmlns="">
+      <p:transition spd="med">
+        <p:fade/>
+      </p:transition>
+    </mc:Fallback>
+  </mc:AlternateContent>
 </p:sld>
 </file>
 
@@ -21141,6 +27080,14 @@
 <file path=ppt/slides/slide30.xml><?xml version="1.0" encoding="utf-8"?>
 <p:sld xmlns:a="http://schemas.openxmlformats.org/drawingml/2006/main" xmlns:r="http://schemas.openxmlformats.org/officeDocument/2006/relationships" xmlns:p="http://schemas.openxmlformats.org/presentationml/2006/main">
   <p:cSld>
+    <p:bg>
+      <p:bgPr>
+        <a:solidFill>
+          <a:schemeClr val="bg1"/>
+        </a:solidFill>
+        <a:effectLst/>
+      </p:bgPr>
+    </p:bg>
     <p:spTree>
       <p:nvGrpSpPr>
         <p:cNvPr id="1" name=""/>
@@ -21157,7 +27104,386 @@
       </p:grpSpPr>
       <p:sp>
         <p:nvSpPr>
-          <p:cNvPr id="2" name="Title 1"/>
+          <p:cNvPr id="13" name="Rectangle 9">
+            <a:extLst>
+              <a:ext uri="{FF2B5EF4-FFF2-40B4-BE49-F238E27FC236}">
+                <a16:creationId xmlns:a16="http://schemas.microsoft.com/office/drawing/2014/main" id="{56C20283-73E0-40EC-8AD8-057F581F64C2}"/>
+              </a:ext>
+              <a:ext uri="{C183D7F6-B498-43B3-948B-1728B52AA6E4}">
+                <adec:decorative xmlns:adec="http://schemas.microsoft.com/office/drawing/2017/decorative" val="1"/>
+              </a:ext>
+            </a:extLst>
+          </p:cNvPr>
+          <p:cNvSpPr>
+            <a:spLocks noGrp="1" noRot="1" noChangeAspect="1" noMove="1" noResize="1" noEditPoints="1" noAdjustHandles="1" noChangeArrowheads="1" noChangeShapeType="1" noTextEdit="1"/>
+          </p:cNvSpPr>
+          <p:nvPr>
+            <p:extLst>
+              <p:ext uri="{386F3935-93C4-4BCD-93E2-E3B085C9AB24}">
+                <p16:designElem xmlns:p16="http://schemas.microsoft.com/office/powerpoint/2015/main" val="1"/>
+              </p:ext>
+            </p:extLst>
+          </p:nvPr>
+        </p:nvSpPr>
+        <p:spPr>
+          <a:xfrm>
+            <a:off x="1524" y="0"/>
+            <a:ext cx="12188952" cy="6858000"/>
+          </a:xfrm>
+          <a:prstGeom prst="rect">
+            <a:avLst/>
+          </a:prstGeom>
+          <a:solidFill>
+            <a:schemeClr val="tx1"/>
+          </a:solidFill>
+          <a:ln>
+            <a:noFill/>
+          </a:ln>
+        </p:spPr>
+        <p:style>
+          <a:lnRef idx="2">
+            <a:schemeClr val="accent1">
+              <a:shade val="50000"/>
+            </a:schemeClr>
+          </a:lnRef>
+          <a:fillRef idx="1">
+            <a:schemeClr val="accent1"/>
+          </a:fillRef>
+          <a:effectRef idx="0">
+            <a:schemeClr val="accent1"/>
+          </a:effectRef>
+          <a:fontRef idx="minor">
+            <a:schemeClr val="lt1"/>
+          </a:fontRef>
+        </p:style>
+        <p:txBody>
+          <a:bodyPr rtlCol="0" anchor="ctr"/>
+          <a:lstStyle/>
+          <a:p>
+            <a:pPr marL="0" marR="0" lvl="0" indent="0" algn="ctr" defTabSz="914400" rtl="0" eaLnBrk="1" fontAlgn="auto" latinLnBrk="0" hangingPunct="1">
+              <a:lnSpc>
+                <a:spcPct val="100000"/>
+              </a:lnSpc>
+              <a:spcBef>
+                <a:spcPts val="0"/>
+              </a:spcBef>
+              <a:spcAft>
+                <a:spcPts val="0"/>
+              </a:spcAft>
+              <a:buClrTx/>
+              <a:buSzTx/>
+              <a:buFontTx/>
+              <a:buNone/>
+              <a:tabLst/>
+              <a:defRPr/>
+            </a:pPr>
+            <a:endParaRPr kumimoji="0" lang="en-US" sz="1800" b="0" i="0" u="none" strike="noStrike" kern="1200" cap="none" spc="0" normalizeH="0" baseline="0" noProof="0">
+              <a:ln>
+                <a:noFill/>
+              </a:ln>
+              <a:solidFill>
+                <a:prstClr val="white"/>
+              </a:solidFill>
+              <a:effectLst/>
+              <a:uLnTx/>
+              <a:uFillTx/>
+              <a:latin typeface="Calibri" panose="020F0502020204030204"/>
+              <a:ea typeface="+mn-ea"/>
+              <a:cs typeface="+mn-cs"/>
+            </a:endParaRPr>
+          </a:p>
+        </p:txBody>
+      </p:sp>
+      <p:sp>
+        <p:nvSpPr>
+          <p:cNvPr id="12" name="Freeform 28">
+            <a:extLst>
+              <a:ext uri="{FF2B5EF4-FFF2-40B4-BE49-F238E27FC236}">
+                <a16:creationId xmlns:a16="http://schemas.microsoft.com/office/drawing/2014/main" id="{3FCC729B-E528-40C3-82D3-BA4375575E87}"/>
+              </a:ext>
+              <a:ext uri="{C183D7F6-B498-43B3-948B-1728B52AA6E4}">
+                <adec:decorative xmlns:adec="http://schemas.microsoft.com/office/drawing/2017/decorative" val="1"/>
+              </a:ext>
+            </a:extLst>
+          </p:cNvPr>
+          <p:cNvSpPr>
+            <a:spLocks noGrp="1" noRot="1" noChangeAspect="1" noMove="1" noResize="1" noEditPoints="1" noAdjustHandles="1" noChangeArrowheads="1" noChangeShapeType="1" noTextEdit="1"/>
+          </p:cNvSpPr>
+          <p:nvPr>
+            <p:extLst>
+              <p:ext uri="{386F3935-93C4-4BCD-93E2-E3B085C9AB24}">
+                <p16:designElem xmlns:p16="http://schemas.microsoft.com/office/powerpoint/2015/main" val="1"/>
+              </p:ext>
+            </p:extLst>
+          </p:nvPr>
+        </p:nvSpPr>
+        <p:spPr>
+          <a:xfrm flipH="1" flipV="1">
+            <a:off x="960120" y="0"/>
+            <a:ext cx="11218661" cy="6858000"/>
+          </a:xfrm>
+          <a:custGeom>
+            <a:avLst/>
+            <a:gdLst>
+              <a:gd name="connsiteX0" fmla="*/ 0 w 11218661"/>
+              <a:gd name="connsiteY0" fmla="*/ 0 h 6858000"/>
+              <a:gd name="connsiteX1" fmla="*/ 8042507 w 11218661"/>
+              <a:gd name="connsiteY1" fmla="*/ 0 h 6858000"/>
+              <a:gd name="connsiteX2" fmla="*/ 11218661 w 11218661"/>
+              <a:gd name="connsiteY2" fmla="*/ 6858000 h 6858000"/>
+              <a:gd name="connsiteX3" fmla="*/ 0 w 11218661"/>
+              <a:gd name="connsiteY3" fmla="*/ 6858000 h 6858000"/>
+            </a:gdLst>
+            <a:ahLst/>
+            <a:cxnLst>
+              <a:cxn ang="0">
+                <a:pos x="connsiteX0" y="connsiteY0"/>
+              </a:cxn>
+              <a:cxn ang="0">
+                <a:pos x="connsiteX1" y="connsiteY1"/>
+              </a:cxn>
+              <a:cxn ang="0">
+                <a:pos x="connsiteX2" y="connsiteY2"/>
+              </a:cxn>
+              <a:cxn ang="0">
+                <a:pos x="connsiteX3" y="connsiteY3"/>
+              </a:cxn>
+            </a:cxnLst>
+            <a:rect l="l" t="t" r="r" b="b"/>
+            <a:pathLst>
+              <a:path w="11218661" h="6858000">
+                <a:moveTo>
+                  <a:pt x="0" y="0"/>
+                </a:moveTo>
+                <a:lnTo>
+                  <a:pt x="8042507" y="0"/>
+                </a:lnTo>
+                <a:lnTo>
+                  <a:pt x="11218661" y="6858000"/>
+                </a:lnTo>
+                <a:lnTo>
+                  <a:pt x="0" y="6858000"/>
+                </a:lnTo>
+                <a:close/>
+              </a:path>
+            </a:pathLst>
+          </a:custGeom>
+          <a:solidFill>
+            <a:schemeClr val="bg1">
+              <a:lumMod val="85000"/>
+              <a:lumOff val="15000"/>
+              <a:alpha val="70000"/>
+            </a:schemeClr>
+          </a:solidFill>
+          <a:ln>
+            <a:noFill/>
+          </a:ln>
+        </p:spPr>
+        <p:style>
+          <a:lnRef idx="2">
+            <a:schemeClr val="accent1">
+              <a:shade val="50000"/>
+            </a:schemeClr>
+          </a:lnRef>
+          <a:fillRef idx="1">
+            <a:schemeClr val="accent1"/>
+          </a:fillRef>
+          <a:effectRef idx="0">
+            <a:schemeClr val="accent1"/>
+          </a:effectRef>
+          <a:fontRef idx="minor">
+            <a:schemeClr val="lt1"/>
+          </a:fontRef>
+        </p:style>
+        <p:txBody>
+          <a:bodyPr wrap="square" rtlCol="0" anchor="ctr">
+            <a:noAutofit/>
+          </a:bodyPr>
+          <a:lstStyle/>
+          <a:p>
+            <a:pPr marL="0" marR="0" lvl="0" indent="0" algn="ctr" defTabSz="914400" rtl="0" eaLnBrk="1" fontAlgn="auto" latinLnBrk="0" hangingPunct="1">
+              <a:lnSpc>
+                <a:spcPct val="100000"/>
+              </a:lnSpc>
+              <a:spcBef>
+                <a:spcPts val="0"/>
+              </a:spcBef>
+              <a:spcAft>
+                <a:spcPts val="0"/>
+              </a:spcAft>
+              <a:buClrTx/>
+              <a:buSzTx/>
+              <a:buFontTx/>
+              <a:buNone/>
+              <a:tabLst/>
+              <a:defRPr/>
+            </a:pPr>
+            <a:endParaRPr kumimoji="0" lang="en-US" sz="1800" b="0" i="0" u="none" strike="noStrike" kern="1200" cap="none" spc="0" normalizeH="0" baseline="0" noProof="0">
+              <a:ln>
+                <a:noFill/>
+              </a:ln>
+              <a:solidFill>
+                <a:prstClr val="white"/>
+              </a:solidFill>
+              <a:effectLst/>
+              <a:uLnTx/>
+              <a:uFillTx/>
+              <a:latin typeface="Calibri" panose="020F0502020204030204"/>
+              <a:ea typeface="+mn-ea"/>
+              <a:cs typeface="+mn-cs"/>
+            </a:endParaRPr>
+          </a:p>
+        </p:txBody>
+      </p:sp>
+      <p:sp>
+        <p:nvSpPr>
+          <p:cNvPr id="14" name="Freeform 26">
+            <a:extLst>
+              <a:ext uri="{FF2B5EF4-FFF2-40B4-BE49-F238E27FC236}">
+                <a16:creationId xmlns:a16="http://schemas.microsoft.com/office/drawing/2014/main" id="{58F1FB8D-1842-4A04-998D-6CF047AB2790}"/>
+              </a:ext>
+              <a:ext uri="{C183D7F6-B498-43B3-948B-1728B52AA6E4}">
+                <adec:decorative xmlns:adec="http://schemas.microsoft.com/office/drawing/2017/decorative" val="1"/>
+              </a:ext>
+            </a:extLst>
+          </p:cNvPr>
+          <p:cNvSpPr>
+            <a:spLocks noGrp="1" noRot="1" noChangeAspect="1" noMove="1" noResize="1" noEditPoints="1" noAdjustHandles="1" noChangeArrowheads="1" noChangeShapeType="1" noTextEdit="1"/>
+          </p:cNvSpPr>
+          <p:nvPr>
+            <p:extLst>
+              <p:ext uri="{386F3935-93C4-4BCD-93E2-E3B085C9AB24}">
+                <p16:designElem xmlns:p16="http://schemas.microsoft.com/office/powerpoint/2015/main" val="1"/>
+              </p:ext>
+            </p:extLst>
+          </p:nvPr>
+        </p:nvSpPr>
+        <p:spPr>
+          <a:xfrm flipH="1" flipV="1">
+            <a:off x="1420248" y="0"/>
+            <a:ext cx="10771752" cy="6858000"/>
+          </a:xfrm>
+          <a:custGeom>
+            <a:avLst/>
+            <a:gdLst>
+              <a:gd name="connsiteX0" fmla="*/ 0 w 10771752"/>
+              <a:gd name="connsiteY0" fmla="*/ 0 h 6858000"/>
+              <a:gd name="connsiteX1" fmla="*/ 7595598 w 10771752"/>
+              <a:gd name="connsiteY1" fmla="*/ 0 h 6858000"/>
+              <a:gd name="connsiteX2" fmla="*/ 10771752 w 10771752"/>
+              <a:gd name="connsiteY2" fmla="*/ 6858000 h 6858000"/>
+              <a:gd name="connsiteX3" fmla="*/ 0 w 10771752"/>
+              <a:gd name="connsiteY3" fmla="*/ 6858000 h 6858000"/>
+            </a:gdLst>
+            <a:ahLst/>
+            <a:cxnLst>
+              <a:cxn ang="0">
+                <a:pos x="connsiteX0" y="connsiteY0"/>
+              </a:cxn>
+              <a:cxn ang="0">
+                <a:pos x="connsiteX1" y="connsiteY1"/>
+              </a:cxn>
+              <a:cxn ang="0">
+                <a:pos x="connsiteX2" y="connsiteY2"/>
+              </a:cxn>
+              <a:cxn ang="0">
+                <a:pos x="connsiteX3" y="connsiteY3"/>
+              </a:cxn>
+            </a:cxnLst>
+            <a:rect l="l" t="t" r="r" b="b"/>
+            <a:pathLst>
+              <a:path w="10771752" h="6858000">
+                <a:moveTo>
+                  <a:pt x="0" y="0"/>
+                </a:moveTo>
+                <a:lnTo>
+                  <a:pt x="7595598" y="0"/>
+                </a:lnTo>
+                <a:lnTo>
+                  <a:pt x="10771752" y="6858000"/>
+                </a:lnTo>
+                <a:lnTo>
+                  <a:pt x="0" y="6858000"/>
+                </a:lnTo>
+                <a:close/>
+              </a:path>
+            </a:pathLst>
+          </a:custGeom>
+          <a:solidFill>
+            <a:schemeClr val="bg1">
+              <a:lumMod val="85000"/>
+              <a:lumOff val="15000"/>
+            </a:schemeClr>
+          </a:solidFill>
+          <a:ln>
+            <a:noFill/>
+          </a:ln>
+        </p:spPr>
+        <p:style>
+          <a:lnRef idx="2">
+            <a:schemeClr val="accent1">
+              <a:shade val="50000"/>
+            </a:schemeClr>
+          </a:lnRef>
+          <a:fillRef idx="1">
+            <a:schemeClr val="accent1"/>
+          </a:fillRef>
+          <a:effectRef idx="0">
+            <a:schemeClr val="accent1"/>
+          </a:effectRef>
+          <a:fontRef idx="minor">
+            <a:schemeClr val="lt1"/>
+          </a:fontRef>
+        </p:style>
+        <p:txBody>
+          <a:bodyPr wrap="square" rtlCol="0" anchor="ctr">
+            <a:noAutofit/>
+          </a:bodyPr>
+          <a:lstStyle/>
+          <a:p>
+            <a:pPr marL="0" marR="0" lvl="0" indent="0" algn="ctr" defTabSz="914400" rtl="0" eaLnBrk="1" fontAlgn="auto" latinLnBrk="0" hangingPunct="1">
+              <a:lnSpc>
+                <a:spcPct val="100000"/>
+              </a:lnSpc>
+              <a:spcBef>
+                <a:spcPts val="0"/>
+              </a:spcBef>
+              <a:spcAft>
+                <a:spcPts val="0"/>
+              </a:spcAft>
+              <a:buClrTx/>
+              <a:buSzTx/>
+              <a:buFontTx/>
+              <a:buNone/>
+              <a:tabLst/>
+              <a:defRPr/>
+            </a:pPr>
+            <a:endParaRPr kumimoji="0" lang="en-US" sz="1800" b="0" i="0" u="none" strike="noStrike" kern="1200" cap="none" spc="0" normalizeH="0" baseline="0" noProof="0">
+              <a:ln>
+                <a:noFill/>
+              </a:ln>
+              <a:solidFill>
+                <a:prstClr val="white"/>
+              </a:solidFill>
+              <a:effectLst/>
+              <a:uLnTx/>
+              <a:uFillTx/>
+              <a:latin typeface="Calibri" panose="020F0502020204030204"/>
+              <a:ea typeface="+mn-ea"/>
+              <a:cs typeface="+mn-cs"/>
+            </a:endParaRPr>
+          </a:p>
+        </p:txBody>
+      </p:sp>
+      <p:sp>
+        <p:nvSpPr>
+          <p:cNvPr id="2" name="Title 1">
+            <a:extLst>
+              <a:ext uri="{FF2B5EF4-FFF2-40B4-BE49-F238E27FC236}">
+                <a16:creationId xmlns:a16="http://schemas.microsoft.com/office/drawing/2014/main" id="{C601EAA8-C725-6C46-907F-E11F411C43DB}"/>
+              </a:ext>
+            </a:extLst>
+          </p:cNvPr>
           <p:cNvSpPr>
             <a:spLocks noGrp="1"/>
           </p:cNvSpPr>
@@ -21165,184 +27491,62 @@
             <p:ph type="title"/>
           </p:nvPr>
         </p:nvSpPr>
-        <p:spPr/>
-        <p:txBody>
-          <a:bodyPr/>
-          <a:lstStyle/>
-          <a:p>
-            <a:r>
-              <a:rPr lang="en-US" dirty="0"/>
-              <a:t>Useful Links on GANs</a:t>
-            </a:r>
-          </a:p>
-        </p:txBody>
-      </p:sp>
-      <p:sp>
-        <p:nvSpPr>
-          <p:cNvPr id="3" name="Content Placeholder 2"/>
-          <p:cNvSpPr>
-            <a:spLocks noGrp="1"/>
-          </p:cNvSpPr>
-          <p:nvPr>
-            <p:ph idx="1"/>
-          </p:nvPr>
-        </p:nvSpPr>
         <p:spPr>
           <a:xfrm>
-            <a:off x="931015" y="1690688"/>
-            <a:ext cx="10515600" cy="4351338"/>
+            <a:off x="4384039" y="365125"/>
+            <a:ext cx="7164493" cy="1325563"/>
           </a:xfrm>
         </p:spPr>
         <p:txBody>
           <a:bodyPr>
-            <a:normAutofit fontScale="85000" lnSpcReduction="20000"/>
+            <a:normAutofit/>
           </a:bodyPr>
           <a:lstStyle/>
           <a:p>
-            <a:pPr marL="0" indent="0">
-              <a:buNone/>
-            </a:pPr>
-            <a:endParaRPr lang="en-US" dirty="0"/>
-          </a:p>
-          <a:p>
-            <a:r>
-              <a:rPr lang="en-US" dirty="0"/>
-              <a:t>Basic GAN with CNTK [</a:t>
-            </a:r>
-            <a:r>
-              <a:rPr lang="en-US" dirty="0">
-                <a:hlinkClick r:id="rId2"/>
-              </a:rPr>
-              <a:t>link</a:t>
-            </a:r>
-            <a:r>
-              <a:rPr lang="en-US" dirty="0"/>
-              <a:t>]</a:t>
-            </a:r>
-          </a:p>
-          <a:p>
-            <a:endParaRPr lang="en-US" dirty="0"/>
-          </a:p>
-          <a:p>
-            <a:r>
-              <a:rPr lang="en-US" dirty="0"/>
-              <a:t>Ian </a:t>
-            </a:r>
-            <a:r>
-              <a:rPr lang="en-US" dirty="0" err="1"/>
-              <a:t>Goodfellow’s</a:t>
-            </a:r>
-            <a:r>
-              <a:rPr lang="en-US" dirty="0"/>
-              <a:t> tutorial:</a:t>
-            </a:r>
-          </a:p>
-          <a:p>
-            <a:pPr lvl="1"/>
-            <a:r>
-              <a:rPr lang="en-US" dirty="0"/>
-              <a:t>Slides: </a:t>
-            </a:r>
-            <a:r>
-              <a:rPr lang="en-US" dirty="0">
-                <a:hlinkClick r:id="rId3"/>
-              </a:rPr>
-              <a:t>http://www.iangoodfellow.com/slides/2016-12-04-NIPS.pdf</a:t>
-            </a:r>
-            <a:endParaRPr lang="en-US" dirty="0"/>
-          </a:p>
-          <a:p>
-            <a:pPr lvl="1"/>
-            <a:r>
-              <a:rPr lang="en-US" dirty="0"/>
-              <a:t>Video: [</a:t>
-            </a:r>
-            <a:r>
-              <a:rPr lang="en-US" dirty="0">
-                <a:hlinkClick r:id="rId4"/>
-              </a:rPr>
-              <a:t>link</a:t>
-            </a:r>
-            <a:r>
-              <a:rPr lang="en-US" dirty="0"/>
-              <a:t>]</a:t>
-            </a:r>
-          </a:p>
-          <a:p>
-            <a:pPr lvl="1"/>
-            <a:r>
-              <a:rPr lang="en-US" dirty="0"/>
-              <a:t>It has 3 exercises with answers to help learn GANs!</a:t>
-            </a:r>
-          </a:p>
-          <a:p>
-            <a:pPr lvl="1"/>
-            <a:endParaRPr lang="en-US" dirty="0"/>
-          </a:p>
-          <a:p>
-            <a:r>
-              <a:rPr lang="en-US" dirty="0" err="1"/>
-              <a:t>OpenAI</a:t>
-            </a:r>
-            <a:r>
-              <a:rPr lang="en-US" dirty="0"/>
-              <a:t> website on Generative Models:</a:t>
-            </a:r>
-          </a:p>
-          <a:p>
-            <a:pPr lvl="1"/>
-            <a:r>
-              <a:rPr lang="en-US" dirty="0">
-                <a:hlinkClick r:id="rId5"/>
-              </a:rPr>
-              <a:t>https://openai.com/blog/generative-models/</a:t>
-            </a:r>
-            <a:endParaRPr lang="en-US" dirty="0"/>
-          </a:p>
-          <a:p>
-            <a:pPr lvl="1"/>
-            <a:endParaRPr lang="en-US" dirty="0"/>
-          </a:p>
-          <a:p>
-            <a:r>
-              <a:rPr lang="en-US" dirty="0"/>
-              <a:t>Several new advancements of GANs are posted on arxiv.org almost everyday: </a:t>
-            </a:r>
-            <a:r>
-              <a:rPr lang="en-US" dirty="0">
-                <a:hlinkClick r:id="rId6"/>
-              </a:rPr>
-              <a:t>www.arxiv.org</a:t>
-            </a:r>
-            <a:endParaRPr lang="en-US" dirty="0"/>
-          </a:p>
-          <a:p>
+            <a:r>
+              <a:rPr lang="en-US"/>
+              <a:t>Q&amp;A</a:t>
+            </a:r>
             <a:endParaRPr lang="en-US" dirty="0"/>
           </a:p>
         </p:txBody>
       </p:sp>
+      <p:graphicFrame>
+        <p:nvGraphicFramePr>
+          <p:cNvPr id="5" name="Content Placeholder 2">
+            <a:extLst>
+              <a:ext uri="{FF2B5EF4-FFF2-40B4-BE49-F238E27FC236}">
+                <a16:creationId xmlns:a16="http://schemas.microsoft.com/office/drawing/2014/main" id="{57EE0868-CF8D-4D5A-A63A-11479E34EEE3}"/>
+              </a:ext>
+            </a:extLst>
+          </p:cNvPr>
+          <p:cNvGraphicFramePr>
+            <a:graphicFrameLocks noGrp="1"/>
+          </p:cNvGraphicFramePr>
+          <p:nvPr>
+            <p:ph idx="1"/>
+          </p:nvPr>
+        </p:nvGraphicFramePr>
+        <p:xfrm>
+          <a:off x="4387515" y="2022601"/>
+          <a:ext cx="7161017" cy="4154361"/>
+        </p:xfrm>
+        <a:graphic>
+          <a:graphicData uri="http://schemas.openxmlformats.org/drawingml/2006/diagram">
+            <dgm:relIds xmlns:dgm="http://schemas.openxmlformats.org/drawingml/2006/diagram" xmlns:r="http://schemas.openxmlformats.org/officeDocument/2006/relationships" r:dm="rId3" r:lo="rId4" r:qs="rId5" r:cs="rId6"/>
+          </a:graphicData>
+        </a:graphic>
+      </p:graphicFrame>
     </p:spTree>
     <p:extLst>
       <p:ext uri="{BB962C8B-B14F-4D97-AF65-F5344CB8AC3E}">
-        <p14:creationId xmlns:p14="http://schemas.microsoft.com/office/powerpoint/2010/main" val="3233754612"/>
+        <p14:creationId xmlns:p14="http://schemas.microsoft.com/office/powerpoint/2010/main" val="369920332"/>
       </p:ext>
     </p:extLst>
   </p:cSld>
   <p:clrMapOvr>
-    <a:masterClrMapping/>
+    <a:overrideClrMapping bg1="dk1" tx1="lt1" bg2="dk2" tx2="lt2" accent1="accent1" accent2="accent2" accent3="accent3" accent4="accent4" accent5="accent5" accent6="accent6" hlink="hlink" folHlink="folHlink"/>
   </p:clrMapOvr>
-  <mc:AlternateContent xmlns:mc="http://schemas.openxmlformats.org/markup-compatibility/2006" xmlns:p14="http://schemas.microsoft.com/office/powerpoint/2010/main">
-    <mc:Choice Requires="p14">
-      <p:transition spd="med" p14:dur="700">
-        <p:fade/>
-      </p:transition>
-    </mc:Choice>
-    <mc:Fallback xmlns="">
-      <p:transition spd="med">
-        <p:fade/>
-      </p:transition>
-    </mc:Fallback>
-  </mc:AlternateContent>
 </p:sld>
 </file>
 
@@ -29013,58 +35217,110 @@
 </file>
 
 <file path=ppt/theme/theme2.xml><?xml version="1.0" encoding="utf-8"?>
-<a:theme xmlns:a="http://schemas.openxmlformats.org/drawingml/2006/main" name="Office Theme">
+<a:theme xmlns:a="http://schemas.openxmlformats.org/drawingml/2006/main" name="1_Office Theme">
   <a:themeElements>
-    <a:clrScheme name="Ecology">
+    <a:clrScheme name="Office">
       <a:dk1>
-        <a:srgbClr val="4D3E2F"/>
+        <a:sysClr val="windowText" lastClr="000000"/>
       </a:dk1>
       <a:lt1>
         <a:sysClr val="window" lastClr="FFFFFF"/>
       </a:lt1>
       <a:dk2>
-        <a:srgbClr val="000000"/>
+        <a:srgbClr val="44546A"/>
       </a:dk2>
       <a:lt2>
-        <a:srgbClr val="DDDDDD"/>
+        <a:srgbClr val="E7E6E6"/>
       </a:lt2>
       <a:accent1>
-        <a:srgbClr val="8BAA00"/>
+        <a:srgbClr val="4472C4"/>
       </a:accent1>
       <a:accent2>
-        <a:srgbClr val="2A6CB2"/>
+        <a:srgbClr val="ED7D31"/>
       </a:accent2>
       <a:accent3>
-        <a:srgbClr val="795837"/>
+        <a:srgbClr val="A5A5A5"/>
       </a:accent3>
       <a:accent4>
-        <a:srgbClr val="D18316"/>
+        <a:srgbClr val="FFC000"/>
       </a:accent4>
       <a:accent5>
-        <a:srgbClr val="79B4F0"/>
+        <a:srgbClr val="5B9BD5"/>
       </a:accent5>
       <a:accent6>
-        <a:srgbClr val="CDC80F"/>
+        <a:srgbClr val="70AD47"/>
       </a:accent6>
       <a:hlink>
-        <a:srgbClr val="2A6CB2"/>
+        <a:srgbClr val="0563C1"/>
       </a:hlink>
       <a:folHlink>
-        <a:srgbClr val="808080"/>
+        <a:srgbClr val="954F72"/>
       </a:folHlink>
     </a:clrScheme>
-    <a:fontScheme name="Corbel">
+    <a:fontScheme name="Office">
       <a:majorFont>
-        <a:latin typeface="Corbel" panose="020B0503020204020204"/>
+        <a:latin typeface="Calibri Light" panose="020F0302020204030204"/>
         <a:ea typeface=""/>
         <a:cs typeface=""/>
-        <a:font script="Jpan" typeface="ＭＳ ゴシック"/>
+        <a:font script="Jpan" typeface="游ゴシック Light"/>
         <a:font script="Hang" typeface="맑은 고딕"/>
-        <a:font script="Hans" typeface="宋体"/>
+        <a:font script="Hans" typeface="等线 Light"/>
         <a:font script="Hant" typeface="新細明體"/>
-        <a:font script="Arab" typeface="Tahoma"/>
-        <a:font script="Hebr" typeface="Gisha"/>
-        <a:font script="Thai" typeface="DilleniaUPC"/>
+        <a:font script="Arab" typeface="Times New Roman"/>
+        <a:font script="Hebr" typeface="Times New Roman"/>
+        <a:font script="Thai" typeface="Angsana New"/>
+        <a:font script="Ethi" typeface="Nyala"/>
+        <a:font script="Beng" typeface="Vrinda"/>
+        <a:font script="Gujr" typeface="Shruti"/>
+        <a:font script="Khmr" typeface="MoolBoran"/>
+        <a:font script="Knda" typeface="Tunga"/>
+        <a:font script="Guru" typeface="Raavi"/>
+        <a:font script="Cans" typeface="Euphemia"/>
+        <a:font script="Cher" typeface="Plantagenet Cherokee"/>
+        <a:font script="Yiii" typeface="Microsoft Yi Baiti"/>
+        <a:font script="Tibt" typeface="Microsoft Himalaya"/>
+        <a:font script="Thaa" typeface="MV Boli"/>
+        <a:font script="Deva" typeface="Mangal"/>
+        <a:font script="Telu" typeface="Gautami"/>
+        <a:font script="Taml" typeface="Latha"/>
+        <a:font script="Syrc" typeface="Estrangelo Edessa"/>
+        <a:font script="Orya" typeface="Kalinga"/>
+        <a:font script="Mlym" typeface="Kartika"/>
+        <a:font script="Laoo" typeface="DokChampa"/>
+        <a:font script="Sinh" typeface="Iskoola Pota"/>
+        <a:font script="Mong" typeface="Mongolian Baiti"/>
+        <a:font script="Viet" typeface="Times New Roman"/>
+        <a:font script="Uigh" typeface="Microsoft Uighur"/>
+        <a:font script="Geor" typeface="Sylfaen"/>
+        <a:font script="Armn" typeface="Arial"/>
+        <a:font script="Bugi" typeface="Leelawadee UI"/>
+        <a:font script="Bopo" typeface="Microsoft JhengHei"/>
+        <a:font script="Java" typeface="Javanese Text"/>
+        <a:font script="Lisu" typeface="Segoe UI"/>
+        <a:font script="Mymr" typeface="Myanmar Text"/>
+        <a:font script="Nkoo" typeface="Ebrima"/>
+        <a:font script="Olck" typeface="Nirmala UI"/>
+        <a:font script="Osma" typeface="Ebrima"/>
+        <a:font script="Phag" typeface="Phagspa"/>
+        <a:font script="Syrn" typeface="Estrangelo Edessa"/>
+        <a:font script="Syrj" typeface="Estrangelo Edessa"/>
+        <a:font script="Syre" typeface="Estrangelo Edessa"/>
+        <a:font script="Sora" typeface="Nirmala UI"/>
+        <a:font script="Tale" typeface="Microsoft Tai Le"/>
+        <a:font script="Talu" typeface="Microsoft New Tai Lue"/>
+        <a:font script="Tfng" typeface="Ebrima"/>
+      </a:majorFont>
+      <a:minorFont>
+        <a:latin typeface="Calibri" panose="020F0502020204030204"/>
+        <a:ea typeface=""/>
+        <a:cs typeface=""/>
+        <a:font script="Jpan" typeface="游ゴシック"/>
+        <a:font script="Hang" typeface="맑은 고딕"/>
+        <a:font script="Hans" typeface="等线"/>
+        <a:font script="Hant" typeface="新細明體"/>
+        <a:font script="Arab" typeface="Arial"/>
+        <a:font script="Hebr" typeface="Arial"/>
+        <a:font script="Thai" typeface="Cordia New"/>
         <a:font script="Ethi" typeface="Nyala"/>
         <a:font script="Beng" typeface="Vrinda"/>
         <a:font script="Gujr" typeface="Shruti"/>
@@ -29085,44 +35341,26 @@
         <a:font script="Laoo" typeface="DokChampa"/>
         <a:font script="Sinh" typeface="Iskoola Pota"/>
         <a:font script="Mong" typeface="Mongolian Baiti"/>
-        <a:font script="Viet" typeface="Tahoma"/>
+        <a:font script="Viet" typeface="Arial"/>
         <a:font script="Uigh" typeface="Microsoft Uighur"/>
         <a:font script="Geor" typeface="Sylfaen"/>
-      </a:majorFont>
-      <a:minorFont>
-        <a:latin typeface="Corbel" panose="020B0503020204020204"/>
-        <a:ea typeface=""/>
-        <a:cs typeface=""/>
-        <a:font script="Jpan" typeface="ＭＳ ゴシック"/>
-        <a:font script="Hang" typeface="맑은 고딕"/>
-        <a:font script="Hans" typeface="宋体"/>
-        <a:font script="Hant" typeface="新細明體"/>
-        <a:font script="Arab" typeface="Tahoma"/>
-        <a:font script="Hebr" typeface="Gisha"/>
-        <a:font script="Thai" typeface="DilleniaUPC"/>
-        <a:font script="Ethi" typeface="Nyala"/>
-        <a:font script="Beng" typeface="Vrinda"/>
-        <a:font script="Gujr" typeface="Shruti"/>
-        <a:font script="Khmr" typeface="DaunPenh"/>
-        <a:font script="Knda" typeface="Tunga"/>
-        <a:font script="Guru" typeface="Raavi"/>
-        <a:font script="Cans" typeface="Euphemia"/>
-        <a:font script="Cher" typeface="Plantagenet Cherokee"/>
-        <a:font script="Yiii" typeface="Microsoft Yi Baiti"/>
-        <a:font script="Tibt" typeface="Microsoft Himalaya"/>
-        <a:font script="Thaa" typeface="MV Boli"/>
-        <a:font script="Deva" typeface="Mangal"/>
-        <a:font script="Telu" typeface="Gautami"/>
-        <a:font script="Taml" typeface="Latha"/>
-        <a:font script="Syrc" typeface="Estrangelo Edessa"/>
-        <a:font script="Orya" typeface="Kalinga"/>
-        <a:font script="Mlym" typeface="Kartika"/>
-        <a:font script="Laoo" typeface="DokChampa"/>
-        <a:font script="Sinh" typeface="Iskoola Pota"/>
-        <a:font script="Mong" typeface="Mongolian Baiti"/>
-        <a:font script="Viet" typeface="Verdana"/>
-        <a:font script="Uigh" typeface="Microsoft Uighur"/>
-        <a:font script="Geor" typeface="Sylfaen"/>
+        <a:font script="Armn" typeface="Arial"/>
+        <a:font script="Bugi" typeface="Leelawadee UI"/>
+        <a:font script="Bopo" typeface="Microsoft JhengHei"/>
+        <a:font script="Java" typeface="Javanese Text"/>
+        <a:font script="Lisu" typeface="Segoe UI"/>
+        <a:font script="Mymr" typeface="Myanmar Text"/>
+        <a:font script="Nkoo" typeface="Ebrima"/>
+        <a:font script="Olck" typeface="Nirmala UI"/>
+        <a:font script="Osma" typeface="Ebrima"/>
+        <a:font script="Phag" typeface="Phagspa"/>
+        <a:font script="Syrn" typeface="Estrangelo Edessa"/>
+        <a:font script="Syrj" typeface="Estrangelo Edessa"/>
+        <a:font script="Syre" typeface="Estrangelo Edessa"/>
+        <a:font script="Sora" typeface="Nirmala UI"/>
+        <a:font script="Tale" typeface="Microsoft Tai Le"/>
+        <a:font script="Talu" typeface="Microsoft New Tai Lue"/>
+        <a:font script="Tfng" typeface="Ebrima"/>
       </a:minorFont>
     </a:fontScheme>
     <a:fmtScheme name="Office">
@@ -29534,6 +35772,267 @@
 </a:theme>
 </file>
 
+<file path=ppt/theme/theme4.xml><?xml version="1.0" encoding="utf-8"?>
+<a:theme xmlns:a="http://schemas.openxmlformats.org/drawingml/2006/main" name="Office Theme">
+  <a:themeElements>
+    <a:clrScheme name="Ecology">
+      <a:dk1>
+        <a:srgbClr val="4D3E2F"/>
+      </a:dk1>
+      <a:lt1>
+        <a:sysClr val="window" lastClr="FFFFFF"/>
+      </a:lt1>
+      <a:dk2>
+        <a:srgbClr val="000000"/>
+      </a:dk2>
+      <a:lt2>
+        <a:srgbClr val="DDDDDD"/>
+      </a:lt2>
+      <a:accent1>
+        <a:srgbClr val="8BAA00"/>
+      </a:accent1>
+      <a:accent2>
+        <a:srgbClr val="2A6CB2"/>
+      </a:accent2>
+      <a:accent3>
+        <a:srgbClr val="795837"/>
+      </a:accent3>
+      <a:accent4>
+        <a:srgbClr val="D18316"/>
+      </a:accent4>
+      <a:accent5>
+        <a:srgbClr val="79B4F0"/>
+      </a:accent5>
+      <a:accent6>
+        <a:srgbClr val="CDC80F"/>
+      </a:accent6>
+      <a:hlink>
+        <a:srgbClr val="2A6CB2"/>
+      </a:hlink>
+      <a:folHlink>
+        <a:srgbClr val="808080"/>
+      </a:folHlink>
+    </a:clrScheme>
+    <a:fontScheme name="Corbel">
+      <a:majorFont>
+        <a:latin typeface="Corbel" panose="020B0503020204020204"/>
+        <a:ea typeface=""/>
+        <a:cs typeface=""/>
+        <a:font script="Jpan" typeface="ＭＳ ゴシック"/>
+        <a:font script="Hang" typeface="맑은 고딕"/>
+        <a:font script="Hans" typeface="宋体"/>
+        <a:font script="Hant" typeface="新細明體"/>
+        <a:font script="Arab" typeface="Tahoma"/>
+        <a:font script="Hebr" typeface="Gisha"/>
+        <a:font script="Thai" typeface="DilleniaUPC"/>
+        <a:font script="Ethi" typeface="Nyala"/>
+        <a:font script="Beng" typeface="Vrinda"/>
+        <a:font script="Gujr" typeface="Shruti"/>
+        <a:font script="Khmr" typeface="DaunPenh"/>
+        <a:font script="Knda" typeface="Tunga"/>
+        <a:font script="Guru" typeface="Raavi"/>
+        <a:font script="Cans" typeface="Euphemia"/>
+        <a:font script="Cher" typeface="Plantagenet Cherokee"/>
+        <a:font script="Yiii" typeface="Microsoft Yi Baiti"/>
+        <a:font script="Tibt" typeface="Microsoft Himalaya"/>
+        <a:font script="Thaa" typeface="MV Boli"/>
+        <a:font script="Deva" typeface="Mangal"/>
+        <a:font script="Telu" typeface="Gautami"/>
+        <a:font script="Taml" typeface="Latha"/>
+        <a:font script="Syrc" typeface="Estrangelo Edessa"/>
+        <a:font script="Orya" typeface="Kalinga"/>
+        <a:font script="Mlym" typeface="Kartika"/>
+        <a:font script="Laoo" typeface="DokChampa"/>
+        <a:font script="Sinh" typeface="Iskoola Pota"/>
+        <a:font script="Mong" typeface="Mongolian Baiti"/>
+        <a:font script="Viet" typeface="Tahoma"/>
+        <a:font script="Uigh" typeface="Microsoft Uighur"/>
+        <a:font script="Geor" typeface="Sylfaen"/>
+      </a:majorFont>
+      <a:minorFont>
+        <a:latin typeface="Corbel" panose="020B0503020204020204"/>
+        <a:ea typeface=""/>
+        <a:cs typeface=""/>
+        <a:font script="Jpan" typeface="ＭＳ ゴシック"/>
+        <a:font script="Hang" typeface="맑은 고딕"/>
+        <a:font script="Hans" typeface="宋体"/>
+        <a:font script="Hant" typeface="新細明體"/>
+        <a:font script="Arab" typeface="Tahoma"/>
+        <a:font script="Hebr" typeface="Gisha"/>
+        <a:font script="Thai" typeface="DilleniaUPC"/>
+        <a:font script="Ethi" typeface="Nyala"/>
+        <a:font script="Beng" typeface="Vrinda"/>
+        <a:font script="Gujr" typeface="Shruti"/>
+        <a:font script="Khmr" typeface="DaunPenh"/>
+        <a:font script="Knda" typeface="Tunga"/>
+        <a:font script="Guru" typeface="Raavi"/>
+        <a:font script="Cans" typeface="Euphemia"/>
+        <a:font script="Cher" typeface="Plantagenet Cherokee"/>
+        <a:font script="Yiii" typeface="Microsoft Yi Baiti"/>
+        <a:font script="Tibt" typeface="Microsoft Himalaya"/>
+        <a:font script="Thaa" typeface="MV Boli"/>
+        <a:font script="Deva" typeface="Mangal"/>
+        <a:font script="Telu" typeface="Gautami"/>
+        <a:font script="Taml" typeface="Latha"/>
+        <a:font script="Syrc" typeface="Estrangelo Edessa"/>
+        <a:font script="Orya" typeface="Kalinga"/>
+        <a:font script="Mlym" typeface="Kartika"/>
+        <a:font script="Laoo" typeface="DokChampa"/>
+        <a:font script="Sinh" typeface="Iskoola Pota"/>
+        <a:font script="Mong" typeface="Mongolian Baiti"/>
+        <a:font script="Viet" typeface="Verdana"/>
+        <a:font script="Uigh" typeface="Microsoft Uighur"/>
+        <a:font script="Geor" typeface="Sylfaen"/>
+      </a:minorFont>
+    </a:fontScheme>
+    <a:fmtScheme name="Office">
+      <a:fillStyleLst>
+        <a:solidFill>
+          <a:schemeClr val="phClr"/>
+        </a:solidFill>
+        <a:gradFill rotWithShape="1">
+          <a:gsLst>
+            <a:gs pos="0">
+              <a:schemeClr val="phClr">
+                <a:lumMod val="110000"/>
+                <a:satMod val="105000"/>
+                <a:tint val="67000"/>
+              </a:schemeClr>
+            </a:gs>
+            <a:gs pos="50000">
+              <a:schemeClr val="phClr">
+                <a:lumMod val="105000"/>
+                <a:satMod val="103000"/>
+                <a:tint val="73000"/>
+              </a:schemeClr>
+            </a:gs>
+            <a:gs pos="100000">
+              <a:schemeClr val="phClr">
+                <a:lumMod val="105000"/>
+                <a:satMod val="109000"/>
+                <a:tint val="81000"/>
+              </a:schemeClr>
+            </a:gs>
+          </a:gsLst>
+          <a:lin ang="5400000" scaled="0"/>
+        </a:gradFill>
+        <a:gradFill rotWithShape="1">
+          <a:gsLst>
+            <a:gs pos="0">
+              <a:schemeClr val="phClr">
+                <a:satMod val="103000"/>
+                <a:lumMod val="102000"/>
+                <a:tint val="94000"/>
+              </a:schemeClr>
+            </a:gs>
+            <a:gs pos="50000">
+              <a:schemeClr val="phClr">
+                <a:satMod val="110000"/>
+                <a:lumMod val="100000"/>
+                <a:shade val="100000"/>
+              </a:schemeClr>
+            </a:gs>
+            <a:gs pos="100000">
+              <a:schemeClr val="phClr">
+                <a:lumMod val="99000"/>
+                <a:satMod val="120000"/>
+                <a:shade val="78000"/>
+              </a:schemeClr>
+            </a:gs>
+          </a:gsLst>
+          <a:lin ang="5400000" scaled="0"/>
+        </a:gradFill>
+      </a:fillStyleLst>
+      <a:lnStyleLst>
+        <a:ln w="6350" cap="flat" cmpd="sng" algn="ctr">
+          <a:solidFill>
+            <a:schemeClr val="phClr"/>
+          </a:solidFill>
+          <a:prstDash val="solid"/>
+          <a:miter lim="800000"/>
+        </a:ln>
+        <a:ln w="12700" cap="flat" cmpd="sng" algn="ctr">
+          <a:solidFill>
+            <a:schemeClr val="phClr"/>
+          </a:solidFill>
+          <a:prstDash val="solid"/>
+          <a:miter lim="800000"/>
+        </a:ln>
+        <a:ln w="19050" cap="flat" cmpd="sng" algn="ctr">
+          <a:solidFill>
+            <a:schemeClr val="phClr"/>
+          </a:solidFill>
+          <a:prstDash val="solid"/>
+          <a:miter lim="800000"/>
+        </a:ln>
+      </a:lnStyleLst>
+      <a:effectStyleLst>
+        <a:effectStyle>
+          <a:effectLst/>
+        </a:effectStyle>
+        <a:effectStyle>
+          <a:effectLst/>
+        </a:effectStyle>
+        <a:effectStyle>
+          <a:effectLst>
+            <a:outerShdw blurRad="57150" dist="19050" dir="5400000" algn="ctr" rotWithShape="0">
+              <a:srgbClr val="000000">
+                <a:alpha val="63000"/>
+              </a:srgbClr>
+            </a:outerShdw>
+          </a:effectLst>
+        </a:effectStyle>
+      </a:effectStyleLst>
+      <a:bgFillStyleLst>
+        <a:solidFill>
+          <a:schemeClr val="phClr"/>
+        </a:solidFill>
+        <a:solidFill>
+          <a:schemeClr val="phClr">
+            <a:tint val="95000"/>
+            <a:satMod val="170000"/>
+          </a:schemeClr>
+        </a:solidFill>
+        <a:gradFill rotWithShape="1">
+          <a:gsLst>
+            <a:gs pos="0">
+              <a:schemeClr val="phClr">
+                <a:tint val="93000"/>
+                <a:satMod val="150000"/>
+                <a:shade val="98000"/>
+                <a:lumMod val="102000"/>
+              </a:schemeClr>
+            </a:gs>
+            <a:gs pos="50000">
+              <a:schemeClr val="phClr">
+                <a:tint val="98000"/>
+                <a:satMod val="130000"/>
+                <a:shade val="90000"/>
+                <a:lumMod val="103000"/>
+              </a:schemeClr>
+            </a:gs>
+            <a:gs pos="100000">
+              <a:schemeClr val="phClr">
+                <a:shade val="63000"/>
+                <a:satMod val="120000"/>
+              </a:schemeClr>
+            </a:gs>
+          </a:gsLst>
+          <a:lin ang="5400000" scaled="0"/>
+        </a:gradFill>
+      </a:bgFillStyleLst>
+    </a:fmtScheme>
+  </a:themeElements>
+  <a:objectDefaults/>
+  <a:extraClrSchemeLst/>
+  <a:extLst>
+    <a:ext uri="{05A4C25C-085E-4340-85A3-A5531E510DB2}">
+      <thm15:themeFamily xmlns:thm15="http://schemas.microsoft.com/office/thememl/2012/main" name="Office Theme" id="{62F939B6-93AF-4DB8-9C6B-D6C7DFDC589F}" vid="{4A3C46E8-61CC-4603-A589-7422A47A8E4A}"/>
+    </a:ext>
+  </a:extLst>
+</a:theme>
+</file>
+
 <file path=customXml/item1.xml><?xml version="1.0" encoding="utf-8"?>
 <?mso-contentType ?>
 <FormTemplates xmlns="http://schemas.microsoft.com/sharepoint/v3/contenttype/forms">

--- a/presentations/6.GANs.pptx
+++ b/presentations/6.GANs.pptx
@@ -2552,7 +2552,7 @@
           <a:p>
             <a:fld id="{30E08F2E-5F06-4CE2-A139-452A1382A6F0}" type="datetimeFigureOut">
               <a:rPr lang="en-US"/>
-              <a:t>10/4/19</a:t>
+              <a:t>10/8/19</a:t>
             </a:fld>
             <a:endParaRPr/>
           </a:p>
@@ -2717,7 +2717,7 @@
           <a:p>
             <a:fld id="{1A4C5DC6-1594-414D-9341-ABA08739246C}" type="datetimeFigureOut">
               <a:rPr lang="en-US"/>
-              <a:t>10/4/19</a:t>
+              <a:t>10/8/19</a:t>
             </a:fld>
             <a:endParaRPr/>
           </a:p>
@@ -6718,7 +6718,7 @@
           <a:p>
             <a:fld id="{DCF04831-FE79-4C48-8B5F-6128F6AE010B}" type="datetimeFigureOut">
               <a:rPr lang="en-US" smtClean="0"/>
-              <a:t>10/4/19</a:t>
+              <a:t>10/8/19</a:t>
             </a:fld>
             <a:endParaRPr lang="en-US"/>
           </a:p>
@@ -6916,7 +6916,7 @@
           <a:p>
             <a:fld id="{DCF04831-FE79-4C48-8B5F-6128F6AE010B}" type="datetimeFigureOut">
               <a:rPr lang="en-US" smtClean="0"/>
-              <a:t>10/4/19</a:t>
+              <a:t>10/8/19</a:t>
             </a:fld>
             <a:endParaRPr lang="en-US"/>
           </a:p>
@@ -7191,7 +7191,7 @@
           <a:p>
             <a:fld id="{DCF04831-FE79-4C48-8B5F-6128F6AE010B}" type="datetimeFigureOut">
               <a:rPr lang="en-US" smtClean="0"/>
-              <a:t>10/4/19</a:t>
+              <a:t>10/8/19</a:t>
             </a:fld>
             <a:endParaRPr lang="en-US"/>
           </a:p>
@@ -7456,7 +7456,7 @@
           <a:p>
             <a:fld id="{DCF04831-FE79-4C48-8B5F-6128F6AE010B}" type="datetimeFigureOut">
               <a:rPr lang="en-US" smtClean="0"/>
-              <a:t>10/4/19</a:t>
+              <a:t>10/8/19</a:t>
             </a:fld>
             <a:endParaRPr lang="en-US"/>
           </a:p>
@@ -7868,7 +7868,7 @@
           <a:p>
             <a:fld id="{DCF04831-FE79-4C48-8B5F-6128F6AE010B}" type="datetimeFigureOut">
               <a:rPr lang="en-US" smtClean="0"/>
-              <a:t>10/4/19</a:t>
+              <a:t>10/8/19</a:t>
             </a:fld>
             <a:endParaRPr lang="en-US"/>
           </a:p>
@@ -8009,7 +8009,7 @@
           <a:p>
             <a:fld id="{DCF04831-FE79-4C48-8B5F-6128F6AE010B}" type="datetimeFigureOut">
               <a:rPr lang="en-US" smtClean="0"/>
-              <a:t>10/4/19</a:t>
+              <a:t>10/8/19</a:t>
             </a:fld>
             <a:endParaRPr lang="en-US"/>
           </a:p>
@@ -8122,7 +8122,7 @@
           <a:p>
             <a:fld id="{DCF04831-FE79-4C48-8B5F-6128F6AE010B}" type="datetimeFigureOut">
               <a:rPr lang="en-US" smtClean="0"/>
-              <a:t>10/4/19</a:t>
+              <a:t>10/8/19</a:t>
             </a:fld>
             <a:endParaRPr lang="en-US"/>
           </a:p>
@@ -8433,7 +8433,7 @@
           <a:p>
             <a:fld id="{DCF04831-FE79-4C48-8B5F-6128F6AE010B}" type="datetimeFigureOut">
               <a:rPr lang="en-US" smtClean="0"/>
-              <a:t>10/4/19</a:t>
+              <a:t>10/8/19</a:t>
             </a:fld>
             <a:endParaRPr lang="en-US"/>
           </a:p>
@@ -8848,7 +8848,7 @@
           <a:p>
             <a:fld id="{DCF04831-FE79-4C48-8B5F-6128F6AE010B}" type="datetimeFigureOut">
               <a:rPr lang="en-US" smtClean="0"/>
-              <a:t>10/4/19</a:t>
+              <a:t>10/8/19</a:t>
             </a:fld>
             <a:endParaRPr lang="en-US"/>
           </a:p>
@@ -9046,7 +9046,7 @@
           <a:p>
             <a:fld id="{DCF04831-FE79-4C48-8B5F-6128F6AE010B}" type="datetimeFigureOut">
               <a:rPr lang="en-US" smtClean="0"/>
-              <a:t>10/4/19</a:t>
+              <a:t>10/8/19</a:t>
             </a:fld>
             <a:endParaRPr lang="en-US"/>
           </a:p>
@@ -9254,7 +9254,7 @@
           <a:p>
             <a:fld id="{DCF04831-FE79-4C48-8B5F-6128F6AE010B}" type="datetimeFigureOut">
               <a:rPr lang="en-US" smtClean="0"/>
-              <a:t>10/4/19</a:t>
+              <a:t>10/8/19</a:t>
             </a:fld>
             <a:endParaRPr lang="en-US"/>
           </a:p>
@@ -11636,7 +11636,7 @@
           <a:p>
             <a:fld id="{DCF04831-FE79-4C48-8B5F-6128F6AE010B}" type="datetimeFigureOut">
               <a:rPr lang="en-US" smtClean="0"/>
-              <a:t>10/4/19</a:t>
+              <a:t>10/8/19</a:t>
             </a:fld>
             <a:endParaRPr lang="en-US"/>
           </a:p>
@@ -20317,7 +20317,7 @@
 </file>
 
 <file path=ppt/slides/slide17.xml><?xml version="1.0" encoding="utf-8"?>
-<p:sld xmlns:a="http://schemas.openxmlformats.org/drawingml/2006/main" xmlns:r="http://schemas.openxmlformats.org/officeDocument/2006/relationships" xmlns:p="http://schemas.openxmlformats.org/presentationml/2006/main">
+<p:sld xmlns:a="http://schemas.openxmlformats.org/drawingml/2006/main" xmlns:r="http://schemas.openxmlformats.org/officeDocument/2006/relationships" xmlns:p="http://schemas.openxmlformats.org/presentationml/2006/main" show="0">
   <p:cSld>
     <p:spTree>
       <p:nvGrpSpPr>
@@ -20597,13 +20597,13 @@
   <p:clrMapOvr>
     <a:masterClrMapping/>
   </p:clrMapOvr>
-  <mc:AlternateContent xmlns:mc="http://schemas.openxmlformats.org/markup-compatibility/2006" xmlns:p14="http://schemas.microsoft.com/office/powerpoint/2010/main">
-    <mc:Choice Requires="p14">
+  <mc:AlternateContent xmlns:mc="http://schemas.openxmlformats.org/markup-compatibility/2006">
+    <mc:Choice xmlns:p14="http://schemas.microsoft.com/office/powerpoint/2010/main" Requires="p14">
       <p:transition spd="med" p14:dur="700">
         <p:fade/>
       </p:transition>
     </mc:Choice>
-    <mc:Fallback xmlns="">
+    <mc:Fallback>
       <p:transition spd="med">
         <p:fade/>
       </p:transition>
@@ -23233,7 +23233,7 @@
 </file>
 
 <file path=ppt/slides/slide21.xml><?xml version="1.0" encoding="utf-8"?>
-<p:sld xmlns:a="http://schemas.openxmlformats.org/drawingml/2006/main" xmlns:r="http://schemas.openxmlformats.org/officeDocument/2006/relationships" xmlns:p="http://schemas.openxmlformats.org/presentationml/2006/main">
+<p:sld xmlns:a="http://schemas.openxmlformats.org/drawingml/2006/main" xmlns:r="http://schemas.openxmlformats.org/officeDocument/2006/relationships" xmlns:p="http://schemas.openxmlformats.org/presentationml/2006/main" show="0">
   <p:cSld>
     <p:spTree>
       <p:nvGrpSpPr>
@@ -23366,13 +23366,13 @@
   <p:clrMapOvr>
     <a:masterClrMapping/>
   </p:clrMapOvr>
-  <mc:AlternateContent xmlns:mc="http://schemas.openxmlformats.org/markup-compatibility/2006" xmlns:p14="http://schemas.microsoft.com/office/powerpoint/2010/main">
-    <mc:Choice Requires="p14">
+  <mc:AlternateContent xmlns:mc="http://schemas.openxmlformats.org/markup-compatibility/2006">
+    <mc:Choice xmlns:p14="http://schemas.microsoft.com/office/powerpoint/2010/main" Requires="p14">
       <p:transition spd="med" p14:dur="700">
         <p:fade/>
       </p:transition>
     </mc:Choice>
-    <mc:Fallback xmlns="">
+    <mc:Fallback>
       <p:transition spd="med">
         <p:fade/>
       </p:transition>

--- a/presentations/6.GANs.pptx
+++ b/presentations/6.GANs.pptx
@@ -12040,6 +12040,14 @@
 <file path=ppt/slides/slide1.xml><?xml version="1.0" encoding="utf-8"?>
 <p:sld xmlns:a="http://schemas.openxmlformats.org/drawingml/2006/main" xmlns:r="http://schemas.openxmlformats.org/officeDocument/2006/relationships" xmlns:p="http://schemas.openxmlformats.org/presentationml/2006/main">
   <p:cSld>
+    <p:bg>
+      <p:bgPr>
+        <a:solidFill>
+          <a:schemeClr val="bg1"/>
+        </a:solidFill>
+        <a:effectLst/>
+      </p:bgPr>
+    </p:bg>
     <p:spTree>
       <p:nvGrpSpPr>
         <p:cNvPr id="1" name=""/>
@@ -12054,6 +12062,95 @@
           <a:chExt cx="0" cy="0"/>
         </a:xfrm>
       </p:grpSpPr>
+      <p:sp useBgFill="1">
+        <p:nvSpPr>
+          <p:cNvPr id="15" name="Rectangle 9">
+            <a:extLst>
+              <a:ext uri="{FF2B5EF4-FFF2-40B4-BE49-F238E27FC236}">
+                <a16:creationId xmlns:a16="http://schemas.microsoft.com/office/drawing/2014/main" id="{559AE206-7EBA-4D33-8BC9-9D8158553F0E}"/>
+              </a:ext>
+              <a:ext uri="{C183D7F6-B498-43B3-948B-1728B52AA6E4}">
+                <adec:decorative xmlns:adec="http://schemas.microsoft.com/office/drawing/2017/decorative" val="1"/>
+              </a:ext>
+            </a:extLst>
+          </p:cNvPr>
+          <p:cNvSpPr>
+            <a:spLocks noGrp="1" noRot="1" noChangeAspect="1" noMove="1" noResize="1" noEditPoints="1" noAdjustHandles="1" noChangeArrowheads="1" noChangeShapeType="1" noTextEdit="1"/>
+          </p:cNvSpPr>
+          <p:nvPr>
+            <p:extLst>
+              <p:ext uri="{386F3935-93C4-4BCD-93E2-E3B085C9AB24}">
+                <p16:designElem xmlns:p16="http://schemas.microsoft.com/office/powerpoint/2015/main" val="1"/>
+              </p:ext>
+            </p:extLst>
+          </p:nvPr>
+        </p:nvSpPr>
+        <p:spPr>
+          <a:xfrm>
+            <a:off x="0" y="0"/>
+            <a:ext cx="12192000" cy="6858000"/>
+          </a:xfrm>
+          <a:prstGeom prst="rect">
+            <a:avLst/>
+          </a:prstGeom>
+          <a:ln>
+            <a:noFill/>
+          </a:ln>
+        </p:spPr>
+        <p:style>
+          <a:lnRef idx="2">
+            <a:schemeClr val="accent1">
+              <a:shade val="50000"/>
+            </a:schemeClr>
+          </a:lnRef>
+          <a:fillRef idx="1">
+            <a:schemeClr val="accent1"/>
+          </a:fillRef>
+          <a:effectRef idx="0">
+            <a:schemeClr val="accent1"/>
+          </a:effectRef>
+          <a:fontRef idx="minor">
+            <a:schemeClr val="lt1"/>
+          </a:fontRef>
+        </p:style>
+        <p:txBody>
+          <a:bodyPr rtlCol="0" anchor="ctr"/>
+          <a:lstStyle/>
+          <a:p>
+            <a:pPr marL="0" marR="0" lvl="0" indent="0" algn="ctr" defTabSz="914400" rtl="0" eaLnBrk="1" fontAlgn="auto" latinLnBrk="0" hangingPunct="1">
+              <a:lnSpc>
+                <a:spcPct val="100000"/>
+              </a:lnSpc>
+              <a:spcBef>
+                <a:spcPts val="0"/>
+              </a:spcBef>
+              <a:spcAft>
+                <a:spcPts val="0"/>
+              </a:spcAft>
+              <a:buClrTx/>
+              <a:buSzTx/>
+              <a:buFontTx/>
+              <a:buNone/>
+              <a:tabLst/>
+              <a:defRPr/>
+            </a:pPr>
+            <a:endParaRPr kumimoji="0" lang="en-US" sz="1800" b="0" i="0" u="none" strike="noStrike" kern="1200" cap="none" spc="0" normalizeH="0" baseline="0" noProof="0">
+              <a:ln>
+                <a:noFill/>
+              </a:ln>
+              <a:solidFill>
+                <a:prstClr val="white"/>
+              </a:solidFill>
+              <a:effectLst/>
+              <a:uLnTx/>
+              <a:uFillTx/>
+              <a:latin typeface="Calibri" panose="020F0502020204030204"/>
+              <a:ea typeface="+mn-ea"/>
+              <a:cs typeface="+mn-cs"/>
+            </a:endParaRPr>
+          </a:p>
+        </p:txBody>
+      </p:sp>
       <p:sp>
         <p:nvSpPr>
           <p:cNvPr id="2" name="Title 1"/>
@@ -12064,15 +12161,21 @@
             <p:ph type="ctrTitle"/>
           </p:nvPr>
         </p:nvSpPr>
-        <p:spPr/>
+        <p:spPr>
+          <a:xfrm>
+            <a:off x="838199" y="4525347"/>
+            <a:ext cx="6801321" cy="1737360"/>
+          </a:xfrm>
+        </p:spPr>
         <p:txBody>
-          <a:bodyPr>
+          <a:bodyPr anchor="ctr">
             <a:normAutofit/>
           </a:bodyPr>
           <a:lstStyle/>
           <a:p>
-            <a:r>
-              <a:rPr lang="en-US" sz="3600" dirty="0"/>
+            <a:pPr algn="r"/>
+            <a:r>
+              <a:rPr lang="en-US"/>
               <a:t>Generative Models	</a:t>
             </a:r>
           </a:p>
@@ -12094,18 +12197,506 @@
             <p:ph type="subTitle" idx="1"/>
           </p:nvPr>
         </p:nvSpPr>
-        <p:spPr/>
+        <p:spPr>
+          <a:xfrm>
+            <a:off x="7961258" y="4525347"/>
+            <a:ext cx="3258675" cy="1737360"/>
+          </a:xfrm>
+        </p:spPr>
         <p:txBody>
-          <a:bodyPr/>
+          <a:bodyPr anchor="ctr">
+            <a:normAutofit/>
+          </a:bodyPr>
           <a:lstStyle/>
           <a:p>
-            <a:r>
-              <a:rPr lang="en-US" dirty="0"/>
-              <a:t>Part 9</a:t>
-            </a:r>
+            <a:pPr algn="l"/>
+            <a:endParaRPr lang="en-US"/>
           </a:p>
         </p:txBody>
       </p:sp>
+      <p:sp>
+        <p:nvSpPr>
+          <p:cNvPr id="17" name="Oval 11">
+            <a:extLst>
+              <a:ext uri="{FF2B5EF4-FFF2-40B4-BE49-F238E27FC236}">
+                <a16:creationId xmlns:a16="http://schemas.microsoft.com/office/drawing/2014/main" id="{6437D937-A7F1-4011-92B4-328E5BE1B166}"/>
+              </a:ext>
+              <a:ext uri="{C183D7F6-B498-43B3-948B-1728B52AA6E4}">
+                <adec:decorative xmlns:adec="http://schemas.microsoft.com/office/drawing/2017/decorative" val="1"/>
+              </a:ext>
+            </a:extLst>
+          </p:cNvPr>
+          <p:cNvSpPr>
+            <a:spLocks noGrp="1" noRot="1" noChangeAspect="1" noMove="1" noResize="1" noEditPoints="1" noAdjustHandles="1" noChangeArrowheads="1" noChangeShapeType="1" noTextEdit="1"/>
+          </p:cNvSpPr>
+          <p:nvPr>
+            <p:extLst>
+              <p:ext uri="{386F3935-93C4-4BCD-93E2-E3B085C9AB24}">
+                <p16:designElem xmlns:p16="http://schemas.microsoft.com/office/powerpoint/2015/main" val="1"/>
+              </p:ext>
+            </p:extLst>
+          </p:nvPr>
+        </p:nvSpPr>
+        <p:spPr>
+          <a:xfrm>
+            <a:off x="588567" y="620480"/>
+            <a:ext cx="2243800" cy="2243796"/>
+          </a:xfrm>
+          <a:prstGeom prst="ellipse">
+            <a:avLst/>
+          </a:prstGeom>
+          <a:solidFill>
+            <a:schemeClr val="accent5"/>
+          </a:solidFill>
+          <a:ln>
+            <a:noFill/>
+          </a:ln>
+        </p:spPr>
+        <p:style>
+          <a:lnRef idx="2">
+            <a:schemeClr val="accent1">
+              <a:shade val="50000"/>
+            </a:schemeClr>
+          </a:lnRef>
+          <a:fillRef idx="1">
+            <a:schemeClr val="accent1"/>
+          </a:fillRef>
+          <a:effectRef idx="0">
+            <a:schemeClr val="accent1"/>
+          </a:effectRef>
+          <a:fontRef idx="minor">
+            <a:schemeClr val="lt1"/>
+          </a:fontRef>
+        </p:style>
+        <p:txBody>
+          <a:bodyPr rtlCol="0" anchor="ctr"/>
+          <a:lstStyle/>
+          <a:p>
+            <a:pPr marL="0" marR="0" lvl="0" indent="0" algn="ctr" defTabSz="914400" rtl="0" eaLnBrk="1" fontAlgn="auto" latinLnBrk="0" hangingPunct="1">
+              <a:lnSpc>
+                <a:spcPct val="100000"/>
+              </a:lnSpc>
+              <a:spcBef>
+                <a:spcPts val="0"/>
+              </a:spcBef>
+              <a:spcAft>
+                <a:spcPts val="0"/>
+              </a:spcAft>
+              <a:buClrTx/>
+              <a:buSzTx/>
+              <a:buFontTx/>
+              <a:buNone/>
+              <a:tabLst/>
+              <a:defRPr/>
+            </a:pPr>
+            <a:endParaRPr kumimoji="0" lang="en-US" sz="1800" b="0" i="0" u="none" strike="noStrike" kern="1200" cap="none" spc="0" normalizeH="0" baseline="0" noProof="0">
+              <a:ln>
+                <a:noFill/>
+              </a:ln>
+              <a:solidFill>
+                <a:prstClr val="white"/>
+              </a:solidFill>
+              <a:effectLst/>
+              <a:uLnTx/>
+              <a:uFillTx/>
+              <a:latin typeface="Calibri" panose="020F0502020204030204"/>
+              <a:ea typeface="+mn-ea"/>
+              <a:cs typeface="+mn-cs"/>
+            </a:endParaRPr>
+          </a:p>
+        </p:txBody>
+      </p:sp>
+      <p:sp>
+        <p:nvSpPr>
+          <p:cNvPr id="14" name="Oval 13">
+            <a:extLst>
+              <a:ext uri="{FF2B5EF4-FFF2-40B4-BE49-F238E27FC236}">
+                <a16:creationId xmlns:a16="http://schemas.microsoft.com/office/drawing/2014/main" id="{B672F332-AF08-46C6-94F0-77684310D7B7}"/>
+              </a:ext>
+              <a:ext uri="{C183D7F6-B498-43B3-948B-1728B52AA6E4}">
+                <adec:decorative xmlns:adec="http://schemas.microsoft.com/office/drawing/2017/decorative" val="1"/>
+              </a:ext>
+            </a:extLst>
+          </p:cNvPr>
+          <p:cNvSpPr>
+            <a:spLocks noGrp="1" noRot="1" noChangeAspect="1" noMove="1" noResize="1" noEditPoints="1" noAdjustHandles="1" noChangeArrowheads="1" noChangeShapeType="1" noTextEdit="1"/>
+          </p:cNvSpPr>
+          <p:nvPr>
+            <p:extLst>
+              <p:ext uri="{386F3935-93C4-4BCD-93E2-E3B085C9AB24}">
+                <p16:designElem xmlns:p16="http://schemas.microsoft.com/office/powerpoint/2015/main" val="1"/>
+              </p:ext>
+            </p:extLst>
+          </p:nvPr>
+        </p:nvSpPr>
+        <p:spPr>
+          <a:xfrm>
+            <a:off x="3395001" y="2466604"/>
+            <a:ext cx="962395" cy="962395"/>
+          </a:xfrm>
+          <a:prstGeom prst="ellipse">
+            <a:avLst/>
+          </a:prstGeom>
+          <a:solidFill>
+            <a:schemeClr val="accent4"/>
+          </a:solidFill>
+          <a:ln>
+            <a:noFill/>
+          </a:ln>
+        </p:spPr>
+        <p:style>
+          <a:lnRef idx="2">
+            <a:schemeClr val="accent1">
+              <a:shade val="50000"/>
+            </a:schemeClr>
+          </a:lnRef>
+          <a:fillRef idx="1">
+            <a:schemeClr val="accent1"/>
+          </a:fillRef>
+          <a:effectRef idx="0">
+            <a:schemeClr val="accent1"/>
+          </a:effectRef>
+          <a:fontRef idx="minor">
+            <a:schemeClr val="lt1"/>
+          </a:fontRef>
+        </p:style>
+        <p:txBody>
+          <a:bodyPr rtlCol="0" anchor="ctr"/>
+          <a:lstStyle/>
+          <a:p>
+            <a:pPr marL="0" marR="0" lvl="0" indent="0" algn="ctr" defTabSz="914400" rtl="0" eaLnBrk="1" fontAlgn="auto" latinLnBrk="0" hangingPunct="1">
+              <a:lnSpc>
+                <a:spcPct val="100000"/>
+              </a:lnSpc>
+              <a:spcBef>
+                <a:spcPts val="0"/>
+              </a:spcBef>
+              <a:spcAft>
+                <a:spcPts val="0"/>
+              </a:spcAft>
+              <a:buClrTx/>
+              <a:buSzTx/>
+              <a:buFontTx/>
+              <a:buNone/>
+              <a:tabLst/>
+              <a:defRPr/>
+            </a:pPr>
+            <a:endParaRPr kumimoji="0" lang="en-US" sz="1800" b="0" i="0" u="none" strike="noStrike" kern="1200" cap="none" spc="0" normalizeH="0" baseline="0" noProof="0">
+              <a:ln>
+                <a:noFill/>
+              </a:ln>
+              <a:solidFill>
+                <a:prstClr val="white"/>
+              </a:solidFill>
+              <a:effectLst/>
+              <a:uLnTx/>
+              <a:uFillTx/>
+              <a:latin typeface="Calibri" panose="020F0502020204030204"/>
+              <a:ea typeface="+mn-ea"/>
+              <a:cs typeface="+mn-cs"/>
+            </a:endParaRPr>
+          </a:p>
+        </p:txBody>
+      </p:sp>
+      <p:sp>
+        <p:nvSpPr>
+          <p:cNvPr id="16" name="Oval 15">
+            <a:extLst>
+              <a:ext uri="{FF2B5EF4-FFF2-40B4-BE49-F238E27FC236}">
+                <a16:creationId xmlns:a16="http://schemas.microsoft.com/office/drawing/2014/main" id="{34244EF8-D73A-40E1-BE73-D46E6B4B04ED}"/>
+              </a:ext>
+              <a:ext uri="{C183D7F6-B498-43B3-948B-1728B52AA6E4}">
+                <adec:decorative xmlns:adec="http://schemas.microsoft.com/office/drawing/2017/decorative" val="1"/>
+              </a:ext>
+            </a:extLst>
+          </p:cNvPr>
+          <p:cNvSpPr>
+            <a:spLocks noGrp="1" noRot="1" noChangeAspect="1" noMove="1" noResize="1" noEditPoints="1" noAdjustHandles="1" noChangeArrowheads="1" noChangeShapeType="1" noTextEdit="1"/>
+          </p:cNvSpPr>
+          <p:nvPr>
+            <p:extLst>
+              <p:ext uri="{386F3935-93C4-4BCD-93E2-E3B085C9AB24}">
+                <p16:designElem xmlns:p16="http://schemas.microsoft.com/office/powerpoint/2015/main" val="1"/>
+              </p:ext>
+            </p:extLst>
+          </p:nvPr>
+        </p:nvSpPr>
+        <p:spPr>
+          <a:xfrm>
+            <a:off x="5125829" y="2327988"/>
+            <a:ext cx="293695" cy="293695"/>
+          </a:xfrm>
+          <a:prstGeom prst="ellipse">
+            <a:avLst/>
+          </a:prstGeom>
+          <a:solidFill>
+            <a:schemeClr val="accent3"/>
+          </a:solidFill>
+          <a:ln>
+            <a:noFill/>
+          </a:ln>
+        </p:spPr>
+        <p:style>
+          <a:lnRef idx="2">
+            <a:schemeClr val="accent1">
+              <a:shade val="50000"/>
+            </a:schemeClr>
+          </a:lnRef>
+          <a:fillRef idx="1">
+            <a:schemeClr val="accent1"/>
+          </a:fillRef>
+          <a:effectRef idx="0">
+            <a:schemeClr val="accent1"/>
+          </a:effectRef>
+          <a:fontRef idx="minor">
+            <a:schemeClr val="lt1"/>
+          </a:fontRef>
+        </p:style>
+        <p:txBody>
+          <a:bodyPr rtlCol="0" anchor="ctr"/>
+          <a:lstStyle/>
+          <a:p>
+            <a:pPr marL="0" marR="0" lvl="0" indent="0" algn="ctr" defTabSz="914400" rtl="0" eaLnBrk="1" fontAlgn="auto" latinLnBrk="0" hangingPunct="1">
+              <a:lnSpc>
+                <a:spcPct val="100000"/>
+              </a:lnSpc>
+              <a:spcBef>
+                <a:spcPts val="0"/>
+              </a:spcBef>
+              <a:spcAft>
+                <a:spcPts val="0"/>
+              </a:spcAft>
+              <a:buClrTx/>
+              <a:buSzTx/>
+              <a:buFontTx/>
+              <a:buNone/>
+              <a:tabLst/>
+              <a:defRPr/>
+            </a:pPr>
+            <a:endParaRPr kumimoji="0" lang="en-US" sz="1800" b="0" i="0" u="none" strike="noStrike" kern="1200" cap="none" spc="0" normalizeH="0" baseline="0" noProof="0">
+              <a:ln>
+                <a:noFill/>
+              </a:ln>
+              <a:solidFill>
+                <a:prstClr val="white"/>
+              </a:solidFill>
+              <a:effectLst/>
+              <a:uLnTx/>
+              <a:uFillTx/>
+              <a:latin typeface="Calibri" panose="020F0502020204030204"/>
+              <a:ea typeface="+mn-ea"/>
+              <a:cs typeface="+mn-cs"/>
+            </a:endParaRPr>
+          </a:p>
+        </p:txBody>
+      </p:sp>
+      <p:sp>
+        <p:nvSpPr>
+          <p:cNvPr id="18" name="Freeform: Shape 17">
+            <a:extLst>
+              <a:ext uri="{FF2B5EF4-FFF2-40B4-BE49-F238E27FC236}">
+                <a16:creationId xmlns:a16="http://schemas.microsoft.com/office/drawing/2014/main" id="{AB84D7E8-4ECB-42D7-ADBF-01689B0F24AE}"/>
+              </a:ext>
+              <a:ext uri="{C183D7F6-B498-43B3-948B-1728B52AA6E4}">
+                <adec:decorative xmlns:adec="http://schemas.microsoft.com/office/drawing/2017/decorative" val="1"/>
+              </a:ext>
+            </a:extLst>
+          </p:cNvPr>
+          <p:cNvSpPr>
+            <a:spLocks noGrp="1" noRot="1" noChangeAspect="1" noMove="1" noResize="1" noEditPoints="1" noAdjustHandles="1" noChangeArrowheads="1" noChangeShapeType="1" noTextEdit="1"/>
+          </p:cNvSpPr>
+          <p:nvPr>
+            <p:extLst>
+              <p:ext uri="{386F3935-93C4-4BCD-93E2-E3B085C9AB24}">
+                <p16:designElem xmlns:p16="http://schemas.microsoft.com/office/powerpoint/2015/main" val="1"/>
+              </p:ext>
+            </p:extLst>
+          </p:nvPr>
+        </p:nvSpPr>
+        <p:spPr>
+          <a:xfrm>
+            <a:off x="6492113" y="0"/>
+            <a:ext cx="5699887" cy="4059244"/>
+          </a:xfrm>
+          <a:custGeom>
+            <a:avLst/>
+            <a:gdLst>
+              <a:gd name="connsiteX0" fmla="*/ 0 w 5699887"/>
+              <a:gd name="connsiteY0" fmla="*/ 0 h 4059244"/>
+              <a:gd name="connsiteX1" fmla="*/ 5699887 w 5699887"/>
+              <a:gd name="connsiteY1" fmla="*/ 0 h 4059244"/>
+              <a:gd name="connsiteX2" fmla="*/ 5699887 w 5699887"/>
+              <a:gd name="connsiteY2" fmla="*/ 3944096 h 4059244"/>
+              <a:gd name="connsiteX3" fmla="*/ 5525775 w 5699887"/>
+              <a:gd name="connsiteY3" fmla="*/ 3980429 h 4059244"/>
+              <a:gd name="connsiteX4" fmla="*/ 4663256 w 5699887"/>
+              <a:gd name="connsiteY4" fmla="*/ 4059244 h 4059244"/>
+              <a:gd name="connsiteX5" fmla="*/ 8566 w 5699887"/>
+              <a:gd name="connsiteY5" fmla="*/ 67422 h 4059244"/>
+            </a:gdLst>
+            <a:ahLst/>
+            <a:cxnLst>
+              <a:cxn ang="0">
+                <a:pos x="connsiteX0" y="connsiteY0"/>
+              </a:cxn>
+              <a:cxn ang="0">
+                <a:pos x="connsiteX1" y="connsiteY1"/>
+              </a:cxn>
+              <a:cxn ang="0">
+                <a:pos x="connsiteX2" y="connsiteY2"/>
+              </a:cxn>
+              <a:cxn ang="0">
+                <a:pos x="connsiteX3" y="connsiteY3"/>
+              </a:cxn>
+              <a:cxn ang="0">
+                <a:pos x="connsiteX4" y="connsiteY4"/>
+              </a:cxn>
+              <a:cxn ang="0">
+                <a:pos x="connsiteX5" y="connsiteY5"/>
+              </a:cxn>
+            </a:cxnLst>
+            <a:rect l="l" t="t" r="r" b="b"/>
+            <a:pathLst>
+              <a:path w="5699887" h="4059244">
+                <a:moveTo>
+                  <a:pt x="0" y="0"/>
+                </a:moveTo>
+                <a:lnTo>
+                  <a:pt x="5699887" y="0"/>
+                </a:lnTo>
+                <a:lnTo>
+                  <a:pt x="5699887" y="3944096"/>
+                </a:lnTo>
+                <a:lnTo>
+                  <a:pt x="5525775" y="3980429"/>
+                </a:lnTo>
+                <a:cubicBezTo>
+                  <a:pt x="5246154" y="4032190"/>
+                  <a:pt x="4957865" y="4059244"/>
+                  <a:pt x="4663256" y="4059244"/>
+                </a:cubicBezTo>
+                <a:cubicBezTo>
+                  <a:pt x="2306390" y="4059244"/>
+                  <a:pt x="353936" y="2327747"/>
+                  <a:pt x="8566" y="67422"/>
+                </a:cubicBezTo>
+                <a:close/>
+              </a:path>
+            </a:pathLst>
+          </a:custGeom>
+          <a:solidFill>
+            <a:srgbClr val="595959"/>
+          </a:solidFill>
+          <a:ln>
+            <a:noFill/>
+          </a:ln>
+        </p:spPr>
+        <p:style>
+          <a:lnRef idx="2">
+            <a:schemeClr val="accent1">
+              <a:shade val="50000"/>
+            </a:schemeClr>
+          </a:lnRef>
+          <a:fillRef idx="1">
+            <a:schemeClr val="accent1"/>
+          </a:fillRef>
+          <a:effectRef idx="0">
+            <a:schemeClr val="accent1"/>
+          </a:effectRef>
+          <a:fontRef idx="minor">
+            <a:schemeClr val="lt1"/>
+          </a:fontRef>
+        </p:style>
+        <p:txBody>
+          <a:bodyPr rtlCol="0" anchor="ctr"/>
+          <a:lstStyle/>
+          <a:p>
+            <a:pPr marL="0" marR="0" lvl="0" indent="0" algn="ctr" defTabSz="914400" rtl="0" eaLnBrk="1" fontAlgn="auto" latinLnBrk="0" hangingPunct="1">
+              <a:lnSpc>
+                <a:spcPct val="100000"/>
+              </a:lnSpc>
+              <a:spcBef>
+                <a:spcPts val="0"/>
+              </a:spcBef>
+              <a:spcAft>
+                <a:spcPts val="0"/>
+              </a:spcAft>
+              <a:buClrTx/>
+              <a:buSzTx/>
+              <a:buFontTx/>
+              <a:buNone/>
+              <a:tabLst/>
+              <a:defRPr/>
+            </a:pPr>
+            <a:endParaRPr kumimoji="0" lang="en-US" sz="1800" b="0" i="0" u="none" strike="noStrike" kern="1200" cap="none" spc="0" normalizeH="0" baseline="0" noProof="0">
+              <a:ln>
+                <a:noFill/>
+              </a:ln>
+              <a:solidFill>
+                <a:prstClr val="white"/>
+              </a:solidFill>
+              <a:effectLst/>
+              <a:uLnTx/>
+              <a:uFillTx/>
+              <a:latin typeface="Calibri" panose="020F0502020204030204"/>
+              <a:ea typeface="+mn-ea"/>
+              <a:cs typeface="+mn-cs"/>
+            </a:endParaRPr>
+          </a:p>
+        </p:txBody>
+      </p:sp>
+      <p:cxnSp>
+        <p:nvCxnSpPr>
+          <p:cNvPr id="20" name="Straight Connector 19">
+            <a:extLst>
+              <a:ext uri="{FF2B5EF4-FFF2-40B4-BE49-F238E27FC236}">
+                <a16:creationId xmlns:a16="http://schemas.microsoft.com/office/drawing/2014/main" id="{9E8E38ED-369A-44C2-B635-0BED0E48A6E8}"/>
+              </a:ext>
+              <a:ext uri="{C183D7F6-B498-43B3-948B-1728B52AA6E4}">
+                <adec:decorative xmlns:adec="http://schemas.microsoft.com/office/drawing/2017/decorative" val="1"/>
+              </a:ext>
+            </a:extLst>
+          </p:cNvPr>
+          <p:cNvCxnSpPr>
+            <a:cxnSpLocks noGrp="1" noRot="1" noChangeAspect="1" noMove="1" noResize="1" noEditPoints="1" noAdjustHandles="1" noChangeArrowheads="1" noChangeShapeType="1"/>
+          </p:cNvCxnSpPr>
+          <p:nvPr>
+            <p:extLst>
+              <p:ext uri="{386F3935-93C4-4BCD-93E2-E3B085C9AB24}">
+                <p16:designElem xmlns:p16="http://schemas.microsoft.com/office/powerpoint/2015/main" val="1"/>
+              </p:ext>
+            </p:extLst>
+          </p:nvPr>
+        </p:nvCxnSpPr>
+        <p:spPr>
+          <a:xfrm>
+            <a:off x="7800392" y="4525347"/>
+            <a:ext cx="0" cy="1737360"/>
+          </a:xfrm>
+          <a:prstGeom prst="line">
+            <a:avLst/>
+          </a:prstGeom>
+          <a:ln w="19050" cap="sq">
+            <a:solidFill>
+              <a:schemeClr val="tx1"/>
+            </a:solidFill>
+          </a:ln>
+        </p:spPr>
+        <p:style>
+          <a:lnRef idx="1">
+            <a:schemeClr val="accent1"/>
+          </a:lnRef>
+          <a:fillRef idx="0">
+            <a:schemeClr val="accent1"/>
+          </a:fillRef>
+          <a:effectRef idx="0">
+            <a:schemeClr val="accent1"/>
+          </a:effectRef>
+          <a:fontRef idx="minor">
+            <a:schemeClr val="tx1"/>
+          </a:fontRef>
+        </p:style>
+      </p:cxnSp>
     </p:spTree>
     <p:extLst>
       <p:ext uri="{BB962C8B-B14F-4D97-AF65-F5344CB8AC3E}">
@@ -12170,8 +12761,8 @@
           </a:p>
         </p:txBody>
       </p:sp>
-      <mc:AlternateContent xmlns:mc="http://schemas.openxmlformats.org/markup-compatibility/2006" xmlns:a14="http://schemas.microsoft.com/office/drawing/2010/main">
-        <mc:Choice Requires="a14">
+      <mc:AlternateContent xmlns:mc="http://schemas.openxmlformats.org/markup-compatibility/2006">
+        <mc:Choice xmlns:a14="http://schemas.microsoft.com/office/drawing/2010/main" Requires="a14">
           <p:sp>
             <p:nvSpPr>
               <p:cNvPr id="61" name="Content Placeholder 2"/>
@@ -12195,14 +12786,14 @@
               <a:lstStyle/>
               <a:p>
                 <a:r>
-                  <a:rPr lang="en-US" dirty="0"/>
+                  <a:rPr lang="en-US" sz="2400" dirty="0"/>
                   <a:t>The discriminator tries to distinguish between real and fake images, and generator tries to fool the discriminator</a:t>
                 </a:r>
               </a:p>
               <a:p>
                 <a:r>
-                  <a:rPr lang="en-US" dirty="0"/>
-                  <a:t>The G and D compete in a two-player game (V)</a:t>
+                  <a:rPr lang="en-US" sz="2400" dirty="0"/>
+                  <a:t>G and D compete in a two-player game (V)</a:t>
                 </a:r>
               </a:p>
               <a:p>
@@ -12219,79 +12810,57 @@
                     <m:sSup>
                       <m:sSupPr>
                         <m:ctrlPr>
-                          <a:rPr lang="en-US" i="1" smtClean="0">
-                            <a:latin typeface="Cambria Math" panose="02040503050406030204" pitchFamily="18" charset="0"/>
-                          </a:rPr>
+                          <a:rPr lang="en-US" i="1" smtClean="0"/>
                         </m:ctrlPr>
                       </m:sSupPr>
                       <m:e>
                         <m:r>
-                          <a:rPr lang="en-US" b="0" i="1" smtClean="0">
-                            <a:latin typeface="Cambria Math" panose="02040503050406030204" pitchFamily="18" charset="0"/>
-                          </a:rPr>
+                          <a:rPr lang="en-US" b="0" i="1" smtClean="0"/>
                           <m:t>𝐽</m:t>
                         </m:r>
                       </m:e>
                       <m:sup>
                         <m:r>
-                          <a:rPr lang="en-US" b="0" i="1" smtClean="0">
-                            <a:latin typeface="Cambria Math" panose="02040503050406030204" pitchFamily="18" charset="0"/>
-                          </a:rPr>
+                          <a:rPr lang="en-US" b="0" i="1" smtClean="0"/>
                           <m:t>(</m:t>
                         </m:r>
                         <m:r>
-                          <a:rPr lang="en-US" b="0" i="1" smtClean="0">
-                            <a:latin typeface="Cambria Math" panose="02040503050406030204" pitchFamily="18" charset="0"/>
-                          </a:rPr>
+                          <a:rPr lang="en-US" b="0" i="1" smtClean="0"/>
                           <m:t>𝐺</m:t>
                         </m:r>
                         <m:r>
-                          <a:rPr lang="en-US" b="0" i="1" smtClean="0">
-                            <a:latin typeface="Cambria Math" panose="02040503050406030204" pitchFamily="18" charset="0"/>
-                          </a:rPr>
+                          <a:rPr lang="en-US" b="0" i="1" smtClean="0"/>
                           <m:t>)</m:t>
                         </m:r>
                       </m:sup>
                     </m:sSup>
                     <m:r>
-                      <a:rPr lang="en-US" b="0" i="1" smtClean="0">
-                        <a:latin typeface="Cambria Math" panose="02040503050406030204" pitchFamily="18" charset="0"/>
-                      </a:rPr>
+                      <a:rPr lang="en-US" b="0" i="1" smtClean="0"/>
                       <m:t>=−</m:t>
                     </m:r>
                     <m:sSup>
                       <m:sSupPr>
                         <m:ctrlPr>
-                          <a:rPr lang="en-US" i="1" smtClean="0">
-                            <a:latin typeface="Cambria Math" panose="02040503050406030204" pitchFamily="18" charset="0"/>
-                          </a:rPr>
+                          <a:rPr lang="en-US" i="1" smtClean="0"/>
                         </m:ctrlPr>
                       </m:sSupPr>
                       <m:e>
                         <m:r>
-                          <a:rPr lang="en-US" b="0" i="1" smtClean="0">
-                            <a:latin typeface="Cambria Math" panose="02040503050406030204" pitchFamily="18" charset="0"/>
-                          </a:rPr>
+                          <a:rPr lang="en-US" b="0" i="1" smtClean="0"/>
                           <m:t>𝐽</m:t>
                         </m:r>
                       </m:e>
                       <m:sup>
                         <m:r>
-                          <a:rPr lang="en-US" b="0" i="1" smtClean="0">
-                            <a:latin typeface="Cambria Math" panose="02040503050406030204" pitchFamily="18" charset="0"/>
-                          </a:rPr>
+                          <a:rPr lang="en-US" b="0" i="1" smtClean="0"/>
                           <m:t>(</m:t>
                         </m:r>
                         <m:r>
-                          <a:rPr lang="en-US" b="0" i="1" smtClean="0">
-                            <a:latin typeface="Cambria Math" panose="02040503050406030204" pitchFamily="18" charset="0"/>
-                          </a:rPr>
+                          <a:rPr lang="en-US" b="0" i="1" smtClean="0"/>
                           <m:t>𝐷</m:t>
                         </m:r>
                         <m:r>
-                          <a:rPr lang="en-US" b="0" i="1" smtClean="0">
-                            <a:latin typeface="Cambria Math" panose="02040503050406030204" pitchFamily="18" charset="0"/>
-                          </a:rPr>
+                          <a:rPr lang="en-US" b="0" i="1" smtClean="0"/>
                           <m:t>)</m:t>
                         </m:r>
                       </m:sup>
@@ -12305,29 +12874,22 @@
                 <a14:m>
                   <m:oMath xmlns:m="http://schemas.openxmlformats.org/officeDocument/2006/math">
                     <m:r>
-                      <a:rPr lang="en-US" b="0" i="1" smtClean="0">
-                        <a:latin typeface="Cambria Math" panose="02040503050406030204" pitchFamily="18" charset="0"/>
-                      </a:rPr>
+                      <a:rPr lang="en-US" b="0" i="1" smtClean="0"/>
                       <m:t>𝑉</m:t>
                     </m:r>
                     <m:r>
-                      <a:rPr lang="en-US" b="0" i="1" smtClean="0">
-                        <a:latin typeface="Cambria Math" panose="02040503050406030204" pitchFamily="18" charset="0"/>
-                      </a:rPr>
+                      <a:rPr lang="en-US" b="0" i="1" smtClean="0"/>
                       <m:t>(</m:t>
                     </m:r>
                     <m:sSup>
                       <m:sSupPr>
                         <m:ctrlPr>
-                          <a:rPr lang="en-US" b="0" i="1" smtClean="0">
-                            <a:latin typeface="Cambria Math" panose="02040503050406030204" pitchFamily="18" charset="0"/>
-                          </a:rPr>
+                          <a:rPr lang="en-US" b="0" i="1" smtClean="0"/>
                         </m:ctrlPr>
                       </m:sSupPr>
                       <m:e>
                         <m:r>
                           <a:rPr lang="en-US" b="0" i="1" smtClean="0">
-                            <a:latin typeface="Cambria Math" panose="02040503050406030204" pitchFamily="18" charset="0"/>
                             <a:ea typeface="Cambria Math" panose="02040503050406030204" pitchFamily="18" charset="0"/>
                           </a:rPr>
                           <m:t>𝜃</m:t>
@@ -12337,16 +12899,12 @@
                         <m:d>
                           <m:dPr>
                             <m:ctrlPr>
-                              <a:rPr lang="en-US" b="0" i="1" smtClean="0">
-                                <a:latin typeface="Cambria Math" panose="02040503050406030204" pitchFamily="18" charset="0"/>
-                              </a:rPr>
+                              <a:rPr lang="en-US" b="0" i="1" smtClean="0"/>
                             </m:ctrlPr>
                           </m:dPr>
                           <m:e>
                             <m:r>
-                              <a:rPr lang="en-US" b="0" i="1" smtClean="0">
-                                <a:latin typeface="Cambria Math" panose="02040503050406030204" pitchFamily="18" charset="0"/>
-                              </a:rPr>
+                              <a:rPr lang="en-US" b="0" i="1" smtClean="0"/>
                               <m:t>𝐺</m:t>
                             </m:r>
                           </m:e>
@@ -12354,23 +12912,18 @@
                       </m:sup>
                     </m:sSup>
                     <m:r>
-                      <a:rPr lang="en-US" b="0" i="1" smtClean="0">
-                        <a:latin typeface="Cambria Math" panose="02040503050406030204" pitchFamily="18" charset="0"/>
-                      </a:rPr>
+                      <a:rPr lang="en-US" b="0" i="1" smtClean="0"/>
                       <m:t>,</m:t>
                     </m:r>
                     <m:sSup>
                       <m:sSupPr>
                         <m:ctrlPr>
-                          <a:rPr lang="en-US" b="0" i="1" smtClean="0">
-                            <a:latin typeface="Cambria Math" panose="02040503050406030204" pitchFamily="18" charset="0"/>
-                          </a:rPr>
+                          <a:rPr lang="en-US" b="0" i="1" smtClean="0"/>
                         </m:ctrlPr>
                       </m:sSupPr>
                       <m:e>
                         <m:r>
                           <a:rPr lang="en-US" b="0" i="1" smtClean="0">
-                            <a:latin typeface="Cambria Math" panose="02040503050406030204" pitchFamily="18" charset="0"/>
                             <a:ea typeface="Cambria Math" panose="02040503050406030204" pitchFamily="18" charset="0"/>
                           </a:rPr>
                           <m:t>𝜃</m:t>
@@ -12380,16 +12933,12 @@
                         <m:d>
                           <m:dPr>
                             <m:ctrlPr>
-                              <a:rPr lang="en-US" b="0" i="1" smtClean="0">
-                                <a:latin typeface="Cambria Math" panose="02040503050406030204" pitchFamily="18" charset="0"/>
-                              </a:rPr>
+                              <a:rPr lang="en-US" b="0" i="1" smtClean="0"/>
                             </m:ctrlPr>
                           </m:dPr>
                           <m:e>
                             <m:r>
-                              <a:rPr lang="en-US" b="0" i="1" smtClean="0">
-                                <a:latin typeface="Cambria Math" panose="02040503050406030204" pitchFamily="18" charset="0"/>
-                              </a:rPr>
+                              <a:rPr lang="en-US" b="0" i="1" smtClean="0"/>
                               <m:t>𝐷</m:t>
                             </m:r>
                           </m:e>
@@ -12397,24 +12946,18 @@
                       </m:sup>
                     </m:sSup>
                     <m:r>
-                      <a:rPr lang="en-US" b="0" i="1" smtClean="0">
-                        <a:latin typeface="Cambria Math" panose="02040503050406030204" pitchFamily="18" charset="0"/>
-                      </a:rPr>
+                      <a:rPr lang="en-US" b="0" i="1" smtClean="0"/>
                       <m:t>)=−</m:t>
                     </m:r>
                     <m:sSup>
                       <m:sSupPr>
                         <m:ctrlPr>
-                          <a:rPr lang="en-US" i="1" smtClean="0">
-                            <a:latin typeface="Cambria Math" panose="02040503050406030204" pitchFamily="18" charset="0"/>
-                          </a:rPr>
+                          <a:rPr lang="en-US" i="1" smtClean="0"/>
                         </m:ctrlPr>
                       </m:sSupPr>
                       <m:e>
                         <m:r>
-                          <a:rPr lang="en-US" b="0" i="1" smtClean="0">
-                            <a:latin typeface="Cambria Math" panose="02040503050406030204" pitchFamily="18" charset="0"/>
-                          </a:rPr>
+                          <a:rPr lang="en-US" b="0" i="1" smtClean="0"/>
                           <m:t>𝐽</m:t>
                         </m:r>
                       </m:e>
@@ -12422,16 +12965,12 @@
                         <m:d>
                           <m:dPr>
                             <m:ctrlPr>
-                              <a:rPr lang="en-US" b="0" i="1" smtClean="0">
-                                <a:latin typeface="Cambria Math" panose="02040503050406030204" pitchFamily="18" charset="0"/>
-                              </a:rPr>
+                              <a:rPr lang="en-US" b="0" i="1" smtClean="0"/>
                             </m:ctrlPr>
                           </m:dPr>
                           <m:e>
                             <m:r>
-                              <a:rPr lang="en-US" b="0" i="1" smtClean="0">
-                                <a:latin typeface="Cambria Math" panose="02040503050406030204" pitchFamily="18" charset="0"/>
-                              </a:rPr>
+                              <a:rPr lang="en-US" b="0" i="1" smtClean="0"/>
                               <m:t>𝐷</m:t>
                             </m:r>
                           </m:e>
@@ -12439,23 +12978,18 @@
                       </m:sup>
                     </m:sSup>
                     <m:r>
-                      <a:rPr lang="en-US" b="0" i="1" smtClean="0">
-                        <a:latin typeface="Cambria Math" panose="02040503050406030204" pitchFamily="18" charset="0"/>
-                      </a:rPr>
+                      <a:rPr lang="en-US" b="0" i="1" smtClean="0"/>
                       <m:t>(</m:t>
                     </m:r>
                     <m:sSup>
                       <m:sSupPr>
                         <m:ctrlPr>
-                          <a:rPr lang="en-US" b="0" i="1" smtClean="0">
-                            <a:latin typeface="Cambria Math" panose="02040503050406030204" pitchFamily="18" charset="0"/>
-                          </a:rPr>
+                          <a:rPr lang="en-US" b="0" i="1" smtClean="0"/>
                         </m:ctrlPr>
                       </m:sSupPr>
                       <m:e>
                         <m:r>
                           <a:rPr lang="en-US" b="0" i="1" smtClean="0">
-                            <a:latin typeface="Cambria Math" panose="02040503050406030204" pitchFamily="18" charset="0"/>
                             <a:ea typeface="Cambria Math" panose="02040503050406030204" pitchFamily="18" charset="0"/>
                           </a:rPr>
                           <m:t>𝜃</m:t>
@@ -12465,16 +12999,12 @@
                         <m:d>
                           <m:dPr>
                             <m:ctrlPr>
-                              <a:rPr lang="en-US" b="0" i="1" smtClean="0">
-                                <a:latin typeface="Cambria Math" panose="02040503050406030204" pitchFamily="18" charset="0"/>
-                              </a:rPr>
+                              <a:rPr lang="en-US" b="0" i="1" smtClean="0"/>
                             </m:ctrlPr>
                           </m:dPr>
                           <m:e>
                             <m:r>
-                              <a:rPr lang="en-US" b="0" i="1" smtClean="0">
-                                <a:latin typeface="Cambria Math" panose="02040503050406030204" pitchFamily="18" charset="0"/>
-                              </a:rPr>
+                              <a:rPr lang="en-US" b="0" i="1" smtClean="0"/>
                               <m:t>𝐺</m:t>
                             </m:r>
                           </m:e>
@@ -12482,23 +13012,18 @@
                       </m:sup>
                     </m:sSup>
                     <m:r>
-                      <a:rPr lang="en-US" b="0" i="1" smtClean="0">
-                        <a:latin typeface="Cambria Math" panose="02040503050406030204" pitchFamily="18" charset="0"/>
-                      </a:rPr>
+                      <a:rPr lang="en-US" b="0" i="1" smtClean="0"/>
                       <m:t>,</m:t>
                     </m:r>
                     <m:sSup>
                       <m:sSupPr>
                         <m:ctrlPr>
-                          <a:rPr lang="en-US" b="0" i="1" smtClean="0">
-                            <a:latin typeface="Cambria Math" panose="02040503050406030204" pitchFamily="18" charset="0"/>
-                          </a:rPr>
+                          <a:rPr lang="en-US" b="0" i="1" smtClean="0"/>
                         </m:ctrlPr>
                       </m:sSupPr>
                       <m:e>
                         <m:r>
                           <a:rPr lang="en-US" b="0" i="1" smtClean="0">
-                            <a:latin typeface="Cambria Math" panose="02040503050406030204" pitchFamily="18" charset="0"/>
                             <a:ea typeface="Cambria Math" panose="02040503050406030204" pitchFamily="18" charset="0"/>
                           </a:rPr>
                           <m:t>𝜃</m:t>
@@ -12508,16 +13033,12 @@
                         <m:d>
                           <m:dPr>
                             <m:ctrlPr>
-                              <a:rPr lang="en-US" b="0" i="1" smtClean="0">
-                                <a:latin typeface="Cambria Math" panose="02040503050406030204" pitchFamily="18" charset="0"/>
-                              </a:rPr>
+                              <a:rPr lang="en-US" b="0" i="1" smtClean="0"/>
                             </m:ctrlPr>
                           </m:dPr>
                           <m:e>
                             <m:r>
-                              <a:rPr lang="en-US" b="0" i="1" smtClean="0">
-                                <a:latin typeface="Cambria Math" panose="02040503050406030204" pitchFamily="18" charset="0"/>
-                              </a:rPr>
+                              <a:rPr lang="en-US" b="0" i="1" smtClean="0"/>
                               <m:t>𝐷</m:t>
                             </m:r>
                           </m:e>
@@ -12533,9 +13054,12 @@
               </a:p>
               <a:p>
                 <a:r>
-                  <a:rPr lang="en-US" dirty="0"/>
-                  <a:t>Zero-sum games are known as minimax: maximizing the payoff for the discriminator implies minimizing it for the generator. Minimize in an outer loop, maximize in an inner loop:</a:t>
+                  <a:rPr lang="en-US" sz="2400" dirty="0"/>
+                  <a:t>Maximizing the payoff for the discriminator implies minimizing it for the generator. Minimize in an outer loop, maximize in an inner loop:</a:t>
                 </a:r>
+              </a:p>
+              <a:p>
+                <a:endParaRPr lang="en-US" sz="2400" dirty="0"/>
               </a:p>
               <a:p>
                 <a:pPr marL="0" indent="0">
@@ -12547,14 +13071,14 @@
                       <m:jc m:val="centerGroup"/>
                     </m:oMathParaPr>
                     <m:oMath xmlns:m="http://schemas.openxmlformats.org/officeDocument/2006/math">
-                      <m:sSup>
-                        <m:sSupPr>
+                      <m:sSubSup>
+                        <m:sSubSupPr>
                           <m:ctrlPr>
                             <a:rPr lang="en-US" sz="2400" i="1" smtClean="0">
                               <a:latin typeface="Cambria Math" panose="02040503050406030204" pitchFamily="18" charset="0"/>
                             </a:rPr>
                           </m:ctrlPr>
-                        </m:sSupPr>
+                        </m:sSubSupPr>
                         <m:e>
                           <m:r>
                             <a:rPr lang="en-US" sz="2400" i="1" smtClean="0">
@@ -12564,24 +13088,15 @@
                             <m:t>𝜃</m:t>
                           </m:r>
                         </m:e>
+                        <m:sub>
+                          <m:r>
+                            <a:rPr lang="en-US" sz="2400" b="0" i="1" smtClean="0">
+                              <a:latin typeface="Cambria Math" panose="02040503050406030204" pitchFamily="18" charset="0"/>
+                            </a:rPr>
+                            <m:t>𝐺</m:t>
+                          </m:r>
+                        </m:sub>
                         <m:sup>
-                          <m:d>
-                            <m:dPr>
-                              <m:ctrlPr>
-                                <a:rPr lang="en-US" sz="2400" b="0" i="1" smtClean="0">
-                                  <a:latin typeface="Cambria Math" panose="02040503050406030204" pitchFamily="18" charset="0"/>
-                                </a:rPr>
-                              </m:ctrlPr>
-                            </m:dPr>
-                            <m:e>
-                              <m:r>
-                                <a:rPr lang="en-US" sz="2400" b="0" i="1" smtClean="0">
-                                  <a:latin typeface="Cambria Math" panose="02040503050406030204" pitchFamily="18" charset="0"/>
-                                </a:rPr>
-                                <m:t>𝐺</m:t>
-                              </m:r>
-                            </m:e>
-                          </m:d>
                           <m:r>
                             <a:rPr lang="en-US" sz="2400" b="0" i="1" smtClean="0">
                               <a:latin typeface="Cambria Math" panose="02040503050406030204" pitchFamily="18" charset="0"/>
@@ -12589,697 +13104,632 @@
                             <m:t>∗</m:t>
                           </m:r>
                         </m:sup>
-                      </m:sSup>
+                      </m:sSubSup>
                       <m:r>
                         <a:rPr lang="en-US" sz="2400" b="0" i="1" smtClean="0">
                           <a:latin typeface="Cambria Math" panose="02040503050406030204" pitchFamily="18" charset="0"/>
                         </a:rPr>
                         <m:t>=</m:t>
                       </m:r>
-                      <m:func>
-                        <m:funcPr>
+                      <m:sSub>
+                        <m:sSubPr>
                           <m:ctrlPr>
                             <a:rPr lang="en-US" sz="2400" b="0" i="1" smtClean="0">
                               <a:latin typeface="Cambria Math" panose="02040503050406030204" pitchFamily="18" charset="0"/>
                             </a:rPr>
                           </m:ctrlPr>
-                        </m:funcPr>
-                        <m:fName>
-                          <m:limLow>
-                            <m:limLowPr>
+                        </m:sSubPr>
+                        <m:e>
+                          <m:r>
+                            <a:rPr lang="en-US" sz="2400" b="0" i="1" smtClean="0">
+                              <a:latin typeface="Cambria Math" panose="02040503050406030204" pitchFamily="18" charset="0"/>
+                            </a:rPr>
+                            <m:t>𝑎𝑟𝑔𝑚𝑖𝑛</m:t>
+                          </m:r>
+                        </m:e>
+                        <m:sub>
+                          <m:sSub>
+                            <m:sSubPr>
                               <m:ctrlPr>
                                 <a:rPr lang="en-US" sz="2400" b="0" i="1" smtClean="0">
                                   <a:latin typeface="Cambria Math" panose="02040503050406030204" pitchFamily="18" charset="0"/>
                                 </a:rPr>
                               </m:ctrlPr>
-                            </m:limLowPr>
+                            </m:sSubPr>
                             <m:e>
                               <m:r>
-                                <m:rPr>
-                                  <m:sty m:val="p"/>
-                                </m:rPr>
-                                <a:rPr lang="en-US" sz="2400" b="0" i="0" smtClean="0">
+                                <a:rPr lang="en-US" sz="2400" b="0" i="1" smtClean="0">
+                                  <a:latin typeface="Cambria Math" panose="02040503050406030204" pitchFamily="18" charset="0"/>
+                                  <a:ea typeface="Cambria Math" panose="02040503050406030204" pitchFamily="18" charset="0"/>
+                                </a:rPr>
+                                <m:t>𝜃</m:t>
+                              </m:r>
+                            </m:e>
+                            <m:sub>
+                              <m:r>
+                                <a:rPr lang="en-US" sz="2400" b="0" i="1" smtClean="0">
                                   <a:latin typeface="Cambria Math" panose="02040503050406030204" pitchFamily="18" charset="0"/>
                                 </a:rPr>
-                                <m:t>argmin</m:t>
+                                <m:t>𝐺</m:t>
                               </m:r>
-                            </m:e>
-                            <m:lim>
-                              <m:sSup>
-                                <m:sSupPr>
-                                  <m:ctrlPr>
-                                    <a:rPr lang="en-US" sz="2400" b="0" i="1" smtClean="0">
-                                      <a:latin typeface="Cambria Math" panose="02040503050406030204" pitchFamily="18" charset="0"/>
-                                    </a:rPr>
-                                  </m:ctrlPr>
-                                </m:sSupPr>
-                                <m:e>
-                                  <m:r>
-                                    <a:rPr lang="en-US" sz="2400" b="0" i="1" smtClean="0">
-                                      <a:latin typeface="Cambria Math" panose="02040503050406030204" pitchFamily="18" charset="0"/>
-                                      <a:ea typeface="Cambria Math" panose="02040503050406030204" pitchFamily="18" charset="0"/>
-                                    </a:rPr>
-                                    <m:t>𝜃</m:t>
-                                  </m:r>
-                                </m:e>
-                                <m:sup>
-                                  <m:r>
-                                    <a:rPr lang="en-US" sz="2400" b="0" i="1" smtClean="0">
-                                      <a:latin typeface="Cambria Math" panose="02040503050406030204" pitchFamily="18" charset="0"/>
-                                    </a:rPr>
-                                    <m:t>(</m:t>
-                                  </m:r>
-                                  <m:r>
-                                    <a:rPr lang="en-US" sz="2400" b="0" i="1" smtClean="0">
-                                      <a:latin typeface="Cambria Math" panose="02040503050406030204" pitchFamily="18" charset="0"/>
-                                    </a:rPr>
-                                    <m:t>𝐺</m:t>
-                                  </m:r>
-                                  <m:r>
-                                    <a:rPr lang="en-US" sz="2400" b="0" i="1" smtClean="0">
-                                      <a:latin typeface="Cambria Math" panose="02040503050406030204" pitchFamily="18" charset="0"/>
-                                    </a:rPr>
-                                    <m:t>)</m:t>
-                                  </m:r>
-                                </m:sup>
-                              </m:sSup>
-                            </m:lim>
-                          </m:limLow>
-                        </m:fName>
+                            </m:sub>
+                          </m:sSub>
+                        </m:sub>
+                      </m:sSub>
+                      <m:sSub>
+                        <m:sSubPr>
+                          <m:ctrlPr>
+                            <a:rPr lang="en-US" sz="2400" b="0" i="1" smtClean="0">
+                              <a:latin typeface="Cambria Math" panose="02040503050406030204" pitchFamily="18" charset="0"/>
+                            </a:rPr>
+                          </m:ctrlPr>
+                        </m:sSubPr>
                         <m:e>
-                          <m:func>
-                            <m:funcPr>
+                          <m:r>
+                            <a:rPr lang="en-US" sz="2400" b="0" i="1" smtClean="0">
+                              <a:latin typeface="Cambria Math" panose="02040503050406030204" pitchFamily="18" charset="0"/>
+                            </a:rPr>
+                            <m:t>𝑚𝑎𝑥</m:t>
+                          </m:r>
+                        </m:e>
+                        <m:sub>
+                          <m:sSub>
+                            <m:sSubPr>
                               <m:ctrlPr>
                                 <a:rPr lang="en-US" sz="2400" b="0" i="1" smtClean="0">
                                   <a:latin typeface="Cambria Math" panose="02040503050406030204" pitchFamily="18" charset="0"/>
                                 </a:rPr>
                               </m:ctrlPr>
-                            </m:funcPr>
-                            <m:fName>
-                              <m:limLow>
-                                <m:limLowPr>
-                                  <m:ctrlPr>
-                                    <a:rPr lang="en-US" sz="2400" b="0" i="1" smtClean="0">
-                                      <a:latin typeface="Cambria Math" panose="02040503050406030204" pitchFamily="18" charset="0"/>
-                                    </a:rPr>
-                                  </m:ctrlPr>
-                                </m:limLowPr>
-                                <m:e>
-                                  <m:r>
-                                    <m:rPr>
-                                      <m:sty m:val="p"/>
-                                    </m:rPr>
-                                    <a:rPr lang="en-US" sz="2400" b="0" i="0" smtClean="0">
-                                      <a:latin typeface="Cambria Math" panose="02040503050406030204" pitchFamily="18" charset="0"/>
-                                    </a:rPr>
-                                    <m:t>max</m:t>
-                                  </m:r>
-                                </m:e>
-                                <m:lim>
-                                  <m:sSup>
-                                    <m:sSupPr>
-                                      <m:ctrlPr>
-                                        <a:rPr lang="en-US" sz="2400" b="0" i="1" smtClean="0">
-                                          <a:latin typeface="Cambria Math" panose="02040503050406030204" pitchFamily="18" charset="0"/>
-                                        </a:rPr>
-                                      </m:ctrlPr>
-                                    </m:sSupPr>
-                                    <m:e>
-                                      <m:r>
-                                        <a:rPr lang="en-US" sz="2400" b="0" i="1" smtClean="0">
-                                          <a:latin typeface="Cambria Math" panose="02040503050406030204" pitchFamily="18" charset="0"/>
-                                          <a:ea typeface="Cambria Math" panose="02040503050406030204" pitchFamily="18" charset="0"/>
-                                        </a:rPr>
-                                        <m:t>𝜃</m:t>
-                                      </m:r>
-                                    </m:e>
-                                    <m:sup>
-                                      <m:r>
-                                        <a:rPr lang="en-US" sz="2400" b="0" i="1" smtClean="0">
-                                          <a:latin typeface="Cambria Math" panose="02040503050406030204" pitchFamily="18" charset="0"/>
-                                        </a:rPr>
-                                        <m:t>(</m:t>
-                                      </m:r>
-                                      <m:r>
-                                        <a:rPr lang="en-US" sz="2400" b="0" i="1" smtClean="0">
-                                          <a:latin typeface="Cambria Math" panose="02040503050406030204" pitchFamily="18" charset="0"/>
-                                        </a:rPr>
-                                        <m:t>𝐷</m:t>
-                                      </m:r>
-                                      <m:r>
-                                        <a:rPr lang="en-US" sz="2400" b="0" i="1" smtClean="0">
-                                          <a:latin typeface="Cambria Math" panose="02040503050406030204" pitchFamily="18" charset="0"/>
-                                        </a:rPr>
-                                        <m:t>)</m:t>
-                                      </m:r>
-                                    </m:sup>
-                                  </m:sSup>
-                                </m:lim>
-                              </m:limLow>
-                            </m:fName>
+                            </m:sSubPr>
                             <m:e>
                               <m:r>
                                 <a:rPr lang="en-US" sz="2400" b="0" i="1" smtClean="0">
                                   <a:latin typeface="Cambria Math" panose="02040503050406030204" pitchFamily="18" charset="0"/>
+                                  <a:ea typeface="Cambria Math" panose="02040503050406030204" pitchFamily="18" charset="0"/>
                                 </a:rPr>
-                                <m:t>𝑉</m:t>
+                                <m:t>𝜃</m:t>
                               </m:r>
+                            </m:e>
+                            <m:sub>
                               <m:r>
                                 <a:rPr lang="en-US" sz="2400" b="0" i="1" smtClean="0">
                                   <a:latin typeface="Cambria Math" panose="02040503050406030204" pitchFamily="18" charset="0"/>
                                 </a:rPr>
-                                <m:t>(</m:t>
+                                <m:t>𝐷</m:t>
                               </m:r>
-                              <m:sSup>
-                                <m:sSupPr>
-                                  <m:ctrlPr>
-                                    <a:rPr lang="en-US" sz="2400" b="0" i="1" smtClean="0">
-                                      <a:latin typeface="Cambria Math" panose="02040503050406030204" pitchFamily="18" charset="0"/>
-                                    </a:rPr>
-                                  </m:ctrlPr>
-                                </m:sSupPr>
-                                <m:e>
-                                  <m:r>
-                                    <a:rPr lang="en-US" sz="2400" b="0" i="1" smtClean="0">
-                                      <a:latin typeface="Cambria Math" panose="02040503050406030204" pitchFamily="18" charset="0"/>
-                                      <a:ea typeface="Cambria Math" panose="02040503050406030204" pitchFamily="18" charset="0"/>
-                                    </a:rPr>
-                                    <m:t>𝜃</m:t>
-                                  </m:r>
-                                </m:e>
-                                <m:sup>
-                                  <m:d>
-                                    <m:dPr>
-                                      <m:ctrlPr>
-                                        <a:rPr lang="en-US" sz="2400" b="0" i="1" smtClean="0">
-                                          <a:latin typeface="Cambria Math" panose="02040503050406030204" pitchFamily="18" charset="0"/>
-                                        </a:rPr>
-                                      </m:ctrlPr>
-                                    </m:dPr>
-                                    <m:e>
-                                      <m:r>
-                                        <a:rPr lang="en-US" sz="2400" b="0" i="1" smtClean="0">
-                                          <a:latin typeface="Cambria Math" panose="02040503050406030204" pitchFamily="18" charset="0"/>
-                                        </a:rPr>
-                                        <m:t>𝐺</m:t>
-                                      </m:r>
-                                    </m:e>
-                                  </m:d>
-                                </m:sup>
-                              </m:sSup>
-                              <m:r>
-                                <a:rPr lang="en-US" sz="2400" b="0" i="1" smtClean="0">
-                                  <a:latin typeface="Cambria Math" panose="02040503050406030204" pitchFamily="18" charset="0"/>
-                                </a:rPr>
-                                <m:t>,</m:t>
-                              </m:r>
-                              <m:sSup>
-                                <m:sSupPr>
-                                  <m:ctrlPr>
-                                    <a:rPr lang="en-US" sz="2400" b="0" i="1" smtClean="0">
-                                      <a:latin typeface="Cambria Math" panose="02040503050406030204" pitchFamily="18" charset="0"/>
-                                    </a:rPr>
-                                  </m:ctrlPr>
-                                </m:sSupPr>
-                                <m:e>
-                                  <m:r>
-                                    <a:rPr lang="en-US" sz="2400" b="0" i="1" smtClean="0">
-                                      <a:latin typeface="Cambria Math" panose="02040503050406030204" pitchFamily="18" charset="0"/>
-                                      <a:ea typeface="Cambria Math" panose="02040503050406030204" pitchFamily="18" charset="0"/>
-                                    </a:rPr>
-                                    <m:t>𝜃</m:t>
-                                  </m:r>
-                                </m:e>
-                                <m:sup>
-                                  <m:d>
-                                    <m:dPr>
-                                      <m:ctrlPr>
-                                        <a:rPr lang="en-US" sz="2400" b="0" i="1" smtClean="0">
-                                          <a:latin typeface="Cambria Math" panose="02040503050406030204" pitchFamily="18" charset="0"/>
-                                        </a:rPr>
-                                      </m:ctrlPr>
-                                    </m:dPr>
-                                    <m:e>
-                                      <m:r>
-                                        <a:rPr lang="en-US" sz="2400" b="0" i="1" smtClean="0">
-                                          <a:latin typeface="Cambria Math" panose="02040503050406030204" pitchFamily="18" charset="0"/>
-                                        </a:rPr>
-                                        <m:t>𝐷</m:t>
-                                      </m:r>
-                                    </m:e>
-                                  </m:d>
-                                </m:sup>
-                              </m:sSup>
-                              <m:r>
-                                <a:rPr lang="en-US" sz="2400" b="0" i="1" smtClean="0">
-                                  <a:latin typeface="Cambria Math" panose="02040503050406030204" pitchFamily="18" charset="0"/>
-                                </a:rPr>
-                                <m:t>)</m:t>
-                              </m:r>
-                            </m:e>
-                          </m:func>
+                            </m:sub>
+                          </m:sSub>
+                        </m:sub>
+                      </m:sSub>
+                      <m:r>
+                        <a:rPr lang="en-US" sz="2400" b="0" i="1" smtClean="0">
+                          <a:latin typeface="Cambria Math" panose="02040503050406030204" pitchFamily="18" charset="0"/>
+                        </a:rPr>
+                        <m:t>𝑉</m:t>
+                      </m:r>
+                      <m:r>
+                        <a:rPr lang="en-US" sz="2400" b="0" i="1" smtClean="0">
+                          <a:latin typeface="Cambria Math" panose="02040503050406030204" pitchFamily="18" charset="0"/>
+                        </a:rPr>
+                        <m:t>(</m:t>
+                      </m:r>
+                      <m:sSub>
+                        <m:sSubPr>
+                          <m:ctrlPr>
+                            <a:rPr lang="en-US" sz="2400" i="1">
+                              <a:latin typeface="Cambria Math" panose="02040503050406030204" pitchFamily="18" charset="0"/>
+                            </a:rPr>
+                          </m:ctrlPr>
+                        </m:sSubPr>
+                        <m:e>
+                          <m:r>
+                            <a:rPr lang="en-US" sz="2400" i="1">
+                              <a:latin typeface="Cambria Math" panose="02040503050406030204" pitchFamily="18" charset="0"/>
+                              <a:ea typeface="Cambria Math" panose="02040503050406030204" pitchFamily="18" charset="0"/>
+                            </a:rPr>
+                            <m:t>𝜃</m:t>
+                          </m:r>
                         </m:e>
-                      </m:func>
+                        <m:sub>
+                          <m:r>
+                            <a:rPr lang="en-US" sz="2400" i="1">
+                              <a:latin typeface="Cambria Math" panose="02040503050406030204" pitchFamily="18" charset="0"/>
+                            </a:rPr>
+                            <m:t>𝐺</m:t>
+                          </m:r>
+                        </m:sub>
+                      </m:sSub>
+                      <m:r>
+                        <a:rPr lang="en-US" sz="2400" b="0" i="1" smtClean="0">
+                          <a:latin typeface="Cambria Math" panose="02040503050406030204" pitchFamily="18" charset="0"/>
+                        </a:rPr>
+                        <m:t>,</m:t>
+                      </m:r>
+                      <m:sSub>
+                        <m:sSubPr>
+                          <m:ctrlPr>
+                            <a:rPr lang="en-US" sz="2400" i="1">
+                              <a:latin typeface="Cambria Math" panose="02040503050406030204" pitchFamily="18" charset="0"/>
+                            </a:rPr>
+                          </m:ctrlPr>
+                        </m:sSubPr>
+                        <m:e>
+                          <m:r>
+                            <a:rPr lang="en-US" sz="2400" i="1">
+                              <a:latin typeface="Cambria Math" panose="02040503050406030204" pitchFamily="18" charset="0"/>
+                              <a:ea typeface="Cambria Math" panose="02040503050406030204" pitchFamily="18" charset="0"/>
+                            </a:rPr>
+                            <m:t>𝜃</m:t>
+                          </m:r>
+                        </m:e>
+                        <m:sub>
+                          <m:r>
+                            <a:rPr lang="en-US" sz="2400" i="1">
+                              <a:latin typeface="Cambria Math" panose="02040503050406030204" pitchFamily="18" charset="0"/>
+                            </a:rPr>
+                            <m:t>𝐷</m:t>
+                          </m:r>
+                        </m:sub>
+                      </m:sSub>
+                      <m:r>
+                        <a:rPr lang="en-US" sz="2400" b="0" i="0" smtClean="0">
+                          <a:latin typeface="Cambria Math" panose="02040503050406030204" pitchFamily="18" charset="0"/>
+                        </a:rPr>
+                        <m:t>)</m:t>
+                      </m:r>
                     </m:oMath>
                   </m:oMathPara>
                 </a14:m>
-                <a:endParaRPr lang="en-US" sz="2400" dirty="0"/>
+                <a:endParaRPr lang="en-US" sz="2400" dirty="0">
+                  <a:latin typeface="Cambria Math" panose="02040503050406030204" pitchFamily="18" charset="0"/>
+                  <a:ea typeface="Cambria Math" panose="02040503050406030204" pitchFamily="18" charset="0"/>
+                </a:endParaRPr>
               </a:p>
               <a:p>
                 <a:pPr marL="0" indent="0">
                   <a:buNone/>
                 </a:pPr>
                 <a14:m>
-                  <m:oMathPara xmlns:m="http://schemas.openxmlformats.org/officeDocument/2006/math">
-                    <m:oMathParaPr>
-                      <m:jc m:val="center"/>
-                    </m:oMathParaPr>
-                    <m:oMath xmlns:m="http://schemas.openxmlformats.org/officeDocument/2006/math">
-                      <m:func>
-                        <m:funcPr>
-                          <m:ctrlPr>
-                            <a:rPr lang="en-US" sz="2400" i="1" smtClean="0">
-                              <a:latin typeface="Cambria Math" panose="02040503050406030204" pitchFamily="18" charset="0"/>
-                            </a:rPr>
-                          </m:ctrlPr>
-                        </m:funcPr>
-                        <m:fName>
-                          <m:limLow>
-                            <m:limLowPr>
-                              <m:ctrlPr>
-                                <a:rPr lang="en-US" sz="2400" i="1" smtClean="0">
-                                  <a:latin typeface="Cambria Math" panose="02040503050406030204" pitchFamily="18" charset="0"/>
-                                </a:rPr>
-                              </m:ctrlPr>
-                            </m:limLowPr>
-                            <m:e>
-                              <m:r>
-                                <m:rPr>
-                                  <m:sty m:val="p"/>
-                                </m:rPr>
-                                <a:rPr lang="en-US" sz="2400" i="0" smtClean="0">
-                                  <a:latin typeface="Cambria Math" panose="02040503050406030204" pitchFamily="18" charset="0"/>
-                                </a:rPr>
-                                <m:t>min</m:t>
-                              </m:r>
-                            </m:e>
-                            <m:lim>
-                              <m:r>
-                                <a:rPr lang="en-US" sz="2400" b="0" i="1" smtClean="0">
-                                  <a:latin typeface="Cambria Math" panose="02040503050406030204" pitchFamily="18" charset="0"/>
-                                </a:rPr>
-                                <m:t>𝐺</m:t>
-                              </m:r>
-                            </m:lim>
-                          </m:limLow>
-                        </m:fName>
-                        <m:e>
-                          <m:limLow>
-                            <m:limLowPr>
-                              <m:ctrlPr>
-                                <a:rPr lang="en-US" sz="2400" i="1" smtClean="0">
-                                  <a:latin typeface="Cambria Math" panose="02040503050406030204" pitchFamily="18" charset="0"/>
-                                </a:rPr>
-                              </m:ctrlPr>
-                            </m:limLowPr>
-                            <m:e>
-                              <m:r>
-                                <m:rPr>
-                                  <m:sty m:val="p"/>
-                                </m:rPr>
-                                <a:rPr lang="en-US" sz="2400" i="0" smtClean="0">
-                                  <a:latin typeface="Cambria Math" panose="02040503050406030204" pitchFamily="18" charset="0"/>
-                                </a:rPr>
-                                <m:t>max</m:t>
-                              </m:r>
-                            </m:e>
-                            <m:lim>
-                              <m:r>
-                                <a:rPr lang="en-US" sz="2400" b="0" i="1" smtClean="0">
-                                  <a:latin typeface="Cambria Math" panose="02040503050406030204" pitchFamily="18" charset="0"/>
-                                </a:rPr>
-                                <m:t>𝐷</m:t>
-                              </m:r>
-                            </m:lim>
-                          </m:limLow>
-                          <m:r>
-                            <a:rPr lang="en-US" sz="2400" b="0" i="1" smtClean="0">
-                              <a:latin typeface="Cambria Math" panose="02040503050406030204" pitchFamily="18" charset="0"/>
-                            </a:rPr>
-                            <m:t>𝑉</m:t>
-                          </m:r>
-                          <m:d>
-                            <m:dPr>
-                              <m:ctrlPr>
-                                <a:rPr lang="en-US" sz="2400" b="0" i="1" smtClean="0">
-                                  <a:latin typeface="Cambria Math" panose="02040503050406030204" pitchFamily="18" charset="0"/>
-                                </a:rPr>
-                              </m:ctrlPr>
-                            </m:dPr>
-                            <m:e>
-                              <m:r>
-                                <a:rPr lang="en-US" sz="2400" b="0" i="1" smtClean="0">
-                                  <a:latin typeface="Cambria Math" panose="02040503050406030204" pitchFamily="18" charset="0"/>
-                                </a:rPr>
-                                <m:t>𝐷</m:t>
-                              </m:r>
-                              <m:r>
-                                <a:rPr lang="en-US" sz="2400" b="0" i="1" smtClean="0">
-                                  <a:latin typeface="Cambria Math" panose="02040503050406030204" pitchFamily="18" charset="0"/>
-                                </a:rPr>
-                                <m:t>,</m:t>
-                              </m:r>
-                              <m:r>
-                                <a:rPr lang="en-US" sz="2400" b="0" i="1" smtClean="0">
-                                  <a:latin typeface="Cambria Math" panose="02040503050406030204" pitchFamily="18" charset="0"/>
-                                </a:rPr>
-                                <m:t>𝐺</m:t>
-                              </m:r>
-                            </m:e>
-                          </m:d>
-                        </m:e>
-                      </m:func>
-                      <m:func>
-                        <m:funcPr>
-                          <m:ctrlPr>
-                            <a:rPr lang="en-US" sz="2400" i="1" smtClean="0">
-                              <a:latin typeface="Cambria Math" panose="02040503050406030204" pitchFamily="18" charset="0"/>
-                            </a:rPr>
-                          </m:ctrlPr>
-                        </m:funcPr>
-                        <m:fName>
-                          <m:r>
-                            <a:rPr lang="en-US" sz="2400" b="0" i="1" smtClean="0">
-                              <a:latin typeface="Cambria Math" panose="02040503050406030204" pitchFamily="18" charset="0"/>
-                            </a:rPr>
-                            <m:t>= </m:t>
-                          </m:r>
-                        </m:fName>
-                        <m:e>
-                          <m:sSub>
-                            <m:sSubPr>
-                              <m:ctrlPr>
-                                <a:rPr lang="en-US" sz="2400" i="1">
-                                  <a:latin typeface="Cambria Math" panose="02040503050406030204" pitchFamily="18" charset="0"/>
-                                </a:rPr>
-                              </m:ctrlPr>
-                            </m:sSubPr>
-                            <m:e>
-                              <m:r>
-                                <a:rPr lang="en-US" sz="2400" i="1">
-                                  <a:latin typeface="Cambria Math" panose="02040503050406030204" pitchFamily="18" charset="0"/>
-                                  <a:ea typeface="Cambria Math" panose="02040503050406030204" pitchFamily="18" charset="0"/>
-                                </a:rPr>
-                                <m:t>𝔼</m:t>
-                              </m:r>
-                            </m:e>
-                            <m:sub>
-                              <m:r>
-                                <a:rPr lang="en-US" sz="2400" i="1">
-                                  <a:latin typeface="Cambria Math" panose="02040503050406030204" pitchFamily="18" charset="0"/>
-                                </a:rPr>
-                                <m:t>𝑥</m:t>
-                              </m:r>
-                              <m:r>
-                                <a:rPr lang="en-US" sz="2400" i="1">
-                                  <a:latin typeface="Cambria Math" panose="02040503050406030204" pitchFamily="18" charset="0"/>
-                                  <a:ea typeface="Cambria Math" panose="02040503050406030204" pitchFamily="18" charset="0"/>
-                                </a:rPr>
-                                <m:t>~</m:t>
-                              </m:r>
-                              <m:sSub>
-                                <m:sSubPr>
-                                  <m:ctrlPr>
-                                    <a:rPr lang="en-US" sz="2400" i="1">
-                                      <a:latin typeface="Cambria Math" panose="02040503050406030204" pitchFamily="18" charset="0"/>
-                                      <a:ea typeface="Cambria Math" panose="02040503050406030204" pitchFamily="18" charset="0"/>
-                                    </a:rPr>
-                                  </m:ctrlPr>
-                                </m:sSubPr>
-                                <m:e>
-                                  <m:r>
-                                    <a:rPr lang="en-US" sz="2400" i="1">
-                                      <a:latin typeface="Cambria Math" panose="02040503050406030204" pitchFamily="18" charset="0"/>
-                                      <a:ea typeface="Cambria Math" panose="02040503050406030204" pitchFamily="18" charset="0"/>
-                                    </a:rPr>
-                                    <m:t>𝑝</m:t>
-                                  </m:r>
-                                </m:e>
-                                <m:sub>
-                                  <m:r>
-                                    <a:rPr lang="en-US" sz="2400" i="1">
-                                      <a:latin typeface="Cambria Math" panose="02040503050406030204" pitchFamily="18" charset="0"/>
-                                      <a:ea typeface="Cambria Math" panose="02040503050406030204" pitchFamily="18" charset="0"/>
-                                    </a:rPr>
-                                    <m:t>𝑑𝑎𝑡𝑎</m:t>
-                                  </m:r>
-                                </m:sub>
-                              </m:sSub>
-                              <m:r>
-                                <a:rPr lang="en-US" sz="2400" i="1">
-                                  <a:latin typeface="Cambria Math" panose="02040503050406030204" pitchFamily="18" charset="0"/>
-                                  <a:ea typeface="Cambria Math" panose="02040503050406030204" pitchFamily="18" charset="0"/>
-                                </a:rPr>
-                                <m:t>(</m:t>
-                              </m:r>
-                              <m:r>
-                                <a:rPr lang="en-US" sz="2400" i="1">
-                                  <a:latin typeface="Cambria Math" panose="02040503050406030204" pitchFamily="18" charset="0"/>
-                                  <a:ea typeface="Cambria Math" panose="02040503050406030204" pitchFamily="18" charset="0"/>
-                                </a:rPr>
-                                <m:t>𝑥</m:t>
-                              </m:r>
-                              <m:r>
-                                <a:rPr lang="en-US" sz="2400" i="1">
-                                  <a:latin typeface="Cambria Math" panose="02040503050406030204" pitchFamily="18" charset="0"/>
-                                  <a:ea typeface="Cambria Math" panose="02040503050406030204" pitchFamily="18" charset="0"/>
-                                </a:rPr>
-                                <m:t>)</m:t>
-                              </m:r>
-                            </m:sub>
-                          </m:sSub>
-                          <m:d>
-                            <m:dPr>
-                              <m:begChr m:val="["/>
-                              <m:endChr m:val="]"/>
-                              <m:ctrlPr>
-                                <a:rPr lang="en-US" sz="2400" i="1">
-                                  <a:latin typeface="Cambria Math" panose="02040503050406030204" pitchFamily="18" charset="0"/>
-                                </a:rPr>
-                              </m:ctrlPr>
-                            </m:dPr>
-                            <m:e>
-                              <m:r>
-                                <a:rPr lang="en-US" sz="2400" i="1">
-                                  <a:latin typeface="Cambria Math" panose="02040503050406030204" pitchFamily="18" charset="0"/>
-                                </a:rPr>
-                                <m:t>𝑙𝑜𝑔𝐷</m:t>
-                              </m:r>
-                              <m:r>
-                                <a:rPr lang="en-US" sz="2400" i="1">
-                                  <a:latin typeface="Cambria Math" panose="02040503050406030204" pitchFamily="18" charset="0"/>
-                                </a:rPr>
-                                <m:t>(</m:t>
-                              </m:r>
-                              <m:r>
-                                <a:rPr lang="en-US" sz="2400" i="1">
-                                  <a:latin typeface="Cambria Math" panose="02040503050406030204" pitchFamily="18" charset="0"/>
-                                </a:rPr>
-                                <m:t>𝑥</m:t>
-                              </m:r>
-                              <m:r>
-                                <a:rPr lang="en-US" sz="2400" i="1">
-                                  <a:latin typeface="Cambria Math" panose="02040503050406030204" pitchFamily="18" charset="0"/>
-                                </a:rPr>
-                                <m:t>)</m:t>
-                              </m:r>
-                            </m:e>
-                          </m:d>
-                          <m:r>
-                            <a:rPr lang="en-US" sz="2400" i="1">
-                              <a:latin typeface="Cambria Math" panose="02040503050406030204" pitchFamily="18" charset="0"/>
-                            </a:rPr>
-                            <m:t>+</m:t>
-                          </m:r>
-                          <m:sSub>
-                            <m:sSubPr>
-                              <m:ctrlPr>
-                                <a:rPr lang="en-US" sz="2400" i="1">
-                                  <a:latin typeface="Cambria Math" panose="02040503050406030204" pitchFamily="18" charset="0"/>
-                                </a:rPr>
-                              </m:ctrlPr>
-                            </m:sSubPr>
-                            <m:e>
-                              <m:r>
-                                <a:rPr lang="en-US" sz="2400" i="1">
-                                  <a:latin typeface="Cambria Math" panose="02040503050406030204" pitchFamily="18" charset="0"/>
-                                  <a:ea typeface="Cambria Math" panose="02040503050406030204" pitchFamily="18" charset="0"/>
-                                </a:rPr>
-                                <m:t>𝔼</m:t>
-                              </m:r>
-                            </m:e>
-                            <m:sub>
-                              <m:r>
-                                <a:rPr lang="en-US" sz="2400" i="1">
-                                  <a:latin typeface="Cambria Math" panose="02040503050406030204" pitchFamily="18" charset="0"/>
-                                </a:rPr>
-                                <m:t>𝑥</m:t>
-                              </m:r>
-                              <m:r>
-                                <a:rPr lang="en-US" sz="2400" i="1">
-                                  <a:latin typeface="Cambria Math" panose="02040503050406030204" pitchFamily="18" charset="0"/>
-                                  <a:ea typeface="Cambria Math" panose="02040503050406030204" pitchFamily="18" charset="0"/>
-                                </a:rPr>
-                                <m:t>~</m:t>
-                              </m:r>
-                              <m:sSub>
-                                <m:sSubPr>
-                                  <m:ctrlPr>
-                                    <a:rPr lang="en-US" sz="2400" i="1">
-                                      <a:latin typeface="Cambria Math" panose="02040503050406030204" pitchFamily="18" charset="0"/>
-                                      <a:ea typeface="Cambria Math" panose="02040503050406030204" pitchFamily="18" charset="0"/>
-                                    </a:rPr>
-                                  </m:ctrlPr>
-                                </m:sSubPr>
-                                <m:e>
-                                  <m:r>
-                                    <a:rPr lang="en-US" sz="2400" i="1">
-                                      <a:latin typeface="Cambria Math" panose="02040503050406030204" pitchFamily="18" charset="0"/>
-                                      <a:ea typeface="Cambria Math" panose="02040503050406030204" pitchFamily="18" charset="0"/>
-                                    </a:rPr>
-                                    <m:t>𝑝</m:t>
-                                  </m:r>
-                                </m:e>
-                                <m:sub>
-                                  <m:r>
-                                    <a:rPr lang="en-US" sz="2400" i="1">
-                                      <a:latin typeface="Cambria Math" panose="02040503050406030204" pitchFamily="18" charset="0"/>
-                                      <a:ea typeface="Cambria Math" panose="02040503050406030204" pitchFamily="18" charset="0"/>
-                                    </a:rPr>
-                                    <m:t>𝑧</m:t>
-                                  </m:r>
-                                </m:sub>
-                              </m:sSub>
-                              <m:r>
-                                <a:rPr lang="en-US" sz="2400" i="1">
-                                  <a:latin typeface="Cambria Math" panose="02040503050406030204" pitchFamily="18" charset="0"/>
-                                  <a:ea typeface="Cambria Math" panose="02040503050406030204" pitchFamily="18" charset="0"/>
-                                </a:rPr>
-                                <m:t>(</m:t>
-                              </m:r>
-                              <m:r>
-                                <a:rPr lang="en-US" sz="2400" i="1">
-                                  <a:latin typeface="Cambria Math" panose="02040503050406030204" pitchFamily="18" charset="0"/>
-                                  <a:ea typeface="Cambria Math" panose="02040503050406030204" pitchFamily="18" charset="0"/>
-                                </a:rPr>
-                                <m:t>𝑧</m:t>
-                              </m:r>
-                              <m:r>
-                                <a:rPr lang="en-US" sz="2400" i="1">
-                                  <a:latin typeface="Cambria Math" panose="02040503050406030204" pitchFamily="18" charset="0"/>
-                                  <a:ea typeface="Cambria Math" panose="02040503050406030204" pitchFamily="18" charset="0"/>
-                                </a:rPr>
-                                <m:t>)</m:t>
-                              </m:r>
-                            </m:sub>
-                          </m:sSub>
-                          <m:d>
-                            <m:dPr>
-                              <m:begChr m:val="["/>
-                              <m:endChr m:val="]"/>
-                              <m:ctrlPr>
-                                <a:rPr lang="en-US" sz="2400" i="1">
-                                  <a:latin typeface="Cambria Math" panose="02040503050406030204" pitchFamily="18" charset="0"/>
-                                </a:rPr>
-                              </m:ctrlPr>
-                            </m:dPr>
-                            <m:e>
-                              <m:r>
-                                <m:rPr>
-                                  <m:sty m:val="p"/>
-                                </m:rPr>
-                                <a:rPr lang="en-US" sz="2400">
-                                  <a:latin typeface="Cambria Math" panose="02040503050406030204" pitchFamily="18" charset="0"/>
-                                </a:rPr>
-                                <m:t>log</m:t>
-                              </m:r>
-                              <m:r>
-                                <a:rPr lang="en-US" sz="2400" i="1">
-                                  <a:latin typeface="Cambria Math" panose="02040503050406030204" pitchFamily="18" charset="0"/>
-                                </a:rPr>
-                                <m:t>⁡</m:t>
-                              </m:r>
-                              <m:r>
-                                <a:rPr lang="en-US" sz="2400" b="0" i="1" smtClean="0">
-                                  <a:latin typeface="Cambria Math" panose="02040503050406030204" pitchFamily="18" charset="0"/>
-                                </a:rPr>
-                                <m:t>(</m:t>
-                              </m:r>
-                              <m:r>
-                                <a:rPr lang="en-US" sz="2400" i="1">
-                                  <a:latin typeface="Cambria Math" panose="02040503050406030204" pitchFamily="18" charset="0"/>
-                                </a:rPr>
-                                <m:t>1−</m:t>
-                              </m:r>
-                              <m:r>
-                                <a:rPr lang="en-US" sz="2400" i="1">
-                                  <a:latin typeface="Cambria Math" panose="02040503050406030204" pitchFamily="18" charset="0"/>
-                                </a:rPr>
-                                <m:t>𝐷</m:t>
-                              </m:r>
-                              <m:d>
-                                <m:dPr>
-                                  <m:ctrlPr>
-                                    <a:rPr lang="en-US" sz="2400" i="1">
-                                      <a:latin typeface="Cambria Math" panose="02040503050406030204" pitchFamily="18" charset="0"/>
-                                    </a:rPr>
-                                  </m:ctrlPr>
-                                </m:dPr>
-                                <m:e>
-                                  <m:r>
-                                    <a:rPr lang="en-US" sz="2400" i="1">
-                                      <a:latin typeface="Cambria Math" panose="02040503050406030204" pitchFamily="18" charset="0"/>
-                                    </a:rPr>
-                                    <m:t>𝐺</m:t>
-                                  </m:r>
-                                  <m:d>
-                                    <m:dPr>
-                                      <m:ctrlPr>
-                                        <a:rPr lang="en-US" sz="2400" i="1">
-                                          <a:latin typeface="Cambria Math" panose="02040503050406030204" pitchFamily="18" charset="0"/>
-                                        </a:rPr>
-                                      </m:ctrlPr>
-                                    </m:dPr>
-                                    <m:e>
-                                      <m:r>
-                                        <a:rPr lang="en-US" sz="2400" i="1">
-                                          <a:latin typeface="Cambria Math" panose="02040503050406030204" pitchFamily="18" charset="0"/>
-                                        </a:rPr>
-                                        <m:t>𝑧</m:t>
-                                      </m:r>
-                                    </m:e>
-                                  </m:d>
-                                </m:e>
-                              </m:d>
-                              <m:r>
-                                <a:rPr lang="en-US" sz="2400" b="0" i="1" smtClean="0">
-                                  <a:latin typeface="Cambria Math" panose="02040503050406030204" pitchFamily="18" charset="0"/>
-                                </a:rPr>
-                                <m:t>)</m:t>
-                              </m:r>
-                            </m:e>
-                          </m:d>
-                        </m:e>
-                      </m:func>
-                    </m:oMath>
-                  </m:oMathPara>
+                  <m:oMath xmlns:m="http://schemas.openxmlformats.org/officeDocument/2006/math">
+                    <m:sSub>
+                      <m:sSubPr>
+                        <m:ctrlPr>
+                          <a:rPr lang="en-US" sz="2400" i="1" smtClean="0">
+                            <a:latin typeface="Cambria Math" panose="02040503050406030204" pitchFamily="18" charset="0"/>
+                            <a:ea typeface="Cambria Math" panose="02040503050406030204" pitchFamily="18" charset="0"/>
+                          </a:rPr>
+                        </m:ctrlPr>
+                      </m:sSubPr>
+                      <m:e>
+                        <m:r>
+                          <a:rPr lang="en-US" sz="2400" b="0" i="1" smtClean="0">
+                            <a:latin typeface="Cambria Math" panose="02040503050406030204" pitchFamily="18" charset="0"/>
+                            <a:ea typeface="Cambria Math" panose="02040503050406030204" pitchFamily="18" charset="0"/>
+                          </a:rPr>
+                          <m:t>𝑚𝑖𝑛</m:t>
+                        </m:r>
+                      </m:e>
+                      <m:sub>
+                        <m:r>
+                          <a:rPr lang="en-US" sz="2400" b="0" i="1" smtClean="0">
+                            <a:latin typeface="Cambria Math" panose="02040503050406030204" pitchFamily="18" charset="0"/>
+                            <a:ea typeface="Cambria Math" panose="02040503050406030204" pitchFamily="18" charset="0"/>
+                          </a:rPr>
+                          <m:t>𝐺</m:t>
+                        </m:r>
+                      </m:sub>
+                    </m:sSub>
+                    <m:sSub>
+                      <m:sSubPr>
+                        <m:ctrlPr>
+                          <a:rPr lang="en-US" sz="2400" i="1" smtClean="0">
+                            <a:latin typeface="Cambria Math" panose="02040503050406030204" pitchFamily="18" charset="0"/>
+                            <a:ea typeface="Cambria Math" panose="02040503050406030204" pitchFamily="18" charset="0"/>
+                          </a:rPr>
+                        </m:ctrlPr>
+                      </m:sSubPr>
+                      <m:e>
+                        <m:r>
+                          <a:rPr lang="en-US" sz="2400" b="0" i="1" smtClean="0">
+                            <a:latin typeface="Cambria Math" panose="02040503050406030204" pitchFamily="18" charset="0"/>
+                            <a:ea typeface="Cambria Math" panose="02040503050406030204" pitchFamily="18" charset="0"/>
+                          </a:rPr>
+                          <m:t>𝑚𝑎𝑥</m:t>
+                        </m:r>
+                      </m:e>
+                      <m:sub>
+                        <m:r>
+                          <a:rPr lang="en-US" sz="2400" b="0" i="1" smtClean="0">
+                            <a:latin typeface="Cambria Math" panose="02040503050406030204" pitchFamily="18" charset="0"/>
+                            <a:ea typeface="Cambria Math" panose="02040503050406030204" pitchFamily="18" charset="0"/>
+                          </a:rPr>
+                          <m:t>𝐷</m:t>
+                        </m:r>
+                      </m:sub>
+                    </m:sSub>
+                    <m:r>
+                      <a:rPr lang="en-US" sz="2400" b="0" i="1" smtClean="0">
+                        <a:latin typeface="Cambria Math" panose="02040503050406030204" pitchFamily="18" charset="0"/>
+                        <a:ea typeface="Cambria Math" panose="02040503050406030204" pitchFamily="18" charset="0"/>
+                      </a:rPr>
+                      <m:t>𝑉</m:t>
+                    </m:r>
+                    <m:d>
+                      <m:dPr>
+                        <m:ctrlPr>
+                          <a:rPr lang="en-US" sz="2400" b="0" i="1" smtClean="0">
+                            <a:latin typeface="Cambria Math" panose="02040503050406030204" pitchFamily="18" charset="0"/>
+                            <a:ea typeface="Cambria Math" panose="02040503050406030204" pitchFamily="18" charset="0"/>
+                          </a:rPr>
+                        </m:ctrlPr>
+                      </m:dPr>
+                      <m:e>
+                        <m:r>
+                          <a:rPr lang="en-US" sz="2400" b="0" i="1" smtClean="0">
+                            <a:latin typeface="Cambria Math" panose="02040503050406030204" pitchFamily="18" charset="0"/>
+                            <a:ea typeface="Cambria Math" panose="02040503050406030204" pitchFamily="18" charset="0"/>
+                          </a:rPr>
+                          <m:t>𝐷</m:t>
+                        </m:r>
+                        <m:r>
+                          <a:rPr lang="en-US" sz="2400" b="0" i="1" smtClean="0">
+                            <a:latin typeface="Cambria Math" panose="02040503050406030204" pitchFamily="18" charset="0"/>
+                            <a:ea typeface="Cambria Math" panose="02040503050406030204" pitchFamily="18" charset="0"/>
+                          </a:rPr>
+                          <m:t>,</m:t>
+                        </m:r>
+                        <m:r>
+                          <a:rPr lang="en-US" sz="2400" b="0" i="1" smtClean="0">
+                            <a:latin typeface="Cambria Math" panose="02040503050406030204" pitchFamily="18" charset="0"/>
+                            <a:ea typeface="Cambria Math" panose="02040503050406030204" pitchFamily="18" charset="0"/>
+                          </a:rPr>
+                          <m:t>𝐺</m:t>
+                        </m:r>
+                      </m:e>
+                    </m:d>
+                    <m:r>
+                      <a:rPr lang="en-US" sz="2400" b="0" i="1" smtClean="0">
+                        <a:latin typeface="Cambria Math" panose="02040503050406030204" pitchFamily="18" charset="0"/>
+                        <a:ea typeface="Cambria Math" panose="02040503050406030204" pitchFamily="18" charset="0"/>
+                      </a:rPr>
+                      <m:t>=</m:t>
+                    </m:r>
+                  </m:oMath>
                 </a14:m>
+                <a:r>
+                  <a:rPr lang="en-US" sz="2400" dirty="0">
+                    <a:ea typeface="Cambria Math" panose="02040503050406030204" pitchFamily="18" charset="0"/>
+                  </a:rPr>
+                  <a:t> </a:t>
+                </a:r>
+                <a14:m>
+                  <m:oMath xmlns:m="http://schemas.openxmlformats.org/officeDocument/2006/math">
+                    <m:sSub>
+                      <m:sSubPr>
+                        <m:ctrlPr>
+                          <a:rPr lang="en-US" sz="2400" i="1">
+                            <a:latin typeface="Cambria Math" panose="02040503050406030204" pitchFamily="18" charset="0"/>
+                            <a:ea typeface="Cambria Math" panose="02040503050406030204" pitchFamily="18" charset="0"/>
+                          </a:rPr>
+                        </m:ctrlPr>
+                      </m:sSubPr>
+                      <m:e>
+                        <m:r>
+                          <a:rPr lang="en-US" sz="2400" i="1">
+                            <a:latin typeface="Cambria Math" panose="02040503050406030204" pitchFamily="18" charset="0"/>
+                            <a:ea typeface="Cambria Math" panose="02040503050406030204" pitchFamily="18" charset="0"/>
+                          </a:rPr>
+                          <m:t>𝔼</m:t>
+                        </m:r>
+                      </m:e>
+                      <m:sub>
+                        <m:r>
+                          <a:rPr lang="en-US" sz="2400" i="1">
+                            <a:latin typeface="Cambria Math" panose="02040503050406030204" pitchFamily="18" charset="0"/>
+                            <a:ea typeface="Cambria Math" panose="02040503050406030204" pitchFamily="18" charset="0"/>
+                          </a:rPr>
+                          <m:t>𝑥</m:t>
+                        </m:r>
+                        <m:r>
+                          <a:rPr lang="en-US" sz="2400" i="1">
+                            <a:latin typeface="Cambria Math" panose="02040503050406030204" pitchFamily="18" charset="0"/>
+                            <a:ea typeface="Cambria Math" panose="02040503050406030204" pitchFamily="18" charset="0"/>
+                          </a:rPr>
+                          <m:t>~</m:t>
+                        </m:r>
+                        <m:sSub>
+                          <m:sSubPr>
+                            <m:ctrlPr>
+                              <a:rPr lang="en-US" sz="2400" i="1">
+                                <a:latin typeface="Cambria Math" panose="02040503050406030204" pitchFamily="18" charset="0"/>
+                                <a:ea typeface="Cambria Math" panose="02040503050406030204" pitchFamily="18" charset="0"/>
+                              </a:rPr>
+                            </m:ctrlPr>
+                          </m:sSubPr>
+                          <m:e>
+                            <m:r>
+                              <a:rPr lang="en-US" sz="2400" i="1">
+                                <a:latin typeface="Cambria Math" panose="02040503050406030204" pitchFamily="18" charset="0"/>
+                                <a:ea typeface="Cambria Math" panose="02040503050406030204" pitchFamily="18" charset="0"/>
+                              </a:rPr>
+                              <m:t>𝑝</m:t>
+                            </m:r>
+                          </m:e>
+                          <m:sub>
+                            <m:r>
+                              <a:rPr lang="en-US" sz="2400" i="1">
+                                <a:latin typeface="Cambria Math" panose="02040503050406030204" pitchFamily="18" charset="0"/>
+                                <a:ea typeface="Cambria Math" panose="02040503050406030204" pitchFamily="18" charset="0"/>
+                              </a:rPr>
+                              <m:t>𝑑𝑎𝑡𝑎</m:t>
+                            </m:r>
+                          </m:sub>
+                        </m:sSub>
+                        <m:r>
+                          <a:rPr lang="en-US" sz="2400" i="1">
+                            <a:latin typeface="Cambria Math" panose="02040503050406030204" pitchFamily="18" charset="0"/>
+                            <a:ea typeface="Cambria Math" panose="02040503050406030204" pitchFamily="18" charset="0"/>
+                          </a:rPr>
+                          <m:t>(</m:t>
+                        </m:r>
+                        <m:r>
+                          <a:rPr lang="en-US" sz="2400" i="1">
+                            <a:latin typeface="Cambria Math" panose="02040503050406030204" pitchFamily="18" charset="0"/>
+                            <a:ea typeface="Cambria Math" panose="02040503050406030204" pitchFamily="18" charset="0"/>
+                          </a:rPr>
+                          <m:t>𝑥</m:t>
+                        </m:r>
+                        <m:r>
+                          <a:rPr lang="en-US" sz="2400" i="1">
+                            <a:latin typeface="Cambria Math" panose="02040503050406030204" pitchFamily="18" charset="0"/>
+                            <a:ea typeface="Cambria Math" panose="02040503050406030204" pitchFamily="18" charset="0"/>
+                          </a:rPr>
+                          <m:t>)</m:t>
+                        </m:r>
+                      </m:sub>
+                    </m:sSub>
+                    <m:d>
+                      <m:dPr>
+                        <m:begChr m:val="["/>
+                        <m:endChr m:val="]"/>
+                        <m:ctrlPr>
+                          <a:rPr lang="en-US" sz="2400" i="1">
+                            <a:latin typeface="Cambria Math" panose="02040503050406030204" pitchFamily="18" charset="0"/>
+                            <a:ea typeface="Cambria Math" panose="02040503050406030204" pitchFamily="18" charset="0"/>
+                          </a:rPr>
+                        </m:ctrlPr>
+                      </m:dPr>
+                      <m:e>
+                        <m:r>
+                          <a:rPr lang="en-US" sz="2400" i="1">
+                            <a:latin typeface="Cambria Math" panose="02040503050406030204" pitchFamily="18" charset="0"/>
+                            <a:ea typeface="Cambria Math" panose="02040503050406030204" pitchFamily="18" charset="0"/>
+                          </a:rPr>
+                          <m:t>𝑙𝑜𝑔𝐷</m:t>
+                        </m:r>
+                        <m:r>
+                          <a:rPr lang="en-US" sz="2400" i="1">
+                            <a:latin typeface="Cambria Math" panose="02040503050406030204" pitchFamily="18" charset="0"/>
+                            <a:ea typeface="Cambria Math" panose="02040503050406030204" pitchFamily="18" charset="0"/>
+                          </a:rPr>
+                          <m:t>(</m:t>
+                        </m:r>
+                        <m:r>
+                          <a:rPr lang="en-US" sz="2400" i="1">
+                            <a:latin typeface="Cambria Math" panose="02040503050406030204" pitchFamily="18" charset="0"/>
+                            <a:ea typeface="Cambria Math" panose="02040503050406030204" pitchFamily="18" charset="0"/>
+                          </a:rPr>
+                          <m:t>𝑥</m:t>
+                        </m:r>
+                        <m:r>
+                          <a:rPr lang="en-US" sz="2400" i="1">
+                            <a:latin typeface="Cambria Math" panose="02040503050406030204" pitchFamily="18" charset="0"/>
+                            <a:ea typeface="Cambria Math" panose="02040503050406030204" pitchFamily="18" charset="0"/>
+                          </a:rPr>
+                          <m:t>)</m:t>
+                        </m:r>
+                      </m:e>
+                    </m:d>
+                    <m:r>
+                      <a:rPr lang="en-US" sz="2400" i="1">
+                        <a:latin typeface="Cambria Math" panose="02040503050406030204" pitchFamily="18" charset="0"/>
+                        <a:ea typeface="Cambria Math" panose="02040503050406030204" pitchFamily="18" charset="0"/>
+                      </a:rPr>
+                      <m:t>+</m:t>
+                    </m:r>
+                    <m:sSub>
+                      <m:sSubPr>
+                        <m:ctrlPr>
+                          <a:rPr lang="en-US" sz="2400" i="1">
+                            <a:latin typeface="Cambria Math" panose="02040503050406030204" pitchFamily="18" charset="0"/>
+                            <a:ea typeface="Cambria Math" panose="02040503050406030204" pitchFamily="18" charset="0"/>
+                          </a:rPr>
+                        </m:ctrlPr>
+                      </m:sSubPr>
+                      <m:e>
+                        <m:r>
+                          <a:rPr lang="en-US" sz="2400" i="1">
+                            <a:latin typeface="Cambria Math" panose="02040503050406030204" pitchFamily="18" charset="0"/>
+                            <a:ea typeface="Cambria Math" panose="02040503050406030204" pitchFamily="18" charset="0"/>
+                          </a:rPr>
+                          <m:t>𝔼</m:t>
+                        </m:r>
+                      </m:e>
+                      <m:sub>
+                        <m:r>
+                          <a:rPr lang="en-US" sz="2400" i="1">
+                            <a:latin typeface="Cambria Math" panose="02040503050406030204" pitchFamily="18" charset="0"/>
+                            <a:ea typeface="Cambria Math" panose="02040503050406030204" pitchFamily="18" charset="0"/>
+                          </a:rPr>
+                          <m:t>𝑥</m:t>
+                        </m:r>
+                        <m:r>
+                          <a:rPr lang="en-US" sz="2400" i="1">
+                            <a:latin typeface="Cambria Math" panose="02040503050406030204" pitchFamily="18" charset="0"/>
+                            <a:ea typeface="Cambria Math" panose="02040503050406030204" pitchFamily="18" charset="0"/>
+                          </a:rPr>
+                          <m:t>~</m:t>
+                        </m:r>
+                        <m:sSub>
+                          <m:sSubPr>
+                            <m:ctrlPr>
+                              <a:rPr lang="en-US" sz="2400" i="1">
+                                <a:latin typeface="Cambria Math" panose="02040503050406030204" pitchFamily="18" charset="0"/>
+                                <a:ea typeface="Cambria Math" panose="02040503050406030204" pitchFamily="18" charset="0"/>
+                              </a:rPr>
+                            </m:ctrlPr>
+                          </m:sSubPr>
+                          <m:e>
+                            <m:r>
+                              <a:rPr lang="en-US" sz="2400" i="1">
+                                <a:latin typeface="Cambria Math" panose="02040503050406030204" pitchFamily="18" charset="0"/>
+                                <a:ea typeface="Cambria Math" panose="02040503050406030204" pitchFamily="18" charset="0"/>
+                              </a:rPr>
+                              <m:t>𝑝</m:t>
+                            </m:r>
+                          </m:e>
+                          <m:sub>
+                            <m:r>
+                              <a:rPr lang="en-US" sz="2400" i="1">
+                                <a:latin typeface="Cambria Math" panose="02040503050406030204" pitchFamily="18" charset="0"/>
+                                <a:ea typeface="Cambria Math" panose="02040503050406030204" pitchFamily="18" charset="0"/>
+                              </a:rPr>
+                              <m:t>𝑧</m:t>
+                            </m:r>
+                          </m:sub>
+                        </m:sSub>
+                        <m:r>
+                          <a:rPr lang="en-US" sz="2400" i="1">
+                            <a:latin typeface="Cambria Math" panose="02040503050406030204" pitchFamily="18" charset="0"/>
+                            <a:ea typeface="Cambria Math" panose="02040503050406030204" pitchFamily="18" charset="0"/>
+                          </a:rPr>
+                          <m:t>(</m:t>
+                        </m:r>
+                        <m:r>
+                          <a:rPr lang="en-US" sz="2400" i="1">
+                            <a:latin typeface="Cambria Math" panose="02040503050406030204" pitchFamily="18" charset="0"/>
+                            <a:ea typeface="Cambria Math" panose="02040503050406030204" pitchFamily="18" charset="0"/>
+                          </a:rPr>
+                          <m:t>𝑧</m:t>
+                        </m:r>
+                        <m:r>
+                          <a:rPr lang="en-US" sz="2400" i="1">
+                            <a:latin typeface="Cambria Math" panose="02040503050406030204" pitchFamily="18" charset="0"/>
+                            <a:ea typeface="Cambria Math" panose="02040503050406030204" pitchFamily="18" charset="0"/>
+                          </a:rPr>
+                          <m:t>)</m:t>
+                        </m:r>
+                      </m:sub>
+                    </m:sSub>
+                    <m:d>
+                      <m:dPr>
+                        <m:begChr m:val="["/>
+                        <m:endChr m:val="]"/>
+                        <m:ctrlPr>
+                          <a:rPr lang="en-US" sz="2400" i="1">
+                            <a:latin typeface="Cambria Math" panose="02040503050406030204" pitchFamily="18" charset="0"/>
+                            <a:ea typeface="Cambria Math" panose="02040503050406030204" pitchFamily="18" charset="0"/>
+                          </a:rPr>
+                        </m:ctrlPr>
+                      </m:dPr>
+                      <m:e>
+                        <m:r>
+                          <m:rPr>
+                            <m:sty m:val="p"/>
+                          </m:rPr>
+                          <a:rPr lang="en-US" sz="2400">
+                            <a:latin typeface="Cambria Math" panose="02040503050406030204" pitchFamily="18" charset="0"/>
+                            <a:ea typeface="Cambria Math" panose="02040503050406030204" pitchFamily="18" charset="0"/>
+                          </a:rPr>
+                          <m:t>log</m:t>
+                        </m:r>
+                        <m:r>
+                          <a:rPr lang="en-US" sz="2400" i="1">
+                            <a:latin typeface="Cambria Math" panose="02040503050406030204" pitchFamily="18" charset="0"/>
+                            <a:ea typeface="Cambria Math" panose="02040503050406030204" pitchFamily="18" charset="0"/>
+                          </a:rPr>
+                          <m:t>⁡(1−</m:t>
+                        </m:r>
+                        <m:r>
+                          <a:rPr lang="en-US" sz="2400" i="1">
+                            <a:latin typeface="Cambria Math" panose="02040503050406030204" pitchFamily="18" charset="0"/>
+                            <a:ea typeface="Cambria Math" panose="02040503050406030204" pitchFamily="18" charset="0"/>
+                          </a:rPr>
+                          <m:t>𝐷</m:t>
+                        </m:r>
+                        <m:d>
+                          <m:dPr>
+                            <m:ctrlPr>
+                              <a:rPr lang="en-US" sz="2400" i="1">
+                                <a:latin typeface="Cambria Math" panose="02040503050406030204" pitchFamily="18" charset="0"/>
+                                <a:ea typeface="Cambria Math" panose="02040503050406030204" pitchFamily="18" charset="0"/>
+                              </a:rPr>
+                            </m:ctrlPr>
+                          </m:dPr>
+                          <m:e>
+                            <m:r>
+                              <a:rPr lang="en-US" sz="2400" i="1">
+                                <a:latin typeface="Cambria Math" panose="02040503050406030204" pitchFamily="18" charset="0"/>
+                                <a:ea typeface="Cambria Math" panose="02040503050406030204" pitchFamily="18" charset="0"/>
+                              </a:rPr>
+                              <m:t>𝐺</m:t>
+                            </m:r>
+                            <m:d>
+                              <m:dPr>
+                                <m:ctrlPr>
+                                  <a:rPr lang="en-US" sz="2400" i="1">
+                                    <a:latin typeface="Cambria Math" panose="02040503050406030204" pitchFamily="18" charset="0"/>
+                                    <a:ea typeface="Cambria Math" panose="02040503050406030204" pitchFamily="18" charset="0"/>
+                                  </a:rPr>
+                                </m:ctrlPr>
+                              </m:dPr>
+                              <m:e>
+                                <m:r>
+                                  <a:rPr lang="en-US" sz="2400" i="1">
+                                    <a:latin typeface="Cambria Math" panose="02040503050406030204" pitchFamily="18" charset="0"/>
+                                    <a:ea typeface="Cambria Math" panose="02040503050406030204" pitchFamily="18" charset="0"/>
+                                  </a:rPr>
+                                  <m:t>𝑧</m:t>
+                                </m:r>
+                              </m:e>
+                            </m:d>
+                          </m:e>
+                        </m:d>
+                        <m:r>
+                          <a:rPr lang="en-US" sz="2400" i="1">
+                            <a:latin typeface="Cambria Math" panose="02040503050406030204" pitchFamily="18" charset="0"/>
+                            <a:ea typeface="Cambria Math" panose="02040503050406030204" pitchFamily="18" charset="0"/>
+                          </a:rPr>
+                          <m:t>)</m:t>
+                        </m:r>
+                      </m:e>
+                    </m:d>
+                  </m:oMath>
+                </a14:m>
+                <a:endParaRPr lang="en-US" sz="2400" dirty="0">
+                  <a:latin typeface="Cambria Math" panose="02040503050406030204" pitchFamily="18" charset="0"/>
+                  <a:ea typeface="Cambria Math" panose="02040503050406030204" pitchFamily="18" charset="0"/>
+                </a:endParaRPr>
+              </a:p>
+              <a:p>
+                <a:pPr marL="0" indent="0">
+                  <a:buNone/>
+                </a:pPr>
+                <a:endParaRPr lang="en-US" sz="2400" dirty="0">
+                  <a:latin typeface="Cambria Math" panose="02040503050406030204" pitchFamily="18" charset="0"/>
+                  <a:ea typeface="Cambria Math" panose="02040503050406030204" pitchFamily="18" charset="0"/>
+                </a:endParaRPr>
+              </a:p>
+              <a:p>
+                <a:pPr marL="0" indent="0">
+                  <a:buNone/>
+                </a:pPr>
                 <a:endParaRPr lang="en-US" sz="2400" dirty="0"/>
               </a:p>
             </p:txBody>
           </p:sp>
         </mc:Choice>
-        <mc:Fallback xmlns="">
+        <mc:Fallback>
           <p:sp>
             <p:nvSpPr>
               <p:cNvPr id="61" name="Content Placeholder 2"/>
@@ -13298,7 +13748,7 @@
               <a:blipFill>
                 <a:blip r:embed="rId3"/>
                 <a:stretch>
-                  <a:fillRect l="-962" t="-1928" r="-1442"/>
+                  <a:fillRect l="-721" t="-1446"/>
                 </a:stretch>
               </a:blipFill>
             </p:spPr>
@@ -13331,8 +13781,8 @@
         </p:nvSpPr>
         <p:spPr>
           <a:xfrm>
-            <a:off x="4114800" y="6211669"/>
-            <a:ext cx="2743200" cy="646331"/>
+            <a:off x="3933371" y="5953593"/>
+            <a:ext cx="3214914" cy="646331"/>
           </a:xfrm>
           <a:prstGeom prst="rect">
             <a:avLst/>
@@ -13366,8 +13816,8 @@
         </p:nvSpPr>
         <p:spPr>
           <a:xfrm>
-            <a:off x="7416800" y="6211669"/>
-            <a:ext cx="2743200" cy="646331"/>
+            <a:off x="7084134" y="5933191"/>
+            <a:ext cx="3214914" cy="646331"/>
           </a:xfrm>
           <a:prstGeom prst="rect">
             <a:avLst/>
@@ -13742,7 +14192,7 @@
                                         <p:tgtEl>
                                           <p:spTgt spid="61">
                                             <p:txEl>
-                                              <p:pRg st="6" end="6"/>
+                                              <p:pRg st="7" end="7"/>
                                             </p:txEl>
                                           </p:spTgt>
                                         </p:tgtEl>
@@ -13760,7 +14210,7 @@
                                         <p:tgtEl>
                                           <p:spTgt spid="61">
                                             <p:txEl>
-                                              <p:pRg st="6" end="6"/>
+                                              <p:pRg st="7" end="7"/>
                                             </p:txEl>
                                           </p:spTgt>
                                         </p:tgtEl>
@@ -13803,7 +14253,7 @@
                                         <p:tgtEl>
                                           <p:spTgt spid="61">
                                             <p:txEl>
-                                              <p:pRg st="7" end="7"/>
+                                              <p:pRg st="8" end="8"/>
                                             </p:txEl>
                                           </p:spTgt>
                                         </p:tgtEl>
@@ -13821,7 +14271,7 @@
                                         <p:tgtEl>
                                           <p:spTgt spid="61">
                                             <p:txEl>
-                                              <p:pRg st="7" end="7"/>
+                                              <p:pRg st="8" end="8"/>
                                             </p:txEl>
                                           </p:spTgt>
                                         </p:tgtEl>
@@ -19611,6 +20061,14 @@
 <file path=ppt/slides/slide16.xml><?xml version="1.0" encoding="utf-8"?>
 <p:sld xmlns:a="http://schemas.openxmlformats.org/drawingml/2006/main" xmlns:r="http://schemas.openxmlformats.org/officeDocument/2006/relationships" xmlns:p="http://schemas.openxmlformats.org/presentationml/2006/main">
   <p:cSld>
+    <p:bg>
+      <p:bgPr>
+        <a:solidFill>
+          <a:schemeClr val="bg1"/>
+        </a:solidFill>
+        <a:effectLst/>
+      </p:bgPr>
+    </p:bg>
     <p:spTree>
       <p:nvGrpSpPr>
         <p:cNvPr id="1" name=""/>
@@ -19627,6 +20085,75 @@
       </p:grpSpPr>
       <p:sp>
         <p:nvSpPr>
+          <p:cNvPr id="66" name="Rectangle 65">
+            <a:extLst>
+              <a:ext uri="{FF2B5EF4-FFF2-40B4-BE49-F238E27FC236}">
+                <a16:creationId xmlns:a16="http://schemas.microsoft.com/office/drawing/2014/main" id="{27C695D9-6183-4595-ABB2-7C2EF591721D}"/>
+              </a:ext>
+              <a:ext uri="{C183D7F6-B498-43B3-948B-1728B52AA6E4}">
+                <adec:decorative xmlns:adec="http://schemas.microsoft.com/office/drawing/2017/decorative" val="1"/>
+              </a:ext>
+            </a:extLst>
+          </p:cNvPr>
+          <p:cNvSpPr>
+            <a:spLocks noGrp="1" noRot="1" noChangeAspect="1" noMove="1" noResize="1" noEditPoints="1" noAdjustHandles="1" noChangeArrowheads="1" noChangeShapeType="1" noTextEdit="1"/>
+          </p:cNvSpPr>
+          <p:nvPr>
+            <p:extLst>
+              <p:ext uri="{386F3935-93C4-4BCD-93E2-E3B085C9AB24}">
+                <p16:designElem xmlns:p16="http://schemas.microsoft.com/office/powerpoint/2015/main" val="1"/>
+              </p:ext>
+            </p:extLst>
+          </p:nvPr>
+        </p:nvSpPr>
+        <p:spPr bwMode="ltGray">
+          <a:xfrm>
+            <a:off x="336883" y="321176"/>
+            <a:ext cx="5759117" cy="5896743"/>
+          </a:xfrm>
+          <a:prstGeom prst="rect">
+            <a:avLst/>
+          </a:prstGeom>
+          <a:solidFill>
+            <a:schemeClr val="tx1">
+              <a:alpha val="15000"/>
+            </a:schemeClr>
+          </a:solidFill>
+          <a:ln w="127000" cap="sq" cmpd="thinThick">
+            <a:solidFill>
+              <a:schemeClr val="tx1">
+                <a:alpha val="10000"/>
+              </a:schemeClr>
+            </a:solidFill>
+          </a:ln>
+        </p:spPr>
+        <p:style>
+          <a:lnRef idx="2">
+            <a:schemeClr val="accent1">
+              <a:shade val="50000"/>
+            </a:schemeClr>
+          </a:lnRef>
+          <a:fillRef idx="1">
+            <a:schemeClr val="accent1"/>
+          </a:fillRef>
+          <a:effectRef idx="0">
+            <a:schemeClr val="accent1"/>
+          </a:effectRef>
+          <a:fontRef idx="minor">
+            <a:schemeClr val="lt1"/>
+          </a:fontRef>
+        </p:style>
+        <p:txBody>
+          <a:bodyPr rtlCol="0" anchor="ctr"/>
+          <a:lstStyle/>
+          <a:p>
+            <a:pPr algn="ctr"/>
+            <a:endParaRPr lang="en-US"/>
+          </a:p>
+        </p:txBody>
+      </p:sp>
+      <p:sp>
+        <p:nvSpPr>
           <p:cNvPr id="2" name="Title 1"/>
           <p:cNvSpPr>
             <a:spLocks noGrp="1"/>
@@ -19635,13 +20162,20 @@
             <p:ph type="title"/>
           </p:nvPr>
         </p:nvSpPr>
-        <p:spPr/>
+        <p:spPr>
+          <a:xfrm>
+            <a:off x="821516" y="640263"/>
+            <a:ext cx="4911826" cy="1344975"/>
+          </a:xfrm>
+        </p:spPr>
         <p:txBody>
-          <a:bodyPr/>
+          <a:bodyPr>
+            <a:normAutofit/>
+          </a:bodyPr>
           <a:lstStyle/>
           <a:p>
             <a:r>
-              <a:rPr lang="en-US" dirty="0"/>
+              <a:rPr lang="en-US" sz="4000"/>
               <a:t>Training GANs</a:t>
             </a:r>
           </a:p>
@@ -19659,73 +20193,57 @@
         </p:nvSpPr>
         <p:spPr>
           <a:xfrm>
-            <a:off x="838200" y="1355725"/>
-            <a:ext cx="10515600" cy="3101975"/>
+            <a:off x="821515" y="2121762"/>
+            <a:ext cx="4911827" cy="3626917"/>
           </a:xfrm>
         </p:spPr>
         <p:txBody>
           <a:bodyPr>
-            <a:normAutofit fontScale="92500" lnSpcReduction="10000"/>
+            <a:normAutofit/>
           </a:bodyPr>
           <a:lstStyle/>
           <a:p>
             <a:r>
-              <a:rPr lang="en-US" dirty="0"/>
+              <a:rPr lang="en-US" sz="2000"/>
               <a:t>Iterate the D-step and G-step until convergence (which may not happen!)</a:t>
             </a:r>
           </a:p>
           <a:p>
             <a:r>
-              <a:rPr lang="en-US" dirty="0"/>
+              <a:rPr lang="en-US" sz="2000"/>
               <a:t> Note:</a:t>
             </a:r>
           </a:p>
           <a:p>
             <a:pPr lvl="1"/>
             <a:r>
-              <a:rPr lang="en-US" dirty="0"/>
-              <a:t>Updating the discriminator should make it more robust to discriminating between real images and generated ones (</a:t>
-            </a:r>
-            <a:r>
-              <a:rPr lang="en-US" b="1" dirty="0"/>
-              <a:t>discriminator improves</a:t>
-            </a:r>
-            <a:r>
-              <a:rPr lang="en-US" dirty="0"/>
-              <a:t>)</a:t>
+              <a:rPr lang="en-US" sz="2000"/>
+              <a:t>Updating the discriminator improves its ability to distinguish real from fake</a:t>
             </a:r>
           </a:p>
           <a:p>
             <a:pPr lvl="1"/>
             <a:r>
-              <a:rPr lang="en-US" dirty="0"/>
-              <a:t>Updating the generator makes it better at fooling the current discriminator (</a:t>
-            </a:r>
-            <a:r>
-              <a:rPr lang="en-US" b="1" dirty="0"/>
-              <a:t>generator improves</a:t>
-            </a:r>
-            <a:r>
-              <a:rPr lang="en-US" dirty="0"/>
-              <a:t>)</a:t>
+              <a:rPr lang="en-US" sz="2000"/>
+              <a:t>Updating the generator makes it better at fooling the current discriminator </a:t>
             </a:r>
           </a:p>
           <a:p>
             <a:pPr lvl="1"/>
             <a:r>
-              <a:rPr lang="en-US" dirty="0"/>
-              <a:t>With enough training instances and careful selection of parameters and some hand-holding the generator gets so good that it is impossible for the discriminator tot tell the difference between the real and generated images. </a:t>
+              <a:rPr lang="en-US" sz="2000"/>
+              <a:t>With enough training instances and careful selection of parameters, the generator fools the discriminator consistently, i.e. the GAN converges</a:t>
             </a:r>
           </a:p>
           <a:p>
             <a:pPr lvl="1"/>
-            <a:endParaRPr lang="en-US" dirty="0"/>
+            <a:endParaRPr lang="en-US" sz="2000"/>
           </a:p>
         </p:txBody>
       </p:sp>
       <p:pic>
         <p:nvPicPr>
-          <p:cNvPr id="3" name="Picture 2"/>
+          <p:cNvPr id="3" name="Picture 2" descr="A close up of a device&#10;&#10;Description automatically generated"/>
           <p:cNvPicPr>
             <a:picLocks noChangeAspect="1"/>
           </p:cNvPicPr>
@@ -19739,8 +20257,8 @@
         </p:blipFill>
         <p:spPr>
           <a:xfrm>
-            <a:off x="2070426" y="4457700"/>
-            <a:ext cx="1666875" cy="1838325"/>
+            <a:off x="6555442" y="531442"/>
+            <a:ext cx="2400970" cy="2647926"/>
           </a:xfrm>
           <a:prstGeom prst="rect">
             <a:avLst/>
@@ -19749,7 +20267,7 @@
       </p:pic>
       <p:pic>
         <p:nvPicPr>
-          <p:cNvPr id="4" name="Picture 3"/>
+          <p:cNvPr id="11" name="Picture 10" descr="A picture containing sitting&#10;&#10;Description automatically generated"/>
           <p:cNvPicPr>
             <a:picLocks noChangeAspect="1"/>
           </p:cNvPicPr>
@@ -19763,8 +20281,8 @@
         </p:blipFill>
         <p:spPr>
           <a:xfrm>
-            <a:off x="4327455" y="4457700"/>
-            <a:ext cx="1438275" cy="1809750"/>
+            <a:off x="9117281" y="983420"/>
+            <a:ext cx="2434638" cy="2195948"/>
           </a:xfrm>
           <a:prstGeom prst="rect">
             <a:avLst/>
@@ -19773,7 +20291,7 @@
       </p:pic>
       <p:pic>
         <p:nvPicPr>
-          <p:cNvPr id="10" name="Picture 9"/>
+          <p:cNvPr id="4" name="Picture 3" descr="A close up of a device&#10;&#10;Description automatically generated"/>
           <p:cNvPicPr>
             <a:picLocks noChangeAspect="1"/>
           </p:cNvPicPr>
@@ -19787,8 +20305,8 @@
         </p:blipFill>
         <p:spPr>
           <a:xfrm>
-            <a:off x="6355884" y="4457700"/>
-            <a:ext cx="1495425" cy="1781175"/>
+            <a:off x="6665203" y="3319156"/>
+            <a:ext cx="2177679" cy="2740127"/>
           </a:xfrm>
           <a:prstGeom prst="rect">
             <a:avLst/>
@@ -19797,7 +20315,7 @@
       </p:pic>
       <p:pic>
         <p:nvPicPr>
-          <p:cNvPr id="11" name="Picture 10"/>
+          <p:cNvPr id="10" name="Picture 9" descr="A close up of a device&#10;&#10;Description automatically generated"/>
           <p:cNvPicPr>
             <a:picLocks noChangeAspect="1"/>
           </p:cNvPicPr>
@@ -19811,14 +20329,152 @@
         </p:blipFill>
         <p:spPr>
           <a:xfrm>
-            <a:off x="8893810" y="4514850"/>
-            <a:ext cx="1943100" cy="1752600"/>
+            <a:off x="9184332" y="3319156"/>
+            <a:ext cx="2300534" cy="2740127"/>
           </a:xfrm>
           <a:prstGeom prst="rect">
             <a:avLst/>
           </a:prstGeom>
         </p:spPr>
       </p:pic>
+      <p:sp>
+        <p:nvSpPr>
+          <p:cNvPr id="8" name="Down Arrow 7">
+            <a:extLst>
+              <a:ext uri="{FF2B5EF4-FFF2-40B4-BE49-F238E27FC236}">
+                <a16:creationId xmlns:a16="http://schemas.microsoft.com/office/drawing/2014/main" id="{2A373107-D96B-6E4F-AF4A-7DF06FDB36C0}"/>
+              </a:ext>
+            </a:extLst>
+          </p:cNvPr>
+          <p:cNvSpPr/>
+          <p:nvPr/>
+        </p:nvSpPr>
+        <p:spPr>
+          <a:xfrm>
+            <a:off x="8098971" y="3179368"/>
+            <a:ext cx="246743" cy="391146"/>
+          </a:xfrm>
+          <a:prstGeom prst="downArrow">
+            <a:avLst/>
+          </a:prstGeom>
+        </p:spPr>
+        <p:style>
+          <a:lnRef idx="2">
+            <a:schemeClr val="accent1">
+              <a:shade val="50000"/>
+            </a:schemeClr>
+          </a:lnRef>
+          <a:fillRef idx="1">
+            <a:schemeClr val="accent1"/>
+          </a:fillRef>
+          <a:effectRef idx="0">
+            <a:schemeClr val="accent1"/>
+          </a:effectRef>
+          <a:fontRef idx="minor">
+            <a:schemeClr val="lt1"/>
+          </a:fontRef>
+        </p:style>
+        <p:txBody>
+          <a:bodyPr rtlCol="0" anchor="ctr"/>
+          <a:lstStyle/>
+          <a:p>
+            <a:pPr algn="ctr"/>
+            <a:endParaRPr lang="en-US"/>
+          </a:p>
+        </p:txBody>
+      </p:sp>
+      <p:sp>
+        <p:nvSpPr>
+          <p:cNvPr id="9" name="Right Arrow 8">
+            <a:extLst>
+              <a:ext uri="{FF2B5EF4-FFF2-40B4-BE49-F238E27FC236}">
+                <a16:creationId xmlns:a16="http://schemas.microsoft.com/office/drawing/2014/main" id="{F948DC35-808D-7745-8BA4-AF027EA3528D}"/>
+              </a:ext>
+            </a:extLst>
+          </p:cNvPr>
+          <p:cNvSpPr/>
+          <p:nvPr/>
+        </p:nvSpPr>
+        <p:spPr>
+          <a:xfrm>
+            <a:off x="9003751" y="4586514"/>
+            <a:ext cx="408334" cy="217715"/>
+          </a:xfrm>
+          <a:prstGeom prst="rightArrow">
+            <a:avLst/>
+          </a:prstGeom>
+        </p:spPr>
+        <p:style>
+          <a:lnRef idx="2">
+            <a:schemeClr val="accent1">
+              <a:shade val="50000"/>
+            </a:schemeClr>
+          </a:lnRef>
+          <a:fillRef idx="1">
+            <a:schemeClr val="accent1"/>
+          </a:fillRef>
+          <a:effectRef idx="0">
+            <a:schemeClr val="accent1"/>
+          </a:effectRef>
+          <a:fontRef idx="minor">
+            <a:schemeClr val="lt1"/>
+          </a:fontRef>
+        </p:style>
+        <p:txBody>
+          <a:bodyPr rtlCol="0" anchor="ctr"/>
+          <a:lstStyle/>
+          <a:p>
+            <a:pPr algn="ctr"/>
+            <a:endParaRPr lang="en-US"/>
+          </a:p>
+        </p:txBody>
+      </p:sp>
+      <p:sp>
+        <p:nvSpPr>
+          <p:cNvPr id="12" name="Up Arrow 11">
+            <a:extLst>
+              <a:ext uri="{FF2B5EF4-FFF2-40B4-BE49-F238E27FC236}">
+                <a16:creationId xmlns:a16="http://schemas.microsoft.com/office/drawing/2014/main" id="{92C004DF-3C7A-D94E-A6B1-D76C0AE76365}"/>
+              </a:ext>
+            </a:extLst>
+          </p:cNvPr>
+          <p:cNvSpPr/>
+          <p:nvPr/>
+        </p:nvSpPr>
+        <p:spPr>
+          <a:xfrm>
+            <a:off x="10972799" y="3179368"/>
+            <a:ext cx="246743" cy="391146"/>
+          </a:xfrm>
+          <a:prstGeom prst="upArrow">
+            <a:avLst/>
+          </a:prstGeom>
+        </p:spPr>
+        <p:style>
+          <a:lnRef idx="2">
+            <a:schemeClr val="accent1">
+              <a:shade val="50000"/>
+            </a:schemeClr>
+          </a:lnRef>
+          <a:fillRef idx="1">
+            <a:schemeClr val="accent1"/>
+          </a:fillRef>
+          <a:effectRef idx="0">
+            <a:schemeClr val="accent1"/>
+          </a:effectRef>
+          <a:fontRef idx="minor">
+            <a:schemeClr val="lt1"/>
+          </a:fontRef>
+        </p:style>
+        <p:txBody>
+          <a:bodyPr rtlCol="0" anchor="ctr"/>
+          <a:lstStyle/>
+          <a:p>
+            <a:pPr algn="ctr"/>
+            <a:endParaRPr lang="en-US"/>
+          </a:p>
+        </p:txBody>
+      </p:sp>
     </p:spTree>
     <p:extLst>
       <p:ext uri="{BB962C8B-B14F-4D97-AF65-F5344CB8AC3E}">
@@ -20054,33 +20710,15 @@
                                   </p:childTnLst>
                                 </p:cTn>
                               </p:par>
-                            </p:childTnLst>
-                          </p:cTn>
-                        </p:par>
-                      </p:childTnLst>
-                    </p:cTn>
-                  </p:par>
-                  <p:par>
-                    <p:cTn id="19" fill="hold">
-                      <p:stCondLst>
-                        <p:cond delay="indefinite"/>
-                      </p:stCondLst>
-                      <p:childTnLst>
-                        <p:par>
-                          <p:cTn id="20" fill="hold">
-                            <p:stCondLst>
-                              <p:cond delay="0"/>
-                            </p:stCondLst>
-                            <p:childTnLst>
                               <p:par>
-                                <p:cTn id="21" presetID="10" presetClass="entr" presetSubtype="0" fill="hold" grpId="0" nodeType="clickEffect">
+                                <p:cTn id="19" presetID="10" presetClass="entr" presetSubtype="0" fill="hold" grpId="0" nodeType="withEffect">
                                   <p:stCondLst>
                                     <p:cond delay="0"/>
                                   </p:stCondLst>
                                   <p:childTnLst>
                                     <p:set>
                                       <p:cBhvr>
-                                        <p:cTn id="22" dur="1" fill="hold">
+                                        <p:cTn id="20" dur="1" fill="hold">
                                           <p:stCondLst>
                                             <p:cond delay="0"/>
                                           </p:stCondLst>
@@ -20102,7 +20740,7 @@
                                     </p:set>
                                     <p:animEffect transition="in" filter="fade">
                                       <p:cBhvr>
-                                        <p:cTn id="23" dur="500"/>
+                                        <p:cTn id="21" dur="500"/>
                                         <p:tgtEl>
                                           <p:spTgt spid="61">
                                             <p:txEl>
@@ -20116,14 +20754,14 @@
                                 </p:cTn>
                               </p:par>
                               <p:par>
-                                <p:cTn id="24" presetID="10" presetClass="entr" presetSubtype="0" fill="hold" nodeType="withEffect">
+                                <p:cTn id="22" presetID="10" presetClass="entr" presetSubtype="0" fill="hold" nodeType="withEffect">
                                   <p:stCondLst>
                                     <p:cond delay="0"/>
                                   </p:stCondLst>
                                   <p:childTnLst>
                                     <p:set>
                                       <p:cBhvr>
-                                        <p:cTn id="25" dur="1" fill="hold">
+                                        <p:cTn id="23" dur="1" fill="hold">
                                           <p:stCondLst>
                                             <p:cond delay="0"/>
                                           </p:stCondLst>
@@ -20141,7 +20779,7 @@
                                     </p:set>
                                     <p:animEffect transition="in" filter="fade">
                                       <p:cBhvr>
-                                        <p:cTn id="26" dur="500"/>
+                                        <p:cTn id="24" dur="500"/>
                                         <p:tgtEl>
                                           <p:spTgt spid="3"/>
                                         </p:tgtEl>
@@ -20154,20 +20792,20 @@
                           </p:cTn>
                         </p:par>
                         <p:par>
-                          <p:cTn id="27" fill="hold">
+                          <p:cTn id="25" fill="hold">
                             <p:stCondLst>
                               <p:cond delay="500"/>
                             </p:stCondLst>
                             <p:childTnLst>
                               <p:par>
-                                <p:cTn id="28" presetID="10" presetClass="entr" presetSubtype="0" fill="hold" nodeType="afterEffect">
+                                <p:cTn id="26" presetID="10" presetClass="entr" presetSubtype="0" fill="hold" nodeType="afterEffect">
                                   <p:stCondLst>
                                     <p:cond delay="0"/>
                                   </p:stCondLst>
                                   <p:childTnLst>
                                     <p:set>
                                       <p:cBhvr>
-                                        <p:cTn id="29" dur="1" fill="hold">
+                                        <p:cTn id="27" dur="1" fill="hold">
                                           <p:stCondLst>
                                             <p:cond delay="0"/>
                                           </p:stCondLst>
@@ -20185,7 +20823,7 @@
                                     </p:set>
                                     <p:animEffect transition="in" filter="fade">
                                       <p:cBhvr>
-                                        <p:cTn id="30" dur="500"/>
+                                        <p:cTn id="28" dur="500"/>
                                         <p:tgtEl>
                                           <p:spTgt spid="4"/>
                                         </p:tgtEl>
@@ -20198,20 +20836,20 @@
                           </p:cTn>
                         </p:par>
                         <p:par>
-                          <p:cTn id="31" fill="hold">
+                          <p:cTn id="29" fill="hold">
                             <p:stCondLst>
                               <p:cond delay="1000"/>
                             </p:stCondLst>
                             <p:childTnLst>
                               <p:par>
-                                <p:cTn id="32" presetID="10" presetClass="entr" presetSubtype="0" fill="hold" nodeType="afterEffect">
+                                <p:cTn id="30" presetID="10" presetClass="entr" presetSubtype="0" fill="hold" nodeType="afterEffect">
                                   <p:stCondLst>
                                     <p:cond delay="0"/>
                                   </p:stCondLst>
                                   <p:childTnLst>
                                     <p:set>
                                       <p:cBhvr>
-                                        <p:cTn id="33" dur="1" fill="hold">
+                                        <p:cTn id="31" dur="1" fill="hold">
                                           <p:stCondLst>
                                             <p:cond delay="0"/>
                                           </p:stCondLst>
@@ -20229,7 +20867,7 @@
                                     </p:set>
                                     <p:animEffect transition="in" filter="fade">
                                       <p:cBhvr>
-                                        <p:cTn id="34" dur="500"/>
+                                        <p:cTn id="32" dur="500"/>
                                         <p:tgtEl>
                                           <p:spTgt spid="10"/>
                                         </p:tgtEl>
@@ -20242,20 +20880,20 @@
                           </p:cTn>
                         </p:par>
                         <p:par>
-                          <p:cTn id="35" fill="hold">
+                          <p:cTn id="33" fill="hold">
                             <p:stCondLst>
                               <p:cond delay="1500"/>
                             </p:stCondLst>
                             <p:childTnLst>
                               <p:par>
-                                <p:cTn id="36" presetID="10" presetClass="entr" presetSubtype="0" fill="hold" nodeType="afterEffect">
+                                <p:cTn id="34" presetID="10" presetClass="entr" presetSubtype="0" fill="hold" nodeType="afterEffect">
                                   <p:stCondLst>
                                     <p:cond delay="0"/>
                                   </p:stCondLst>
                                   <p:childTnLst>
                                     <p:set>
                                       <p:cBhvr>
-                                        <p:cTn id="37" dur="1" fill="hold">
+                                        <p:cTn id="35" dur="1" fill="hold">
                                           <p:stCondLst>
                                             <p:cond delay="0"/>
                                           </p:stCondLst>
@@ -20273,7 +20911,7 @@
                                     </p:set>
                                     <p:animEffect transition="in" filter="fade">
                                       <p:cBhvr>
-                                        <p:cTn id="38" dur="500"/>
+                                        <p:cTn id="36" dur="500"/>
                                         <p:tgtEl>
                                           <p:spTgt spid="11"/>
                                         </p:tgtEl>
@@ -20597,13 +21235,13 @@
   <p:clrMapOvr>
     <a:masterClrMapping/>
   </p:clrMapOvr>
-  <mc:AlternateContent xmlns:mc="http://schemas.openxmlformats.org/markup-compatibility/2006">
-    <mc:Choice xmlns:p14="http://schemas.microsoft.com/office/powerpoint/2010/main" Requires="p14">
+  <mc:AlternateContent xmlns:mc="http://schemas.openxmlformats.org/markup-compatibility/2006" xmlns:p14="http://schemas.microsoft.com/office/powerpoint/2010/main">
+    <mc:Choice Requires="p14">
       <p:transition spd="med" p14:dur="700">
         <p:fade/>
       </p:transition>
     </mc:Choice>
-    <mc:Fallback>
+    <mc:Fallback xmlns="">
       <p:transition spd="med">
         <p:fade/>
       </p:transition>
@@ -22183,6 +22821,14 @@
 <file path=ppt/slides/slide2.xml><?xml version="1.0" encoding="utf-8"?>
 <p:sld xmlns:a="http://schemas.openxmlformats.org/drawingml/2006/main" xmlns:r="http://schemas.openxmlformats.org/officeDocument/2006/relationships" xmlns:p="http://schemas.openxmlformats.org/presentationml/2006/main">
   <p:cSld>
+    <p:bg>
+      <p:bgPr>
+        <a:solidFill>
+          <a:schemeClr val="bg1"/>
+        </a:solidFill>
+        <a:effectLst/>
+      </p:bgPr>
+    </p:bg>
     <p:spTree>
       <p:nvGrpSpPr>
         <p:cNvPr id="1" name=""/>
@@ -22197,6 +22843,95 @@
           <a:chExt cx="0" cy="0"/>
         </a:xfrm>
       </p:grpSpPr>
+      <p:sp useBgFill="1">
+        <p:nvSpPr>
+          <p:cNvPr id="8" name="Rectangle 7">
+            <a:extLst>
+              <a:ext uri="{FF2B5EF4-FFF2-40B4-BE49-F238E27FC236}">
+                <a16:creationId xmlns:a16="http://schemas.microsoft.com/office/drawing/2014/main" id="{E4F9F79B-A093-478E-96B5-EE02BC93A858}"/>
+              </a:ext>
+              <a:ext uri="{C183D7F6-B498-43B3-948B-1728B52AA6E4}">
+                <adec:decorative xmlns:adec="http://schemas.microsoft.com/office/drawing/2017/decorative" val="1"/>
+              </a:ext>
+            </a:extLst>
+          </p:cNvPr>
+          <p:cNvSpPr>
+            <a:spLocks noGrp="1" noRot="1" noChangeAspect="1" noMove="1" noResize="1" noEditPoints="1" noAdjustHandles="1" noChangeArrowheads="1" noChangeShapeType="1" noTextEdit="1"/>
+          </p:cNvSpPr>
+          <p:nvPr>
+            <p:extLst>
+              <p:ext uri="{386F3935-93C4-4BCD-93E2-E3B085C9AB24}">
+                <p16:designElem xmlns:p16="http://schemas.microsoft.com/office/powerpoint/2015/main" val="1"/>
+              </p:ext>
+            </p:extLst>
+          </p:nvPr>
+        </p:nvSpPr>
+        <p:spPr>
+          <a:xfrm>
+            <a:off x="0" y="0"/>
+            <a:ext cx="12192000" cy="6858000"/>
+          </a:xfrm>
+          <a:prstGeom prst="rect">
+            <a:avLst/>
+          </a:prstGeom>
+          <a:ln>
+            <a:noFill/>
+          </a:ln>
+        </p:spPr>
+        <p:style>
+          <a:lnRef idx="2">
+            <a:schemeClr val="accent1">
+              <a:shade val="50000"/>
+            </a:schemeClr>
+          </a:lnRef>
+          <a:fillRef idx="1">
+            <a:schemeClr val="accent1"/>
+          </a:fillRef>
+          <a:effectRef idx="0">
+            <a:schemeClr val="accent1"/>
+          </a:effectRef>
+          <a:fontRef idx="minor">
+            <a:schemeClr val="lt1"/>
+          </a:fontRef>
+        </p:style>
+        <p:txBody>
+          <a:bodyPr rtlCol="0" anchor="ctr"/>
+          <a:lstStyle/>
+          <a:p>
+            <a:pPr marL="0" marR="0" lvl="0" indent="0" algn="ctr" defTabSz="914400" rtl="0" eaLnBrk="1" fontAlgn="auto" latinLnBrk="0" hangingPunct="1">
+              <a:lnSpc>
+                <a:spcPct val="100000"/>
+              </a:lnSpc>
+              <a:spcBef>
+                <a:spcPts val="0"/>
+              </a:spcBef>
+              <a:spcAft>
+                <a:spcPts val="0"/>
+              </a:spcAft>
+              <a:buClrTx/>
+              <a:buSzTx/>
+              <a:buFontTx/>
+              <a:buNone/>
+              <a:tabLst/>
+              <a:defRPr/>
+            </a:pPr>
+            <a:endParaRPr kumimoji="0" lang="en-US" sz="1800" b="0" i="0" u="none" strike="noStrike" kern="1200" cap="none" spc="0" normalizeH="0" baseline="0" noProof="0">
+              <a:ln>
+                <a:noFill/>
+              </a:ln>
+              <a:solidFill>
+                <a:prstClr val="white"/>
+              </a:solidFill>
+              <a:effectLst/>
+              <a:uLnTx/>
+              <a:uFillTx/>
+              <a:latin typeface="Calibri" panose="020F0502020204030204"/>
+              <a:ea typeface="+mn-ea"/>
+              <a:cs typeface="+mn-cs"/>
+            </a:endParaRPr>
+          </a:p>
+        </p:txBody>
+      </p:sp>
       <p:sp>
         <p:nvSpPr>
           <p:cNvPr id="2" name="Title 1"/>
@@ -22207,20 +22942,23 @@
             <p:ph type="title"/>
           </p:nvPr>
         </p:nvSpPr>
-        <p:spPr/>
+        <p:spPr>
+          <a:xfrm>
+            <a:off x="640079" y="4526280"/>
+            <a:ext cx="7410681" cy="1737360"/>
+          </a:xfrm>
+        </p:spPr>
         <p:txBody>
-          <a:bodyPr/>
+          <a:bodyPr>
+            <a:normAutofit/>
+          </a:bodyPr>
           <a:lstStyle/>
           <a:p>
             <a:r>
-              <a:rPr lang="fr-FR" dirty="0" err="1"/>
+              <a:rPr lang="fr-FR" sz="4800" dirty="0" err="1"/>
               <a:t>Outline</a:t>
             </a:r>
-            <a:r>
-              <a:rPr lang="fr-FR" dirty="0"/>
-              <a:t> of the Lecture</a:t>
-            </a:r>
-            <a:endParaRPr lang="en-US" dirty="0"/>
+            <a:endParaRPr lang="en-US" sz="4800" dirty="0"/>
           </a:p>
         </p:txBody>
       </p:sp>
@@ -22234,39 +22972,437 @@
             <p:ph idx="1"/>
           </p:nvPr>
         </p:nvSpPr>
-        <p:spPr/>
+        <p:spPr>
+          <a:xfrm>
+            <a:off x="640080" y="595293"/>
+            <a:ext cx="5676637" cy="3463951"/>
+          </a:xfrm>
+        </p:spPr>
         <p:txBody>
-          <a:bodyPr/>
+          <a:bodyPr anchor="ctr">
+            <a:normAutofit/>
+          </a:bodyPr>
           <a:lstStyle/>
           <a:p>
             <a:r>
-              <a:rPr lang="en-US" dirty="0"/>
+              <a:rPr lang="en-US" sz="2000" dirty="0"/>
               <a:t>Generative Models – Why do we need them ? </a:t>
             </a:r>
           </a:p>
           <a:p>
             <a:r>
-              <a:rPr lang="en-US" dirty="0"/>
+              <a:rPr lang="en-US" sz="2000" dirty="0"/>
               <a:t>Generative Adversarial Networks (GANs)</a:t>
             </a:r>
           </a:p>
           <a:p>
             <a:r>
-              <a:rPr lang="en-US" dirty="0"/>
+              <a:rPr lang="en-US" sz="2000" dirty="0"/>
               <a:t>How to build a GAN</a:t>
             </a:r>
           </a:p>
           <a:p>
             <a:r>
-              <a:rPr lang="en-US" dirty="0"/>
+              <a:rPr lang="en-US" sz="2000" dirty="0"/>
               <a:t>Applications of GANs</a:t>
             </a:r>
           </a:p>
           <a:p>
             <a:r>
-              <a:rPr lang="en-US" dirty="0"/>
+              <a:rPr lang="en-US" sz="2000" dirty="0"/>
               <a:t>Useful online resources</a:t>
             </a:r>
+          </a:p>
+        </p:txBody>
+      </p:sp>
+      <p:sp>
+        <p:nvSpPr>
+          <p:cNvPr id="10" name="Freeform: Shape 9">
+            <a:extLst>
+              <a:ext uri="{FF2B5EF4-FFF2-40B4-BE49-F238E27FC236}">
+                <a16:creationId xmlns:a16="http://schemas.microsoft.com/office/drawing/2014/main" id="{11394CD8-BD30-4B74-86F4-51FDF3383419}"/>
+              </a:ext>
+              <a:ext uri="{C183D7F6-B498-43B3-948B-1728B52AA6E4}">
+                <adec:decorative xmlns:adec="http://schemas.microsoft.com/office/drawing/2017/decorative" val="1"/>
+              </a:ext>
+            </a:extLst>
+          </p:cNvPr>
+          <p:cNvSpPr>
+            <a:spLocks noGrp="1" noRot="1" noChangeAspect="1" noMove="1" noResize="1" noEditPoints="1" noAdjustHandles="1" noChangeArrowheads="1" noChangeShapeType="1" noTextEdit="1"/>
+          </p:cNvSpPr>
+          <p:nvPr>
+            <p:extLst>
+              <p:ext uri="{386F3935-93C4-4BCD-93E2-E3B085C9AB24}">
+                <p16:designElem xmlns:p16="http://schemas.microsoft.com/office/powerpoint/2015/main" val="1"/>
+              </p:ext>
+            </p:extLst>
+          </p:nvPr>
+        </p:nvSpPr>
+        <p:spPr>
+          <a:xfrm>
+            <a:off x="6492113" y="0"/>
+            <a:ext cx="5699887" cy="4059244"/>
+          </a:xfrm>
+          <a:custGeom>
+            <a:avLst/>
+            <a:gdLst>
+              <a:gd name="connsiteX0" fmla="*/ 0 w 5699887"/>
+              <a:gd name="connsiteY0" fmla="*/ 0 h 4059244"/>
+              <a:gd name="connsiteX1" fmla="*/ 5699887 w 5699887"/>
+              <a:gd name="connsiteY1" fmla="*/ 0 h 4059244"/>
+              <a:gd name="connsiteX2" fmla="*/ 5699887 w 5699887"/>
+              <a:gd name="connsiteY2" fmla="*/ 3944096 h 4059244"/>
+              <a:gd name="connsiteX3" fmla="*/ 5525775 w 5699887"/>
+              <a:gd name="connsiteY3" fmla="*/ 3980429 h 4059244"/>
+              <a:gd name="connsiteX4" fmla="*/ 4663256 w 5699887"/>
+              <a:gd name="connsiteY4" fmla="*/ 4059244 h 4059244"/>
+              <a:gd name="connsiteX5" fmla="*/ 8566 w 5699887"/>
+              <a:gd name="connsiteY5" fmla="*/ 67422 h 4059244"/>
+            </a:gdLst>
+            <a:ahLst/>
+            <a:cxnLst>
+              <a:cxn ang="0">
+                <a:pos x="connsiteX0" y="connsiteY0"/>
+              </a:cxn>
+              <a:cxn ang="0">
+                <a:pos x="connsiteX1" y="connsiteY1"/>
+              </a:cxn>
+              <a:cxn ang="0">
+                <a:pos x="connsiteX2" y="connsiteY2"/>
+              </a:cxn>
+              <a:cxn ang="0">
+                <a:pos x="connsiteX3" y="connsiteY3"/>
+              </a:cxn>
+              <a:cxn ang="0">
+                <a:pos x="connsiteX4" y="connsiteY4"/>
+              </a:cxn>
+              <a:cxn ang="0">
+                <a:pos x="connsiteX5" y="connsiteY5"/>
+              </a:cxn>
+            </a:cxnLst>
+            <a:rect l="l" t="t" r="r" b="b"/>
+            <a:pathLst>
+              <a:path w="5699887" h="4059244">
+                <a:moveTo>
+                  <a:pt x="0" y="0"/>
+                </a:moveTo>
+                <a:lnTo>
+                  <a:pt x="5699887" y="0"/>
+                </a:lnTo>
+                <a:lnTo>
+                  <a:pt x="5699887" y="3944096"/>
+                </a:lnTo>
+                <a:lnTo>
+                  <a:pt x="5525775" y="3980429"/>
+                </a:lnTo>
+                <a:cubicBezTo>
+                  <a:pt x="5246154" y="4032190"/>
+                  <a:pt x="4957865" y="4059244"/>
+                  <a:pt x="4663256" y="4059244"/>
+                </a:cubicBezTo>
+                <a:cubicBezTo>
+                  <a:pt x="2306390" y="4059244"/>
+                  <a:pt x="353936" y="2327747"/>
+                  <a:pt x="8566" y="67422"/>
+                </a:cubicBezTo>
+                <a:close/>
+              </a:path>
+            </a:pathLst>
+          </a:custGeom>
+          <a:solidFill>
+            <a:srgbClr val="595959"/>
+          </a:solidFill>
+          <a:ln>
+            <a:noFill/>
+          </a:ln>
+        </p:spPr>
+        <p:style>
+          <a:lnRef idx="2">
+            <a:schemeClr val="accent1">
+              <a:shade val="50000"/>
+            </a:schemeClr>
+          </a:lnRef>
+          <a:fillRef idx="1">
+            <a:schemeClr val="accent1"/>
+          </a:fillRef>
+          <a:effectRef idx="0">
+            <a:schemeClr val="accent1"/>
+          </a:effectRef>
+          <a:fontRef idx="minor">
+            <a:schemeClr val="lt1"/>
+          </a:fontRef>
+        </p:style>
+        <p:txBody>
+          <a:bodyPr rtlCol="0" anchor="ctr"/>
+          <a:lstStyle/>
+          <a:p>
+            <a:pPr marL="0" marR="0" lvl="0" indent="0" algn="ctr" defTabSz="914400" rtl="0" eaLnBrk="1" fontAlgn="auto" latinLnBrk="0" hangingPunct="1">
+              <a:lnSpc>
+                <a:spcPct val="100000"/>
+              </a:lnSpc>
+              <a:spcBef>
+                <a:spcPts val="0"/>
+              </a:spcBef>
+              <a:spcAft>
+                <a:spcPts val="0"/>
+              </a:spcAft>
+              <a:buClrTx/>
+              <a:buSzTx/>
+              <a:buFontTx/>
+              <a:buNone/>
+              <a:tabLst/>
+              <a:defRPr/>
+            </a:pPr>
+            <a:endParaRPr kumimoji="0" lang="en-US" sz="1800" b="0" i="0" u="none" strike="noStrike" kern="1200" cap="none" spc="0" normalizeH="0" baseline="0" noProof="0">
+              <a:ln>
+                <a:noFill/>
+              </a:ln>
+              <a:solidFill>
+                <a:prstClr val="white"/>
+              </a:solidFill>
+              <a:effectLst/>
+              <a:uLnTx/>
+              <a:uFillTx/>
+              <a:latin typeface="Calibri" panose="020F0502020204030204"/>
+              <a:ea typeface="+mn-ea"/>
+              <a:cs typeface="+mn-cs"/>
+            </a:endParaRPr>
+          </a:p>
+        </p:txBody>
+      </p:sp>
+      <p:cxnSp>
+        <p:nvCxnSpPr>
+          <p:cNvPr id="12" name="Straight Connector 11">
+            <a:extLst>
+              <a:ext uri="{FF2B5EF4-FFF2-40B4-BE49-F238E27FC236}">
+                <a16:creationId xmlns:a16="http://schemas.microsoft.com/office/drawing/2014/main" id="{D4C22394-EBC2-4FAF-A555-6C02D589EED7}"/>
+              </a:ext>
+              <a:ext uri="{C183D7F6-B498-43B3-948B-1728B52AA6E4}">
+                <adec:decorative xmlns:adec="http://schemas.microsoft.com/office/drawing/2017/decorative" val="1"/>
+              </a:ext>
+            </a:extLst>
+          </p:cNvPr>
+          <p:cNvCxnSpPr>
+            <a:cxnSpLocks noGrp="1" noRot="1" noChangeAspect="1" noMove="1" noResize="1" noEditPoints="1" noAdjustHandles="1" noChangeArrowheads="1" noChangeShapeType="1"/>
+          </p:cNvCxnSpPr>
+          <p:nvPr>
+            <p:extLst>
+              <p:ext uri="{386F3935-93C4-4BCD-93E2-E3B085C9AB24}">
+                <p16:designElem xmlns:p16="http://schemas.microsoft.com/office/powerpoint/2015/main" val="1"/>
+              </p:ext>
+            </p:extLst>
+          </p:nvPr>
+        </p:nvCxnSpPr>
+        <p:spPr>
+          <a:xfrm rot="16200000">
+            <a:off x="1508760" y="3431556"/>
+            <a:ext cx="0" cy="1737360"/>
+          </a:xfrm>
+          <a:prstGeom prst="line">
+            <a:avLst/>
+          </a:prstGeom>
+          <a:ln w="19050" cap="sq">
+            <a:solidFill>
+              <a:schemeClr val="tx1"/>
+            </a:solidFill>
+          </a:ln>
+        </p:spPr>
+        <p:style>
+          <a:lnRef idx="1">
+            <a:schemeClr val="accent1"/>
+          </a:lnRef>
+          <a:fillRef idx="0">
+            <a:schemeClr val="accent1"/>
+          </a:fillRef>
+          <a:effectRef idx="0">
+            <a:schemeClr val="accent1"/>
+          </a:effectRef>
+          <a:fontRef idx="minor">
+            <a:schemeClr val="tx1"/>
+          </a:fontRef>
+        </p:style>
+      </p:cxnSp>
+      <p:sp>
+        <p:nvSpPr>
+          <p:cNvPr id="14" name="Oval 13">
+            <a:extLst>
+              <a:ext uri="{FF2B5EF4-FFF2-40B4-BE49-F238E27FC236}">
+                <a16:creationId xmlns:a16="http://schemas.microsoft.com/office/drawing/2014/main" id="{F7194F93-1F71-4A70-9DF1-28F183771111}"/>
+              </a:ext>
+              <a:ext uri="{C183D7F6-B498-43B3-948B-1728B52AA6E4}">
+                <adec:decorative xmlns:adec="http://schemas.microsoft.com/office/drawing/2017/decorative" val="1"/>
+              </a:ext>
+            </a:extLst>
+          </p:cNvPr>
+          <p:cNvSpPr>
+            <a:spLocks noGrp="1" noRot="1" noChangeAspect="1" noMove="1" noResize="1" noEditPoints="1" noAdjustHandles="1" noChangeArrowheads="1" noChangeShapeType="1" noTextEdit="1"/>
+          </p:cNvSpPr>
+          <p:nvPr>
+            <p:extLst>
+              <p:ext uri="{386F3935-93C4-4BCD-93E2-E3B085C9AB24}">
+                <p16:designElem xmlns:p16="http://schemas.microsoft.com/office/powerpoint/2015/main" val="1"/>
+              </p:ext>
+            </p:extLst>
+          </p:nvPr>
+        </p:nvSpPr>
+        <p:spPr>
+          <a:xfrm>
+            <a:off x="8732897" y="5004581"/>
+            <a:ext cx="962395" cy="962395"/>
+          </a:xfrm>
+          <a:prstGeom prst="ellipse">
+            <a:avLst/>
+          </a:prstGeom>
+          <a:solidFill>
+            <a:schemeClr val="accent1"/>
+          </a:solidFill>
+          <a:ln>
+            <a:noFill/>
+          </a:ln>
+        </p:spPr>
+        <p:style>
+          <a:lnRef idx="2">
+            <a:schemeClr val="accent1">
+              <a:shade val="50000"/>
+            </a:schemeClr>
+          </a:lnRef>
+          <a:fillRef idx="1">
+            <a:schemeClr val="accent1"/>
+          </a:fillRef>
+          <a:effectRef idx="0">
+            <a:schemeClr val="accent1"/>
+          </a:effectRef>
+          <a:fontRef idx="minor">
+            <a:schemeClr val="lt1"/>
+          </a:fontRef>
+        </p:style>
+        <p:txBody>
+          <a:bodyPr rtlCol="0" anchor="ctr"/>
+          <a:lstStyle/>
+          <a:p>
+            <a:pPr marL="0" marR="0" lvl="0" indent="0" algn="ctr" defTabSz="914400" rtl="0" eaLnBrk="1" fontAlgn="auto" latinLnBrk="0" hangingPunct="1">
+              <a:lnSpc>
+                <a:spcPct val="100000"/>
+              </a:lnSpc>
+              <a:spcBef>
+                <a:spcPts val="0"/>
+              </a:spcBef>
+              <a:spcAft>
+                <a:spcPts val="0"/>
+              </a:spcAft>
+              <a:buClrTx/>
+              <a:buSzTx/>
+              <a:buFontTx/>
+              <a:buNone/>
+              <a:tabLst/>
+              <a:defRPr/>
+            </a:pPr>
+            <a:endParaRPr kumimoji="0" lang="en-US" sz="1800" b="0" i="0" u="none" strike="noStrike" kern="1200" cap="none" spc="0" normalizeH="0" baseline="0" noProof="0">
+              <a:ln>
+                <a:noFill/>
+              </a:ln>
+              <a:solidFill>
+                <a:prstClr val="white"/>
+              </a:solidFill>
+              <a:effectLst/>
+              <a:uLnTx/>
+              <a:uFillTx/>
+              <a:latin typeface="Calibri" panose="020F0502020204030204"/>
+              <a:ea typeface="+mn-ea"/>
+              <a:cs typeface="+mn-cs"/>
+            </a:endParaRPr>
+          </a:p>
+        </p:txBody>
+      </p:sp>
+      <p:sp>
+        <p:nvSpPr>
+          <p:cNvPr id="16" name="Oval 15">
+            <a:extLst>
+              <a:ext uri="{FF2B5EF4-FFF2-40B4-BE49-F238E27FC236}">
+                <a16:creationId xmlns:a16="http://schemas.microsoft.com/office/drawing/2014/main" id="{9BBC0C84-DC2A-43AE-9576-0A44295E8B9C}"/>
+              </a:ext>
+              <a:ext uri="{C183D7F6-B498-43B3-948B-1728B52AA6E4}">
+                <adec:decorative xmlns:adec="http://schemas.microsoft.com/office/drawing/2017/decorative" val="1"/>
+              </a:ext>
+            </a:extLst>
+          </p:cNvPr>
+          <p:cNvSpPr>
+            <a:spLocks noGrp="1" noRot="1" noChangeAspect="1" noMove="1" noResize="1" noEditPoints="1" noAdjustHandles="1" noChangeArrowheads="1" noChangeShapeType="1" noTextEdit="1"/>
+          </p:cNvSpPr>
+          <p:nvPr>
+            <p:extLst>
+              <p:ext uri="{386F3935-93C4-4BCD-93E2-E3B085C9AB24}">
+                <p16:designElem xmlns:p16="http://schemas.microsoft.com/office/powerpoint/2015/main" val="1"/>
+              </p:ext>
+            </p:extLst>
+          </p:nvPr>
+        </p:nvSpPr>
+        <p:spPr>
+          <a:xfrm>
+            <a:off x="10463725" y="4865965"/>
+            <a:ext cx="293695" cy="293695"/>
+          </a:xfrm>
+          <a:prstGeom prst="ellipse">
+            <a:avLst/>
+          </a:prstGeom>
+          <a:solidFill>
+            <a:schemeClr val="accent4"/>
+          </a:solidFill>
+          <a:ln>
+            <a:noFill/>
+          </a:ln>
+        </p:spPr>
+        <p:style>
+          <a:lnRef idx="2">
+            <a:schemeClr val="accent1">
+              <a:shade val="50000"/>
+            </a:schemeClr>
+          </a:lnRef>
+          <a:fillRef idx="1">
+            <a:schemeClr val="accent1"/>
+          </a:fillRef>
+          <a:effectRef idx="0">
+            <a:schemeClr val="accent1"/>
+          </a:effectRef>
+          <a:fontRef idx="minor">
+            <a:schemeClr val="lt1"/>
+          </a:fontRef>
+        </p:style>
+        <p:txBody>
+          <a:bodyPr rtlCol="0" anchor="ctr"/>
+          <a:lstStyle/>
+          <a:p>
+            <a:pPr marL="0" marR="0" lvl="0" indent="0" algn="ctr" defTabSz="914400" rtl="0" eaLnBrk="1" fontAlgn="auto" latinLnBrk="0" hangingPunct="1">
+              <a:lnSpc>
+                <a:spcPct val="100000"/>
+              </a:lnSpc>
+              <a:spcBef>
+                <a:spcPts val="0"/>
+              </a:spcBef>
+              <a:spcAft>
+                <a:spcPts val="0"/>
+              </a:spcAft>
+              <a:buClrTx/>
+              <a:buSzTx/>
+              <a:buFontTx/>
+              <a:buNone/>
+              <a:tabLst/>
+              <a:defRPr/>
+            </a:pPr>
+            <a:endParaRPr kumimoji="0" lang="en-US" sz="1800" b="0" i="0" u="none" strike="noStrike" kern="1200" cap="none" spc="0" normalizeH="0" baseline="0" noProof="0">
+              <a:ln>
+                <a:noFill/>
+              </a:ln>
+              <a:solidFill>
+                <a:prstClr val="white"/>
+              </a:solidFill>
+              <a:effectLst/>
+              <a:uLnTx/>
+              <a:uFillTx/>
+              <a:latin typeface="Calibri" panose="020F0502020204030204"/>
+              <a:ea typeface="+mn-ea"/>
+              <a:cs typeface="+mn-cs"/>
+            </a:endParaRPr>
           </a:p>
         </p:txBody>
       </p:sp>
@@ -23366,13 +24502,13 @@
   <p:clrMapOvr>
     <a:masterClrMapping/>
   </p:clrMapOvr>
-  <mc:AlternateContent xmlns:mc="http://schemas.openxmlformats.org/markup-compatibility/2006">
-    <mc:Choice xmlns:p14="http://schemas.microsoft.com/office/powerpoint/2010/main" Requires="p14">
+  <mc:AlternateContent xmlns:mc="http://schemas.openxmlformats.org/markup-compatibility/2006" xmlns:p14="http://schemas.microsoft.com/office/powerpoint/2010/main">
+    <mc:Choice Requires="p14">
       <p:transition spd="med" p14:dur="700">
         <p:fade/>
       </p:transition>
     </mc:Choice>
-    <mc:Fallback>
+    <mc:Fallback xmlns="">
       <p:transition spd="med">
         <p:fade/>
       </p:transition>
@@ -24665,8 +25801,12 @@
               <a:buNone/>
             </a:pPr>
             <a:r>
+              <a:rPr lang="en-US" dirty="0" err="1"/>
+              <a:t>StackGAN</a:t>
+            </a:r>
+            <a:r>
               <a:rPr lang="en-US" dirty="0"/>
-              <a:t>Text 2 Image Synthesis</a:t>
+              <a:t> Text 2 Image Synthesis </a:t>
             </a:r>
           </a:p>
           <a:p>
@@ -25834,7 +26974,7 @@
           <a:p>
             <a:r>
               <a:rPr lang="en-US" dirty="0"/>
-              <a:t>Recap: Discriminative vs Generative Models</a:t>
+              <a:t>Discriminative vs Generative Models</a:t>
             </a:r>
           </a:p>
         </p:txBody>
@@ -27551,7 +28691,7 @@
 </file>
 
 <file path=ppt/slides/slide4.xml><?xml version="1.0" encoding="utf-8"?>
-<p:sld xmlns:a="http://schemas.openxmlformats.org/drawingml/2006/main" xmlns:r="http://schemas.openxmlformats.org/officeDocument/2006/relationships" xmlns:p="http://schemas.openxmlformats.org/presentationml/2006/main">
+<p:sld xmlns:a="http://schemas.openxmlformats.org/drawingml/2006/main" xmlns:r="http://schemas.openxmlformats.org/officeDocument/2006/relationships" xmlns:p="http://schemas.openxmlformats.org/presentationml/2006/main" show="0">
   <p:cSld>
     <p:spTree>
       <p:nvGrpSpPr>
@@ -27608,7 +28748,7 @@
           <a:p>
             <a:r>
               <a:rPr lang="en-US" dirty="0"/>
-              <a:t>Recap: What is a Generative Model ?</a:t>
+              <a:t>What is a Generative Model ?</a:t>
             </a:r>
           </a:p>
         </p:txBody>
@@ -29151,13 +30291,13 @@
   <p:clrMapOvr>
     <a:masterClrMapping/>
   </p:clrMapOvr>
-  <mc:AlternateContent xmlns:mc="http://schemas.openxmlformats.org/markup-compatibility/2006" xmlns:p14="http://schemas.microsoft.com/office/powerpoint/2010/main">
-    <mc:Choice Requires="p14">
+  <mc:AlternateContent xmlns:mc="http://schemas.openxmlformats.org/markup-compatibility/2006">
+    <mc:Choice xmlns:p14="http://schemas.microsoft.com/office/powerpoint/2010/main" Requires="p14">
       <p:transition spd="med" p14:dur="700">
         <p:fade/>
       </p:transition>
     </mc:Choice>
-    <mc:Fallback xmlns="">
+    <mc:Fallback>
       <p:transition spd="med">
         <p:fade/>
       </p:transition>
@@ -30032,7 +31172,7 @@
           <a:p>
             <a:r>
               <a:rPr lang="en-US" dirty="0"/>
-              <a:t>Recap: Examples: Discriminative vs Generative </a:t>
+              <a:t>Examples: Discriminative vs Generative </a:t>
             </a:r>
           </a:p>
         </p:txBody>
@@ -31155,204 +32295,88 @@
           </a:p>
         </p:txBody>
       </p:sp>
-      <mc:AlternateContent xmlns:mc="http://schemas.openxmlformats.org/markup-compatibility/2006" xmlns:a14="http://schemas.microsoft.com/office/drawing/2010/main">
-        <mc:Choice Requires="a14">
-          <p:sp>
-            <p:nvSpPr>
-              <p:cNvPr id="3" name="Content Placeholder 2"/>
-              <p:cNvSpPr>
-                <a:spLocks noGrp="1"/>
-              </p:cNvSpPr>
-              <p:nvPr>
-                <p:ph sz="half" idx="1"/>
-              </p:nvPr>
-            </p:nvSpPr>
-            <p:spPr>
-              <a:xfrm>
-                <a:off x="838200" y="1825624"/>
-                <a:ext cx="5181600" cy="4687961"/>
-              </a:xfrm>
-            </p:spPr>
-            <p:txBody>
-              <a:bodyPr>
-                <a:normAutofit fontScale="92500" lnSpcReduction="20000"/>
-              </a:bodyPr>
-              <a:lstStyle/>
-              <a:p>
-                <a:r>
-                  <a:rPr lang="en-US" dirty="0"/>
-                  <a:t>Understanding </a:t>
-                </a:r>
-                <a14:m>
-                  <m:oMath xmlns:m="http://schemas.openxmlformats.org/officeDocument/2006/math">
-                    <m:r>
-                      <a:rPr lang="en-US" i="1">
-                        <a:latin typeface="Cambria Math" panose="02040503050406030204" pitchFamily="18" charset="0"/>
-                      </a:rPr>
-                      <m:t>𝑃</m:t>
-                    </m:r>
-                    <m:d>
-                      <m:dPr>
-                        <m:ctrlPr>
-                          <a:rPr lang="en-US" i="1">
-                            <a:latin typeface="Cambria Math" panose="02040503050406030204" pitchFamily="18" charset="0"/>
-                          </a:rPr>
-                        </m:ctrlPr>
-                      </m:dPr>
-                      <m:e>
-                        <m:r>
-                          <a:rPr lang="en-US" i="1">
-                            <a:latin typeface="Cambria Math" panose="02040503050406030204" pitchFamily="18" charset="0"/>
-                          </a:rPr>
-                          <m:t>𝑋</m:t>
-                        </m:r>
-                      </m:e>
-                    </m:d>
-                  </m:oMath>
-                </a14:m>
-                <a:r>
-                  <a:rPr lang="en-US" dirty="0"/>
-                  <a:t> can help to understand </a:t>
-                </a:r>
-                <a14:m>
-                  <m:oMath xmlns:m="http://schemas.openxmlformats.org/officeDocument/2006/math">
-                    <m:r>
-                      <a:rPr lang="en-US" i="1">
-                        <a:latin typeface="Cambria Math" panose="02040503050406030204" pitchFamily="18" charset="0"/>
-                      </a:rPr>
-                      <m:t>𝑃</m:t>
-                    </m:r>
-                    <m:d>
-                      <m:dPr>
-                        <m:ctrlPr>
-                          <a:rPr lang="en-US" i="1">
-                            <a:latin typeface="Cambria Math" panose="02040503050406030204" pitchFamily="18" charset="0"/>
-                          </a:rPr>
-                        </m:ctrlPr>
-                      </m:dPr>
-                      <m:e>
-                        <m:r>
-                          <a:rPr lang="en-US" b="0" i="1" smtClean="0">
-                            <a:latin typeface="Cambria Math" panose="02040503050406030204" pitchFamily="18" charset="0"/>
-                          </a:rPr>
-                          <m:t>𝑌</m:t>
-                        </m:r>
-                      </m:e>
-                      <m:e>
-                        <m:r>
-                          <a:rPr lang="en-US" i="1">
-                            <a:latin typeface="Cambria Math" panose="02040503050406030204" pitchFamily="18" charset="0"/>
-                          </a:rPr>
-                          <m:t>𝑋</m:t>
-                        </m:r>
-                      </m:e>
-                    </m:d>
-                  </m:oMath>
-                </a14:m>
-                <a:endParaRPr lang="en-US" dirty="0">
-                  <a:ea typeface="Cambria Math" panose="02040503050406030204" pitchFamily="18" charset="0"/>
-                </a:endParaRPr>
-              </a:p>
-              <a:p>
-                <a:r>
-                  <a:rPr lang="en-US" dirty="0"/>
-                  <a:t>Generate content</a:t>
-                </a:r>
-              </a:p>
-              <a:p>
-                <a:pPr lvl="1"/>
-                <a:r>
-                  <a:rPr lang="en-US" dirty="0"/>
-                  <a:t>High resolution image generation</a:t>
-                </a:r>
-              </a:p>
-              <a:p>
-                <a:pPr lvl="1"/>
-                <a:r>
-                  <a:rPr lang="en-US" dirty="0"/>
-                  <a:t>Hand-written text generation</a:t>
-                </a:r>
-              </a:p>
-              <a:p>
-                <a:pPr lvl="1"/>
-                <a:r>
-                  <a:rPr lang="en-US" dirty="0"/>
-                  <a:t>Video generation</a:t>
-                </a:r>
-              </a:p>
-              <a:p>
-                <a:pPr lvl="1"/>
-                <a:r>
-                  <a:rPr lang="en-US" dirty="0"/>
-                  <a:t>Language from image</a:t>
-                </a:r>
-              </a:p>
-              <a:p>
-                <a:pPr lvl="1"/>
-                <a:r>
-                  <a:rPr lang="en-US" dirty="0"/>
-                  <a:t>Optimal policies from important tasks</a:t>
-                </a:r>
-              </a:p>
-              <a:p>
-                <a:r>
-                  <a:rPr lang="en-US" dirty="0"/>
-                  <a:t>Less hassle to collect data (mostly come cheap!)</a:t>
-                </a:r>
-              </a:p>
-              <a:p>
-                <a:r>
-                  <a:rPr lang="en-US" dirty="0"/>
-                  <a:t>Can use powerful deep learning models (e.g., RNNs, CNNs, GANs)</a:t>
-                </a:r>
-              </a:p>
-              <a:p>
-                <a:r>
-                  <a:rPr lang="en-US" dirty="0"/>
-                  <a:t>Creativity</a:t>
-                </a:r>
-              </a:p>
-            </p:txBody>
-          </p:sp>
-        </mc:Choice>
-        <mc:Fallback xmlns="">
-          <p:sp>
-            <p:nvSpPr>
-              <p:cNvPr id="3" name="Content Placeholder 2"/>
-              <p:cNvSpPr>
-                <a:spLocks noGrp="1" noRot="1" noChangeAspect="1" noMove="1" noResize="1" noEditPoints="1" noAdjustHandles="1" noChangeArrowheads="1" noChangeShapeType="1" noTextEdit="1"/>
-              </p:cNvSpPr>
-              <p:nvPr>
-                <p:ph sz="half" idx="1"/>
-              </p:nvPr>
-            </p:nvSpPr>
-            <p:spPr>
-              <a:xfrm>
-                <a:off x="838200" y="1825624"/>
-                <a:ext cx="5181600" cy="4687961"/>
-              </a:xfrm>
-              <a:blipFill>
-                <a:blip r:embed="rId4"/>
-                <a:stretch>
-                  <a:fillRect l="-1711" t="-3523" r="-489"/>
-                </a:stretch>
-              </a:blipFill>
-            </p:spPr>
-            <p:txBody>
-              <a:bodyPr/>
-              <a:lstStyle/>
-              <a:p>
-                <a:r>
-                  <a:rPr lang="en-US">
-                    <a:noFill/>
-                  </a:rPr>
-                  <a:t> </a:t>
-                </a:r>
-              </a:p>
-            </p:txBody>
-          </p:sp>
-        </mc:Fallback>
-      </mc:AlternateContent>
+      <p:sp>
+        <p:nvSpPr>
+          <p:cNvPr id="3" name="Content Placeholder 2"/>
+          <p:cNvSpPr>
+            <a:spLocks noGrp="1"/>
+          </p:cNvSpPr>
+          <p:nvPr>
+            <p:ph sz="half" idx="1"/>
+          </p:nvPr>
+        </p:nvSpPr>
+        <p:spPr>
+          <a:xfrm>
+            <a:off x="838200" y="1825624"/>
+            <a:ext cx="5181600" cy="4687961"/>
+          </a:xfrm>
+        </p:spPr>
+        <p:txBody>
+          <a:bodyPr>
+            <a:normAutofit/>
+          </a:bodyPr>
+          <a:lstStyle/>
+          <a:p>
+            <a:r>
+              <a:rPr lang="en-US" dirty="0"/>
+              <a:t>Generate content</a:t>
+            </a:r>
+          </a:p>
+          <a:p>
+            <a:pPr lvl="1"/>
+            <a:r>
+              <a:rPr lang="en-US" dirty="0"/>
+              <a:t>High resolution images</a:t>
+            </a:r>
+          </a:p>
+          <a:p>
+            <a:pPr lvl="1"/>
+            <a:r>
+              <a:rPr lang="en-US" dirty="0"/>
+              <a:t>Hand-written text</a:t>
+            </a:r>
+          </a:p>
+          <a:p>
+            <a:pPr lvl="1"/>
+            <a:r>
+              <a:rPr lang="en-US" dirty="0"/>
+              <a:t>Videos</a:t>
+            </a:r>
+          </a:p>
+          <a:p>
+            <a:pPr lvl="1"/>
+            <a:r>
+              <a:rPr lang="en-US" dirty="0"/>
+              <a:t>Text from image</a:t>
+            </a:r>
+          </a:p>
+          <a:p>
+            <a:pPr lvl="1"/>
+            <a:r>
+              <a:rPr lang="en-US" dirty="0"/>
+              <a:t>Image from text</a:t>
+            </a:r>
+          </a:p>
+          <a:p>
+            <a:r>
+              <a:rPr lang="en-US" dirty="0"/>
+              <a:t>Less hassle to collect data</a:t>
+            </a:r>
+          </a:p>
+          <a:p>
+            <a:r>
+              <a:rPr lang="en-US" dirty="0"/>
+              <a:t>Can use deep learning (e.g., RNNs, CNNs, GANs)</a:t>
+            </a:r>
+          </a:p>
+          <a:p>
+            <a:r>
+              <a:rPr lang="en-US" dirty="0"/>
+              <a:t>Creativity</a:t>
+            </a:r>
+          </a:p>
+        </p:txBody>
+      </p:sp>
       <p:pic>
         <p:nvPicPr>
           <p:cNvPr id="2050" name="Picture 2" descr="Image result for deep dream images"/>
@@ -31362,7 +32386,7 @@
           <p:nvPr/>
         </p:nvPicPr>
         <p:blipFill>
-          <a:blip r:embed="rId5">
+          <a:blip r:embed="rId4">
             <a:extLst>
               <a:ext uri="{28A0092B-C50C-407E-A947-70E740481C1C}">
                 <a14:useLocalDpi xmlns:a14="http://schemas.microsoft.com/office/drawing/2010/main" val="0"/>
@@ -31403,7 +32427,7 @@
           <p:nvPr/>
         </p:nvPicPr>
         <p:blipFill>
-          <a:blip r:embed="rId6">
+          <a:blip r:embed="rId5">
             <a:extLst>
               <a:ext uri="{28A0092B-C50C-407E-A947-70E740481C1C}">
                 <a14:useLocalDpi xmlns:a14="http://schemas.microsoft.com/office/drawing/2010/main" val="0"/>
@@ -31444,7 +32468,7 @@
           <p:nvPr/>
         </p:nvPicPr>
         <p:blipFill>
-          <a:blip r:embed="rId7">
+          <a:blip r:embed="rId6">
             <a:extLst>
               <a:ext uri="{28A0092B-C50C-407E-A947-70E740481C1C}">
                 <a14:useLocalDpi xmlns:a14="http://schemas.microsoft.com/office/drawing/2010/main" val="0"/>
@@ -31485,7 +32509,7 @@
           <p:nvPr/>
         </p:nvPicPr>
         <p:blipFill>
-          <a:blip r:embed="rId8">
+          <a:blip r:embed="rId7">
             <a:extLst>
               <a:ext uri="{28A0092B-C50C-407E-A947-70E740481C1C}">
                 <a14:useLocalDpi xmlns:a14="http://schemas.microsoft.com/office/drawing/2010/main" val="0"/>
@@ -31545,6 +32569,14 @@
 <file path=ppt/slides/slide7.xml><?xml version="1.0" encoding="utf-8"?>
 <p:sld xmlns:a="http://schemas.openxmlformats.org/drawingml/2006/main" xmlns:r="http://schemas.openxmlformats.org/officeDocument/2006/relationships" xmlns:p="http://schemas.openxmlformats.org/presentationml/2006/main">
   <p:cSld>
+    <p:bg>
+      <p:bgPr>
+        <a:solidFill>
+          <a:schemeClr val="bg1"/>
+        </a:solidFill>
+        <a:effectLst/>
+      </p:bgPr>
+    </p:bg>
     <p:spTree>
       <p:nvGrpSpPr>
         <p:cNvPr id="1" name=""/>
@@ -31559,6 +32591,95 @@
           <a:chExt cx="0" cy="0"/>
         </a:xfrm>
       </p:grpSpPr>
+      <p:sp useBgFill="1">
+        <p:nvSpPr>
+          <p:cNvPr id="7" name="Rectangle 6">
+            <a:extLst>
+              <a:ext uri="{FF2B5EF4-FFF2-40B4-BE49-F238E27FC236}">
+                <a16:creationId xmlns:a16="http://schemas.microsoft.com/office/drawing/2014/main" id="{559AE206-7EBA-4D33-8BC9-9D8158553F0E}"/>
+              </a:ext>
+              <a:ext uri="{C183D7F6-B498-43B3-948B-1728B52AA6E4}">
+                <adec:decorative xmlns:adec="http://schemas.microsoft.com/office/drawing/2017/decorative" val="1"/>
+              </a:ext>
+            </a:extLst>
+          </p:cNvPr>
+          <p:cNvSpPr>
+            <a:spLocks noGrp="1" noRot="1" noChangeAspect="1" noMove="1" noResize="1" noEditPoints="1" noAdjustHandles="1" noChangeArrowheads="1" noChangeShapeType="1" noTextEdit="1"/>
+          </p:cNvSpPr>
+          <p:nvPr>
+            <p:extLst>
+              <p:ext uri="{386F3935-93C4-4BCD-93E2-E3B085C9AB24}">
+                <p16:designElem xmlns:p16="http://schemas.microsoft.com/office/powerpoint/2015/main" val="1"/>
+              </p:ext>
+            </p:extLst>
+          </p:nvPr>
+        </p:nvSpPr>
+        <p:spPr>
+          <a:xfrm>
+            <a:off x="0" y="0"/>
+            <a:ext cx="12192000" cy="6858000"/>
+          </a:xfrm>
+          <a:prstGeom prst="rect">
+            <a:avLst/>
+          </a:prstGeom>
+          <a:ln>
+            <a:noFill/>
+          </a:ln>
+        </p:spPr>
+        <p:style>
+          <a:lnRef idx="2">
+            <a:schemeClr val="accent1">
+              <a:shade val="50000"/>
+            </a:schemeClr>
+          </a:lnRef>
+          <a:fillRef idx="1">
+            <a:schemeClr val="accent1"/>
+          </a:fillRef>
+          <a:effectRef idx="0">
+            <a:schemeClr val="accent1"/>
+          </a:effectRef>
+          <a:fontRef idx="minor">
+            <a:schemeClr val="lt1"/>
+          </a:fontRef>
+        </p:style>
+        <p:txBody>
+          <a:bodyPr rtlCol="0" anchor="ctr"/>
+          <a:lstStyle/>
+          <a:p>
+            <a:pPr marL="0" marR="0" lvl="0" indent="0" algn="ctr" defTabSz="914400" rtl="0" eaLnBrk="1" fontAlgn="auto" latinLnBrk="0" hangingPunct="1">
+              <a:lnSpc>
+                <a:spcPct val="100000"/>
+              </a:lnSpc>
+              <a:spcBef>
+                <a:spcPts val="0"/>
+              </a:spcBef>
+              <a:spcAft>
+                <a:spcPts val="0"/>
+              </a:spcAft>
+              <a:buClrTx/>
+              <a:buSzTx/>
+              <a:buFontTx/>
+              <a:buNone/>
+              <a:tabLst/>
+              <a:defRPr/>
+            </a:pPr>
+            <a:endParaRPr kumimoji="0" lang="en-US" sz="1800" b="0" i="0" u="none" strike="noStrike" kern="1200" cap="none" spc="0" normalizeH="0" baseline="0" noProof="0">
+              <a:ln>
+                <a:noFill/>
+              </a:ln>
+              <a:solidFill>
+                <a:prstClr val="white"/>
+              </a:solidFill>
+              <a:effectLst/>
+              <a:uLnTx/>
+              <a:uFillTx/>
+              <a:latin typeface="Calibri" panose="020F0502020204030204"/>
+              <a:ea typeface="+mn-ea"/>
+              <a:cs typeface="+mn-cs"/>
+            </a:endParaRPr>
+          </a:p>
+        </p:txBody>
+      </p:sp>
       <p:sp>
         <p:nvSpPr>
           <p:cNvPr id="2" name="Title 1"/>
@@ -31569,20 +32690,516 @@
             <p:ph type="title"/>
           </p:nvPr>
         </p:nvSpPr>
-        <p:spPr/>
+        <p:spPr>
+          <a:xfrm>
+            <a:off x="838199" y="4525347"/>
+            <a:ext cx="6801321" cy="1737360"/>
+          </a:xfrm>
+        </p:spPr>
         <p:txBody>
-          <a:bodyPr>
+          <a:bodyPr vert="horz" lIns="91440" tIns="45720" rIns="91440" bIns="45720" rtlCol="0" anchor="ctr">
             <a:normAutofit/>
           </a:bodyPr>
           <a:lstStyle/>
           <a:p>
-            <a:r>
-              <a:rPr lang="en-US" sz="3000" dirty="0"/>
+            <a:pPr algn="r"/>
+            <a:r>
+              <a:rPr lang="en-US" kern="1200">
+                <a:solidFill>
+                  <a:schemeClr val="tx1"/>
+                </a:solidFill>
+                <a:latin typeface="+mj-lt"/>
+                <a:ea typeface="+mj-ea"/>
+                <a:cs typeface="+mj-cs"/>
+              </a:rPr>
               <a:t>GANs - Generative Adversarial Networks</a:t>
             </a:r>
           </a:p>
         </p:txBody>
       </p:sp>
+      <p:sp>
+        <p:nvSpPr>
+          <p:cNvPr id="9" name="Oval 8">
+            <a:extLst>
+              <a:ext uri="{FF2B5EF4-FFF2-40B4-BE49-F238E27FC236}">
+                <a16:creationId xmlns:a16="http://schemas.microsoft.com/office/drawing/2014/main" id="{6437D937-A7F1-4011-92B4-328E5BE1B166}"/>
+              </a:ext>
+              <a:ext uri="{C183D7F6-B498-43B3-948B-1728B52AA6E4}">
+                <adec:decorative xmlns:adec="http://schemas.microsoft.com/office/drawing/2017/decorative" val="1"/>
+              </a:ext>
+            </a:extLst>
+          </p:cNvPr>
+          <p:cNvSpPr>
+            <a:spLocks noGrp="1" noRot="1" noChangeAspect="1" noMove="1" noResize="1" noEditPoints="1" noAdjustHandles="1" noChangeArrowheads="1" noChangeShapeType="1" noTextEdit="1"/>
+          </p:cNvSpPr>
+          <p:nvPr>
+            <p:extLst>
+              <p:ext uri="{386F3935-93C4-4BCD-93E2-E3B085C9AB24}">
+                <p16:designElem xmlns:p16="http://schemas.microsoft.com/office/powerpoint/2015/main" val="1"/>
+              </p:ext>
+            </p:extLst>
+          </p:nvPr>
+        </p:nvSpPr>
+        <p:spPr>
+          <a:xfrm>
+            <a:off x="588567" y="620480"/>
+            <a:ext cx="2243800" cy="2243796"/>
+          </a:xfrm>
+          <a:prstGeom prst="ellipse">
+            <a:avLst/>
+          </a:prstGeom>
+          <a:solidFill>
+            <a:schemeClr val="accent5"/>
+          </a:solidFill>
+          <a:ln>
+            <a:noFill/>
+          </a:ln>
+        </p:spPr>
+        <p:style>
+          <a:lnRef idx="2">
+            <a:schemeClr val="accent1">
+              <a:shade val="50000"/>
+            </a:schemeClr>
+          </a:lnRef>
+          <a:fillRef idx="1">
+            <a:schemeClr val="accent1"/>
+          </a:fillRef>
+          <a:effectRef idx="0">
+            <a:schemeClr val="accent1"/>
+          </a:effectRef>
+          <a:fontRef idx="minor">
+            <a:schemeClr val="lt1"/>
+          </a:fontRef>
+        </p:style>
+        <p:txBody>
+          <a:bodyPr rtlCol="0" anchor="ctr"/>
+          <a:lstStyle/>
+          <a:p>
+            <a:pPr marL="0" marR="0" lvl="0" indent="0" algn="ctr" defTabSz="914400" rtl="0" eaLnBrk="1" fontAlgn="auto" latinLnBrk="0" hangingPunct="1">
+              <a:lnSpc>
+                <a:spcPct val="100000"/>
+              </a:lnSpc>
+              <a:spcBef>
+                <a:spcPts val="0"/>
+              </a:spcBef>
+              <a:spcAft>
+                <a:spcPts val="0"/>
+              </a:spcAft>
+              <a:buClrTx/>
+              <a:buSzTx/>
+              <a:buFontTx/>
+              <a:buNone/>
+              <a:tabLst/>
+              <a:defRPr/>
+            </a:pPr>
+            <a:endParaRPr kumimoji="0" lang="en-US" sz="1800" b="0" i="0" u="none" strike="noStrike" kern="1200" cap="none" spc="0" normalizeH="0" baseline="0" noProof="0">
+              <a:ln>
+                <a:noFill/>
+              </a:ln>
+              <a:solidFill>
+                <a:prstClr val="white"/>
+              </a:solidFill>
+              <a:effectLst/>
+              <a:uLnTx/>
+              <a:uFillTx/>
+              <a:latin typeface="Calibri" panose="020F0502020204030204"/>
+              <a:ea typeface="+mn-ea"/>
+              <a:cs typeface="+mn-cs"/>
+            </a:endParaRPr>
+          </a:p>
+        </p:txBody>
+      </p:sp>
+      <p:sp>
+        <p:nvSpPr>
+          <p:cNvPr id="11" name="Oval 10">
+            <a:extLst>
+              <a:ext uri="{FF2B5EF4-FFF2-40B4-BE49-F238E27FC236}">
+                <a16:creationId xmlns:a16="http://schemas.microsoft.com/office/drawing/2014/main" id="{B672F332-AF08-46C6-94F0-77684310D7B7}"/>
+              </a:ext>
+              <a:ext uri="{C183D7F6-B498-43B3-948B-1728B52AA6E4}">
+                <adec:decorative xmlns:adec="http://schemas.microsoft.com/office/drawing/2017/decorative" val="1"/>
+              </a:ext>
+            </a:extLst>
+          </p:cNvPr>
+          <p:cNvSpPr>
+            <a:spLocks noGrp="1" noRot="1" noChangeAspect="1" noMove="1" noResize="1" noEditPoints="1" noAdjustHandles="1" noChangeArrowheads="1" noChangeShapeType="1" noTextEdit="1"/>
+          </p:cNvSpPr>
+          <p:nvPr>
+            <p:extLst>
+              <p:ext uri="{386F3935-93C4-4BCD-93E2-E3B085C9AB24}">
+                <p16:designElem xmlns:p16="http://schemas.microsoft.com/office/powerpoint/2015/main" val="1"/>
+              </p:ext>
+            </p:extLst>
+          </p:nvPr>
+        </p:nvSpPr>
+        <p:spPr>
+          <a:xfrm>
+            <a:off x="3395001" y="2466604"/>
+            <a:ext cx="962395" cy="962395"/>
+          </a:xfrm>
+          <a:prstGeom prst="ellipse">
+            <a:avLst/>
+          </a:prstGeom>
+          <a:solidFill>
+            <a:schemeClr val="accent4"/>
+          </a:solidFill>
+          <a:ln>
+            <a:noFill/>
+          </a:ln>
+        </p:spPr>
+        <p:style>
+          <a:lnRef idx="2">
+            <a:schemeClr val="accent1">
+              <a:shade val="50000"/>
+            </a:schemeClr>
+          </a:lnRef>
+          <a:fillRef idx="1">
+            <a:schemeClr val="accent1"/>
+          </a:fillRef>
+          <a:effectRef idx="0">
+            <a:schemeClr val="accent1"/>
+          </a:effectRef>
+          <a:fontRef idx="minor">
+            <a:schemeClr val="lt1"/>
+          </a:fontRef>
+        </p:style>
+        <p:txBody>
+          <a:bodyPr rtlCol="0" anchor="ctr"/>
+          <a:lstStyle/>
+          <a:p>
+            <a:pPr marL="0" marR="0" lvl="0" indent="0" algn="ctr" defTabSz="914400" rtl="0" eaLnBrk="1" fontAlgn="auto" latinLnBrk="0" hangingPunct="1">
+              <a:lnSpc>
+                <a:spcPct val="100000"/>
+              </a:lnSpc>
+              <a:spcBef>
+                <a:spcPts val="0"/>
+              </a:spcBef>
+              <a:spcAft>
+                <a:spcPts val="0"/>
+              </a:spcAft>
+              <a:buClrTx/>
+              <a:buSzTx/>
+              <a:buFontTx/>
+              <a:buNone/>
+              <a:tabLst/>
+              <a:defRPr/>
+            </a:pPr>
+            <a:endParaRPr kumimoji="0" lang="en-US" sz="1800" b="0" i="0" u="none" strike="noStrike" kern="1200" cap="none" spc="0" normalizeH="0" baseline="0" noProof="0">
+              <a:ln>
+                <a:noFill/>
+              </a:ln>
+              <a:solidFill>
+                <a:prstClr val="white"/>
+              </a:solidFill>
+              <a:effectLst/>
+              <a:uLnTx/>
+              <a:uFillTx/>
+              <a:latin typeface="Calibri" panose="020F0502020204030204"/>
+              <a:ea typeface="+mn-ea"/>
+              <a:cs typeface="+mn-cs"/>
+            </a:endParaRPr>
+          </a:p>
+        </p:txBody>
+      </p:sp>
+      <p:sp>
+        <p:nvSpPr>
+          <p:cNvPr id="13" name="Oval 12">
+            <a:extLst>
+              <a:ext uri="{FF2B5EF4-FFF2-40B4-BE49-F238E27FC236}">
+                <a16:creationId xmlns:a16="http://schemas.microsoft.com/office/drawing/2014/main" id="{34244EF8-D73A-40E1-BE73-D46E6B4B04ED}"/>
+              </a:ext>
+              <a:ext uri="{C183D7F6-B498-43B3-948B-1728B52AA6E4}">
+                <adec:decorative xmlns:adec="http://schemas.microsoft.com/office/drawing/2017/decorative" val="1"/>
+              </a:ext>
+            </a:extLst>
+          </p:cNvPr>
+          <p:cNvSpPr>
+            <a:spLocks noGrp="1" noRot="1" noChangeAspect="1" noMove="1" noResize="1" noEditPoints="1" noAdjustHandles="1" noChangeArrowheads="1" noChangeShapeType="1" noTextEdit="1"/>
+          </p:cNvSpPr>
+          <p:nvPr>
+            <p:extLst>
+              <p:ext uri="{386F3935-93C4-4BCD-93E2-E3B085C9AB24}">
+                <p16:designElem xmlns:p16="http://schemas.microsoft.com/office/powerpoint/2015/main" val="1"/>
+              </p:ext>
+            </p:extLst>
+          </p:nvPr>
+        </p:nvSpPr>
+        <p:spPr>
+          <a:xfrm>
+            <a:off x="5125829" y="2327988"/>
+            <a:ext cx="293695" cy="293695"/>
+          </a:xfrm>
+          <a:prstGeom prst="ellipse">
+            <a:avLst/>
+          </a:prstGeom>
+          <a:solidFill>
+            <a:schemeClr val="accent3"/>
+          </a:solidFill>
+          <a:ln>
+            <a:noFill/>
+          </a:ln>
+        </p:spPr>
+        <p:style>
+          <a:lnRef idx="2">
+            <a:schemeClr val="accent1">
+              <a:shade val="50000"/>
+            </a:schemeClr>
+          </a:lnRef>
+          <a:fillRef idx="1">
+            <a:schemeClr val="accent1"/>
+          </a:fillRef>
+          <a:effectRef idx="0">
+            <a:schemeClr val="accent1"/>
+          </a:effectRef>
+          <a:fontRef idx="minor">
+            <a:schemeClr val="lt1"/>
+          </a:fontRef>
+        </p:style>
+        <p:txBody>
+          <a:bodyPr rtlCol="0" anchor="ctr"/>
+          <a:lstStyle/>
+          <a:p>
+            <a:pPr marL="0" marR="0" lvl="0" indent="0" algn="ctr" defTabSz="914400" rtl="0" eaLnBrk="1" fontAlgn="auto" latinLnBrk="0" hangingPunct="1">
+              <a:lnSpc>
+                <a:spcPct val="100000"/>
+              </a:lnSpc>
+              <a:spcBef>
+                <a:spcPts val="0"/>
+              </a:spcBef>
+              <a:spcAft>
+                <a:spcPts val="0"/>
+              </a:spcAft>
+              <a:buClrTx/>
+              <a:buSzTx/>
+              <a:buFontTx/>
+              <a:buNone/>
+              <a:tabLst/>
+              <a:defRPr/>
+            </a:pPr>
+            <a:endParaRPr kumimoji="0" lang="en-US" sz="1800" b="0" i="0" u="none" strike="noStrike" kern="1200" cap="none" spc="0" normalizeH="0" baseline="0" noProof="0">
+              <a:ln>
+                <a:noFill/>
+              </a:ln>
+              <a:solidFill>
+                <a:prstClr val="white"/>
+              </a:solidFill>
+              <a:effectLst/>
+              <a:uLnTx/>
+              <a:uFillTx/>
+              <a:latin typeface="Calibri" panose="020F0502020204030204"/>
+              <a:ea typeface="+mn-ea"/>
+              <a:cs typeface="+mn-cs"/>
+            </a:endParaRPr>
+          </a:p>
+        </p:txBody>
+      </p:sp>
+      <p:sp>
+        <p:nvSpPr>
+          <p:cNvPr id="15" name="Freeform: Shape 14">
+            <a:extLst>
+              <a:ext uri="{FF2B5EF4-FFF2-40B4-BE49-F238E27FC236}">
+                <a16:creationId xmlns:a16="http://schemas.microsoft.com/office/drawing/2014/main" id="{AB84D7E8-4ECB-42D7-ADBF-01689B0F24AE}"/>
+              </a:ext>
+              <a:ext uri="{C183D7F6-B498-43B3-948B-1728B52AA6E4}">
+                <adec:decorative xmlns:adec="http://schemas.microsoft.com/office/drawing/2017/decorative" val="1"/>
+              </a:ext>
+            </a:extLst>
+          </p:cNvPr>
+          <p:cNvSpPr>
+            <a:spLocks noGrp="1" noRot="1" noChangeAspect="1" noMove="1" noResize="1" noEditPoints="1" noAdjustHandles="1" noChangeArrowheads="1" noChangeShapeType="1" noTextEdit="1"/>
+          </p:cNvSpPr>
+          <p:nvPr>
+            <p:extLst>
+              <p:ext uri="{386F3935-93C4-4BCD-93E2-E3B085C9AB24}">
+                <p16:designElem xmlns:p16="http://schemas.microsoft.com/office/powerpoint/2015/main" val="1"/>
+              </p:ext>
+            </p:extLst>
+          </p:nvPr>
+        </p:nvSpPr>
+        <p:spPr>
+          <a:xfrm>
+            <a:off x="6492113" y="0"/>
+            <a:ext cx="5699887" cy="4059244"/>
+          </a:xfrm>
+          <a:custGeom>
+            <a:avLst/>
+            <a:gdLst>
+              <a:gd name="connsiteX0" fmla="*/ 0 w 5699887"/>
+              <a:gd name="connsiteY0" fmla="*/ 0 h 4059244"/>
+              <a:gd name="connsiteX1" fmla="*/ 5699887 w 5699887"/>
+              <a:gd name="connsiteY1" fmla="*/ 0 h 4059244"/>
+              <a:gd name="connsiteX2" fmla="*/ 5699887 w 5699887"/>
+              <a:gd name="connsiteY2" fmla="*/ 3944096 h 4059244"/>
+              <a:gd name="connsiteX3" fmla="*/ 5525775 w 5699887"/>
+              <a:gd name="connsiteY3" fmla="*/ 3980429 h 4059244"/>
+              <a:gd name="connsiteX4" fmla="*/ 4663256 w 5699887"/>
+              <a:gd name="connsiteY4" fmla="*/ 4059244 h 4059244"/>
+              <a:gd name="connsiteX5" fmla="*/ 8566 w 5699887"/>
+              <a:gd name="connsiteY5" fmla="*/ 67422 h 4059244"/>
+            </a:gdLst>
+            <a:ahLst/>
+            <a:cxnLst>
+              <a:cxn ang="0">
+                <a:pos x="connsiteX0" y="connsiteY0"/>
+              </a:cxn>
+              <a:cxn ang="0">
+                <a:pos x="connsiteX1" y="connsiteY1"/>
+              </a:cxn>
+              <a:cxn ang="0">
+                <a:pos x="connsiteX2" y="connsiteY2"/>
+              </a:cxn>
+              <a:cxn ang="0">
+                <a:pos x="connsiteX3" y="connsiteY3"/>
+              </a:cxn>
+              <a:cxn ang="0">
+                <a:pos x="connsiteX4" y="connsiteY4"/>
+              </a:cxn>
+              <a:cxn ang="0">
+                <a:pos x="connsiteX5" y="connsiteY5"/>
+              </a:cxn>
+            </a:cxnLst>
+            <a:rect l="l" t="t" r="r" b="b"/>
+            <a:pathLst>
+              <a:path w="5699887" h="4059244">
+                <a:moveTo>
+                  <a:pt x="0" y="0"/>
+                </a:moveTo>
+                <a:lnTo>
+                  <a:pt x="5699887" y="0"/>
+                </a:lnTo>
+                <a:lnTo>
+                  <a:pt x="5699887" y="3944096"/>
+                </a:lnTo>
+                <a:lnTo>
+                  <a:pt x="5525775" y="3980429"/>
+                </a:lnTo>
+                <a:cubicBezTo>
+                  <a:pt x="5246154" y="4032190"/>
+                  <a:pt x="4957865" y="4059244"/>
+                  <a:pt x="4663256" y="4059244"/>
+                </a:cubicBezTo>
+                <a:cubicBezTo>
+                  <a:pt x="2306390" y="4059244"/>
+                  <a:pt x="353936" y="2327747"/>
+                  <a:pt x="8566" y="67422"/>
+                </a:cubicBezTo>
+                <a:close/>
+              </a:path>
+            </a:pathLst>
+          </a:custGeom>
+          <a:solidFill>
+            <a:srgbClr val="595959"/>
+          </a:solidFill>
+          <a:ln>
+            <a:noFill/>
+          </a:ln>
+        </p:spPr>
+        <p:style>
+          <a:lnRef idx="2">
+            <a:schemeClr val="accent1">
+              <a:shade val="50000"/>
+            </a:schemeClr>
+          </a:lnRef>
+          <a:fillRef idx="1">
+            <a:schemeClr val="accent1"/>
+          </a:fillRef>
+          <a:effectRef idx="0">
+            <a:schemeClr val="accent1"/>
+          </a:effectRef>
+          <a:fontRef idx="minor">
+            <a:schemeClr val="lt1"/>
+          </a:fontRef>
+        </p:style>
+        <p:txBody>
+          <a:bodyPr rtlCol="0" anchor="ctr"/>
+          <a:lstStyle/>
+          <a:p>
+            <a:pPr marL="0" marR="0" lvl="0" indent="0" algn="ctr" defTabSz="914400" rtl="0" eaLnBrk="1" fontAlgn="auto" latinLnBrk="0" hangingPunct="1">
+              <a:lnSpc>
+                <a:spcPct val="100000"/>
+              </a:lnSpc>
+              <a:spcBef>
+                <a:spcPts val="0"/>
+              </a:spcBef>
+              <a:spcAft>
+                <a:spcPts val="0"/>
+              </a:spcAft>
+              <a:buClrTx/>
+              <a:buSzTx/>
+              <a:buFontTx/>
+              <a:buNone/>
+              <a:tabLst/>
+              <a:defRPr/>
+            </a:pPr>
+            <a:endParaRPr kumimoji="0" lang="en-US" sz="1800" b="0" i="0" u="none" strike="noStrike" kern="1200" cap="none" spc="0" normalizeH="0" baseline="0" noProof="0">
+              <a:ln>
+                <a:noFill/>
+              </a:ln>
+              <a:solidFill>
+                <a:prstClr val="white"/>
+              </a:solidFill>
+              <a:effectLst/>
+              <a:uLnTx/>
+              <a:uFillTx/>
+              <a:latin typeface="Calibri" panose="020F0502020204030204"/>
+              <a:ea typeface="+mn-ea"/>
+              <a:cs typeface="+mn-cs"/>
+            </a:endParaRPr>
+          </a:p>
+        </p:txBody>
+      </p:sp>
+      <p:cxnSp>
+        <p:nvCxnSpPr>
+          <p:cNvPr id="17" name="Straight Connector 16">
+            <a:extLst>
+              <a:ext uri="{FF2B5EF4-FFF2-40B4-BE49-F238E27FC236}">
+                <a16:creationId xmlns:a16="http://schemas.microsoft.com/office/drawing/2014/main" id="{9E8E38ED-369A-44C2-B635-0BED0E48A6E8}"/>
+              </a:ext>
+              <a:ext uri="{C183D7F6-B498-43B3-948B-1728B52AA6E4}">
+                <adec:decorative xmlns:adec="http://schemas.microsoft.com/office/drawing/2017/decorative" val="1"/>
+              </a:ext>
+            </a:extLst>
+          </p:cNvPr>
+          <p:cNvCxnSpPr>
+            <a:cxnSpLocks noGrp="1" noRot="1" noChangeAspect="1" noMove="1" noResize="1" noEditPoints="1" noAdjustHandles="1" noChangeArrowheads="1" noChangeShapeType="1"/>
+          </p:cNvCxnSpPr>
+          <p:nvPr>
+            <p:extLst>
+              <p:ext uri="{386F3935-93C4-4BCD-93E2-E3B085C9AB24}">
+                <p16:designElem xmlns:p16="http://schemas.microsoft.com/office/powerpoint/2015/main" val="1"/>
+              </p:ext>
+            </p:extLst>
+          </p:nvPr>
+        </p:nvCxnSpPr>
+        <p:spPr>
+          <a:xfrm>
+            <a:off x="7800392" y="4525347"/>
+            <a:ext cx="0" cy="1737360"/>
+          </a:xfrm>
+          <a:prstGeom prst="line">
+            <a:avLst/>
+          </a:prstGeom>
+          <a:ln w="19050" cap="sq">
+            <a:solidFill>
+              <a:schemeClr val="tx1"/>
+            </a:solidFill>
+          </a:ln>
+        </p:spPr>
+        <p:style>
+          <a:lnRef idx="1">
+            <a:schemeClr val="accent1"/>
+          </a:lnRef>
+          <a:fillRef idx="0">
+            <a:schemeClr val="accent1"/>
+          </a:fillRef>
+          <a:effectRef idx="0">
+            <a:schemeClr val="accent1"/>
+          </a:effectRef>
+          <a:fontRef idx="minor">
+            <a:schemeClr val="tx1"/>
+          </a:fontRef>
+        </p:style>
+      </p:cxnSp>
     </p:spTree>
     <p:extLst>
       <p:ext uri="{BB962C8B-B14F-4D97-AF65-F5344CB8AC3E}">
@@ -31611,6 +33228,14 @@
 <file path=ppt/slides/slide8.xml><?xml version="1.0" encoding="utf-8"?>
 <p:sld xmlns:a="http://schemas.openxmlformats.org/drawingml/2006/main" xmlns:r="http://schemas.openxmlformats.org/officeDocument/2006/relationships" xmlns:p="http://schemas.openxmlformats.org/presentationml/2006/main">
   <p:cSld>
+    <p:bg>
+      <p:bgPr>
+        <a:solidFill>
+          <a:schemeClr val="bg1"/>
+        </a:solidFill>
+        <a:effectLst/>
+      </p:bgPr>
+    </p:bg>
     <p:spTree>
       <p:nvGrpSpPr>
         <p:cNvPr id="1" name=""/>
@@ -31625,6 +33250,95 @@
           <a:chExt cx="0" cy="0"/>
         </a:xfrm>
       </p:grpSpPr>
+      <p:sp useBgFill="1">
+        <p:nvSpPr>
+          <p:cNvPr id="8" name="Rectangle 7">
+            <a:extLst>
+              <a:ext uri="{FF2B5EF4-FFF2-40B4-BE49-F238E27FC236}">
+                <a16:creationId xmlns:a16="http://schemas.microsoft.com/office/drawing/2014/main" id="{E4F9F79B-A093-478E-96B5-EE02BC93A858}"/>
+              </a:ext>
+              <a:ext uri="{C183D7F6-B498-43B3-948B-1728B52AA6E4}">
+                <adec:decorative xmlns:adec="http://schemas.microsoft.com/office/drawing/2017/decorative" val="1"/>
+              </a:ext>
+            </a:extLst>
+          </p:cNvPr>
+          <p:cNvSpPr>
+            <a:spLocks noGrp="1" noRot="1" noChangeAspect="1" noMove="1" noResize="1" noEditPoints="1" noAdjustHandles="1" noChangeArrowheads="1" noChangeShapeType="1" noTextEdit="1"/>
+          </p:cNvSpPr>
+          <p:nvPr>
+            <p:extLst>
+              <p:ext uri="{386F3935-93C4-4BCD-93E2-E3B085C9AB24}">
+                <p16:designElem xmlns:p16="http://schemas.microsoft.com/office/powerpoint/2015/main" val="1"/>
+              </p:ext>
+            </p:extLst>
+          </p:nvPr>
+        </p:nvSpPr>
+        <p:spPr>
+          <a:xfrm>
+            <a:off x="0" y="0"/>
+            <a:ext cx="12192000" cy="6858000"/>
+          </a:xfrm>
+          <a:prstGeom prst="rect">
+            <a:avLst/>
+          </a:prstGeom>
+          <a:ln>
+            <a:noFill/>
+          </a:ln>
+        </p:spPr>
+        <p:style>
+          <a:lnRef idx="2">
+            <a:schemeClr val="accent1">
+              <a:shade val="50000"/>
+            </a:schemeClr>
+          </a:lnRef>
+          <a:fillRef idx="1">
+            <a:schemeClr val="accent1"/>
+          </a:fillRef>
+          <a:effectRef idx="0">
+            <a:schemeClr val="accent1"/>
+          </a:effectRef>
+          <a:fontRef idx="minor">
+            <a:schemeClr val="lt1"/>
+          </a:fontRef>
+        </p:style>
+        <p:txBody>
+          <a:bodyPr rtlCol="0" anchor="ctr"/>
+          <a:lstStyle/>
+          <a:p>
+            <a:pPr marL="0" marR="0" lvl="0" indent="0" algn="ctr" defTabSz="914400" rtl="0" eaLnBrk="1" fontAlgn="auto" latinLnBrk="0" hangingPunct="1">
+              <a:lnSpc>
+                <a:spcPct val="100000"/>
+              </a:lnSpc>
+              <a:spcBef>
+                <a:spcPts val="0"/>
+              </a:spcBef>
+              <a:spcAft>
+                <a:spcPts val="0"/>
+              </a:spcAft>
+              <a:buClrTx/>
+              <a:buSzTx/>
+              <a:buFontTx/>
+              <a:buNone/>
+              <a:tabLst/>
+              <a:defRPr/>
+            </a:pPr>
+            <a:endParaRPr kumimoji="0" lang="en-US" sz="1800" b="0" i="0" u="none" strike="noStrike" kern="1200" cap="none" spc="0" normalizeH="0" baseline="0" noProof="0">
+              <a:ln>
+                <a:noFill/>
+              </a:ln>
+              <a:solidFill>
+                <a:prstClr val="white"/>
+              </a:solidFill>
+              <a:effectLst/>
+              <a:uLnTx/>
+              <a:uFillTx/>
+              <a:latin typeface="Calibri" panose="020F0502020204030204"/>
+              <a:ea typeface="+mn-ea"/>
+              <a:cs typeface="+mn-cs"/>
+            </a:endParaRPr>
+          </a:p>
+        </p:txBody>
+      </p:sp>
       <p:sp>
         <p:nvSpPr>
           <p:cNvPr id="2" name="Title 1"/>
@@ -31635,13 +33349,27 @@
             <p:ph type="title"/>
           </p:nvPr>
         </p:nvSpPr>
-        <p:spPr/>
+        <p:spPr>
+          <a:xfrm>
+            <a:off x="640079" y="4526280"/>
+            <a:ext cx="7410681" cy="1737360"/>
+          </a:xfrm>
+        </p:spPr>
         <p:txBody>
-          <a:bodyPr/>
+          <a:bodyPr vert="horz" lIns="91440" tIns="45720" rIns="91440" bIns="45720" rtlCol="0" anchor="ctr">
+            <a:normAutofit/>
+          </a:bodyPr>
           <a:lstStyle/>
           <a:p>
             <a:r>
-              <a:rPr lang="en-US" dirty="0"/>
+              <a:rPr lang="en-US" sz="4800" kern="1200">
+                <a:solidFill>
+                  <a:schemeClr val="tx1"/>
+                </a:solidFill>
+                <a:latin typeface="+mj-lt"/>
+                <a:ea typeface="+mj-ea"/>
+                <a:cs typeface="+mj-cs"/>
+              </a:rPr>
               <a:t>Generative Adversarial Networks</a:t>
             </a:r>
           </a:p>
@@ -31659,35 +33387,423 @@
         </p:nvSpPr>
         <p:spPr>
           <a:xfrm>
-            <a:off x="1409700" y="1556281"/>
-            <a:ext cx="9936324" cy="4620682"/>
+            <a:off x="640080" y="595293"/>
+            <a:ext cx="5676637" cy="3463951"/>
           </a:xfrm>
         </p:spPr>
         <p:txBody>
-          <a:bodyPr>
+          <a:bodyPr vert="horz" lIns="91440" tIns="45720" rIns="91440" bIns="45720" rtlCol="0" anchor="ctr">
             <a:normAutofit/>
           </a:bodyPr>
           <a:lstStyle/>
           <a:p>
             <a:r>
-              <a:rPr lang="en-US" dirty="0"/>
-              <a:t>Relatively new ML architecture (since 2014)</a:t>
-            </a:r>
-          </a:p>
-          <a:p>
-            <a:r>
-              <a:rPr lang="en-US" dirty="0"/>
+              <a:rPr lang="en-US" sz="2000" dirty="0"/>
+              <a:t>Relatively new ML architecture (2014)</a:t>
+            </a:r>
+          </a:p>
+          <a:p>
+            <a:r>
+              <a:rPr lang="en-US" sz="2000" dirty="0"/>
               <a:t>To understand GANs, we need to understand Supervised and Unsupervised Models</a:t>
             </a:r>
           </a:p>
           <a:p>
             <a:r>
-              <a:rPr lang="en-US" dirty="0"/>
+              <a:rPr lang="en-US" sz="2000" dirty="0"/>
               <a:t>GANs and RL can be seen as methods to improve unsupervised learning</a:t>
             </a:r>
           </a:p>
-          <a:p>
-            <a:endParaRPr lang="en-US" dirty="0"/>
+        </p:txBody>
+      </p:sp>
+      <p:sp>
+        <p:nvSpPr>
+          <p:cNvPr id="10" name="Freeform: Shape 9">
+            <a:extLst>
+              <a:ext uri="{FF2B5EF4-FFF2-40B4-BE49-F238E27FC236}">
+                <a16:creationId xmlns:a16="http://schemas.microsoft.com/office/drawing/2014/main" id="{11394CD8-BD30-4B74-86F4-51FDF3383419}"/>
+              </a:ext>
+              <a:ext uri="{C183D7F6-B498-43B3-948B-1728B52AA6E4}">
+                <adec:decorative xmlns:adec="http://schemas.microsoft.com/office/drawing/2017/decorative" val="1"/>
+              </a:ext>
+            </a:extLst>
+          </p:cNvPr>
+          <p:cNvSpPr>
+            <a:spLocks noGrp="1" noRot="1" noChangeAspect="1" noMove="1" noResize="1" noEditPoints="1" noAdjustHandles="1" noChangeArrowheads="1" noChangeShapeType="1" noTextEdit="1"/>
+          </p:cNvSpPr>
+          <p:nvPr>
+            <p:extLst>
+              <p:ext uri="{386F3935-93C4-4BCD-93E2-E3B085C9AB24}">
+                <p16:designElem xmlns:p16="http://schemas.microsoft.com/office/powerpoint/2015/main" val="1"/>
+              </p:ext>
+            </p:extLst>
+          </p:nvPr>
+        </p:nvSpPr>
+        <p:spPr>
+          <a:xfrm>
+            <a:off x="6492113" y="0"/>
+            <a:ext cx="5699887" cy="4059244"/>
+          </a:xfrm>
+          <a:custGeom>
+            <a:avLst/>
+            <a:gdLst>
+              <a:gd name="connsiteX0" fmla="*/ 0 w 5699887"/>
+              <a:gd name="connsiteY0" fmla="*/ 0 h 4059244"/>
+              <a:gd name="connsiteX1" fmla="*/ 5699887 w 5699887"/>
+              <a:gd name="connsiteY1" fmla="*/ 0 h 4059244"/>
+              <a:gd name="connsiteX2" fmla="*/ 5699887 w 5699887"/>
+              <a:gd name="connsiteY2" fmla="*/ 3944096 h 4059244"/>
+              <a:gd name="connsiteX3" fmla="*/ 5525775 w 5699887"/>
+              <a:gd name="connsiteY3" fmla="*/ 3980429 h 4059244"/>
+              <a:gd name="connsiteX4" fmla="*/ 4663256 w 5699887"/>
+              <a:gd name="connsiteY4" fmla="*/ 4059244 h 4059244"/>
+              <a:gd name="connsiteX5" fmla="*/ 8566 w 5699887"/>
+              <a:gd name="connsiteY5" fmla="*/ 67422 h 4059244"/>
+            </a:gdLst>
+            <a:ahLst/>
+            <a:cxnLst>
+              <a:cxn ang="0">
+                <a:pos x="connsiteX0" y="connsiteY0"/>
+              </a:cxn>
+              <a:cxn ang="0">
+                <a:pos x="connsiteX1" y="connsiteY1"/>
+              </a:cxn>
+              <a:cxn ang="0">
+                <a:pos x="connsiteX2" y="connsiteY2"/>
+              </a:cxn>
+              <a:cxn ang="0">
+                <a:pos x="connsiteX3" y="connsiteY3"/>
+              </a:cxn>
+              <a:cxn ang="0">
+                <a:pos x="connsiteX4" y="connsiteY4"/>
+              </a:cxn>
+              <a:cxn ang="0">
+                <a:pos x="connsiteX5" y="connsiteY5"/>
+              </a:cxn>
+            </a:cxnLst>
+            <a:rect l="l" t="t" r="r" b="b"/>
+            <a:pathLst>
+              <a:path w="5699887" h="4059244">
+                <a:moveTo>
+                  <a:pt x="0" y="0"/>
+                </a:moveTo>
+                <a:lnTo>
+                  <a:pt x="5699887" y="0"/>
+                </a:lnTo>
+                <a:lnTo>
+                  <a:pt x="5699887" y="3944096"/>
+                </a:lnTo>
+                <a:lnTo>
+                  <a:pt x="5525775" y="3980429"/>
+                </a:lnTo>
+                <a:cubicBezTo>
+                  <a:pt x="5246154" y="4032190"/>
+                  <a:pt x="4957865" y="4059244"/>
+                  <a:pt x="4663256" y="4059244"/>
+                </a:cubicBezTo>
+                <a:cubicBezTo>
+                  <a:pt x="2306390" y="4059244"/>
+                  <a:pt x="353936" y="2327747"/>
+                  <a:pt x="8566" y="67422"/>
+                </a:cubicBezTo>
+                <a:close/>
+              </a:path>
+            </a:pathLst>
+          </a:custGeom>
+          <a:solidFill>
+            <a:srgbClr val="595959"/>
+          </a:solidFill>
+          <a:ln>
+            <a:noFill/>
+          </a:ln>
+        </p:spPr>
+        <p:style>
+          <a:lnRef idx="2">
+            <a:schemeClr val="accent1">
+              <a:shade val="50000"/>
+            </a:schemeClr>
+          </a:lnRef>
+          <a:fillRef idx="1">
+            <a:schemeClr val="accent1"/>
+          </a:fillRef>
+          <a:effectRef idx="0">
+            <a:schemeClr val="accent1"/>
+          </a:effectRef>
+          <a:fontRef idx="minor">
+            <a:schemeClr val="lt1"/>
+          </a:fontRef>
+        </p:style>
+        <p:txBody>
+          <a:bodyPr rtlCol="0" anchor="ctr"/>
+          <a:lstStyle/>
+          <a:p>
+            <a:pPr marL="0" marR="0" lvl="0" indent="0" algn="ctr" defTabSz="914400" rtl="0" eaLnBrk="1" fontAlgn="auto" latinLnBrk="0" hangingPunct="1">
+              <a:lnSpc>
+                <a:spcPct val="100000"/>
+              </a:lnSpc>
+              <a:spcBef>
+                <a:spcPts val="0"/>
+              </a:spcBef>
+              <a:spcAft>
+                <a:spcPts val="0"/>
+              </a:spcAft>
+              <a:buClrTx/>
+              <a:buSzTx/>
+              <a:buFontTx/>
+              <a:buNone/>
+              <a:tabLst/>
+              <a:defRPr/>
+            </a:pPr>
+            <a:endParaRPr kumimoji="0" lang="en-US" sz="1800" b="0" i="0" u="none" strike="noStrike" kern="1200" cap="none" spc="0" normalizeH="0" baseline="0" noProof="0">
+              <a:ln>
+                <a:noFill/>
+              </a:ln>
+              <a:solidFill>
+                <a:prstClr val="white"/>
+              </a:solidFill>
+              <a:effectLst/>
+              <a:uLnTx/>
+              <a:uFillTx/>
+              <a:latin typeface="Calibri" panose="020F0502020204030204"/>
+              <a:ea typeface="+mn-ea"/>
+              <a:cs typeface="+mn-cs"/>
+            </a:endParaRPr>
+          </a:p>
+        </p:txBody>
+      </p:sp>
+      <p:cxnSp>
+        <p:nvCxnSpPr>
+          <p:cNvPr id="12" name="Straight Connector 11">
+            <a:extLst>
+              <a:ext uri="{FF2B5EF4-FFF2-40B4-BE49-F238E27FC236}">
+                <a16:creationId xmlns:a16="http://schemas.microsoft.com/office/drawing/2014/main" id="{D4C22394-EBC2-4FAF-A555-6C02D589EED7}"/>
+              </a:ext>
+              <a:ext uri="{C183D7F6-B498-43B3-948B-1728B52AA6E4}">
+                <adec:decorative xmlns:adec="http://schemas.microsoft.com/office/drawing/2017/decorative" val="1"/>
+              </a:ext>
+            </a:extLst>
+          </p:cNvPr>
+          <p:cNvCxnSpPr>
+            <a:cxnSpLocks noGrp="1" noRot="1" noChangeAspect="1" noMove="1" noResize="1" noEditPoints="1" noAdjustHandles="1" noChangeArrowheads="1" noChangeShapeType="1"/>
+          </p:cNvCxnSpPr>
+          <p:nvPr>
+            <p:extLst>
+              <p:ext uri="{386F3935-93C4-4BCD-93E2-E3B085C9AB24}">
+                <p16:designElem xmlns:p16="http://schemas.microsoft.com/office/powerpoint/2015/main" val="1"/>
+              </p:ext>
+            </p:extLst>
+          </p:nvPr>
+        </p:nvCxnSpPr>
+        <p:spPr>
+          <a:xfrm rot="16200000">
+            <a:off x="1508760" y="3431556"/>
+            <a:ext cx="0" cy="1737360"/>
+          </a:xfrm>
+          <a:prstGeom prst="line">
+            <a:avLst/>
+          </a:prstGeom>
+          <a:ln w="19050" cap="sq">
+            <a:solidFill>
+              <a:schemeClr val="tx1"/>
+            </a:solidFill>
+          </a:ln>
+        </p:spPr>
+        <p:style>
+          <a:lnRef idx="1">
+            <a:schemeClr val="accent1"/>
+          </a:lnRef>
+          <a:fillRef idx="0">
+            <a:schemeClr val="accent1"/>
+          </a:fillRef>
+          <a:effectRef idx="0">
+            <a:schemeClr val="accent1"/>
+          </a:effectRef>
+          <a:fontRef idx="minor">
+            <a:schemeClr val="tx1"/>
+          </a:fontRef>
+        </p:style>
+      </p:cxnSp>
+      <p:sp>
+        <p:nvSpPr>
+          <p:cNvPr id="14" name="Oval 13">
+            <a:extLst>
+              <a:ext uri="{FF2B5EF4-FFF2-40B4-BE49-F238E27FC236}">
+                <a16:creationId xmlns:a16="http://schemas.microsoft.com/office/drawing/2014/main" id="{F7194F93-1F71-4A70-9DF1-28F183771111}"/>
+              </a:ext>
+              <a:ext uri="{C183D7F6-B498-43B3-948B-1728B52AA6E4}">
+                <adec:decorative xmlns:adec="http://schemas.microsoft.com/office/drawing/2017/decorative" val="1"/>
+              </a:ext>
+            </a:extLst>
+          </p:cNvPr>
+          <p:cNvSpPr>
+            <a:spLocks noGrp="1" noRot="1" noChangeAspect="1" noMove="1" noResize="1" noEditPoints="1" noAdjustHandles="1" noChangeArrowheads="1" noChangeShapeType="1" noTextEdit="1"/>
+          </p:cNvSpPr>
+          <p:nvPr>
+            <p:extLst>
+              <p:ext uri="{386F3935-93C4-4BCD-93E2-E3B085C9AB24}">
+                <p16:designElem xmlns:p16="http://schemas.microsoft.com/office/powerpoint/2015/main" val="1"/>
+              </p:ext>
+            </p:extLst>
+          </p:nvPr>
+        </p:nvSpPr>
+        <p:spPr>
+          <a:xfrm>
+            <a:off x="8732897" y="5004581"/>
+            <a:ext cx="962395" cy="962395"/>
+          </a:xfrm>
+          <a:prstGeom prst="ellipse">
+            <a:avLst/>
+          </a:prstGeom>
+          <a:solidFill>
+            <a:schemeClr val="accent1"/>
+          </a:solidFill>
+          <a:ln>
+            <a:noFill/>
+          </a:ln>
+        </p:spPr>
+        <p:style>
+          <a:lnRef idx="2">
+            <a:schemeClr val="accent1">
+              <a:shade val="50000"/>
+            </a:schemeClr>
+          </a:lnRef>
+          <a:fillRef idx="1">
+            <a:schemeClr val="accent1"/>
+          </a:fillRef>
+          <a:effectRef idx="0">
+            <a:schemeClr val="accent1"/>
+          </a:effectRef>
+          <a:fontRef idx="minor">
+            <a:schemeClr val="lt1"/>
+          </a:fontRef>
+        </p:style>
+        <p:txBody>
+          <a:bodyPr rtlCol="0" anchor="ctr"/>
+          <a:lstStyle/>
+          <a:p>
+            <a:pPr marL="0" marR="0" lvl="0" indent="0" algn="ctr" defTabSz="914400" rtl="0" eaLnBrk="1" fontAlgn="auto" latinLnBrk="0" hangingPunct="1">
+              <a:lnSpc>
+                <a:spcPct val="100000"/>
+              </a:lnSpc>
+              <a:spcBef>
+                <a:spcPts val="0"/>
+              </a:spcBef>
+              <a:spcAft>
+                <a:spcPts val="0"/>
+              </a:spcAft>
+              <a:buClrTx/>
+              <a:buSzTx/>
+              <a:buFontTx/>
+              <a:buNone/>
+              <a:tabLst/>
+              <a:defRPr/>
+            </a:pPr>
+            <a:endParaRPr kumimoji="0" lang="en-US" sz="1800" b="0" i="0" u="none" strike="noStrike" kern="1200" cap="none" spc="0" normalizeH="0" baseline="0" noProof="0">
+              <a:ln>
+                <a:noFill/>
+              </a:ln>
+              <a:solidFill>
+                <a:prstClr val="white"/>
+              </a:solidFill>
+              <a:effectLst/>
+              <a:uLnTx/>
+              <a:uFillTx/>
+              <a:latin typeface="Calibri" panose="020F0502020204030204"/>
+              <a:ea typeface="+mn-ea"/>
+              <a:cs typeface="+mn-cs"/>
+            </a:endParaRPr>
+          </a:p>
+        </p:txBody>
+      </p:sp>
+      <p:sp>
+        <p:nvSpPr>
+          <p:cNvPr id="16" name="Oval 15">
+            <a:extLst>
+              <a:ext uri="{FF2B5EF4-FFF2-40B4-BE49-F238E27FC236}">
+                <a16:creationId xmlns:a16="http://schemas.microsoft.com/office/drawing/2014/main" id="{9BBC0C84-DC2A-43AE-9576-0A44295E8B9C}"/>
+              </a:ext>
+              <a:ext uri="{C183D7F6-B498-43B3-948B-1728B52AA6E4}">
+                <adec:decorative xmlns:adec="http://schemas.microsoft.com/office/drawing/2017/decorative" val="1"/>
+              </a:ext>
+            </a:extLst>
+          </p:cNvPr>
+          <p:cNvSpPr>
+            <a:spLocks noGrp="1" noRot="1" noChangeAspect="1" noMove="1" noResize="1" noEditPoints="1" noAdjustHandles="1" noChangeArrowheads="1" noChangeShapeType="1" noTextEdit="1"/>
+          </p:cNvSpPr>
+          <p:nvPr>
+            <p:extLst>
+              <p:ext uri="{386F3935-93C4-4BCD-93E2-E3B085C9AB24}">
+                <p16:designElem xmlns:p16="http://schemas.microsoft.com/office/powerpoint/2015/main" val="1"/>
+              </p:ext>
+            </p:extLst>
+          </p:nvPr>
+        </p:nvSpPr>
+        <p:spPr>
+          <a:xfrm>
+            <a:off x="10463725" y="4865965"/>
+            <a:ext cx="293695" cy="293695"/>
+          </a:xfrm>
+          <a:prstGeom prst="ellipse">
+            <a:avLst/>
+          </a:prstGeom>
+          <a:solidFill>
+            <a:schemeClr val="accent4"/>
+          </a:solidFill>
+          <a:ln>
+            <a:noFill/>
+          </a:ln>
+        </p:spPr>
+        <p:style>
+          <a:lnRef idx="2">
+            <a:schemeClr val="accent1">
+              <a:shade val="50000"/>
+            </a:schemeClr>
+          </a:lnRef>
+          <a:fillRef idx="1">
+            <a:schemeClr val="accent1"/>
+          </a:fillRef>
+          <a:effectRef idx="0">
+            <a:schemeClr val="accent1"/>
+          </a:effectRef>
+          <a:fontRef idx="minor">
+            <a:schemeClr val="lt1"/>
+          </a:fontRef>
+        </p:style>
+        <p:txBody>
+          <a:bodyPr rtlCol="0" anchor="ctr"/>
+          <a:lstStyle/>
+          <a:p>
+            <a:pPr marL="0" marR="0" lvl="0" indent="0" algn="ctr" defTabSz="914400" rtl="0" eaLnBrk="1" fontAlgn="auto" latinLnBrk="0" hangingPunct="1">
+              <a:lnSpc>
+                <a:spcPct val="100000"/>
+              </a:lnSpc>
+              <a:spcBef>
+                <a:spcPts val="0"/>
+              </a:spcBef>
+              <a:spcAft>
+                <a:spcPts val="0"/>
+              </a:spcAft>
+              <a:buClrTx/>
+              <a:buSzTx/>
+              <a:buFontTx/>
+              <a:buNone/>
+              <a:tabLst/>
+              <a:defRPr/>
+            </a:pPr>
+            <a:endParaRPr kumimoji="0" lang="en-US" sz="1800" b="0" i="0" u="none" strike="noStrike" kern="1200" cap="none" spc="0" normalizeH="0" baseline="0" noProof="0">
+              <a:ln>
+                <a:noFill/>
+              </a:ln>
+              <a:solidFill>
+                <a:prstClr val="white"/>
+              </a:solidFill>
+              <a:effectLst/>
+              <a:uLnTx/>
+              <a:uFillTx/>
+              <a:latin typeface="Calibri" panose="020F0502020204030204"/>
+              <a:ea typeface="+mn-ea"/>
+              <a:cs typeface="+mn-cs"/>
+            </a:endParaRPr>
           </a:p>
         </p:txBody>
       </p:sp>
@@ -31995,12 +34111,6 @@
         <p:txBody>
           <a:bodyPr/>
           <a:lstStyle/>
-          <a:p>
-            <a:r>
-              <a:rPr lang="en-US" dirty="0"/>
-              <a:t>New method for training deep generative models</a:t>
-            </a:r>
-          </a:p>
           <a:p>
             <a:r>
               <a:rPr lang="en-US" b="1" dirty="0"/>
@@ -33655,15 +35765,692 @@
                                   </p:childTnLst>
                                 </p:cTn>
                               </p:par>
+                            </p:childTnLst>
+                          </p:cTn>
+                        </p:par>
+                      </p:childTnLst>
+                    </p:cTn>
+                  </p:par>
+                  <p:par>
+                    <p:cTn id="8" fill="hold">
+                      <p:stCondLst>
+                        <p:cond delay="indefinite"/>
+                      </p:stCondLst>
+                      <p:childTnLst>
+                        <p:par>
+                          <p:cTn id="9" fill="hold">
+                            <p:stCondLst>
+                              <p:cond delay="0"/>
+                            </p:stCondLst>
+                            <p:childTnLst>
                               <p:par>
-                                <p:cTn id="8" presetID="10" presetClass="entr" presetSubtype="0" fill="hold" grpId="0" nodeType="withEffect">
+                                <p:cTn id="10" presetID="10" presetClass="entr" presetSubtype="0" fill="hold" grpId="0" nodeType="clickEffect">
                                   <p:stCondLst>
                                     <p:cond delay="0"/>
                                   </p:stCondLst>
                                   <p:childTnLst>
                                     <p:set>
                                       <p:cBhvr>
-                                        <p:cTn id="9" dur="1" fill="hold">
+                                        <p:cTn id="11" dur="1" fill="hold">
+                                          <p:stCondLst>
+                                            <p:cond delay="0"/>
+                                          </p:stCondLst>
+                                        </p:cTn>
+                                        <p:tgtEl>
+                                          <p:spTgt spid="8"/>
+                                        </p:tgtEl>
+                                        <p:attrNameLst>
+                                          <p:attrName>style.visibility</p:attrName>
+                                        </p:attrNameLst>
+                                      </p:cBhvr>
+                                      <p:to>
+                                        <p:strVal val="visible"/>
+                                      </p:to>
+                                    </p:set>
+                                    <p:animEffect transition="in" filter="fade">
+                                      <p:cBhvr>
+                                        <p:cTn id="12" dur="500"/>
+                                        <p:tgtEl>
+                                          <p:spTgt spid="8"/>
+                                        </p:tgtEl>
+                                      </p:cBhvr>
+                                    </p:animEffect>
+                                  </p:childTnLst>
+                                </p:cTn>
+                              </p:par>
+                            </p:childTnLst>
+                          </p:cTn>
+                        </p:par>
+                      </p:childTnLst>
+                    </p:cTn>
+                  </p:par>
+                  <p:par>
+                    <p:cTn id="13" fill="hold">
+                      <p:stCondLst>
+                        <p:cond delay="indefinite"/>
+                      </p:stCondLst>
+                      <p:childTnLst>
+                        <p:par>
+                          <p:cTn id="14" fill="hold">
+                            <p:stCondLst>
+                              <p:cond delay="0"/>
+                            </p:stCondLst>
+                            <p:childTnLst>
+                              <p:par>
+                                <p:cTn id="15" presetID="10" presetClass="entr" presetSubtype="0" fill="hold" nodeType="clickEffect">
+                                  <p:stCondLst>
+                                    <p:cond delay="0"/>
+                                  </p:stCondLst>
+                                  <p:childTnLst>
+                                    <p:set>
+                                      <p:cBhvr>
+                                        <p:cTn id="16" dur="1" fill="hold">
+                                          <p:stCondLst>
+                                            <p:cond delay="0"/>
+                                          </p:stCondLst>
+                                        </p:cTn>
+                                        <p:tgtEl>
+                                          <p:spTgt spid="19"/>
+                                        </p:tgtEl>
+                                        <p:attrNameLst>
+                                          <p:attrName>style.visibility</p:attrName>
+                                        </p:attrNameLst>
+                                      </p:cBhvr>
+                                      <p:to>
+                                        <p:strVal val="visible"/>
+                                      </p:to>
+                                    </p:set>
+                                    <p:animEffect transition="in" filter="fade">
+                                      <p:cBhvr>
+                                        <p:cTn id="17" dur="500"/>
+                                        <p:tgtEl>
+                                          <p:spTgt spid="19"/>
+                                        </p:tgtEl>
+                                      </p:cBhvr>
+                                    </p:animEffect>
+                                  </p:childTnLst>
+                                </p:cTn>
+                              </p:par>
+                              <p:par>
+                                <p:cTn id="18" presetID="10" presetClass="entr" presetSubtype="0" fill="hold" grpId="0" nodeType="withEffect">
+                                  <p:stCondLst>
+                                    <p:cond delay="0"/>
+                                  </p:stCondLst>
+                                  <p:childTnLst>
+                                    <p:set>
+                                      <p:cBhvr>
+                                        <p:cTn id="19" dur="1" fill="hold">
+                                          <p:stCondLst>
+                                            <p:cond delay="0"/>
+                                          </p:stCondLst>
+                                        </p:cTn>
+                                        <p:tgtEl>
+                                          <p:spTgt spid="9"/>
+                                        </p:tgtEl>
+                                        <p:attrNameLst>
+                                          <p:attrName>style.visibility</p:attrName>
+                                        </p:attrNameLst>
+                                      </p:cBhvr>
+                                      <p:to>
+                                        <p:strVal val="visible"/>
+                                      </p:to>
+                                    </p:set>
+                                    <p:animEffect transition="in" filter="fade">
+                                      <p:cBhvr>
+                                        <p:cTn id="20" dur="500"/>
+                                        <p:tgtEl>
+                                          <p:spTgt spid="9"/>
+                                        </p:tgtEl>
+                                      </p:cBhvr>
+                                    </p:animEffect>
+                                  </p:childTnLst>
+                                </p:cTn>
+                              </p:par>
+                            </p:childTnLst>
+                          </p:cTn>
+                        </p:par>
+                        <p:par>
+                          <p:cTn id="21" fill="hold">
+                            <p:stCondLst>
+                              <p:cond delay="500"/>
+                            </p:stCondLst>
+                            <p:childTnLst>
+                              <p:par>
+                                <p:cTn id="22" presetID="10" presetClass="entr" presetSubtype="0" fill="hold" grpId="0" nodeType="afterEffect">
+                                  <p:stCondLst>
+                                    <p:cond delay="0"/>
+                                  </p:stCondLst>
+                                  <p:childTnLst>
+                                    <p:set>
+                                      <p:cBhvr>
+                                        <p:cTn id="23" dur="1" fill="hold">
+                                          <p:stCondLst>
+                                            <p:cond delay="0"/>
+                                          </p:stCondLst>
+                                        </p:cTn>
+                                        <p:tgtEl>
+                                          <p:spTgt spid="27"/>
+                                        </p:tgtEl>
+                                        <p:attrNameLst>
+                                          <p:attrName>style.visibility</p:attrName>
+                                        </p:attrNameLst>
+                                      </p:cBhvr>
+                                      <p:to>
+                                        <p:strVal val="visible"/>
+                                      </p:to>
+                                    </p:set>
+                                    <p:animEffect transition="in" filter="fade">
+                                      <p:cBhvr>
+                                        <p:cTn id="24" dur="500"/>
+                                        <p:tgtEl>
+                                          <p:spTgt spid="27"/>
+                                        </p:tgtEl>
+                                      </p:cBhvr>
+                                    </p:animEffect>
+                                  </p:childTnLst>
+                                </p:cTn>
+                              </p:par>
+                            </p:childTnLst>
+                          </p:cTn>
+                        </p:par>
+                      </p:childTnLst>
+                    </p:cTn>
+                  </p:par>
+                  <p:par>
+                    <p:cTn id="25" fill="hold">
+                      <p:stCondLst>
+                        <p:cond delay="indefinite"/>
+                      </p:stCondLst>
+                      <p:childTnLst>
+                        <p:par>
+                          <p:cTn id="26" fill="hold">
+                            <p:stCondLst>
+                              <p:cond delay="0"/>
+                            </p:stCondLst>
+                            <p:childTnLst>
+                              <p:par>
+                                <p:cTn id="27" presetID="10" presetClass="entr" presetSubtype="0" fill="hold" grpId="0" nodeType="clickEffect">
+                                  <p:stCondLst>
+                                    <p:cond delay="0"/>
+                                  </p:stCondLst>
+                                  <p:childTnLst>
+                                    <p:set>
+                                      <p:cBhvr>
+                                        <p:cTn id="28" dur="1" fill="hold">
+                                          <p:stCondLst>
+                                            <p:cond delay="0"/>
+                                          </p:stCondLst>
+                                        </p:cTn>
+                                        <p:tgtEl>
+                                          <p:spTgt spid="10"/>
+                                        </p:tgtEl>
+                                        <p:attrNameLst>
+                                          <p:attrName>style.visibility</p:attrName>
+                                        </p:attrNameLst>
+                                      </p:cBhvr>
+                                      <p:to>
+                                        <p:strVal val="visible"/>
+                                      </p:to>
+                                    </p:set>
+                                    <p:animEffect transition="in" filter="fade">
+                                      <p:cBhvr>
+                                        <p:cTn id="29" dur="500"/>
+                                        <p:tgtEl>
+                                          <p:spTgt spid="10"/>
+                                        </p:tgtEl>
+                                      </p:cBhvr>
+                                    </p:animEffect>
+                                  </p:childTnLst>
+                                </p:cTn>
+                              </p:par>
+                              <p:par>
+                                <p:cTn id="30" presetID="10" presetClass="entr" presetSubtype="0" fill="hold" grpId="0" nodeType="withEffect">
+                                  <p:stCondLst>
+                                    <p:cond delay="0"/>
+                                  </p:stCondLst>
+                                  <p:childTnLst>
+                                    <p:set>
+                                      <p:cBhvr>
+                                        <p:cTn id="31" dur="1" fill="hold">
+                                          <p:stCondLst>
+                                            <p:cond delay="0"/>
+                                          </p:stCondLst>
+                                        </p:cTn>
+                                        <p:tgtEl>
+                                          <p:spTgt spid="11"/>
+                                        </p:tgtEl>
+                                        <p:attrNameLst>
+                                          <p:attrName>style.visibility</p:attrName>
+                                        </p:attrNameLst>
+                                      </p:cBhvr>
+                                      <p:to>
+                                        <p:strVal val="visible"/>
+                                      </p:to>
+                                    </p:set>
+                                    <p:animEffect transition="in" filter="fade">
+                                      <p:cBhvr>
+                                        <p:cTn id="32" dur="500"/>
+                                        <p:tgtEl>
+                                          <p:spTgt spid="11"/>
+                                        </p:tgtEl>
+                                      </p:cBhvr>
+                                    </p:animEffect>
+                                  </p:childTnLst>
+                                </p:cTn>
+                              </p:par>
+                            </p:childTnLst>
+                          </p:cTn>
+                        </p:par>
+                      </p:childTnLst>
+                    </p:cTn>
+                  </p:par>
+                  <p:par>
+                    <p:cTn id="33" fill="hold">
+                      <p:stCondLst>
+                        <p:cond delay="indefinite"/>
+                      </p:stCondLst>
+                      <p:childTnLst>
+                        <p:par>
+                          <p:cTn id="34" fill="hold">
+                            <p:stCondLst>
+                              <p:cond delay="0"/>
+                            </p:stCondLst>
+                            <p:childTnLst>
+                              <p:par>
+                                <p:cTn id="35" presetID="10" presetClass="entr" presetSubtype="0" fill="hold" grpId="0" nodeType="clickEffect">
+                                  <p:stCondLst>
+                                    <p:cond delay="0"/>
+                                  </p:stCondLst>
+                                  <p:childTnLst>
+                                    <p:set>
+                                      <p:cBhvr>
+                                        <p:cTn id="36" dur="1" fill="hold">
+                                          <p:stCondLst>
+                                            <p:cond delay="0"/>
+                                          </p:stCondLst>
+                                        </p:cTn>
+                                        <p:tgtEl>
+                                          <p:spTgt spid="12"/>
+                                        </p:tgtEl>
+                                        <p:attrNameLst>
+                                          <p:attrName>style.visibility</p:attrName>
+                                        </p:attrNameLst>
+                                      </p:cBhvr>
+                                      <p:to>
+                                        <p:strVal val="visible"/>
+                                      </p:to>
+                                    </p:set>
+                                    <p:animEffect transition="in" filter="fade">
+                                      <p:cBhvr>
+                                        <p:cTn id="37" dur="500"/>
+                                        <p:tgtEl>
+                                          <p:spTgt spid="12"/>
+                                        </p:tgtEl>
+                                      </p:cBhvr>
+                                    </p:animEffect>
+                                  </p:childTnLst>
+                                </p:cTn>
+                              </p:par>
+                              <p:par>
+                                <p:cTn id="38" presetID="10" presetClass="entr" presetSubtype="0" fill="hold" grpId="0" nodeType="withEffect">
+                                  <p:stCondLst>
+                                    <p:cond delay="0"/>
+                                  </p:stCondLst>
+                                  <p:childTnLst>
+                                    <p:set>
+                                      <p:cBhvr>
+                                        <p:cTn id="39" dur="1" fill="hold">
+                                          <p:stCondLst>
+                                            <p:cond delay="0"/>
+                                          </p:stCondLst>
+                                        </p:cTn>
+                                        <p:tgtEl>
+                                          <p:spTgt spid="13"/>
+                                        </p:tgtEl>
+                                        <p:attrNameLst>
+                                          <p:attrName>style.visibility</p:attrName>
+                                        </p:attrNameLst>
+                                      </p:cBhvr>
+                                      <p:to>
+                                        <p:strVal val="visible"/>
+                                      </p:to>
+                                    </p:set>
+                                    <p:animEffect transition="in" filter="fade">
+                                      <p:cBhvr>
+                                        <p:cTn id="40" dur="500"/>
+                                        <p:tgtEl>
+                                          <p:spTgt spid="13"/>
+                                        </p:tgtEl>
+                                      </p:cBhvr>
+                                    </p:animEffect>
+                                  </p:childTnLst>
+                                </p:cTn>
+                              </p:par>
+                              <p:par>
+                                <p:cTn id="41" presetID="10" presetClass="entr" presetSubtype="0" fill="hold" grpId="0" nodeType="withEffect">
+                                  <p:stCondLst>
+                                    <p:cond delay="0"/>
+                                  </p:stCondLst>
+                                  <p:childTnLst>
+                                    <p:set>
+                                      <p:cBhvr>
+                                        <p:cTn id="42" dur="1" fill="hold">
+                                          <p:stCondLst>
+                                            <p:cond delay="0"/>
+                                          </p:stCondLst>
+                                        </p:cTn>
+                                        <p:tgtEl>
+                                          <p:spTgt spid="14"/>
+                                        </p:tgtEl>
+                                        <p:attrNameLst>
+                                          <p:attrName>style.visibility</p:attrName>
+                                        </p:attrNameLst>
+                                      </p:cBhvr>
+                                      <p:to>
+                                        <p:strVal val="visible"/>
+                                      </p:to>
+                                    </p:set>
+                                    <p:animEffect transition="in" filter="fade">
+                                      <p:cBhvr>
+                                        <p:cTn id="43" dur="500"/>
+                                        <p:tgtEl>
+                                          <p:spTgt spid="14"/>
+                                        </p:tgtEl>
+                                      </p:cBhvr>
+                                    </p:animEffect>
+                                  </p:childTnLst>
+                                </p:cTn>
+                              </p:par>
+                              <p:par>
+                                <p:cTn id="44" presetID="10" presetClass="entr" presetSubtype="0" fill="hold" grpId="0" nodeType="withEffect">
+                                  <p:stCondLst>
+                                    <p:cond delay="0"/>
+                                  </p:stCondLst>
+                                  <p:childTnLst>
+                                    <p:set>
+                                      <p:cBhvr>
+                                        <p:cTn id="45" dur="1" fill="hold">
+                                          <p:stCondLst>
+                                            <p:cond delay="0"/>
+                                          </p:stCondLst>
+                                        </p:cTn>
+                                        <p:tgtEl>
+                                          <p:spTgt spid="15"/>
+                                        </p:tgtEl>
+                                        <p:attrNameLst>
+                                          <p:attrName>style.visibility</p:attrName>
+                                        </p:attrNameLst>
+                                      </p:cBhvr>
+                                      <p:to>
+                                        <p:strVal val="visible"/>
+                                      </p:to>
+                                    </p:set>
+                                    <p:animEffect transition="in" filter="fade">
+                                      <p:cBhvr>
+                                        <p:cTn id="46" dur="500"/>
+                                        <p:tgtEl>
+                                          <p:spTgt spid="15"/>
+                                        </p:tgtEl>
+                                      </p:cBhvr>
+                                    </p:animEffect>
+                                  </p:childTnLst>
+                                </p:cTn>
+                              </p:par>
+                              <p:par>
+                                <p:cTn id="47" presetID="10" presetClass="entr" presetSubtype="0" fill="hold" grpId="0" nodeType="withEffect">
+                                  <p:stCondLst>
+                                    <p:cond delay="0"/>
+                                  </p:stCondLst>
+                                  <p:childTnLst>
+                                    <p:set>
+                                      <p:cBhvr>
+                                        <p:cTn id="48" dur="1" fill="hold">
+                                          <p:stCondLst>
+                                            <p:cond delay="0"/>
+                                          </p:stCondLst>
+                                        </p:cTn>
+                                        <p:tgtEl>
+                                          <p:spTgt spid="16"/>
+                                        </p:tgtEl>
+                                        <p:attrNameLst>
+                                          <p:attrName>style.visibility</p:attrName>
+                                        </p:attrNameLst>
+                                      </p:cBhvr>
+                                      <p:to>
+                                        <p:strVal val="visible"/>
+                                      </p:to>
+                                    </p:set>
+                                    <p:animEffect transition="in" filter="fade">
+                                      <p:cBhvr>
+                                        <p:cTn id="49" dur="500"/>
+                                        <p:tgtEl>
+                                          <p:spTgt spid="16"/>
+                                        </p:tgtEl>
+                                      </p:cBhvr>
+                                    </p:animEffect>
+                                  </p:childTnLst>
+                                </p:cTn>
+                              </p:par>
+                              <p:par>
+                                <p:cTn id="50" presetID="10" presetClass="entr" presetSubtype="0" fill="hold" grpId="0" nodeType="withEffect">
+                                  <p:stCondLst>
+                                    <p:cond delay="0"/>
+                                  </p:stCondLst>
+                                  <p:childTnLst>
+                                    <p:set>
+                                      <p:cBhvr>
+                                        <p:cTn id="51" dur="1" fill="hold">
+                                          <p:stCondLst>
+                                            <p:cond delay="0"/>
+                                          </p:stCondLst>
+                                        </p:cTn>
+                                        <p:tgtEl>
+                                          <p:spTgt spid="59"/>
+                                        </p:tgtEl>
+                                        <p:attrNameLst>
+                                          <p:attrName>style.visibility</p:attrName>
+                                        </p:attrNameLst>
+                                      </p:cBhvr>
+                                      <p:to>
+                                        <p:strVal val="visible"/>
+                                      </p:to>
+                                    </p:set>
+                                    <p:animEffect transition="in" filter="fade">
+                                      <p:cBhvr>
+                                        <p:cTn id="52" dur="500"/>
+                                        <p:tgtEl>
+                                          <p:spTgt spid="59"/>
+                                        </p:tgtEl>
+                                      </p:cBhvr>
+                                    </p:animEffect>
+                                  </p:childTnLst>
+                                </p:cTn>
+                              </p:par>
+                              <p:par>
+                                <p:cTn id="53" presetID="10" presetClass="entr" presetSubtype="0" fill="hold" grpId="0" nodeType="withEffect">
+                                  <p:stCondLst>
+                                    <p:cond delay="0"/>
+                                  </p:stCondLst>
+                                  <p:childTnLst>
+                                    <p:set>
+                                      <p:cBhvr>
+                                        <p:cTn id="54" dur="1" fill="hold">
+                                          <p:stCondLst>
+                                            <p:cond delay="0"/>
+                                          </p:stCondLst>
+                                        </p:cTn>
+                                        <p:tgtEl>
+                                          <p:spTgt spid="17"/>
+                                        </p:tgtEl>
+                                        <p:attrNameLst>
+                                          <p:attrName>style.visibility</p:attrName>
+                                        </p:attrNameLst>
+                                      </p:cBhvr>
+                                      <p:to>
+                                        <p:strVal val="visible"/>
+                                      </p:to>
+                                    </p:set>
+                                    <p:animEffect transition="in" filter="fade">
+                                      <p:cBhvr>
+                                        <p:cTn id="55" dur="500"/>
+                                        <p:tgtEl>
+                                          <p:spTgt spid="17"/>
+                                        </p:tgtEl>
+                                      </p:cBhvr>
+                                    </p:animEffect>
+                                  </p:childTnLst>
+                                </p:cTn>
+                              </p:par>
+                            </p:childTnLst>
+                          </p:cTn>
+                        </p:par>
+                      </p:childTnLst>
+                    </p:cTn>
+                  </p:par>
+                  <p:par>
+                    <p:cTn id="56" fill="hold">
+                      <p:stCondLst>
+                        <p:cond delay="indefinite"/>
+                      </p:stCondLst>
+                      <p:childTnLst>
+                        <p:par>
+                          <p:cTn id="57" fill="hold">
+                            <p:stCondLst>
+                              <p:cond delay="0"/>
+                            </p:stCondLst>
+                            <p:childTnLst>
+                              <p:par>
+                                <p:cTn id="58" presetID="10" presetClass="entr" presetSubtype="0" fill="hold" nodeType="clickEffect">
+                                  <p:stCondLst>
+                                    <p:cond delay="0"/>
+                                  </p:stCondLst>
+                                  <p:childTnLst>
+                                    <p:set>
+                                      <p:cBhvr>
+                                        <p:cTn id="59" dur="1" fill="hold">
+                                          <p:stCondLst>
+                                            <p:cond delay="0"/>
+                                          </p:stCondLst>
+                                        </p:cTn>
+                                        <p:tgtEl>
+                                          <p:spTgt spid="56"/>
+                                        </p:tgtEl>
+                                        <p:attrNameLst>
+                                          <p:attrName>style.visibility</p:attrName>
+                                        </p:attrNameLst>
+                                      </p:cBhvr>
+                                      <p:to>
+                                        <p:strVal val="visible"/>
+                                      </p:to>
+                                    </p:set>
+                                    <p:animEffect transition="in" filter="fade">
+                                      <p:cBhvr>
+                                        <p:cTn id="60" dur="500"/>
+                                        <p:tgtEl>
+                                          <p:spTgt spid="56"/>
+                                        </p:tgtEl>
+                                      </p:cBhvr>
+                                    </p:animEffect>
+                                  </p:childTnLst>
+                                </p:cTn>
+                              </p:par>
+                              <p:par>
+                                <p:cTn id="61" presetID="10" presetClass="entr" presetSubtype="0" fill="hold" grpId="0" nodeType="withEffect">
+                                  <p:stCondLst>
+                                    <p:cond delay="0"/>
+                                  </p:stCondLst>
+                                  <p:childTnLst>
+                                    <p:set>
+                                      <p:cBhvr>
+                                        <p:cTn id="62" dur="1" fill="hold">
+                                          <p:stCondLst>
+                                            <p:cond delay="0"/>
+                                          </p:stCondLst>
+                                        </p:cTn>
+                                        <p:tgtEl>
+                                          <p:spTgt spid="21"/>
+                                        </p:tgtEl>
+                                        <p:attrNameLst>
+                                          <p:attrName>style.visibility</p:attrName>
+                                        </p:attrNameLst>
+                                      </p:cBhvr>
+                                      <p:to>
+                                        <p:strVal val="visible"/>
+                                      </p:to>
+                                    </p:set>
+                                    <p:animEffect transition="in" filter="fade">
+                                      <p:cBhvr>
+                                        <p:cTn id="63" dur="500"/>
+                                        <p:tgtEl>
+                                          <p:spTgt spid="21"/>
+                                        </p:tgtEl>
+                                      </p:cBhvr>
+                                    </p:animEffect>
+                                  </p:childTnLst>
+                                </p:cTn>
+                              </p:par>
+                            </p:childTnLst>
+                          </p:cTn>
+                        </p:par>
+                      </p:childTnLst>
+                    </p:cTn>
+                  </p:par>
+                  <p:par>
+                    <p:cTn id="64" fill="hold">
+                      <p:stCondLst>
+                        <p:cond delay="indefinite"/>
+                      </p:stCondLst>
+                      <p:childTnLst>
+                        <p:par>
+                          <p:cTn id="65" fill="hold">
+                            <p:stCondLst>
+                              <p:cond delay="0"/>
+                            </p:stCondLst>
+                            <p:childTnLst>
+                              <p:par>
+                                <p:cTn id="66" presetID="10" presetClass="entr" presetSubtype="0" fill="hold" grpId="0" nodeType="clickEffect">
+                                  <p:stCondLst>
+                                    <p:cond delay="0"/>
+                                  </p:stCondLst>
+                                  <p:childTnLst>
+                                    <p:set>
+                                      <p:cBhvr>
+                                        <p:cTn id="67" dur="1" fill="hold">
+                                          <p:stCondLst>
+                                            <p:cond delay="0"/>
+                                          </p:stCondLst>
+                                        </p:cTn>
+                                        <p:tgtEl>
+                                          <p:spTgt spid="28"/>
+                                        </p:tgtEl>
+                                        <p:attrNameLst>
+                                          <p:attrName>style.visibility</p:attrName>
+                                        </p:attrNameLst>
+                                      </p:cBhvr>
+                                      <p:to>
+                                        <p:strVal val="visible"/>
+                                      </p:to>
+                                    </p:set>
+                                    <p:animEffect transition="in" filter="fade">
+                                      <p:cBhvr>
+                                        <p:cTn id="68" dur="500"/>
+                                        <p:tgtEl>
+                                          <p:spTgt spid="28"/>
+                                        </p:tgtEl>
+                                      </p:cBhvr>
+                                    </p:animEffect>
+                                  </p:childTnLst>
+                                </p:cTn>
+                              </p:par>
+                              <p:par>
+                                <p:cTn id="69" presetID="10" presetClass="entr" presetSubtype="0" fill="hold" grpId="0" nodeType="withEffect">
+                                  <p:stCondLst>
+                                    <p:cond delay="0"/>
+                                  </p:stCondLst>
+                                  <p:childTnLst>
+                                    <p:set>
+                                      <p:cBhvr>
+                                        <p:cTn id="70" dur="1" fill="hold">
                                           <p:stCondLst>
                                             <p:cond delay="0"/>
                                           </p:stCondLst>
@@ -33685,7 +36472,7 @@
                                     </p:set>
                                     <p:animEffect transition="in" filter="fade">
                                       <p:cBhvr>
-                                        <p:cTn id="10" dur="500"/>
+                                        <p:cTn id="71" dur="500"/>
                                         <p:tgtEl>
                                           <p:spTgt spid="61">
                                             <p:txEl>
@@ -33705,746 +36492,26 @@
                     </p:cTn>
                   </p:par>
                   <p:par>
-                    <p:cTn id="11" fill="hold">
+                    <p:cTn id="72" fill="hold">
                       <p:stCondLst>
                         <p:cond delay="indefinite"/>
                       </p:stCondLst>
                       <p:childTnLst>
                         <p:par>
-                          <p:cTn id="12" fill="hold">
+                          <p:cTn id="73" fill="hold">
                             <p:stCondLst>
                               <p:cond delay="0"/>
                             </p:stCondLst>
                             <p:childTnLst>
                               <p:par>
-                                <p:cTn id="13" presetID="10" presetClass="entr" presetSubtype="0" fill="hold" grpId="0" nodeType="clickEffect">
+                                <p:cTn id="74" presetID="10" presetClass="entr" presetSubtype="0" fill="hold" nodeType="clickEffect">
                                   <p:stCondLst>
                                     <p:cond delay="0"/>
                                   </p:stCondLst>
                                   <p:childTnLst>
                                     <p:set>
                                       <p:cBhvr>
-                                        <p:cTn id="14" dur="1" fill="hold">
-                                          <p:stCondLst>
-                                            <p:cond delay="0"/>
-                                          </p:stCondLst>
-                                        </p:cTn>
-                                        <p:tgtEl>
-                                          <p:spTgt spid="8"/>
-                                        </p:tgtEl>
-                                        <p:attrNameLst>
-                                          <p:attrName>style.visibility</p:attrName>
-                                        </p:attrNameLst>
-                                      </p:cBhvr>
-                                      <p:to>
-                                        <p:strVal val="visible"/>
-                                      </p:to>
-                                    </p:set>
-                                    <p:animEffect transition="in" filter="fade">
-                                      <p:cBhvr>
-                                        <p:cTn id="15" dur="500"/>
-                                        <p:tgtEl>
-                                          <p:spTgt spid="8"/>
-                                        </p:tgtEl>
-                                      </p:cBhvr>
-                                    </p:animEffect>
-                                  </p:childTnLst>
-                                </p:cTn>
-                              </p:par>
-                            </p:childTnLst>
-                          </p:cTn>
-                        </p:par>
-                      </p:childTnLst>
-                    </p:cTn>
-                  </p:par>
-                  <p:par>
-                    <p:cTn id="16" fill="hold">
-                      <p:stCondLst>
-                        <p:cond delay="indefinite"/>
-                      </p:stCondLst>
-                      <p:childTnLst>
-                        <p:par>
-                          <p:cTn id="17" fill="hold">
-                            <p:stCondLst>
-                              <p:cond delay="0"/>
-                            </p:stCondLst>
-                            <p:childTnLst>
-                              <p:par>
-                                <p:cTn id="18" presetID="10" presetClass="entr" presetSubtype="0" fill="hold" nodeType="clickEffect">
-                                  <p:stCondLst>
-                                    <p:cond delay="0"/>
-                                  </p:stCondLst>
-                                  <p:childTnLst>
-                                    <p:set>
-                                      <p:cBhvr>
-                                        <p:cTn id="19" dur="1" fill="hold">
-                                          <p:stCondLst>
-                                            <p:cond delay="0"/>
-                                          </p:stCondLst>
-                                        </p:cTn>
-                                        <p:tgtEl>
-                                          <p:spTgt spid="19"/>
-                                        </p:tgtEl>
-                                        <p:attrNameLst>
-                                          <p:attrName>style.visibility</p:attrName>
-                                        </p:attrNameLst>
-                                      </p:cBhvr>
-                                      <p:to>
-                                        <p:strVal val="visible"/>
-                                      </p:to>
-                                    </p:set>
-                                    <p:animEffect transition="in" filter="fade">
-                                      <p:cBhvr>
-                                        <p:cTn id="20" dur="500"/>
-                                        <p:tgtEl>
-                                          <p:spTgt spid="19"/>
-                                        </p:tgtEl>
-                                      </p:cBhvr>
-                                    </p:animEffect>
-                                  </p:childTnLst>
-                                </p:cTn>
-                              </p:par>
-                              <p:par>
-                                <p:cTn id="21" presetID="10" presetClass="entr" presetSubtype="0" fill="hold" grpId="0" nodeType="withEffect">
-                                  <p:stCondLst>
-                                    <p:cond delay="0"/>
-                                  </p:stCondLst>
-                                  <p:childTnLst>
-                                    <p:set>
-                                      <p:cBhvr>
-                                        <p:cTn id="22" dur="1" fill="hold">
-                                          <p:stCondLst>
-                                            <p:cond delay="0"/>
-                                          </p:stCondLst>
-                                        </p:cTn>
-                                        <p:tgtEl>
-                                          <p:spTgt spid="9"/>
-                                        </p:tgtEl>
-                                        <p:attrNameLst>
-                                          <p:attrName>style.visibility</p:attrName>
-                                        </p:attrNameLst>
-                                      </p:cBhvr>
-                                      <p:to>
-                                        <p:strVal val="visible"/>
-                                      </p:to>
-                                    </p:set>
-                                    <p:animEffect transition="in" filter="fade">
-                                      <p:cBhvr>
-                                        <p:cTn id="23" dur="500"/>
-                                        <p:tgtEl>
-                                          <p:spTgt spid="9"/>
-                                        </p:tgtEl>
-                                      </p:cBhvr>
-                                    </p:animEffect>
-                                  </p:childTnLst>
-                                </p:cTn>
-                              </p:par>
-                            </p:childTnLst>
-                          </p:cTn>
-                        </p:par>
-                        <p:par>
-                          <p:cTn id="24" fill="hold">
-                            <p:stCondLst>
-                              <p:cond delay="500"/>
-                            </p:stCondLst>
-                            <p:childTnLst>
-                              <p:par>
-                                <p:cTn id="25" presetID="10" presetClass="entr" presetSubtype="0" fill="hold" grpId="0" nodeType="afterEffect">
-                                  <p:stCondLst>
-                                    <p:cond delay="0"/>
-                                  </p:stCondLst>
-                                  <p:childTnLst>
-                                    <p:set>
-                                      <p:cBhvr>
-                                        <p:cTn id="26" dur="1" fill="hold">
-                                          <p:stCondLst>
-                                            <p:cond delay="0"/>
-                                          </p:stCondLst>
-                                        </p:cTn>
-                                        <p:tgtEl>
-                                          <p:spTgt spid="27"/>
-                                        </p:tgtEl>
-                                        <p:attrNameLst>
-                                          <p:attrName>style.visibility</p:attrName>
-                                        </p:attrNameLst>
-                                      </p:cBhvr>
-                                      <p:to>
-                                        <p:strVal val="visible"/>
-                                      </p:to>
-                                    </p:set>
-                                    <p:animEffect transition="in" filter="fade">
-                                      <p:cBhvr>
-                                        <p:cTn id="27" dur="500"/>
-                                        <p:tgtEl>
-                                          <p:spTgt spid="27"/>
-                                        </p:tgtEl>
-                                      </p:cBhvr>
-                                    </p:animEffect>
-                                  </p:childTnLst>
-                                </p:cTn>
-                              </p:par>
-                            </p:childTnLst>
-                          </p:cTn>
-                        </p:par>
-                      </p:childTnLst>
-                    </p:cTn>
-                  </p:par>
-                  <p:par>
-                    <p:cTn id="28" fill="hold">
-                      <p:stCondLst>
-                        <p:cond delay="indefinite"/>
-                      </p:stCondLst>
-                      <p:childTnLst>
-                        <p:par>
-                          <p:cTn id="29" fill="hold">
-                            <p:stCondLst>
-                              <p:cond delay="0"/>
-                            </p:stCondLst>
-                            <p:childTnLst>
-                              <p:par>
-                                <p:cTn id="30" presetID="10" presetClass="entr" presetSubtype="0" fill="hold" grpId="0" nodeType="clickEffect">
-                                  <p:stCondLst>
-                                    <p:cond delay="0"/>
-                                  </p:stCondLst>
-                                  <p:childTnLst>
-                                    <p:set>
-                                      <p:cBhvr>
-                                        <p:cTn id="31" dur="1" fill="hold">
-                                          <p:stCondLst>
-                                            <p:cond delay="0"/>
-                                          </p:stCondLst>
-                                        </p:cTn>
-                                        <p:tgtEl>
-                                          <p:spTgt spid="10"/>
-                                        </p:tgtEl>
-                                        <p:attrNameLst>
-                                          <p:attrName>style.visibility</p:attrName>
-                                        </p:attrNameLst>
-                                      </p:cBhvr>
-                                      <p:to>
-                                        <p:strVal val="visible"/>
-                                      </p:to>
-                                    </p:set>
-                                    <p:animEffect transition="in" filter="fade">
-                                      <p:cBhvr>
-                                        <p:cTn id="32" dur="500"/>
-                                        <p:tgtEl>
-                                          <p:spTgt spid="10"/>
-                                        </p:tgtEl>
-                                      </p:cBhvr>
-                                    </p:animEffect>
-                                  </p:childTnLst>
-                                </p:cTn>
-                              </p:par>
-                              <p:par>
-                                <p:cTn id="33" presetID="10" presetClass="entr" presetSubtype="0" fill="hold" grpId="0" nodeType="withEffect">
-                                  <p:stCondLst>
-                                    <p:cond delay="0"/>
-                                  </p:stCondLst>
-                                  <p:childTnLst>
-                                    <p:set>
-                                      <p:cBhvr>
-                                        <p:cTn id="34" dur="1" fill="hold">
-                                          <p:stCondLst>
-                                            <p:cond delay="0"/>
-                                          </p:stCondLst>
-                                        </p:cTn>
-                                        <p:tgtEl>
-                                          <p:spTgt spid="11"/>
-                                        </p:tgtEl>
-                                        <p:attrNameLst>
-                                          <p:attrName>style.visibility</p:attrName>
-                                        </p:attrNameLst>
-                                      </p:cBhvr>
-                                      <p:to>
-                                        <p:strVal val="visible"/>
-                                      </p:to>
-                                    </p:set>
-                                    <p:animEffect transition="in" filter="fade">
-                                      <p:cBhvr>
-                                        <p:cTn id="35" dur="500"/>
-                                        <p:tgtEl>
-                                          <p:spTgt spid="11"/>
-                                        </p:tgtEl>
-                                      </p:cBhvr>
-                                    </p:animEffect>
-                                  </p:childTnLst>
-                                </p:cTn>
-                              </p:par>
-                            </p:childTnLst>
-                          </p:cTn>
-                        </p:par>
-                      </p:childTnLst>
-                    </p:cTn>
-                  </p:par>
-                  <p:par>
-                    <p:cTn id="36" fill="hold">
-                      <p:stCondLst>
-                        <p:cond delay="indefinite"/>
-                      </p:stCondLst>
-                      <p:childTnLst>
-                        <p:par>
-                          <p:cTn id="37" fill="hold">
-                            <p:stCondLst>
-                              <p:cond delay="0"/>
-                            </p:stCondLst>
-                            <p:childTnLst>
-                              <p:par>
-                                <p:cTn id="38" presetID="10" presetClass="entr" presetSubtype="0" fill="hold" grpId="0" nodeType="clickEffect">
-                                  <p:stCondLst>
-                                    <p:cond delay="0"/>
-                                  </p:stCondLst>
-                                  <p:childTnLst>
-                                    <p:set>
-                                      <p:cBhvr>
-                                        <p:cTn id="39" dur="1" fill="hold">
-                                          <p:stCondLst>
-                                            <p:cond delay="0"/>
-                                          </p:stCondLst>
-                                        </p:cTn>
-                                        <p:tgtEl>
-                                          <p:spTgt spid="12"/>
-                                        </p:tgtEl>
-                                        <p:attrNameLst>
-                                          <p:attrName>style.visibility</p:attrName>
-                                        </p:attrNameLst>
-                                      </p:cBhvr>
-                                      <p:to>
-                                        <p:strVal val="visible"/>
-                                      </p:to>
-                                    </p:set>
-                                    <p:animEffect transition="in" filter="fade">
-                                      <p:cBhvr>
-                                        <p:cTn id="40" dur="500"/>
-                                        <p:tgtEl>
-                                          <p:spTgt spid="12"/>
-                                        </p:tgtEl>
-                                      </p:cBhvr>
-                                    </p:animEffect>
-                                  </p:childTnLst>
-                                </p:cTn>
-                              </p:par>
-                              <p:par>
-                                <p:cTn id="41" presetID="10" presetClass="entr" presetSubtype="0" fill="hold" grpId="0" nodeType="withEffect">
-                                  <p:stCondLst>
-                                    <p:cond delay="0"/>
-                                  </p:stCondLst>
-                                  <p:childTnLst>
-                                    <p:set>
-                                      <p:cBhvr>
-                                        <p:cTn id="42" dur="1" fill="hold">
-                                          <p:stCondLst>
-                                            <p:cond delay="0"/>
-                                          </p:stCondLst>
-                                        </p:cTn>
-                                        <p:tgtEl>
-                                          <p:spTgt spid="13"/>
-                                        </p:tgtEl>
-                                        <p:attrNameLst>
-                                          <p:attrName>style.visibility</p:attrName>
-                                        </p:attrNameLst>
-                                      </p:cBhvr>
-                                      <p:to>
-                                        <p:strVal val="visible"/>
-                                      </p:to>
-                                    </p:set>
-                                    <p:animEffect transition="in" filter="fade">
-                                      <p:cBhvr>
-                                        <p:cTn id="43" dur="500"/>
-                                        <p:tgtEl>
-                                          <p:spTgt spid="13"/>
-                                        </p:tgtEl>
-                                      </p:cBhvr>
-                                    </p:animEffect>
-                                  </p:childTnLst>
-                                </p:cTn>
-                              </p:par>
-                              <p:par>
-                                <p:cTn id="44" presetID="10" presetClass="entr" presetSubtype="0" fill="hold" grpId="0" nodeType="withEffect">
-                                  <p:stCondLst>
-                                    <p:cond delay="0"/>
-                                  </p:stCondLst>
-                                  <p:childTnLst>
-                                    <p:set>
-                                      <p:cBhvr>
-                                        <p:cTn id="45" dur="1" fill="hold">
-                                          <p:stCondLst>
-                                            <p:cond delay="0"/>
-                                          </p:stCondLst>
-                                        </p:cTn>
-                                        <p:tgtEl>
-                                          <p:spTgt spid="14"/>
-                                        </p:tgtEl>
-                                        <p:attrNameLst>
-                                          <p:attrName>style.visibility</p:attrName>
-                                        </p:attrNameLst>
-                                      </p:cBhvr>
-                                      <p:to>
-                                        <p:strVal val="visible"/>
-                                      </p:to>
-                                    </p:set>
-                                    <p:animEffect transition="in" filter="fade">
-                                      <p:cBhvr>
-                                        <p:cTn id="46" dur="500"/>
-                                        <p:tgtEl>
-                                          <p:spTgt spid="14"/>
-                                        </p:tgtEl>
-                                      </p:cBhvr>
-                                    </p:animEffect>
-                                  </p:childTnLst>
-                                </p:cTn>
-                              </p:par>
-                              <p:par>
-                                <p:cTn id="47" presetID="10" presetClass="entr" presetSubtype="0" fill="hold" grpId="0" nodeType="withEffect">
-                                  <p:stCondLst>
-                                    <p:cond delay="0"/>
-                                  </p:stCondLst>
-                                  <p:childTnLst>
-                                    <p:set>
-                                      <p:cBhvr>
-                                        <p:cTn id="48" dur="1" fill="hold">
-                                          <p:stCondLst>
-                                            <p:cond delay="0"/>
-                                          </p:stCondLst>
-                                        </p:cTn>
-                                        <p:tgtEl>
-                                          <p:spTgt spid="15"/>
-                                        </p:tgtEl>
-                                        <p:attrNameLst>
-                                          <p:attrName>style.visibility</p:attrName>
-                                        </p:attrNameLst>
-                                      </p:cBhvr>
-                                      <p:to>
-                                        <p:strVal val="visible"/>
-                                      </p:to>
-                                    </p:set>
-                                    <p:animEffect transition="in" filter="fade">
-                                      <p:cBhvr>
-                                        <p:cTn id="49" dur="500"/>
-                                        <p:tgtEl>
-                                          <p:spTgt spid="15"/>
-                                        </p:tgtEl>
-                                      </p:cBhvr>
-                                    </p:animEffect>
-                                  </p:childTnLst>
-                                </p:cTn>
-                              </p:par>
-                              <p:par>
-                                <p:cTn id="50" presetID="10" presetClass="entr" presetSubtype="0" fill="hold" grpId="0" nodeType="withEffect">
-                                  <p:stCondLst>
-                                    <p:cond delay="0"/>
-                                  </p:stCondLst>
-                                  <p:childTnLst>
-                                    <p:set>
-                                      <p:cBhvr>
-                                        <p:cTn id="51" dur="1" fill="hold">
-                                          <p:stCondLst>
-                                            <p:cond delay="0"/>
-                                          </p:stCondLst>
-                                        </p:cTn>
-                                        <p:tgtEl>
-                                          <p:spTgt spid="16"/>
-                                        </p:tgtEl>
-                                        <p:attrNameLst>
-                                          <p:attrName>style.visibility</p:attrName>
-                                        </p:attrNameLst>
-                                      </p:cBhvr>
-                                      <p:to>
-                                        <p:strVal val="visible"/>
-                                      </p:to>
-                                    </p:set>
-                                    <p:animEffect transition="in" filter="fade">
-                                      <p:cBhvr>
-                                        <p:cTn id="52" dur="500"/>
-                                        <p:tgtEl>
-                                          <p:spTgt spid="16"/>
-                                        </p:tgtEl>
-                                      </p:cBhvr>
-                                    </p:animEffect>
-                                  </p:childTnLst>
-                                </p:cTn>
-                              </p:par>
-                              <p:par>
-                                <p:cTn id="53" presetID="10" presetClass="entr" presetSubtype="0" fill="hold" grpId="0" nodeType="withEffect">
-                                  <p:stCondLst>
-                                    <p:cond delay="0"/>
-                                  </p:stCondLst>
-                                  <p:childTnLst>
-                                    <p:set>
-                                      <p:cBhvr>
-                                        <p:cTn id="54" dur="1" fill="hold">
-                                          <p:stCondLst>
-                                            <p:cond delay="0"/>
-                                          </p:stCondLst>
-                                        </p:cTn>
-                                        <p:tgtEl>
-                                          <p:spTgt spid="59"/>
-                                        </p:tgtEl>
-                                        <p:attrNameLst>
-                                          <p:attrName>style.visibility</p:attrName>
-                                        </p:attrNameLst>
-                                      </p:cBhvr>
-                                      <p:to>
-                                        <p:strVal val="visible"/>
-                                      </p:to>
-                                    </p:set>
-                                    <p:animEffect transition="in" filter="fade">
-                                      <p:cBhvr>
-                                        <p:cTn id="55" dur="500"/>
-                                        <p:tgtEl>
-                                          <p:spTgt spid="59"/>
-                                        </p:tgtEl>
-                                      </p:cBhvr>
-                                    </p:animEffect>
-                                  </p:childTnLst>
-                                </p:cTn>
-                              </p:par>
-                              <p:par>
-                                <p:cTn id="56" presetID="10" presetClass="entr" presetSubtype="0" fill="hold" grpId="0" nodeType="withEffect">
-                                  <p:stCondLst>
-                                    <p:cond delay="0"/>
-                                  </p:stCondLst>
-                                  <p:childTnLst>
-                                    <p:set>
-                                      <p:cBhvr>
-                                        <p:cTn id="57" dur="1" fill="hold">
-                                          <p:stCondLst>
-                                            <p:cond delay="0"/>
-                                          </p:stCondLst>
-                                        </p:cTn>
-                                        <p:tgtEl>
-                                          <p:spTgt spid="17"/>
-                                        </p:tgtEl>
-                                        <p:attrNameLst>
-                                          <p:attrName>style.visibility</p:attrName>
-                                        </p:attrNameLst>
-                                      </p:cBhvr>
-                                      <p:to>
-                                        <p:strVal val="visible"/>
-                                      </p:to>
-                                    </p:set>
-                                    <p:animEffect transition="in" filter="fade">
-                                      <p:cBhvr>
-                                        <p:cTn id="58" dur="500"/>
-                                        <p:tgtEl>
-                                          <p:spTgt spid="17"/>
-                                        </p:tgtEl>
-                                      </p:cBhvr>
-                                    </p:animEffect>
-                                  </p:childTnLst>
-                                </p:cTn>
-                              </p:par>
-                            </p:childTnLst>
-                          </p:cTn>
-                        </p:par>
-                      </p:childTnLst>
-                    </p:cTn>
-                  </p:par>
-                  <p:par>
-                    <p:cTn id="59" fill="hold">
-                      <p:stCondLst>
-                        <p:cond delay="indefinite"/>
-                      </p:stCondLst>
-                      <p:childTnLst>
-                        <p:par>
-                          <p:cTn id="60" fill="hold">
-                            <p:stCondLst>
-                              <p:cond delay="0"/>
-                            </p:stCondLst>
-                            <p:childTnLst>
-                              <p:par>
-                                <p:cTn id="61" presetID="10" presetClass="entr" presetSubtype="0" fill="hold" nodeType="clickEffect">
-                                  <p:stCondLst>
-                                    <p:cond delay="0"/>
-                                  </p:stCondLst>
-                                  <p:childTnLst>
-                                    <p:set>
-                                      <p:cBhvr>
-                                        <p:cTn id="62" dur="1" fill="hold">
-                                          <p:stCondLst>
-                                            <p:cond delay="0"/>
-                                          </p:stCondLst>
-                                        </p:cTn>
-                                        <p:tgtEl>
-                                          <p:spTgt spid="56"/>
-                                        </p:tgtEl>
-                                        <p:attrNameLst>
-                                          <p:attrName>style.visibility</p:attrName>
-                                        </p:attrNameLst>
-                                      </p:cBhvr>
-                                      <p:to>
-                                        <p:strVal val="visible"/>
-                                      </p:to>
-                                    </p:set>
-                                    <p:animEffect transition="in" filter="fade">
-                                      <p:cBhvr>
-                                        <p:cTn id="63" dur="500"/>
-                                        <p:tgtEl>
-                                          <p:spTgt spid="56"/>
-                                        </p:tgtEl>
-                                      </p:cBhvr>
-                                    </p:animEffect>
-                                  </p:childTnLst>
-                                </p:cTn>
-                              </p:par>
-                              <p:par>
-                                <p:cTn id="64" presetID="10" presetClass="entr" presetSubtype="0" fill="hold" grpId="0" nodeType="withEffect">
-                                  <p:stCondLst>
-                                    <p:cond delay="0"/>
-                                  </p:stCondLst>
-                                  <p:childTnLst>
-                                    <p:set>
-                                      <p:cBhvr>
-                                        <p:cTn id="65" dur="1" fill="hold">
-                                          <p:stCondLst>
-                                            <p:cond delay="0"/>
-                                          </p:stCondLst>
-                                        </p:cTn>
-                                        <p:tgtEl>
-                                          <p:spTgt spid="21"/>
-                                        </p:tgtEl>
-                                        <p:attrNameLst>
-                                          <p:attrName>style.visibility</p:attrName>
-                                        </p:attrNameLst>
-                                      </p:cBhvr>
-                                      <p:to>
-                                        <p:strVal val="visible"/>
-                                      </p:to>
-                                    </p:set>
-                                    <p:animEffect transition="in" filter="fade">
-                                      <p:cBhvr>
-                                        <p:cTn id="66" dur="500"/>
-                                        <p:tgtEl>
-                                          <p:spTgt spid="21"/>
-                                        </p:tgtEl>
-                                      </p:cBhvr>
-                                    </p:animEffect>
-                                  </p:childTnLst>
-                                </p:cTn>
-                              </p:par>
-                            </p:childTnLst>
-                          </p:cTn>
-                        </p:par>
-                      </p:childTnLst>
-                    </p:cTn>
-                  </p:par>
-                  <p:par>
-                    <p:cTn id="67" fill="hold">
-                      <p:stCondLst>
-                        <p:cond delay="indefinite"/>
-                      </p:stCondLst>
-                      <p:childTnLst>
-                        <p:par>
-                          <p:cTn id="68" fill="hold">
-                            <p:stCondLst>
-                              <p:cond delay="0"/>
-                            </p:stCondLst>
-                            <p:childTnLst>
-                              <p:par>
-                                <p:cTn id="69" presetID="10" presetClass="entr" presetSubtype="0" fill="hold" grpId="0" nodeType="clickEffect">
-                                  <p:stCondLst>
-                                    <p:cond delay="0"/>
-                                  </p:stCondLst>
-                                  <p:childTnLst>
-                                    <p:set>
-                                      <p:cBhvr>
-                                        <p:cTn id="70" dur="1" fill="hold">
-                                          <p:stCondLst>
-                                            <p:cond delay="0"/>
-                                          </p:stCondLst>
-                                        </p:cTn>
-                                        <p:tgtEl>
-                                          <p:spTgt spid="28"/>
-                                        </p:tgtEl>
-                                        <p:attrNameLst>
-                                          <p:attrName>style.visibility</p:attrName>
-                                        </p:attrNameLst>
-                                      </p:cBhvr>
-                                      <p:to>
-                                        <p:strVal val="visible"/>
-                                      </p:to>
-                                    </p:set>
-                                    <p:animEffect transition="in" filter="fade">
-                                      <p:cBhvr>
-                                        <p:cTn id="71" dur="500"/>
-                                        <p:tgtEl>
-                                          <p:spTgt spid="28"/>
-                                        </p:tgtEl>
-                                      </p:cBhvr>
-                                    </p:animEffect>
-                                  </p:childTnLst>
-                                </p:cTn>
-                              </p:par>
-                              <p:par>
-                                <p:cTn id="72" presetID="10" presetClass="entr" presetSubtype="0" fill="hold" grpId="0" nodeType="withEffect">
-                                  <p:stCondLst>
-                                    <p:cond delay="0"/>
-                                  </p:stCondLst>
-                                  <p:childTnLst>
-                                    <p:set>
-                                      <p:cBhvr>
-                                        <p:cTn id="73" dur="1" fill="hold">
-                                          <p:stCondLst>
-                                            <p:cond delay="0"/>
-                                          </p:stCondLst>
-                                        </p:cTn>
-                                        <p:tgtEl>
-                                          <p:spTgt spid="61">
-                                            <p:txEl>
-                                              <p:pRg st="2" end="2"/>
-                                            </p:txEl>
-                                          </p:spTgt>
-                                        </p:tgtEl>
-                                        <p:attrNameLst>
-                                          <p:attrName>style.visibility</p:attrName>
-                                        </p:attrNameLst>
-                                      </p:cBhvr>
-                                      <p:to>
-                                        <p:strVal val="visible"/>
-                                      </p:to>
-                                    </p:set>
-                                    <p:animEffect transition="in" filter="fade">
-                                      <p:cBhvr>
-                                        <p:cTn id="74" dur="500"/>
-                                        <p:tgtEl>
-                                          <p:spTgt spid="61">
-                                            <p:txEl>
-                                              <p:pRg st="2" end="2"/>
-                                            </p:txEl>
-                                          </p:spTgt>
-                                        </p:tgtEl>
-                                      </p:cBhvr>
-                                    </p:animEffect>
-                                  </p:childTnLst>
-                                </p:cTn>
-                              </p:par>
-                            </p:childTnLst>
-                          </p:cTn>
-                        </p:par>
-                      </p:childTnLst>
-                    </p:cTn>
-                  </p:par>
-                  <p:par>
-                    <p:cTn id="75" fill="hold">
-                      <p:stCondLst>
-                        <p:cond delay="indefinite"/>
-                      </p:stCondLst>
-                      <p:childTnLst>
-                        <p:par>
-                          <p:cTn id="76" fill="hold">
-                            <p:stCondLst>
-                              <p:cond delay="0"/>
-                            </p:stCondLst>
-                            <p:childTnLst>
-                              <p:par>
-                                <p:cTn id="77" presetID="10" presetClass="entr" presetSubtype="0" fill="hold" nodeType="clickEffect">
-                                  <p:stCondLst>
-                                    <p:cond delay="0"/>
-                                  </p:stCondLst>
-                                  <p:childTnLst>
-                                    <p:set>
-                                      <p:cBhvr>
-                                        <p:cTn id="78" dur="1" fill="hold">
+                                        <p:cTn id="75" dur="1" fill="hold">
                                           <p:stCondLst>
                                             <p:cond delay="0"/>
                                           </p:stCondLst>
@@ -34462,7 +36529,7 @@
                                     </p:set>
                                     <p:animEffect transition="in" filter="fade">
                                       <p:cBhvr>
-                                        <p:cTn id="79" dur="500"/>
+                                        <p:cTn id="76" dur="500"/>
                                         <p:tgtEl>
                                           <p:spTgt spid="24"/>
                                         </p:tgtEl>
@@ -34472,14 +36539,14 @@
                                 </p:cTn>
                               </p:par>
                               <p:par>
-                                <p:cTn id="80" presetID="10" presetClass="entr" presetSubtype="0" fill="hold" nodeType="withEffect">
+                                <p:cTn id="77" presetID="10" presetClass="entr" presetSubtype="0" fill="hold" nodeType="withEffect">
                                   <p:stCondLst>
                                     <p:cond delay="0"/>
                                   </p:stCondLst>
                                   <p:childTnLst>
                                     <p:set>
                                       <p:cBhvr>
-                                        <p:cTn id="81" dur="1" fill="hold">
+                                        <p:cTn id="78" dur="1" fill="hold">
                                           <p:stCondLst>
                                             <p:cond delay="0"/>
                                           </p:stCondLst>
@@ -34497,7 +36564,7 @@
                                     </p:set>
                                     <p:animEffect transition="in" filter="fade">
                                       <p:cBhvr>
-                                        <p:cTn id="82" dur="500"/>
+                                        <p:cTn id="79" dur="500"/>
                                         <p:tgtEl>
                                           <p:spTgt spid="23"/>
                                         </p:tgtEl>
@@ -34510,20 +36577,20 @@
                           </p:cTn>
                         </p:par>
                         <p:par>
-                          <p:cTn id="83" fill="hold">
+                          <p:cTn id="80" fill="hold">
                             <p:stCondLst>
                               <p:cond delay="500"/>
                             </p:stCondLst>
                             <p:childTnLst>
                               <p:par>
-                                <p:cTn id="84" presetID="10" presetClass="entr" presetSubtype="0" fill="hold" grpId="0" nodeType="afterEffect">
+                                <p:cTn id="81" presetID="10" presetClass="entr" presetSubtype="0" fill="hold" grpId="0" nodeType="afterEffect">
                                   <p:stCondLst>
                                     <p:cond delay="0"/>
                                   </p:stCondLst>
                                   <p:childTnLst>
                                     <p:set>
                                       <p:cBhvr>
-                                        <p:cTn id="85" dur="1" fill="hold">
+                                        <p:cTn id="82" dur="1" fill="hold">
                                           <p:stCondLst>
                                             <p:cond delay="0"/>
                                           </p:stCondLst>
@@ -34541,7 +36608,7 @@
                                     </p:set>
                                     <p:animEffect transition="in" filter="fade">
                                       <p:cBhvr>
-                                        <p:cTn id="86" dur="500"/>
+                                        <p:cTn id="83" dur="500"/>
                                         <p:tgtEl>
                                           <p:spTgt spid="20"/>
                                         </p:tgtEl>
@@ -34557,26 +36624,26 @@
                     </p:cTn>
                   </p:par>
                   <p:par>
-                    <p:cTn id="87" fill="hold">
+                    <p:cTn id="84" fill="hold">
                       <p:stCondLst>
                         <p:cond delay="indefinite"/>
                       </p:stCondLst>
                       <p:childTnLst>
                         <p:par>
-                          <p:cTn id="88" fill="hold">
+                          <p:cTn id="85" fill="hold">
                             <p:stCondLst>
                               <p:cond delay="0"/>
                             </p:stCondLst>
                             <p:childTnLst>
                               <p:par>
-                                <p:cTn id="89" presetID="10" presetClass="entr" presetSubtype="0" fill="hold" grpId="0" nodeType="clickEffect">
+                                <p:cTn id="86" presetID="10" presetClass="entr" presetSubtype="0" fill="hold" grpId="0" nodeType="clickEffect">
                                   <p:stCondLst>
                                     <p:cond delay="0"/>
                                   </p:stCondLst>
                                   <p:childTnLst>
                                     <p:set>
                                       <p:cBhvr>
-                                        <p:cTn id="90" dur="1" fill="hold">
+                                        <p:cTn id="87" dur="1" fill="hold">
                                           <p:stCondLst>
                                             <p:cond delay="0"/>
                                           </p:stCondLst>
@@ -34594,9 +36661,44 @@
                                     </p:set>
                                     <p:animEffect transition="in" filter="fade">
                                       <p:cBhvr>
+                                        <p:cTn id="88" dur="500"/>
+                                        <p:tgtEl>
+                                          <p:spTgt spid="30"/>
+                                        </p:tgtEl>
+                                      </p:cBhvr>
+                                    </p:animEffect>
+                                  </p:childTnLst>
+                                </p:cTn>
+                              </p:par>
+                              <p:par>
+                                <p:cTn id="89" presetID="10" presetClass="entr" presetSubtype="0" fill="hold" grpId="0" nodeType="withEffect">
+                                  <p:stCondLst>
+                                    <p:cond delay="0"/>
+                                  </p:stCondLst>
+                                  <p:childTnLst>
+                                    <p:set>
+                                      <p:cBhvr>
+                                        <p:cTn id="90" dur="1" fill="hold">
+                                          <p:stCondLst>
+                                            <p:cond delay="0"/>
+                                          </p:stCondLst>
+                                        </p:cTn>
+                                        <p:tgtEl>
+                                          <p:spTgt spid="31"/>
+                                        </p:tgtEl>
+                                        <p:attrNameLst>
+                                          <p:attrName>style.visibility</p:attrName>
+                                        </p:attrNameLst>
+                                      </p:cBhvr>
+                                      <p:to>
+                                        <p:strVal val="visible"/>
+                                      </p:to>
+                                    </p:set>
+                                    <p:animEffect transition="in" filter="fade">
+                                      <p:cBhvr>
                                         <p:cTn id="91" dur="500"/>
                                         <p:tgtEl>
-                                          <p:spTgt spid="30"/>
+                                          <p:spTgt spid="31"/>
                                         </p:tgtEl>
                                       </p:cBhvr>
                                     </p:animEffect>
@@ -34617,7 +36719,7 @@
                                           </p:stCondLst>
                                         </p:cTn>
                                         <p:tgtEl>
-                                          <p:spTgt spid="31"/>
+                                          <p:spTgt spid="32"/>
                                         </p:tgtEl>
                                         <p:attrNameLst>
                                           <p:attrName>style.visibility</p:attrName>
@@ -34631,7 +36733,7 @@
                                       <p:cBhvr>
                                         <p:cTn id="94" dur="500"/>
                                         <p:tgtEl>
-                                          <p:spTgt spid="31"/>
+                                          <p:spTgt spid="32"/>
                                         </p:tgtEl>
                                       </p:cBhvr>
                                     </p:animEffect>
@@ -34652,7 +36754,7 @@
                                           </p:stCondLst>
                                         </p:cTn>
                                         <p:tgtEl>
-                                          <p:spTgt spid="32"/>
+                                          <p:spTgt spid="33"/>
                                         </p:tgtEl>
                                         <p:attrNameLst>
                                           <p:attrName>style.visibility</p:attrName>
@@ -34666,7 +36768,7 @@
                                       <p:cBhvr>
                                         <p:cTn id="97" dur="500"/>
                                         <p:tgtEl>
-                                          <p:spTgt spid="32"/>
+                                          <p:spTgt spid="33"/>
                                         </p:tgtEl>
                                       </p:cBhvr>
                                     </p:animEffect>
@@ -34687,7 +36789,7 @@
                                           </p:stCondLst>
                                         </p:cTn>
                                         <p:tgtEl>
-                                          <p:spTgt spid="33"/>
+                                          <p:spTgt spid="34"/>
                                         </p:tgtEl>
                                         <p:attrNameLst>
                                           <p:attrName>style.visibility</p:attrName>
@@ -34701,41 +36803,6 @@
                                       <p:cBhvr>
                                         <p:cTn id="100" dur="500"/>
                                         <p:tgtEl>
-                                          <p:spTgt spid="33"/>
-                                        </p:tgtEl>
-                                      </p:cBhvr>
-                                    </p:animEffect>
-                                  </p:childTnLst>
-                                </p:cTn>
-                              </p:par>
-                              <p:par>
-                                <p:cTn id="101" presetID="10" presetClass="entr" presetSubtype="0" fill="hold" grpId="0" nodeType="withEffect">
-                                  <p:stCondLst>
-                                    <p:cond delay="0"/>
-                                  </p:stCondLst>
-                                  <p:childTnLst>
-                                    <p:set>
-                                      <p:cBhvr>
-                                        <p:cTn id="102" dur="1" fill="hold">
-                                          <p:stCondLst>
-                                            <p:cond delay="0"/>
-                                          </p:stCondLst>
-                                        </p:cTn>
-                                        <p:tgtEl>
-                                          <p:spTgt spid="34"/>
-                                        </p:tgtEl>
-                                        <p:attrNameLst>
-                                          <p:attrName>style.visibility</p:attrName>
-                                        </p:attrNameLst>
-                                      </p:cBhvr>
-                                      <p:to>
-                                        <p:strVal val="visible"/>
-                                      </p:to>
-                                    </p:set>
-                                    <p:animEffect transition="in" filter="fade">
-                                      <p:cBhvr>
-                                        <p:cTn id="103" dur="500"/>
-                                        <p:tgtEl>
                                           <p:spTgt spid="34"/>
                                         </p:tgtEl>
                                       </p:cBhvr>
@@ -34744,14 +36811,14 @@
                                 </p:cTn>
                               </p:par>
                               <p:par>
-                                <p:cTn id="104" presetID="10" presetClass="entr" presetSubtype="0" fill="hold" nodeType="withEffect">
+                                <p:cTn id="101" presetID="10" presetClass="entr" presetSubtype="0" fill="hold" nodeType="withEffect">
                                   <p:stCondLst>
                                     <p:cond delay="0"/>
                                   </p:stCondLst>
                                   <p:childTnLst>
                                     <p:set>
                                       <p:cBhvr>
-                                        <p:cTn id="105" dur="1" fill="hold">
+                                        <p:cTn id="102" dur="1" fill="hold">
                                           <p:stCondLst>
                                             <p:cond delay="0"/>
                                           </p:stCondLst>
@@ -34769,7 +36836,7 @@
                                     </p:set>
                                     <p:animEffect transition="in" filter="fade">
                                       <p:cBhvr>
-                                        <p:cTn id="106" dur="500"/>
+                                        <p:cTn id="103" dur="500"/>
                                         <p:tgtEl>
                                           <p:spTgt spid="49"/>
                                         </p:tgtEl>
@@ -34785,26 +36852,26 @@
                     </p:cTn>
                   </p:par>
                   <p:par>
-                    <p:cTn id="107" fill="hold">
+                    <p:cTn id="104" fill="hold">
                       <p:stCondLst>
                         <p:cond delay="indefinite"/>
                       </p:stCondLst>
                       <p:childTnLst>
                         <p:par>
-                          <p:cTn id="108" fill="hold">
+                          <p:cTn id="105" fill="hold">
                             <p:stCondLst>
                               <p:cond delay="0"/>
                             </p:stCondLst>
                             <p:childTnLst>
                               <p:par>
-                                <p:cTn id="109" presetID="10" presetClass="entr" presetSubtype="0" fill="hold" grpId="0" nodeType="clickEffect">
+                                <p:cTn id="106" presetID="10" presetClass="entr" presetSubtype="0" fill="hold" grpId="0" nodeType="clickEffect">
                                   <p:stCondLst>
                                     <p:cond delay="0"/>
                                   </p:stCondLst>
                                   <p:childTnLst>
                                     <p:set>
                                       <p:cBhvr>
-                                        <p:cTn id="110" dur="1" fill="hold">
+                                        <p:cTn id="107" dur="1" fill="hold">
                                           <p:stCondLst>
                                             <p:cond delay="0"/>
                                           </p:stCondLst>
@@ -34822,7 +36889,7 @@
                                     </p:set>
                                     <p:animEffect transition="in" filter="fade">
                                       <p:cBhvr>
-                                        <p:cTn id="111" dur="500"/>
+                                        <p:cTn id="108" dur="500"/>
                                         <p:tgtEl>
                                           <p:spTgt spid="52"/>
                                         </p:tgtEl>
@@ -34832,14 +36899,14 @@
                                 </p:cTn>
                               </p:par>
                               <p:par>
-                                <p:cTn id="112" presetID="10" presetClass="entr" presetSubtype="0" fill="hold" nodeType="withEffect">
+                                <p:cTn id="109" presetID="10" presetClass="entr" presetSubtype="0" fill="hold" nodeType="withEffect">
                                   <p:stCondLst>
                                     <p:cond delay="0"/>
                                   </p:stCondLst>
                                   <p:childTnLst>
                                     <p:set>
                                       <p:cBhvr>
-                                        <p:cTn id="113" dur="1" fill="hold">
+                                        <p:cTn id="110" dur="1" fill="hold">
                                           <p:stCondLst>
                                             <p:cond delay="0"/>
                                           </p:stCondLst>
@@ -34857,7 +36924,7 @@
                                     </p:set>
                                     <p:animEffect transition="in" filter="fade">
                                       <p:cBhvr>
-                                        <p:cTn id="114" dur="500"/>
+                                        <p:cTn id="111" dur="500"/>
                                         <p:tgtEl>
                                           <p:spTgt spid="53"/>
                                         </p:tgtEl>
